--- a/Spatio-temporele modellen.pptx
+++ b/Spatio-temporele modellen.pptx
@@ -4,6 +4,9 @@
   <p:sldMasterIdLst>
     <p:sldMasterId id="2147483660" r:id="rId1"/>
   </p:sldMasterIdLst>
+  <p:notesMasterIdLst>
+    <p:notesMasterId r:id="rId15"/>
+  </p:notesMasterIdLst>
   <p:sldIdLst>
     <p:sldId id="256" r:id="rId2"/>
     <p:sldId id="257" r:id="rId3"/>
@@ -12,9 +15,12 @@
     <p:sldId id="261" r:id="rId6"/>
     <p:sldId id="262" r:id="rId7"/>
     <p:sldId id="263" r:id="rId8"/>
-    <p:sldId id="264" r:id="rId9"/>
-    <p:sldId id="265" r:id="rId10"/>
-    <p:sldId id="259" r:id="rId11"/>
+    <p:sldId id="266" r:id="rId9"/>
+    <p:sldId id="267" r:id="rId10"/>
+    <p:sldId id="268" r:id="rId11"/>
+    <p:sldId id="264" r:id="rId12"/>
+    <p:sldId id="265" r:id="rId13"/>
+    <p:sldId id="259" r:id="rId14"/>
   </p:sldIdLst>
   <p:sldSz cx="12192000" cy="6858000"/>
   <p:notesSz cx="6858000" cy="9144000"/>
@@ -113,6 +119,11 @@
       </a:defRPr>
     </a:lvl9pPr>
   </p:defaultTextStyle>
+  <p:extLst>
+    <p:ext uri="{EFAFB233-063F-42B5-8137-9DF3F51BA10A}">
+      <p15:sldGuideLst xmlns:p15="http://schemas.microsoft.com/office/powerpoint/2012/main"/>
+    </p:ext>
+  </p:extLst>
 </p:presentation>
 </file>
 
@@ -407,6 +418,608 @@
 </pc:chgInfo>
 </file>
 
+<file path=ppt/notesMasters/notesMaster1.xml><?xml version="1.0" encoding="utf-8"?>
+<p:notesMaster xmlns:a="http://schemas.openxmlformats.org/drawingml/2006/main" xmlns:r="http://schemas.openxmlformats.org/officeDocument/2006/relationships" xmlns:p="http://schemas.openxmlformats.org/presentationml/2006/main">
+  <p:cSld>
+    <p:bg>
+      <p:bgRef idx="1001">
+        <a:schemeClr val="bg1"/>
+      </p:bgRef>
+    </p:bg>
+    <p:spTree>
+      <p:nvGrpSpPr>
+        <p:cNvPr id="1" name=""/>
+        <p:cNvGrpSpPr/>
+        <p:nvPr/>
+      </p:nvGrpSpPr>
+      <p:grpSpPr>
+        <a:xfrm>
+          <a:off x="0" y="0"/>
+          <a:ext cx="0" cy="0"/>
+          <a:chOff x="0" y="0"/>
+          <a:chExt cx="0" cy="0"/>
+        </a:xfrm>
+      </p:grpSpPr>
+      <p:sp>
+        <p:nvSpPr>
+          <p:cNvPr id="2" name="Header Placeholder 1"/>
+          <p:cNvSpPr>
+            <a:spLocks noGrp="1"/>
+          </p:cNvSpPr>
+          <p:nvPr>
+            <p:ph type="hdr" sz="quarter"/>
+          </p:nvPr>
+        </p:nvSpPr>
+        <p:spPr>
+          <a:xfrm>
+            <a:off x="0" y="0"/>
+            <a:ext cx="2971800" cy="458788"/>
+          </a:xfrm>
+          <a:prstGeom prst="rect">
+            <a:avLst/>
+          </a:prstGeom>
+        </p:spPr>
+        <p:txBody>
+          <a:bodyPr vert="horz" lIns="91440" tIns="45720" rIns="91440" bIns="45720" rtlCol="0"/>
+          <a:lstStyle>
+            <a:lvl1pPr algn="l">
+              <a:defRPr sz="1200"/>
+            </a:lvl1pPr>
+          </a:lstStyle>
+          <a:p>
+            <a:endParaRPr lang="nl-BE"/>
+          </a:p>
+        </p:txBody>
+      </p:sp>
+      <p:sp>
+        <p:nvSpPr>
+          <p:cNvPr id="3" name="Date Placeholder 2"/>
+          <p:cNvSpPr>
+            <a:spLocks noGrp="1"/>
+          </p:cNvSpPr>
+          <p:nvPr>
+            <p:ph type="dt" idx="1"/>
+          </p:nvPr>
+        </p:nvSpPr>
+        <p:spPr>
+          <a:xfrm>
+            <a:off x="3884613" y="0"/>
+            <a:ext cx="2971800" cy="458788"/>
+          </a:xfrm>
+          <a:prstGeom prst="rect">
+            <a:avLst/>
+          </a:prstGeom>
+        </p:spPr>
+        <p:txBody>
+          <a:bodyPr vert="horz" lIns="91440" tIns="45720" rIns="91440" bIns="45720" rtlCol="0"/>
+          <a:lstStyle>
+            <a:lvl1pPr algn="r">
+              <a:defRPr sz="1200"/>
+            </a:lvl1pPr>
+          </a:lstStyle>
+          <a:p>
+            <a:fld id="{7B192BA4-6F49-42E4-9F3C-818E1F263FC4}" type="datetimeFigureOut">
+              <a:rPr lang="nl-BE" smtClean="0"/>
+              <a:t>20/06/2022</a:t>
+            </a:fld>
+            <a:endParaRPr lang="nl-BE"/>
+          </a:p>
+        </p:txBody>
+      </p:sp>
+      <p:sp>
+        <p:nvSpPr>
+          <p:cNvPr id="4" name="Slide Image Placeholder 3"/>
+          <p:cNvSpPr>
+            <a:spLocks noGrp="1" noRot="1" noChangeAspect="1"/>
+          </p:cNvSpPr>
+          <p:nvPr>
+            <p:ph type="sldImg" idx="2"/>
+          </p:nvPr>
+        </p:nvSpPr>
+        <p:spPr>
+          <a:xfrm>
+            <a:off x="685800" y="1143000"/>
+            <a:ext cx="5486400" cy="3086100"/>
+          </a:xfrm>
+          <a:prstGeom prst="rect">
+            <a:avLst/>
+          </a:prstGeom>
+          <a:noFill/>
+          <a:ln w="12700">
+            <a:solidFill>
+              <a:prstClr val="black"/>
+            </a:solidFill>
+          </a:ln>
+        </p:spPr>
+        <p:txBody>
+          <a:bodyPr vert="horz" lIns="91440" tIns="45720" rIns="91440" bIns="45720" rtlCol="0" anchor="ctr"/>
+          <a:lstStyle/>
+          <a:p>
+            <a:endParaRPr lang="nl-BE"/>
+          </a:p>
+        </p:txBody>
+      </p:sp>
+      <p:sp>
+        <p:nvSpPr>
+          <p:cNvPr id="5" name="Notes Placeholder 4"/>
+          <p:cNvSpPr>
+            <a:spLocks noGrp="1"/>
+          </p:cNvSpPr>
+          <p:nvPr>
+            <p:ph type="body" sz="quarter" idx="3"/>
+          </p:nvPr>
+        </p:nvSpPr>
+        <p:spPr>
+          <a:xfrm>
+            <a:off x="685800" y="4400550"/>
+            <a:ext cx="5486400" cy="3600450"/>
+          </a:xfrm>
+          <a:prstGeom prst="rect">
+            <a:avLst/>
+          </a:prstGeom>
+        </p:spPr>
+        <p:txBody>
+          <a:bodyPr vert="horz" lIns="91440" tIns="45720" rIns="91440" bIns="45720" rtlCol="0"/>
+          <a:lstStyle/>
+          <a:p>
+            <a:pPr lvl="0"/>
+            <a:r>
+              <a:rPr lang="en-US"/>
+              <a:t>Edit Master text styles</a:t>
+            </a:r>
+          </a:p>
+          <a:p>
+            <a:pPr lvl="1"/>
+            <a:r>
+              <a:rPr lang="en-US"/>
+              <a:t>Second level</a:t>
+            </a:r>
+          </a:p>
+          <a:p>
+            <a:pPr lvl="2"/>
+            <a:r>
+              <a:rPr lang="en-US"/>
+              <a:t>Third level</a:t>
+            </a:r>
+          </a:p>
+          <a:p>
+            <a:pPr lvl="3"/>
+            <a:r>
+              <a:rPr lang="en-US"/>
+              <a:t>Fourth level</a:t>
+            </a:r>
+          </a:p>
+          <a:p>
+            <a:pPr lvl="4"/>
+            <a:r>
+              <a:rPr lang="en-US"/>
+              <a:t>Fifth level</a:t>
+            </a:r>
+            <a:endParaRPr lang="nl-BE"/>
+          </a:p>
+        </p:txBody>
+      </p:sp>
+      <p:sp>
+        <p:nvSpPr>
+          <p:cNvPr id="6" name="Footer Placeholder 5"/>
+          <p:cNvSpPr>
+            <a:spLocks noGrp="1"/>
+          </p:cNvSpPr>
+          <p:nvPr>
+            <p:ph type="ftr" sz="quarter" idx="4"/>
+          </p:nvPr>
+        </p:nvSpPr>
+        <p:spPr>
+          <a:xfrm>
+            <a:off x="0" y="8685213"/>
+            <a:ext cx="2971800" cy="458787"/>
+          </a:xfrm>
+          <a:prstGeom prst="rect">
+            <a:avLst/>
+          </a:prstGeom>
+        </p:spPr>
+        <p:txBody>
+          <a:bodyPr vert="horz" lIns="91440" tIns="45720" rIns="91440" bIns="45720" rtlCol="0" anchor="b"/>
+          <a:lstStyle>
+            <a:lvl1pPr algn="l">
+              <a:defRPr sz="1200"/>
+            </a:lvl1pPr>
+          </a:lstStyle>
+          <a:p>
+            <a:endParaRPr lang="nl-BE"/>
+          </a:p>
+        </p:txBody>
+      </p:sp>
+      <p:sp>
+        <p:nvSpPr>
+          <p:cNvPr id="7" name="Slide Number Placeholder 6"/>
+          <p:cNvSpPr>
+            <a:spLocks noGrp="1"/>
+          </p:cNvSpPr>
+          <p:nvPr>
+            <p:ph type="sldNum" sz="quarter" idx="5"/>
+          </p:nvPr>
+        </p:nvSpPr>
+        <p:spPr>
+          <a:xfrm>
+            <a:off x="3884613" y="8685213"/>
+            <a:ext cx="2971800" cy="458787"/>
+          </a:xfrm>
+          <a:prstGeom prst="rect">
+            <a:avLst/>
+          </a:prstGeom>
+        </p:spPr>
+        <p:txBody>
+          <a:bodyPr vert="horz" lIns="91440" tIns="45720" rIns="91440" bIns="45720" rtlCol="0" anchor="b"/>
+          <a:lstStyle>
+            <a:lvl1pPr algn="r">
+              <a:defRPr sz="1200"/>
+            </a:lvl1pPr>
+          </a:lstStyle>
+          <a:p>
+            <a:fld id="{8B35E05E-D5CB-4B04-AB45-6608A189B973}" type="slidenum">
+              <a:rPr lang="nl-BE" smtClean="0"/>
+              <a:t>‹#›</a:t>
+            </a:fld>
+            <a:endParaRPr lang="nl-BE"/>
+          </a:p>
+        </p:txBody>
+      </p:sp>
+    </p:spTree>
+    <p:extLst>
+      <p:ext uri="{BB962C8B-B14F-4D97-AF65-F5344CB8AC3E}">
+        <p14:creationId xmlns:p14="http://schemas.microsoft.com/office/powerpoint/2010/main" val="2642302777"/>
+      </p:ext>
+    </p:extLst>
+  </p:cSld>
+  <p:clrMap bg1="lt1" tx1="dk1" bg2="lt2" tx2="dk2" accent1="accent1" accent2="accent2" accent3="accent3" accent4="accent4" accent5="accent5" accent6="accent6" hlink="hlink" folHlink="folHlink"/>
+  <p:notesStyle>
+    <a:lvl1pPr marL="0" algn="l" defTabSz="914400" rtl="0" eaLnBrk="1" latinLnBrk="0" hangingPunct="1">
+      <a:defRPr sz="1200" kern="1200">
+        <a:solidFill>
+          <a:schemeClr val="tx1"/>
+        </a:solidFill>
+        <a:latin typeface="+mn-lt"/>
+        <a:ea typeface="+mn-ea"/>
+        <a:cs typeface="+mn-cs"/>
+      </a:defRPr>
+    </a:lvl1pPr>
+    <a:lvl2pPr marL="457200" algn="l" defTabSz="914400" rtl="0" eaLnBrk="1" latinLnBrk="0" hangingPunct="1">
+      <a:defRPr sz="1200" kern="1200">
+        <a:solidFill>
+          <a:schemeClr val="tx1"/>
+        </a:solidFill>
+        <a:latin typeface="+mn-lt"/>
+        <a:ea typeface="+mn-ea"/>
+        <a:cs typeface="+mn-cs"/>
+      </a:defRPr>
+    </a:lvl2pPr>
+    <a:lvl3pPr marL="914400" algn="l" defTabSz="914400" rtl="0" eaLnBrk="1" latinLnBrk="0" hangingPunct="1">
+      <a:defRPr sz="1200" kern="1200">
+        <a:solidFill>
+          <a:schemeClr val="tx1"/>
+        </a:solidFill>
+        <a:latin typeface="+mn-lt"/>
+        <a:ea typeface="+mn-ea"/>
+        <a:cs typeface="+mn-cs"/>
+      </a:defRPr>
+    </a:lvl3pPr>
+    <a:lvl4pPr marL="1371600" algn="l" defTabSz="914400" rtl="0" eaLnBrk="1" latinLnBrk="0" hangingPunct="1">
+      <a:defRPr sz="1200" kern="1200">
+        <a:solidFill>
+          <a:schemeClr val="tx1"/>
+        </a:solidFill>
+        <a:latin typeface="+mn-lt"/>
+        <a:ea typeface="+mn-ea"/>
+        <a:cs typeface="+mn-cs"/>
+      </a:defRPr>
+    </a:lvl4pPr>
+    <a:lvl5pPr marL="1828800" algn="l" defTabSz="914400" rtl="0" eaLnBrk="1" latinLnBrk="0" hangingPunct="1">
+      <a:defRPr sz="1200" kern="1200">
+        <a:solidFill>
+          <a:schemeClr val="tx1"/>
+        </a:solidFill>
+        <a:latin typeface="+mn-lt"/>
+        <a:ea typeface="+mn-ea"/>
+        <a:cs typeface="+mn-cs"/>
+      </a:defRPr>
+    </a:lvl5pPr>
+    <a:lvl6pPr marL="2286000" algn="l" defTabSz="914400" rtl="0" eaLnBrk="1" latinLnBrk="0" hangingPunct="1">
+      <a:defRPr sz="1200" kern="1200">
+        <a:solidFill>
+          <a:schemeClr val="tx1"/>
+        </a:solidFill>
+        <a:latin typeface="+mn-lt"/>
+        <a:ea typeface="+mn-ea"/>
+        <a:cs typeface="+mn-cs"/>
+      </a:defRPr>
+    </a:lvl6pPr>
+    <a:lvl7pPr marL="2743200" algn="l" defTabSz="914400" rtl="0" eaLnBrk="1" latinLnBrk="0" hangingPunct="1">
+      <a:defRPr sz="1200" kern="1200">
+        <a:solidFill>
+          <a:schemeClr val="tx1"/>
+        </a:solidFill>
+        <a:latin typeface="+mn-lt"/>
+        <a:ea typeface="+mn-ea"/>
+        <a:cs typeface="+mn-cs"/>
+      </a:defRPr>
+    </a:lvl7pPr>
+    <a:lvl8pPr marL="3200400" algn="l" defTabSz="914400" rtl="0" eaLnBrk="1" latinLnBrk="0" hangingPunct="1">
+      <a:defRPr sz="1200" kern="1200">
+        <a:solidFill>
+          <a:schemeClr val="tx1"/>
+        </a:solidFill>
+        <a:latin typeface="+mn-lt"/>
+        <a:ea typeface="+mn-ea"/>
+        <a:cs typeface="+mn-cs"/>
+      </a:defRPr>
+    </a:lvl8pPr>
+    <a:lvl9pPr marL="3657600" algn="l" defTabSz="914400" rtl="0" eaLnBrk="1" latinLnBrk="0" hangingPunct="1">
+      <a:defRPr sz="1200" kern="1200">
+        <a:solidFill>
+          <a:schemeClr val="tx1"/>
+        </a:solidFill>
+        <a:latin typeface="+mn-lt"/>
+        <a:ea typeface="+mn-ea"/>
+        <a:cs typeface="+mn-cs"/>
+      </a:defRPr>
+    </a:lvl9pPr>
+  </p:notesStyle>
+</p:notesMaster>
+</file>
+
+<file path=ppt/notesSlides/notesSlide1.xml><?xml version="1.0" encoding="utf-8"?>
+<p:notes xmlns:a="http://schemas.openxmlformats.org/drawingml/2006/main" xmlns:r="http://schemas.openxmlformats.org/officeDocument/2006/relationships" xmlns:p="http://schemas.openxmlformats.org/presentationml/2006/main">
+  <p:cSld>
+    <p:spTree>
+      <p:nvGrpSpPr>
+        <p:cNvPr id="1" name=""/>
+        <p:cNvGrpSpPr/>
+        <p:nvPr/>
+      </p:nvGrpSpPr>
+      <p:grpSpPr>
+        <a:xfrm>
+          <a:off x="0" y="0"/>
+          <a:ext cx="0" cy="0"/>
+          <a:chOff x="0" y="0"/>
+          <a:chExt cx="0" cy="0"/>
+        </a:xfrm>
+      </p:grpSpPr>
+      <p:sp>
+        <p:nvSpPr>
+          <p:cNvPr id="2" name="Slide Image Placeholder 1"/>
+          <p:cNvSpPr>
+            <a:spLocks noGrp="1" noRot="1" noChangeAspect="1"/>
+          </p:cNvSpPr>
+          <p:nvPr>
+            <p:ph type="sldImg"/>
+          </p:nvPr>
+        </p:nvSpPr>
+        <p:spPr/>
+      </p:sp>
+      <p:sp>
+        <p:nvSpPr>
+          <p:cNvPr id="3" name="Notes Placeholder 2"/>
+          <p:cNvSpPr>
+            <a:spLocks noGrp="1"/>
+          </p:cNvSpPr>
+          <p:nvPr>
+            <p:ph type="body" idx="1"/>
+          </p:nvPr>
+        </p:nvSpPr>
+        <p:spPr/>
+        <p:txBody>
+          <a:bodyPr/>
+          <a:lstStyle/>
+          <a:p>
+            <a:endParaRPr lang="nl-BE" dirty="0"/>
+          </a:p>
+        </p:txBody>
+      </p:sp>
+      <p:sp>
+        <p:nvSpPr>
+          <p:cNvPr id="4" name="Slide Number Placeholder 3"/>
+          <p:cNvSpPr>
+            <a:spLocks noGrp="1"/>
+          </p:cNvSpPr>
+          <p:nvPr>
+            <p:ph type="sldNum" sz="quarter" idx="5"/>
+          </p:nvPr>
+        </p:nvSpPr>
+        <p:spPr/>
+        <p:txBody>
+          <a:bodyPr/>
+          <a:lstStyle/>
+          <a:p>
+            <a:fld id="{8B35E05E-D5CB-4B04-AB45-6608A189B973}" type="slidenum">
+              <a:rPr lang="nl-BE" smtClean="0"/>
+              <a:t>8</a:t>
+            </a:fld>
+            <a:endParaRPr lang="nl-BE"/>
+          </a:p>
+        </p:txBody>
+      </p:sp>
+    </p:spTree>
+    <p:extLst>
+      <p:ext uri="{BB962C8B-B14F-4D97-AF65-F5344CB8AC3E}">
+        <p14:creationId xmlns:p14="http://schemas.microsoft.com/office/powerpoint/2010/main" val="1835104303"/>
+      </p:ext>
+    </p:extLst>
+  </p:cSld>
+  <p:clrMapOvr>
+    <a:masterClrMapping/>
+  </p:clrMapOvr>
+</p:notes>
+</file>
+
+<file path=ppt/notesSlides/notesSlide2.xml><?xml version="1.0" encoding="utf-8"?>
+<p:notes xmlns:a="http://schemas.openxmlformats.org/drawingml/2006/main" xmlns:r="http://schemas.openxmlformats.org/officeDocument/2006/relationships" xmlns:p="http://schemas.openxmlformats.org/presentationml/2006/main">
+  <p:cSld>
+    <p:spTree>
+      <p:nvGrpSpPr>
+        <p:cNvPr id="1" name=""/>
+        <p:cNvGrpSpPr/>
+        <p:nvPr/>
+      </p:nvGrpSpPr>
+      <p:grpSpPr>
+        <a:xfrm>
+          <a:off x="0" y="0"/>
+          <a:ext cx="0" cy="0"/>
+          <a:chOff x="0" y="0"/>
+          <a:chExt cx="0" cy="0"/>
+        </a:xfrm>
+      </p:grpSpPr>
+      <p:sp>
+        <p:nvSpPr>
+          <p:cNvPr id="2" name="Slide Image Placeholder 1"/>
+          <p:cNvSpPr>
+            <a:spLocks noGrp="1" noRot="1" noChangeAspect="1"/>
+          </p:cNvSpPr>
+          <p:nvPr>
+            <p:ph type="sldImg"/>
+          </p:nvPr>
+        </p:nvSpPr>
+        <p:spPr/>
+      </p:sp>
+      <p:sp>
+        <p:nvSpPr>
+          <p:cNvPr id="3" name="Notes Placeholder 2"/>
+          <p:cNvSpPr>
+            <a:spLocks noGrp="1"/>
+          </p:cNvSpPr>
+          <p:nvPr>
+            <p:ph type="body" idx="1"/>
+          </p:nvPr>
+        </p:nvSpPr>
+        <p:spPr/>
+        <p:txBody>
+          <a:bodyPr/>
+          <a:lstStyle/>
+          <a:p>
+            <a:endParaRPr lang="nl-BE" dirty="0"/>
+          </a:p>
+        </p:txBody>
+      </p:sp>
+      <p:sp>
+        <p:nvSpPr>
+          <p:cNvPr id="4" name="Slide Number Placeholder 3"/>
+          <p:cNvSpPr>
+            <a:spLocks noGrp="1"/>
+          </p:cNvSpPr>
+          <p:nvPr>
+            <p:ph type="sldNum" sz="quarter" idx="5"/>
+          </p:nvPr>
+        </p:nvSpPr>
+        <p:spPr/>
+        <p:txBody>
+          <a:bodyPr/>
+          <a:lstStyle/>
+          <a:p>
+            <a:fld id="{8B35E05E-D5CB-4B04-AB45-6608A189B973}" type="slidenum">
+              <a:rPr lang="nl-BE" smtClean="0"/>
+              <a:t>9</a:t>
+            </a:fld>
+            <a:endParaRPr lang="nl-BE"/>
+          </a:p>
+        </p:txBody>
+      </p:sp>
+    </p:spTree>
+    <p:extLst>
+      <p:ext uri="{BB962C8B-B14F-4D97-AF65-F5344CB8AC3E}">
+        <p14:creationId xmlns:p14="http://schemas.microsoft.com/office/powerpoint/2010/main" val="2989650414"/>
+      </p:ext>
+    </p:extLst>
+  </p:cSld>
+  <p:clrMapOvr>
+    <a:masterClrMapping/>
+  </p:clrMapOvr>
+</p:notes>
+</file>
+
+<file path=ppt/notesSlides/notesSlide3.xml><?xml version="1.0" encoding="utf-8"?>
+<p:notes xmlns:a="http://schemas.openxmlformats.org/drawingml/2006/main" xmlns:r="http://schemas.openxmlformats.org/officeDocument/2006/relationships" xmlns:p="http://schemas.openxmlformats.org/presentationml/2006/main">
+  <p:cSld>
+    <p:spTree>
+      <p:nvGrpSpPr>
+        <p:cNvPr id="1" name=""/>
+        <p:cNvGrpSpPr/>
+        <p:nvPr/>
+      </p:nvGrpSpPr>
+      <p:grpSpPr>
+        <a:xfrm>
+          <a:off x="0" y="0"/>
+          <a:ext cx="0" cy="0"/>
+          <a:chOff x="0" y="0"/>
+          <a:chExt cx="0" cy="0"/>
+        </a:xfrm>
+      </p:grpSpPr>
+      <p:sp>
+        <p:nvSpPr>
+          <p:cNvPr id="2" name="Slide Image Placeholder 1"/>
+          <p:cNvSpPr>
+            <a:spLocks noGrp="1" noRot="1" noChangeAspect="1"/>
+          </p:cNvSpPr>
+          <p:nvPr>
+            <p:ph type="sldImg"/>
+          </p:nvPr>
+        </p:nvSpPr>
+        <p:spPr/>
+      </p:sp>
+      <p:sp>
+        <p:nvSpPr>
+          <p:cNvPr id="3" name="Notes Placeholder 2"/>
+          <p:cNvSpPr>
+            <a:spLocks noGrp="1"/>
+          </p:cNvSpPr>
+          <p:nvPr>
+            <p:ph type="body" idx="1"/>
+          </p:nvPr>
+        </p:nvSpPr>
+        <p:spPr/>
+        <p:txBody>
+          <a:bodyPr/>
+          <a:lstStyle/>
+          <a:p>
+            <a:endParaRPr lang="nl-BE" dirty="0"/>
+          </a:p>
+        </p:txBody>
+      </p:sp>
+      <p:sp>
+        <p:nvSpPr>
+          <p:cNvPr id="4" name="Slide Number Placeholder 3"/>
+          <p:cNvSpPr>
+            <a:spLocks noGrp="1"/>
+          </p:cNvSpPr>
+          <p:nvPr>
+            <p:ph type="sldNum" sz="quarter" idx="5"/>
+          </p:nvPr>
+        </p:nvSpPr>
+        <p:spPr/>
+        <p:txBody>
+          <a:bodyPr/>
+          <a:lstStyle/>
+          <a:p>
+            <a:fld id="{8B35E05E-D5CB-4B04-AB45-6608A189B973}" type="slidenum">
+              <a:rPr lang="nl-BE" smtClean="0"/>
+              <a:t>10</a:t>
+            </a:fld>
+            <a:endParaRPr lang="nl-BE"/>
+          </a:p>
+        </p:txBody>
+      </p:sp>
+    </p:spTree>
+    <p:extLst>
+      <p:ext uri="{BB962C8B-B14F-4D97-AF65-F5344CB8AC3E}">
+        <p14:creationId xmlns:p14="http://schemas.microsoft.com/office/powerpoint/2010/main" val="2509250711"/>
+      </p:ext>
+    </p:extLst>
+  </p:cSld>
+  <p:clrMapOvr>
+    <a:masterClrMapping/>
+  </p:clrMapOvr>
+</p:notes>
+</file>
+
 <file path=ppt/slideLayouts/slideLayout1.xml><?xml version="1.0" encoding="utf-8"?>
 <p:sldLayout xmlns:a="http://schemas.openxmlformats.org/drawingml/2006/main" xmlns:r="http://schemas.openxmlformats.org/officeDocument/2006/relationships" xmlns:p="http://schemas.openxmlformats.org/presentationml/2006/main" showMasterSp="0" type="blank" preserve="1">
   <p:cSld name="Corporate Logo">
@@ -441,7 +1054,7 @@
           <a:p>
             <a:fld id="{91A90E25-CD54-48C7-8A6F-7268DD772FD4}" type="datetimeFigureOut">
               <a:rPr lang="en-GB" smtClean="0"/>
-              <a:t>19/06/2022</a:t>
+              <a:t>20/06/2022</a:t>
             </a:fld>
             <a:endParaRPr lang="en-GB"/>
           </a:p>
@@ -1631,7 +2244,7 @@
           <a:p>
             <a:fld id="{91A90E25-CD54-48C7-8A6F-7268DD772FD4}" type="datetimeFigureOut">
               <a:rPr lang="en-GB" smtClean="0"/>
-              <a:t>19/06/2022</a:t>
+              <a:t>20/06/2022</a:t>
             </a:fld>
             <a:endParaRPr lang="en-GB"/>
           </a:p>
@@ -1749,7 +2362,7 @@
           <a:p>
             <a:fld id="{91A90E25-CD54-48C7-8A6F-7268DD772FD4}" type="datetimeFigureOut">
               <a:rPr lang="en-GB" smtClean="0"/>
-              <a:t>19/06/2022</a:t>
+              <a:t>20/06/2022</a:t>
             </a:fld>
             <a:endParaRPr lang="en-GB"/>
           </a:p>
@@ -2008,7 +2621,7 @@
           <a:p>
             <a:fld id="{91A90E25-CD54-48C7-8A6F-7268DD772FD4}" type="datetimeFigureOut">
               <a:rPr lang="en-GB" smtClean="0"/>
-              <a:t>19/06/2022</a:t>
+              <a:t>20/06/2022</a:t>
             </a:fld>
             <a:endParaRPr lang="en-GB"/>
           </a:p>
@@ -2148,7 +2761,7 @@
           <a:p>
             <a:fld id="{91A90E25-CD54-48C7-8A6F-7268DD772FD4}" type="datetimeFigureOut">
               <a:rPr lang="en-GB" smtClean="0"/>
-              <a:t>19/06/2022</a:t>
+              <a:t>20/06/2022</a:t>
             </a:fld>
             <a:endParaRPr lang="en-GB"/>
           </a:p>
@@ -2347,7 +2960,7 @@
           <a:p>
             <a:fld id="{91A90E25-CD54-48C7-8A6F-7268DD772FD4}" type="datetimeFigureOut">
               <a:rPr lang="en-GB" smtClean="0"/>
-              <a:t>19/06/2022</a:t>
+              <a:t>20/06/2022</a:t>
             </a:fld>
             <a:endParaRPr lang="en-GB"/>
           </a:p>
@@ -2592,7 +3205,7 @@
           <a:p>
             <a:fld id="{91A90E25-CD54-48C7-8A6F-7268DD772FD4}" type="datetimeFigureOut">
               <a:rPr lang="en-GB" smtClean="0"/>
-              <a:t>19/06/2022</a:t>
+              <a:t>20/06/2022</a:t>
             </a:fld>
             <a:endParaRPr lang="en-GB"/>
           </a:p>
@@ -2862,7 +3475,7 @@
           <a:p>
             <a:fld id="{91A90E25-CD54-48C7-8A6F-7268DD772FD4}" type="datetimeFigureOut">
               <a:rPr lang="en-GB" smtClean="0"/>
-              <a:t>19/06/2022</a:t>
+              <a:t>20/06/2022</a:t>
             </a:fld>
             <a:endParaRPr lang="en-GB"/>
           </a:p>
@@ -3565,6 +4178,880 @@
           <p:cNvPr id="2" name="Title 1">
             <a:extLst>
               <a:ext uri="{FF2B5EF4-FFF2-40B4-BE49-F238E27FC236}">
+                <a16:creationId xmlns:a16="http://schemas.microsoft.com/office/drawing/2014/main" id="{BF1488D3-8034-A85B-7A11-AC9D49E1009A}"/>
+              </a:ext>
+            </a:extLst>
+          </p:cNvPr>
+          <p:cNvSpPr>
+            <a:spLocks noGrp="1"/>
+          </p:cNvSpPr>
+          <p:nvPr>
+            <p:ph type="title"/>
+          </p:nvPr>
+        </p:nvSpPr>
+        <p:spPr/>
+        <p:txBody>
+          <a:bodyPr/>
+          <a:lstStyle/>
+          <a:p>
+            <a:r>
+              <a:rPr lang="nl-BE" dirty="0"/>
+              <a:t>Clustering</a:t>
+            </a:r>
+            <a:endParaRPr lang="en-GB" dirty="0"/>
+          </a:p>
+        </p:txBody>
+      </p:sp>
+      <p:pic>
+        <p:nvPicPr>
+          <p:cNvPr id="11" name="Picture 10">
+            <a:extLst>
+              <a:ext uri="{FF2B5EF4-FFF2-40B4-BE49-F238E27FC236}">
+                <a16:creationId xmlns:a16="http://schemas.microsoft.com/office/drawing/2014/main" id="{4B40024B-8CF0-4414-A337-712F3EDF0968}"/>
+              </a:ext>
+            </a:extLst>
+          </p:cNvPr>
+          <p:cNvPicPr>
+            <a:picLocks noChangeAspect="1"/>
+          </p:cNvPicPr>
+          <p:nvPr/>
+        </p:nvPicPr>
+        <p:blipFill>
+          <a:blip r:embed="rId3">
+            <a:extLst>
+              <a:ext uri="{28A0092B-C50C-407E-A947-70E740481C1C}">
+                <a14:useLocalDpi xmlns:a14="http://schemas.microsoft.com/office/drawing/2010/main" val="0"/>
+              </a:ext>
+            </a:extLst>
+          </a:blip>
+          <a:stretch>
+            <a:fillRect/>
+          </a:stretch>
+        </p:blipFill>
+        <p:spPr>
+          <a:xfrm>
+            <a:off x="5757930" y="1693878"/>
+            <a:ext cx="4468792" cy="3096486"/>
+          </a:xfrm>
+          <a:prstGeom prst="rect">
+            <a:avLst/>
+          </a:prstGeom>
+        </p:spPr>
+      </p:pic>
+      <p:grpSp>
+        <p:nvGrpSpPr>
+          <p:cNvPr id="28" name="Group 27">
+            <a:extLst>
+              <a:ext uri="{FF2B5EF4-FFF2-40B4-BE49-F238E27FC236}">
+                <a16:creationId xmlns:a16="http://schemas.microsoft.com/office/drawing/2014/main" id="{4E5474AE-64A4-4AC6-8FAA-E404612FD39B}"/>
+              </a:ext>
+            </a:extLst>
+          </p:cNvPr>
+          <p:cNvGrpSpPr/>
+          <p:nvPr/>
+        </p:nvGrpSpPr>
+        <p:grpSpPr>
+          <a:xfrm>
+            <a:off x="1965278" y="1976822"/>
+            <a:ext cx="2579426" cy="2585070"/>
+            <a:chOff x="1965278" y="1976822"/>
+            <a:chExt cx="2579426" cy="2585070"/>
+          </a:xfrm>
+        </p:grpSpPr>
+        <p:pic>
+          <p:nvPicPr>
+            <p:cNvPr id="9" name="Picture 8">
+              <a:extLst>
+                <a:ext uri="{FF2B5EF4-FFF2-40B4-BE49-F238E27FC236}">
+                  <a16:creationId xmlns:a16="http://schemas.microsoft.com/office/drawing/2014/main" id="{94BE1B9A-6CD3-4808-92A4-03C57006CCC3}"/>
+                </a:ext>
+              </a:extLst>
+            </p:cNvPr>
+            <p:cNvPicPr>
+              <a:picLocks noChangeAspect="1"/>
+            </p:cNvPicPr>
+            <p:nvPr/>
+          </p:nvPicPr>
+          <p:blipFill rotWithShape="1">
+            <a:blip r:embed="rId4">
+              <a:extLst>
+                <a:ext uri="{28A0092B-C50C-407E-A947-70E740481C1C}">
+                  <a14:useLocalDpi xmlns:a14="http://schemas.microsoft.com/office/drawing/2010/main" val="0"/>
+                </a:ext>
+              </a:extLst>
+            </a:blip>
+            <a:srcRect l="16895" t="4482" r="5791" b="10347"/>
+            <a:stretch/>
+          </p:blipFill>
+          <p:spPr>
+            <a:xfrm>
+              <a:off x="1965278" y="1976822"/>
+              <a:ext cx="2579426" cy="2585070"/>
+            </a:xfrm>
+            <a:prstGeom prst="rect">
+              <a:avLst/>
+            </a:prstGeom>
+          </p:spPr>
+        </p:pic>
+        <p:cxnSp>
+          <p:nvCxnSpPr>
+            <p:cNvPr id="23" name="Straight Connector 22">
+              <a:extLst>
+                <a:ext uri="{FF2B5EF4-FFF2-40B4-BE49-F238E27FC236}">
+                  <a16:creationId xmlns:a16="http://schemas.microsoft.com/office/drawing/2014/main" id="{38F4122F-3B7C-4BE3-8405-AD36DCAAE287}"/>
+                </a:ext>
+              </a:extLst>
+            </p:cNvPr>
+            <p:cNvCxnSpPr>
+              <a:cxnSpLocks/>
+              <a:stCxn id="9" idx="1"/>
+            </p:cNvCxnSpPr>
+            <p:nvPr/>
+          </p:nvCxnSpPr>
+          <p:spPr>
+            <a:xfrm>
+              <a:off x="1965278" y="3269357"/>
+              <a:ext cx="1289713" cy="0"/>
+            </a:xfrm>
+            <a:prstGeom prst="line">
+              <a:avLst/>
+            </a:prstGeom>
+            <a:ln w="19050">
+              <a:solidFill>
+                <a:srgbClr val="0D0D0D">
+                  <a:alpha val="50196"/>
+                </a:srgbClr>
+              </a:solidFill>
+              <a:headEnd type="none" w="lg" len="lg"/>
+              <a:tailEnd type="none" w="lg" len="lg"/>
+            </a:ln>
+          </p:spPr>
+          <p:style>
+            <a:lnRef idx="1">
+              <a:schemeClr val="accent1"/>
+            </a:lnRef>
+            <a:fillRef idx="0">
+              <a:schemeClr val="accent1"/>
+            </a:fillRef>
+            <a:effectRef idx="0">
+              <a:schemeClr val="accent1"/>
+            </a:effectRef>
+            <a:fontRef idx="minor">
+              <a:schemeClr val="tx1"/>
+            </a:fontRef>
+          </p:style>
+        </p:cxnSp>
+        <p:cxnSp>
+          <p:nvCxnSpPr>
+            <p:cNvPr id="25" name="Straight Connector 24">
+              <a:extLst>
+                <a:ext uri="{FF2B5EF4-FFF2-40B4-BE49-F238E27FC236}">
+                  <a16:creationId xmlns:a16="http://schemas.microsoft.com/office/drawing/2014/main" id="{AAB35284-8DE3-46B1-95FF-AE695BD7E7A3}"/>
+                </a:ext>
+              </a:extLst>
+            </p:cNvPr>
+            <p:cNvCxnSpPr>
+              <a:cxnSpLocks/>
+              <a:stCxn id="9" idx="0"/>
+              <a:endCxn id="9" idx="2"/>
+            </p:cNvCxnSpPr>
+            <p:nvPr/>
+          </p:nvCxnSpPr>
+          <p:spPr>
+            <a:xfrm>
+              <a:off x="3254991" y="1976822"/>
+              <a:ext cx="0" cy="2585070"/>
+            </a:xfrm>
+            <a:prstGeom prst="line">
+              <a:avLst/>
+            </a:prstGeom>
+            <a:ln w="19050">
+              <a:solidFill>
+                <a:srgbClr val="0D0D0D">
+                  <a:alpha val="50196"/>
+                </a:srgbClr>
+              </a:solidFill>
+              <a:headEnd type="none" w="lg" len="lg"/>
+              <a:tailEnd type="none" w="lg" len="lg"/>
+            </a:ln>
+          </p:spPr>
+          <p:style>
+            <a:lnRef idx="1">
+              <a:schemeClr val="accent1"/>
+            </a:lnRef>
+            <a:fillRef idx="0">
+              <a:schemeClr val="accent1"/>
+            </a:fillRef>
+            <a:effectRef idx="0">
+              <a:schemeClr val="accent1"/>
+            </a:effectRef>
+            <a:fontRef idx="minor">
+              <a:schemeClr val="tx1"/>
+            </a:fontRef>
+          </p:style>
+        </p:cxnSp>
+        <p:cxnSp>
+          <p:nvCxnSpPr>
+            <p:cNvPr id="18" name="Straight Arrow Connector 17">
+              <a:extLst>
+                <a:ext uri="{FF2B5EF4-FFF2-40B4-BE49-F238E27FC236}">
+                  <a16:creationId xmlns:a16="http://schemas.microsoft.com/office/drawing/2014/main" id="{35EB3319-1A28-4BAA-86BE-E04F9115272B}"/>
+                </a:ext>
+              </a:extLst>
+            </p:cNvPr>
+            <p:cNvCxnSpPr>
+              <a:cxnSpLocks/>
+            </p:cNvCxnSpPr>
+            <p:nvPr/>
+          </p:nvCxnSpPr>
+          <p:spPr>
+            <a:xfrm flipH="1">
+              <a:off x="2971376" y="2869442"/>
+              <a:ext cx="668063" cy="692624"/>
+            </a:xfrm>
+            <a:prstGeom prst="straightConnector1">
+              <a:avLst/>
+            </a:prstGeom>
+            <a:ln w="31750">
+              <a:solidFill>
+                <a:schemeClr val="bg1"/>
+              </a:solidFill>
+              <a:headEnd type="triangle"/>
+              <a:tailEnd type="triangle"/>
+            </a:ln>
+          </p:spPr>
+          <p:style>
+            <a:lnRef idx="1">
+              <a:schemeClr val="accent1"/>
+            </a:lnRef>
+            <a:fillRef idx="0">
+              <a:schemeClr val="accent1"/>
+            </a:fillRef>
+            <a:effectRef idx="0">
+              <a:schemeClr val="accent1"/>
+            </a:effectRef>
+            <a:fontRef idx="minor">
+              <a:schemeClr val="tx1"/>
+            </a:fontRef>
+          </p:style>
+        </p:cxnSp>
+        <p:cxnSp>
+          <p:nvCxnSpPr>
+            <p:cNvPr id="13" name="Straight Arrow Connector 12">
+              <a:extLst>
+                <a:ext uri="{FF2B5EF4-FFF2-40B4-BE49-F238E27FC236}">
+                  <a16:creationId xmlns:a16="http://schemas.microsoft.com/office/drawing/2014/main" id="{3A7C2ECA-2EBA-448E-8782-38D83C290442}"/>
+                </a:ext>
+              </a:extLst>
+            </p:cNvPr>
+            <p:cNvCxnSpPr>
+              <a:cxnSpLocks/>
+            </p:cNvCxnSpPr>
+            <p:nvPr/>
+          </p:nvCxnSpPr>
+          <p:spPr>
+            <a:xfrm>
+              <a:off x="2811439" y="2524836"/>
+              <a:ext cx="828000" cy="0"/>
+            </a:xfrm>
+            <a:prstGeom prst="straightConnector1">
+              <a:avLst/>
+            </a:prstGeom>
+            <a:ln w="31750">
+              <a:solidFill>
+                <a:schemeClr val="bg1"/>
+              </a:solidFill>
+              <a:headEnd type="triangle"/>
+              <a:tailEnd type="triangle"/>
+            </a:ln>
+          </p:spPr>
+          <p:style>
+            <a:lnRef idx="1">
+              <a:schemeClr val="accent1"/>
+            </a:lnRef>
+            <a:fillRef idx="0">
+              <a:schemeClr val="accent1"/>
+            </a:fillRef>
+            <a:effectRef idx="0">
+              <a:schemeClr val="accent1"/>
+            </a:effectRef>
+            <a:fontRef idx="minor">
+              <a:schemeClr val="tx1"/>
+            </a:fontRef>
+          </p:style>
+        </p:cxnSp>
+        <p:cxnSp>
+          <p:nvCxnSpPr>
+            <p:cNvPr id="15" name="Straight Arrow Connector 14">
+              <a:extLst>
+                <a:ext uri="{FF2B5EF4-FFF2-40B4-BE49-F238E27FC236}">
+                  <a16:creationId xmlns:a16="http://schemas.microsoft.com/office/drawing/2014/main" id="{46101911-20F7-4EBC-9F5C-F42336BD0EDA}"/>
+                </a:ext>
+              </a:extLst>
+            </p:cNvPr>
+            <p:cNvCxnSpPr>
+              <a:cxnSpLocks/>
+            </p:cNvCxnSpPr>
+            <p:nvPr/>
+          </p:nvCxnSpPr>
+          <p:spPr>
+            <a:xfrm>
+              <a:off x="4028364" y="2869442"/>
+              <a:ext cx="0" cy="828000"/>
+            </a:xfrm>
+            <a:prstGeom prst="straightConnector1">
+              <a:avLst/>
+            </a:prstGeom>
+            <a:ln w="31750">
+              <a:solidFill>
+                <a:schemeClr val="bg1"/>
+              </a:solidFill>
+              <a:headEnd type="triangle"/>
+              <a:tailEnd type="triangle"/>
+            </a:ln>
+          </p:spPr>
+          <p:style>
+            <a:lnRef idx="1">
+              <a:schemeClr val="accent1"/>
+            </a:lnRef>
+            <a:fillRef idx="0">
+              <a:schemeClr val="accent1"/>
+            </a:fillRef>
+            <a:effectRef idx="0">
+              <a:schemeClr val="accent1"/>
+            </a:effectRef>
+            <a:fontRef idx="minor">
+              <a:schemeClr val="tx1"/>
+            </a:fontRef>
+          </p:style>
+        </p:cxnSp>
+      </p:grpSp>
+    </p:spTree>
+    <p:extLst>
+      <p:ext uri="{BB962C8B-B14F-4D97-AF65-F5344CB8AC3E}">
+        <p14:creationId xmlns:p14="http://schemas.microsoft.com/office/powerpoint/2010/main" val="3970032936"/>
+      </p:ext>
+    </p:extLst>
+  </p:cSld>
+  <p:clrMapOvr>
+    <a:masterClrMapping/>
+  </p:clrMapOvr>
+</p:sld>
+</file>
+
+<file path=ppt/slides/slide11.xml><?xml version="1.0" encoding="utf-8"?>
+<p:sld xmlns:a="http://schemas.openxmlformats.org/drawingml/2006/main" xmlns:r="http://schemas.openxmlformats.org/officeDocument/2006/relationships" xmlns:p="http://schemas.openxmlformats.org/presentationml/2006/main">
+  <p:cSld>
+    <p:spTree>
+      <p:nvGrpSpPr>
+        <p:cNvPr id="1" name=""/>
+        <p:cNvGrpSpPr/>
+        <p:nvPr/>
+      </p:nvGrpSpPr>
+      <p:grpSpPr>
+        <a:xfrm>
+          <a:off x="0" y="0"/>
+          <a:ext cx="0" cy="0"/>
+          <a:chOff x="0" y="0"/>
+          <a:chExt cx="0" cy="0"/>
+        </a:xfrm>
+      </p:grpSpPr>
+      <p:sp>
+        <p:nvSpPr>
+          <p:cNvPr id="2" name="Title 1">
+            <a:extLst>
+              <a:ext uri="{FF2B5EF4-FFF2-40B4-BE49-F238E27FC236}">
+                <a16:creationId xmlns:a16="http://schemas.microsoft.com/office/drawing/2014/main" id="{8C7F0F6A-AA92-E108-730A-4C10F500829E}"/>
+              </a:ext>
+            </a:extLst>
+          </p:cNvPr>
+          <p:cNvSpPr>
+            <a:spLocks noGrp="1"/>
+          </p:cNvSpPr>
+          <p:nvPr>
+            <p:ph type="title"/>
+          </p:nvPr>
+        </p:nvSpPr>
+        <p:spPr/>
+        <p:txBody>
+          <a:bodyPr/>
+          <a:lstStyle/>
+          <a:p>
+            <a:r>
+              <a:rPr lang="nl-BE"/>
+              <a:t>results</a:t>
+            </a:r>
+            <a:endParaRPr lang="en-GB"/>
+          </a:p>
+        </p:txBody>
+      </p:sp>
+      <p:pic>
+        <p:nvPicPr>
+          <p:cNvPr id="5" name="Picture 4">
+            <a:extLst>
+              <a:ext uri="{FF2B5EF4-FFF2-40B4-BE49-F238E27FC236}">
+                <a16:creationId xmlns:a16="http://schemas.microsoft.com/office/drawing/2014/main" id="{EFC7ACE7-78EE-7B88-C861-33895937372D}"/>
+              </a:ext>
+            </a:extLst>
+          </p:cNvPr>
+          <p:cNvPicPr>
+            <a:picLocks noChangeAspect="1"/>
+          </p:cNvPicPr>
+          <p:nvPr/>
+        </p:nvPicPr>
+        <p:blipFill>
+          <a:blip r:embed="rId2"/>
+          <a:stretch>
+            <a:fillRect/>
+          </a:stretch>
+        </p:blipFill>
+        <p:spPr>
+          <a:xfrm>
+            <a:off x="4409285" y="815752"/>
+            <a:ext cx="5066433" cy="2520000"/>
+          </a:xfrm>
+          <a:prstGeom prst="rect">
+            <a:avLst/>
+          </a:prstGeom>
+        </p:spPr>
+      </p:pic>
+      <p:pic>
+        <p:nvPicPr>
+          <p:cNvPr id="7" name="Picture 6">
+            <a:extLst>
+              <a:ext uri="{FF2B5EF4-FFF2-40B4-BE49-F238E27FC236}">
+                <a16:creationId xmlns:a16="http://schemas.microsoft.com/office/drawing/2014/main" id="{8515DFC2-F290-E914-64AA-102B33A7747C}"/>
+              </a:ext>
+            </a:extLst>
+          </p:cNvPr>
+          <p:cNvPicPr>
+            <a:picLocks noChangeAspect="1"/>
+          </p:cNvPicPr>
+          <p:nvPr/>
+        </p:nvPicPr>
+        <p:blipFill>
+          <a:blip r:embed="rId3"/>
+          <a:stretch>
+            <a:fillRect/>
+          </a:stretch>
+        </p:blipFill>
+        <p:spPr>
+          <a:xfrm>
+            <a:off x="4399867" y="3655714"/>
+            <a:ext cx="5075851" cy="2520000"/>
+          </a:xfrm>
+          <a:prstGeom prst="rect">
+            <a:avLst/>
+          </a:prstGeom>
+        </p:spPr>
+      </p:pic>
+      <p:sp>
+        <p:nvSpPr>
+          <p:cNvPr id="8" name="TextBox 7">
+            <a:extLst>
+              <a:ext uri="{FF2B5EF4-FFF2-40B4-BE49-F238E27FC236}">
+                <a16:creationId xmlns:a16="http://schemas.microsoft.com/office/drawing/2014/main" id="{D5AF61FA-4C83-47A0-7128-48302C190A7E}"/>
+              </a:ext>
+            </a:extLst>
+          </p:cNvPr>
+          <p:cNvSpPr txBox="1"/>
+          <p:nvPr/>
+        </p:nvSpPr>
+        <p:spPr>
+          <a:xfrm>
+            <a:off x="1677886" y="1404131"/>
+            <a:ext cx="2391838" cy="1434945"/>
+          </a:xfrm>
+          <a:prstGeom prst="rect">
+            <a:avLst/>
+          </a:prstGeom>
+          <a:noFill/>
+        </p:spPr>
+        <p:txBody>
+          <a:bodyPr wrap="square" rtlCol="0">
+            <a:spAutoFit/>
+          </a:bodyPr>
+          <a:lstStyle/>
+          <a:p>
+            <a:pPr algn="l">
+              <a:lnSpc>
+                <a:spcPct val="120000"/>
+              </a:lnSpc>
+            </a:pPr>
+            <a:r>
+              <a:rPr lang="nl-BE" sz="2500" dirty="0" err="1"/>
+              <a:t>Lumer-Faieta</a:t>
+            </a:r>
+            <a:r>
+              <a:rPr lang="nl-BE" sz="2500" dirty="0"/>
+              <a:t> without clustering</a:t>
+            </a:r>
+            <a:endParaRPr lang="en-GB" sz="2500" dirty="0"/>
+          </a:p>
+        </p:txBody>
+      </p:sp>
+      <p:sp>
+        <p:nvSpPr>
+          <p:cNvPr id="9" name="TextBox 8">
+            <a:extLst>
+              <a:ext uri="{FF2B5EF4-FFF2-40B4-BE49-F238E27FC236}">
+                <a16:creationId xmlns:a16="http://schemas.microsoft.com/office/drawing/2014/main" id="{A0AB8EA0-E95D-1721-8CE3-C90925E148E2}"/>
+              </a:ext>
+            </a:extLst>
+          </p:cNvPr>
+          <p:cNvSpPr txBox="1"/>
+          <p:nvPr/>
+        </p:nvSpPr>
+        <p:spPr>
+          <a:xfrm>
+            <a:off x="1677886" y="4480589"/>
+            <a:ext cx="2391838" cy="973280"/>
+          </a:xfrm>
+          <a:prstGeom prst="rect">
+            <a:avLst/>
+          </a:prstGeom>
+          <a:noFill/>
+        </p:spPr>
+        <p:txBody>
+          <a:bodyPr wrap="square" rtlCol="0">
+            <a:spAutoFit/>
+          </a:bodyPr>
+          <a:lstStyle/>
+          <a:p>
+            <a:pPr algn="l">
+              <a:lnSpc>
+                <a:spcPct val="120000"/>
+              </a:lnSpc>
+            </a:pPr>
+            <a:r>
+              <a:rPr lang="nl-BE" sz="2500" dirty="0" err="1"/>
+              <a:t>Lumer-Faieta</a:t>
+            </a:r>
+            <a:r>
+              <a:rPr lang="nl-BE" sz="2500" dirty="0"/>
+              <a:t> </a:t>
+            </a:r>
+            <a:r>
+              <a:rPr lang="nl-BE" sz="2500" dirty="0" err="1"/>
+              <a:t>with</a:t>
+            </a:r>
+            <a:r>
+              <a:rPr lang="nl-BE" sz="2500" dirty="0"/>
+              <a:t> clustering</a:t>
+            </a:r>
+            <a:endParaRPr lang="en-GB" sz="2500" dirty="0"/>
+          </a:p>
+        </p:txBody>
+      </p:sp>
+      <p:sp>
+        <p:nvSpPr>
+          <p:cNvPr id="10" name="TextBox 9">
+            <a:extLst>
+              <a:ext uri="{FF2B5EF4-FFF2-40B4-BE49-F238E27FC236}">
+                <a16:creationId xmlns:a16="http://schemas.microsoft.com/office/drawing/2014/main" id="{3C07CB76-13E8-4768-B0C9-7EA29A351EA8}"/>
+              </a:ext>
+            </a:extLst>
+          </p:cNvPr>
+          <p:cNvSpPr txBox="1"/>
+          <p:nvPr/>
+        </p:nvSpPr>
+        <p:spPr>
+          <a:xfrm>
+            <a:off x="5646419" y="6028910"/>
+            <a:ext cx="266824" cy="293607"/>
+          </a:xfrm>
+          <a:prstGeom prst="rect">
+            <a:avLst/>
+          </a:prstGeom>
+          <a:noFill/>
+        </p:spPr>
+        <p:txBody>
+          <a:bodyPr wrap="square" rtlCol="0">
+            <a:spAutoFit/>
+          </a:bodyPr>
+          <a:lstStyle/>
+          <a:p>
+            <a:pPr algn="l">
+              <a:lnSpc>
+                <a:spcPct val="120000"/>
+              </a:lnSpc>
+            </a:pPr>
+            <a:r>
+              <a:rPr lang="nl-BE" sz="1200" dirty="0"/>
+              <a:t>0</a:t>
+            </a:r>
+            <a:endParaRPr lang="en-GB" sz="1200" dirty="0"/>
+          </a:p>
+        </p:txBody>
+      </p:sp>
+      <p:sp>
+        <p:nvSpPr>
+          <p:cNvPr id="11" name="TextBox 10">
+            <a:extLst>
+              <a:ext uri="{FF2B5EF4-FFF2-40B4-BE49-F238E27FC236}">
+                <a16:creationId xmlns:a16="http://schemas.microsoft.com/office/drawing/2014/main" id="{37CB37A2-A169-4AD8-AB27-5D6149033AE3}"/>
+              </a:ext>
+            </a:extLst>
+          </p:cNvPr>
+          <p:cNvSpPr txBox="1"/>
+          <p:nvPr/>
+        </p:nvSpPr>
+        <p:spPr>
+          <a:xfrm>
+            <a:off x="7834504" y="6028909"/>
+            <a:ext cx="708669" cy="293607"/>
+          </a:xfrm>
+          <a:prstGeom prst="rect">
+            <a:avLst/>
+          </a:prstGeom>
+          <a:noFill/>
+        </p:spPr>
+        <p:txBody>
+          <a:bodyPr wrap="square" rtlCol="0">
+            <a:spAutoFit/>
+          </a:bodyPr>
+          <a:lstStyle/>
+          <a:p>
+            <a:pPr algn="l">
+              <a:lnSpc>
+                <a:spcPct val="120000"/>
+              </a:lnSpc>
+            </a:pPr>
+            <a:r>
+              <a:rPr lang="nl-BE" sz="1200" dirty="0"/>
+              <a:t>10 000</a:t>
+            </a:r>
+            <a:endParaRPr lang="en-GB" sz="1200" dirty="0"/>
+          </a:p>
+        </p:txBody>
+      </p:sp>
+      <p:sp>
+        <p:nvSpPr>
+          <p:cNvPr id="12" name="TextBox 11">
+            <a:extLst>
+              <a:ext uri="{FF2B5EF4-FFF2-40B4-BE49-F238E27FC236}">
+                <a16:creationId xmlns:a16="http://schemas.microsoft.com/office/drawing/2014/main" id="{9901BDF0-DF96-445A-9A67-7E3836A783FA}"/>
+              </a:ext>
+            </a:extLst>
+          </p:cNvPr>
+          <p:cNvSpPr txBox="1"/>
+          <p:nvPr/>
+        </p:nvSpPr>
+        <p:spPr>
+          <a:xfrm>
+            <a:off x="5597432" y="3220228"/>
+            <a:ext cx="266824" cy="293607"/>
+          </a:xfrm>
+          <a:prstGeom prst="rect">
+            <a:avLst/>
+          </a:prstGeom>
+          <a:noFill/>
+        </p:spPr>
+        <p:txBody>
+          <a:bodyPr wrap="square" rtlCol="0">
+            <a:spAutoFit/>
+          </a:bodyPr>
+          <a:lstStyle/>
+          <a:p>
+            <a:pPr algn="l">
+              <a:lnSpc>
+                <a:spcPct val="120000"/>
+              </a:lnSpc>
+            </a:pPr>
+            <a:r>
+              <a:rPr lang="nl-BE" sz="1200" dirty="0"/>
+              <a:t>0</a:t>
+            </a:r>
+            <a:endParaRPr lang="en-GB" sz="1200" dirty="0"/>
+          </a:p>
+        </p:txBody>
+      </p:sp>
+      <p:sp>
+        <p:nvSpPr>
+          <p:cNvPr id="13" name="TextBox 12">
+            <a:extLst>
+              <a:ext uri="{FF2B5EF4-FFF2-40B4-BE49-F238E27FC236}">
+                <a16:creationId xmlns:a16="http://schemas.microsoft.com/office/drawing/2014/main" id="{B5389610-4806-4A44-9653-034C88C2E71E}"/>
+              </a:ext>
+            </a:extLst>
+          </p:cNvPr>
+          <p:cNvSpPr txBox="1"/>
+          <p:nvPr/>
+        </p:nvSpPr>
+        <p:spPr>
+          <a:xfrm>
+            <a:off x="7785516" y="3220227"/>
+            <a:ext cx="901283" cy="293607"/>
+          </a:xfrm>
+          <a:prstGeom prst="rect">
+            <a:avLst/>
+          </a:prstGeom>
+          <a:noFill/>
+        </p:spPr>
+        <p:txBody>
+          <a:bodyPr wrap="square" rtlCol="0">
+            <a:spAutoFit/>
+          </a:bodyPr>
+          <a:lstStyle/>
+          <a:p>
+            <a:pPr algn="l">
+              <a:lnSpc>
+                <a:spcPct val="120000"/>
+              </a:lnSpc>
+            </a:pPr>
+            <a:r>
+              <a:rPr lang="nl-BE" sz="1200" dirty="0"/>
+              <a:t>1 000 000</a:t>
+            </a:r>
+            <a:endParaRPr lang="en-GB" sz="1200" dirty="0"/>
+          </a:p>
+        </p:txBody>
+      </p:sp>
+    </p:spTree>
+    <p:extLst>
+      <p:ext uri="{BB962C8B-B14F-4D97-AF65-F5344CB8AC3E}">
+        <p14:creationId xmlns:p14="http://schemas.microsoft.com/office/powerpoint/2010/main" val="2745004865"/>
+      </p:ext>
+    </p:extLst>
+  </p:cSld>
+  <p:clrMapOvr>
+    <a:masterClrMapping/>
+  </p:clrMapOvr>
+</p:sld>
+</file>
+
+<file path=ppt/slides/slide12.xml><?xml version="1.0" encoding="utf-8"?>
+<p:sld xmlns:a="http://schemas.openxmlformats.org/drawingml/2006/main" xmlns:r="http://schemas.openxmlformats.org/officeDocument/2006/relationships" xmlns:p="http://schemas.openxmlformats.org/presentationml/2006/main">
+  <p:cSld>
+    <p:spTree>
+      <p:nvGrpSpPr>
+        <p:cNvPr id="1" name=""/>
+        <p:cNvGrpSpPr/>
+        <p:nvPr/>
+      </p:nvGrpSpPr>
+      <p:grpSpPr>
+        <a:xfrm>
+          <a:off x="0" y="0"/>
+          <a:ext cx="0" cy="0"/>
+          <a:chOff x="0" y="0"/>
+          <a:chExt cx="0" cy="0"/>
+        </a:xfrm>
+      </p:grpSpPr>
+      <p:sp>
+        <p:nvSpPr>
+          <p:cNvPr id="2" name="Title 1">
+            <a:extLst>
+              <a:ext uri="{FF2B5EF4-FFF2-40B4-BE49-F238E27FC236}">
+                <a16:creationId xmlns:a16="http://schemas.microsoft.com/office/drawing/2014/main" id="{C33144C4-4F99-DD45-583C-8811E5C23CD1}"/>
+              </a:ext>
+            </a:extLst>
+          </p:cNvPr>
+          <p:cNvSpPr>
+            <a:spLocks noGrp="1"/>
+          </p:cNvSpPr>
+          <p:nvPr>
+            <p:ph type="title"/>
+          </p:nvPr>
+        </p:nvSpPr>
+        <p:spPr/>
+        <p:txBody>
+          <a:bodyPr/>
+          <a:lstStyle/>
+          <a:p>
+            <a:endParaRPr lang="en-GB"/>
+          </a:p>
+        </p:txBody>
+      </p:sp>
+      <p:sp>
+        <p:nvSpPr>
+          <p:cNvPr id="3" name="Content Placeholder 2">
+            <a:extLst>
+              <a:ext uri="{FF2B5EF4-FFF2-40B4-BE49-F238E27FC236}">
+                <a16:creationId xmlns:a16="http://schemas.microsoft.com/office/drawing/2014/main" id="{3177A889-8D02-C3F8-30F4-D4F95D6A0D94}"/>
+              </a:ext>
+            </a:extLst>
+          </p:cNvPr>
+          <p:cNvSpPr>
+            <a:spLocks noGrp="1"/>
+          </p:cNvSpPr>
+          <p:nvPr>
+            <p:ph idx="1"/>
+          </p:nvPr>
+        </p:nvSpPr>
+        <p:spPr/>
+        <p:txBody>
+          <a:bodyPr/>
+          <a:lstStyle/>
+          <a:p>
+            <a:endParaRPr lang="en-GB"/>
+          </a:p>
+        </p:txBody>
+      </p:sp>
+      <p:pic>
+        <p:nvPicPr>
+          <p:cNvPr id="5" name="Picture 4">
+            <a:extLst>
+              <a:ext uri="{FF2B5EF4-FFF2-40B4-BE49-F238E27FC236}">
+                <a16:creationId xmlns:a16="http://schemas.microsoft.com/office/drawing/2014/main" id="{2F6EA372-0724-4B1C-1CE6-EF6462CA3B95}"/>
+              </a:ext>
+            </a:extLst>
+          </p:cNvPr>
+          <p:cNvPicPr>
+            <a:picLocks noChangeAspect="1"/>
+          </p:cNvPicPr>
+          <p:nvPr/>
+        </p:nvPicPr>
+        <p:blipFill>
+          <a:blip r:embed="rId2"/>
+          <a:stretch>
+            <a:fillRect/>
+          </a:stretch>
+        </p:blipFill>
+        <p:spPr>
+          <a:xfrm>
+            <a:off x="2166479" y="1036948"/>
+            <a:ext cx="7859042" cy="4981265"/>
+          </a:xfrm>
+          <a:prstGeom prst="rect">
+            <a:avLst/>
+          </a:prstGeom>
+        </p:spPr>
+      </p:pic>
+    </p:spTree>
+    <p:extLst>
+      <p:ext uri="{BB962C8B-B14F-4D97-AF65-F5344CB8AC3E}">
+        <p14:creationId xmlns:p14="http://schemas.microsoft.com/office/powerpoint/2010/main" val="1863322763"/>
+      </p:ext>
+    </p:extLst>
+  </p:cSld>
+  <p:clrMapOvr>
+    <a:masterClrMapping/>
+  </p:clrMapOvr>
+</p:sld>
+</file>
+
+<file path=ppt/slides/slide13.xml><?xml version="1.0" encoding="utf-8"?>
+<p:sld xmlns:a="http://schemas.openxmlformats.org/drawingml/2006/main" xmlns:r="http://schemas.openxmlformats.org/officeDocument/2006/relationships" xmlns:p="http://schemas.openxmlformats.org/presentationml/2006/main">
+  <p:cSld>
+    <p:spTree>
+      <p:nvGrpSpPr>
+        <p:cNvPr id="1" name=""/>
+        <p:cNvGrpSpPr/>
+        <p:nvPr/>
+      </p:nvGrpSpPr>
+      <p:grpSpPr>
+        <a:xfrm>
+          <a:off x="0" y="0"/>
+          <a:ext cx="0" cy="0"/>
+          <a:chOff x="0" y="0"/>
+          <a:chExt cx="0" cy="0"/>
+        </a:xfrm>
+      </p:grpSpPr>
+      <p:sp>
+        <p:nvSpPr>
+          <p:cNvPr id="2" name="Title 1">
+            <a:extLst>
+              <a:ext uri="{FF2B5EF4-FFF2-40B4-BE49-F238E27FC236}">
                 <a16:creationId xmlns:a16="http://schemas.microsoft.com/office/drawing/2014/main" id="{45761611-43F8-46F4-6F0F-90A541F8EC26}"/>
               </a:ext>
             </a:extLst>
@@ -3854,37 +5341,47 @@
           </a:p>
         </p:txBody>
       </p:sp>
-      <p:sp>
-        <p:nvSpPr>
-          <p:cNvPr id="3" name="Content Placeholder 2">
+      <p:pic>
+        <p:nvPicPr>
+          <p:cNvPr id="6" name="Content Placeholder 5">
             <a:extLst>
               <a:ext uri="{FF2B5EF4-FFF2-40B4-BE49-F238E27FC236}">
-                <a16:creationId xmlns:a16="http://schemas.microsoft.com/office/drawing/2014/main" id="{85F72F0C-63CE-5644-C354-7172E1F0AF19}"/>
+                <a16:creationId xmlns:a16="http://schemas.microsoft.com/office/drawing/2014/main" id="{F73787FE-33F8-48E9-B7BB-BC0AE5D50869}"/>
               </a:ext>
             </a:extLst>
           </p:cNvPr>
-          <p:cNvSpPr>
-            <a:spLocks noGrp="1"/>
-          </p:cNvSpPr>
+          <p:cNvPicPr>
+            <a:picLocks noGrp="1" noChangeAspect="1"/>
+          </p:cNvPicPr>
           <p:nvPr>
             <p:ph idx="1"/>
           </p:nvPr>
-        </p:nvSpPr>
-        <p:spPr/>
-        <p:txBody>
-          <a:bodyPr/>
-          <a:lstStyle/>
-          <a:p>
-            <a:endParaRPr lang="en-GB"/>
-          </a:p>
-        </p:txBody>
-      </p:sp>
+        </p:nvPicPr>
+        <p:blipFill>
+          <a:blip r:embed="rId2">
+            <a:extLst>
+              <a:ext uri="{28A0092B-C50C-407E-A947-70E740481C1C}">
+                <a14:useLocalDpi xmlns:a14="http://schemas.microsoft.com/office/drawing/2010/main" val="0"/>
+              </a:ext>
+            </a:extLst>
+          </a:blip>
+          <a:stretch>
+            <a:fillRect/>
+          </a:stretch>
+        </p:blipFill>
+        <p:spPr>
+          <a:xfrm>
+            <a:off x="3604688" y="4638436"/>
+            <a:ext cx="5001500" cy="1080000"/>
+          </a:xfrm>
+        </p:spPr>
+      </p:pic>
       <p:pic>
         <p:nvPicPr>
-          <p:cNvPr id="5" name="Picture 4">
+          <p:cNvPr id="9" name="Picture 8">
             <a:extLst>
               <a:ext uri="{FF2B5EF4-FFF2-40B4-BE49-F238E27FC236}">
-                <a16:creationId xmlns:a16="http://schemas.microsoft.com/office/drawing/2014/main" id="{E2B0B326-C08E-E833-C2DD-C74B5B9CAA41}"/>
+                <a16:creationId xmlns:a16="http://schemas.microsoft.com/office/drawing/2014/main" id="{4BDF42B0-D2A8-4F13-A771-07CC0A651403}"/>
               </a:ext>
             </a:extLst>
           </p:cNvPr>
@@ -3894,15 +5391,21 @@
           <p:nvPr/>
         </p:nvPicPr>
         <p:blipFill>
-          <a:blip r:embed="rId2"/>
+          <a:blip r:embed="rId3">
+            <a:extLst>
+              <a:ext uri="{28A0092B-C50C-407E-A947-70E740481C1C}">
+                <a14:useLocalDpi xmlns:a14="http://schemas.microsoft.com/office/drawing/2010/main" val="0"/>
+              </a:ext>
+            </a:extLst>
+          </a:blip>
           <a:stretch>
             <a:fillRect/>
           </a:stretch>
         </p:blipFill>
         <p:spPr>
           <a:xfrm>
-            <a:off x="1928682" y="1167405"/>
-            <a:ext cx="7718376" cy="1736049"/>
+            <a:off x="2626364" y="1139564"/>
+            <a:ext cx="6958147" cy="1115974"/>
           </a:xfrm>
           <a:prstGeom prst="rect">
             <a:avLst/>
@@ -3911,10 +5414,10 @@
       </p:pic>
       <p:pic>
         <p:nvPicPr>
-          <p:cNvPr id="7" name="Picture 6">
+          <p:cNvPr id="11" name="Picture 10">
             <a:extLst>
               <a:ext uri="{FF2B5EF4-FFF2-40B4-BE49-F238E27FC236}">
-                <a16:creationId xmlns:a16="http://schemas.microsoft.com/office/drawing/2014/main" id="{32B915D2-BAC0-BFE5-BFAC-67D35A3F1A86}"/>
+                <a16:creationId xmlns:a16="http://schemas.microsoft.com/office/drawing/2014/main" id="{B17258F8-E245-4135-8A67-3197DDFEC166}"/>
               </a:ext>
             </a:extLst>
           </p:cNvPr>
@@ -3924,15 +5427,21 @@
           <p:nvPr/>
         </p:nvPicPr>
         <p:blipFill>
-          <a:blip r:embed="rId3"/>
+          <a:blip r:embed="rId4">
+            <a:extLst>
+              <a:ext uri="{28A0092B-C50C-407E-A947-70E740481C1C}">
+                <a14:useLocalDpi xmlns:a14="http://schemas.microsoft.com/office/drawing/2010/main" val="0"/>
+              </a:ext>
+            </a:extLst>
+          </a:blip>
           <a:stretch>
             <a:fillRect/>
           </a:stretch>
         </p:blipFill>
         <p:spPr>
           <a:xfrm>
-            <a:off x="2681855" y="3102693"/>
-            <a:ext cx="5918943" cy="2798413"/>
+            <a:off x="4048905" y="2961000"/>
+            <a:ext cx="4094182" cy="936000"/>
           </a:xfrm>
           <a:prstGeom prst="rect">
             <a:avLst/>
@@ -3998,31 +5507,6 @@
           </a:p>
         </p:txBody>
       </p:sp>
-      <p:sp>
-        <p:nvSpPr>
-          <p:cNvPr id="3" name="Content Placeholder 2">
-            <a:extLst>
-              <a:ext uri="{FF2B5EF4-FFF2-40B4-BE49-F238E27FC236}">
-                <a16:creationId xmlns:a16="http://schemas.microsoft.com/office/drawing/2014/main" id="{53EA52B1-5A65-8CEC-1BA2-9CECFB7DE634}"/>
-              </a:ext>
-            </a:extLst>
-          </p:cNvPr>
-          <p:cNvSpPr>
-            <a:spLocks noGrp="1"/>
-          </p:cNvSpPr>
-          <p:nvPr>
-            <p:ph idx="1"/>
-          </p:nvPr>
-        </p:nvSpPr>
-        <p:spPr/>
-        <p:txBody>
-          <a:bodyPr/>
-          <a:lstStyle/>
-          <a:p>
-            <a:endParaRPr lang="en-GB"/>
-          </a:p>
-        </p:txBody>
-      </p:sp>
       <p:pic>
         <p:nvPicPr>
           <p:cNvPr id="5" name="Picture 4">
@@ -4033,7 +5517,7 @@
             </a:extLst>
           </p:cNvPr>
           <p:cNvPicPr>
-            <a:picLocks noChangeAspect="1"/>
+            <a:picLocks/>
           </p:cNvPicPr>
           <p:nvPr/>
         </p:nvPicPr>
@@ -4045,8 +5529,8 @@
         </p:blipFill>
         <p:spPr>
           <a:xfrm>
-            <a:off x="3006537" y="1018897"/>
-            <a:ext cx="6197801" cy="2105733"/>
+            <a:off x="2586509" y="1053868"/>
+            <a:ext cx="7074000" cy="2394000"/>
           </a:xfrm>
           <a:prstGeom prst="rect">
             <a:avLst/>
@@ -4075,14 +5559,137 @@
         </p:blipFill>
         <p:spPr>
           <a:xfrm>
-            <a:off x="2586508" y="3379822"/>
-            <a:ext cx="7037857" cy="2374813"/>
+            <a:off x="2586509" y="3447868"/>
+            <a:ext cx="7094718" cy="2394000"/>
           </a:xfrm>
           <a:prstGeom prst="rect">
             <a:avLst/>
           </a:prstGeom>
         </p:spPr>
       </p:pic>
+      <p:sp>
+        <p:nvSpPr>
+          <p:cNvPr id="6" name="TextBox 5">
+            <a:extLst>
+              <a:ext uri="{FF2B5EF4-FFF2-40B4-BE49-F238E27FC236}">
+                <a16:creationId xmlns:a16="http://schemas.microsoft.com/office/drawing/2014/main" id="{2DF9E4F7-D9A5-4693-9D41-8A3BFA16F769}"/>
+              </a:ext>
+            </a:extLst>
+          </p:cNvPr>
+          <p:cNvSpPr txBox="1"/>
+          <p:nvPr/>
+        </p:nvSpPr>
+        <p:spPr>
+          <a:xfrm>
+            <a:off x="3686991" y="5804132"/>
+            <a:ext cx="266824" cy="293607"/>
+          </a:xfrm>
+          <a:prstGeom prst="rect">
+            <a:avLst/>
+          </a:prstGeom>
+          <a:noFill/>
+        </p:spPr>
+        <p:txBody>
+          <a:bodyPr wrap="square" rtlCol="0">
+            <a:spAutoFit/>
+          </a:bodyPr>
+          <a:lstStyle/>
+          <a:p>
+            <a:pPr algn="l">
+              <a:lnSpc>
+                <a:spcPct val="120000"/>
+              </a:lnSpc>
+            </a:pPr>
+            <a:r>
+              <a:rPr lang="nl-BE" sz="1200" dirty="0"/>
+              <a:t>0</a:t>
+            </a:r>
+            <a:endParaRPr lang="en-GB" sz="1200" dirty="0"/>
+          </a:p>
+        </p:txBody>
+      </p:sp>
+      <p:sp>
+        <p:nvSpPr>
+          <p:cNvPr id="8" name="TextBox 7">
+            <a:extLst>
+              <a:ext uri="{FF2B5EF4-FFF2-40B4-BE49-F238E27FC236}">
+                <a16:creationId xmlns:a16="http://schemas.microsoft.com/office/drawing/2014/main" id="{C56DF7BB-FECC-4226-BBD2-7C7B40414064}"/>
+              </a:ext>
+            </a:extLst>
+          </p:cNvPr>
+          <p:cNvSpPr txBox="1"/>
+          <p:nvPr/>
+        </p:nvSpPr>
+        <p:spPr>
+          <a:xfrm>
+            <a:off x="5875076" y="5804131"/>
+            <a:ext cx="708669" cy="293607"/>
+          </a:xfrm>
+          <a:prstGeom prst="rect">
+            <a:avLst/>
+          </a:prstGeom>
+          <a:noFill/>
+        </p:spPr>
+        <p:txBody>
+          <a:bodyPr wrap="square" rtlCol="0">
+            <a:spAutoFit/>
+          </a:bodyPr>
+          <a:lstStyle/>
+          <a:p>
+            <a:pPr algn="l">
+              <a:lnSpc>
+                <a:spcPct val="120000"/>
+              </a:lnSpc>
+            </a:pPr>
+            <a:r>
+              <a:rPr lang="nl-BE" sz="1200" dirty="0"/>
+              <a:t>10 000</a:t>
+            </a:r>
+            <a:endParaRPr lang="en-GB" sz="1200" dirty="0"/>
+          </a:p>
+        </p:txBody>
+      </p:sp>
+      <p:sp>
+        <p:nvSpPr>
+          <p:cNvPr id="9" name="TextBox 8">
+            <a:extLst>
+              <a:ext uri="{FF2B5EF4-FFF2-40B4-BE49-F238E27FC236}">
+                <a16:creationId xmlns:a16="http://schemas.microsoft.com/office/drawing/2014/main" id="{BA8FFE77-ED75-40DD-ADF7-CFDC4CB0F60D}"/>
+              </a:ext>
+            </a:extLst>
+          </p:cNvPr>
+          <p:cNvSpPr txBox="1"/>
+          <p:nvPr/>
+        </p:nvSpPr>
+        <p:spPr>
+          <a:xfrm>
+            <a:off x="8092054" y="5804130"/>
+            <a:ext cx="825904" cy="293607"/>
+          </a:xfrm>
+          <a:prstGeom prst="rect">
+            <a:avLst/>
+          </a:prstGeom>
+          <a:noFill/>
+        </p:spPr>
+        <p:txBody>
+          <a:bodyPr wrap="square" rtlCol="0">
+            <a:spAutoFit/>
+          </a:bodyPr>
+          <a:lstStyle/>
+          <a:p>
+            <a:pPr algn="l">
+              <a:lnSpc>
+                <a:spcPct val="120000"/>
+              </a:lnSpc>
+            </a:pPr>
+            <a:r>
+              <a:rPr lang="nl-BE" sz="1200" dirty="0"/>
+              <a:t>100 000</a:t>
+            </a:r>
+            <a:endParaRPr lang="en-GB" sz="1200" dirty="0"/>
+          </a:p>
+        </p:txBody>
+      </p:sp>
     </p:spTree>
     <p:extLst>
       <p:ext uri="{BB962C8B-B14F-4D97-AF65-F5344CB8AC3E}">
@@ -4152,7 +5759,7 @@
             </a:extLst>
           </p:cNvPr>
           <p:cNvPicPr>
-            <a:picLocks noGrp="1" noChangeAspect="1"/>
+            <a:picLocks noGrp="1"/>
           </p:cNvPicPr>
           <p:nvPr>
             <p:ph idx="1"/>
@@ -4166,8 +5773,8 @@
         </p:blipFill>
         <p:spPr>
           <a:xfrm>
-            <a:off x="2163483" y="3751869"/>
-            <a:ext cx="7195276" cy="2394157"/>
+            <a:off x="2613000" y="3489893"/>
+            <a:ext cx="7020000" cy="2253342"/>
           </a:xfrm>
         </p:spPr>
       </p:pic>
@@ -4193,14 +5800,137 @@
         </p:blipFill>
         <p:spPr>
           <a:xfrm>
-            <a:off x="2286693" y="1034842"/>
-            <a:ext cx="6974819" cy="2394158"/>
+            <a:off x="2559000" y="1034842"/>
+            <a:ext cx="7074000" cy="2394158"/>
           </a:xfrm>
           <a:prstGeom prst="rect">
             <a:avLst/>
           </a:prstGeom>
         </p:spPr>
       </p:pic>
+      <p:sp>
+        <p:nvSpPr>
+          <p:cNvPr id="6" name="TextBox 5">
+            <a:extLst>
+              <a:ext uri="{FF2B5EF4-FFF2-40B4-BE49-F238E27FC236}">
+                <a16:creationId xmlns:a16="http://schemas.microsoft.com/office/drawing/2014/main" id="{27ACAC6D-7EF7-4A94-845D-4F865BE9C5F8}"/>
+              </a:ext>
+            </a:extLst>
+          </p:cNvPr>
+          <p:cNvSpPr txBox="1"/>
+          <p:nvPr/>
+        </p:nvSpPr>
+        <p:spPr>
+          <a:xfrm>
+            <a:off x="3686991" y="5743235"/>
+            <a:ext cx="266824" cy="293607"/>
+          </a:xfrm>
+          <a:prstGeom prst="rect">
+            <a:avLst/>
+          </a:prstGeom>
+          <a:noFill/>
+        </p:spPr>
+        <p:txBody>
+          <a:bodyPr wrap="square" rtlCol="0">
+            <a:spAutoFit/>
+          </a:bodyPr>
+          <a:lstStyle/>
+          <a:p>
+            <a:pPr algn="l">
+              <a:lnSpc>
+                <a:spcPct val="120000"/>
+              </a:lnSpc>
+            </a:pPr>
+            <a:r>
+              <a:rPr lang="nl-BE" sz="1200" dirty="0"/>
+              <a:t>0</a:t>
+            </a:r>
+            <a:endParaRPr lang="en-GB" sz="1200" dirty="0"/>
+          </a:p>
+        </p:txBody>
+      </p:sp>
+      <p:sp>
+        <p:nvSpPr>
+          <p:cNvPr id="8" name="TextBox 7">
+            <a:extLst>
+              <a:ext uri="{FF2B5EF4-FFF2-40B4-BE49-F238E27FC236}">
+                <a16:creationId xmlns:a16="http://schemas.microsoft.com/office/drawing/2014/main" id="{AF9FC61F-15E6-458F-B0C8-A75E9407C84A}"/>
+              </a:ext>
+            </a:extLst>
+          </p:cNvPr>
+          <p:cNvSpPr txBox="1"/>
+          <p:nvPr/>
+        </p:nvSpPr>
+        <p:spPr>
+          <a:xfrm>
+            <a:off x="5875076" y="5743234"/>
+            <a:ext cx="708669" cy="293607"/>
+          </a:xfrm>
+          <a:prstGeom prst="rect">
+            <a:avLst/>
+          </a:prstGeom>
+          <a:noFill/>
+        </p:spPr>
+        <p:txBody>
+          <a:bodyPr wrap="square" rtlCol="0">
+            <a:spAutoFit/>
+          </a:bodyPr>
+          <a:lstStyle/>
+          <a:p>
+            <a:pPr algn="l">
+              <a:lnSpc>
+                <a:spcPct val="120000"/>
+              </a:lnSpc>
+            </a:pPr>
+            <a:r>
+              <a:rPr lang="nl-BE" sz="1200" dirty="0"/>
+              <a:t>10 000</a:t>
+            </a:r>
+            <a:endParaRPr lang="en-GB" sz="1200" dirty="0"/>
+          </a:p>
+        </p:txBody>
+      </p:sp>
+      <p:sp>
+        <p:nvSpPr>
+          <p:cNvPr id="9" name="TextBox 8">
+            <a:extLst>
+              <a:ext uri="{FF2B5EF4-FFF2-40B4-BE49-F238E27FC236}">
+                <a16:creationId xmlns:a16="http://schemas.microsoft.com/office/drawing/2014/main" id="{135A59A5-9D18-4070-8452-731D2E92D4CF}"/>
+              </a:ext>
+            </a:extLst>
+          </p:cNvPr>
+          <p:cNvSpPr txBox="1"/>
+          <p:nvPr/>
+        </p:nvSpPr>
+        <p:spPr>
+          <a:xfrm>
+            <a:off x="8092054" y="5743233"/>
+            <a:ext cx="825904" cy="293607"/>
+          </a:xfrm>
+          <a:prstGeom prst="rect">
+            <a:avLst/>
+          </a:prstGeom>
+          <a:noFill/>
+        </p:spPr>
+        <p:txBody>
+          <a:bodyPr wrap="square" rtlCol="0">
+            <a:spAutoFit/>
+          </a:bodyPr>
+          <a:lstStyle/>
+          <a:p>
+            <a:pPr algn="l">
+              <a:lnSpc>
+                <a:spcPct val="120000"/>
+              </a:lnSpc>
+            </a:pPr>
+            <a:r>
+              <a:rPr lang="nl-BE" sz="1200" dirty="0"/>
+              <a:t>100 000</a:t>
+            </a:r>
+            <a:endParaRPr lang="en-GB" sz="1200" dirty="0"/>
+          </a:p>
+        </p:txBody>
+      </p:sp>
     </p:spTree>
     <p:extLst>
       <p:ext uri="{BB962C8B-B14F-4D97-AF65-F5344CB8AC3E}">
@@ -4511,7 +6241,7 @@
           <p:cNvPr id="2" name="Title 1">
             <a:extLst>
               <a:ext uri="{FF2B5EF4-FFF2-40B4-BE49-F238E27FC236}">
-                <a16:creationId xmlns:a16="http://schemas.microsoft.com/office/drawing/2014/main" id="{8C7F0F6A-AA92-E108-730A-4C10F500829E}"/>
+                <a16:creationId xmlns:a16="http://schemas.microsoft.com/office/drawing/2014/main" id="{BF1488D3-8034-A85B-7A11-AC9D49E1009A}"/>
               </a:ext>
             </a:extLst>
           </p:cNvPr>
@@ -4528,44 +6258,19 @@
           <a:lstStyle/>
           <a:p>
             <a:r>
-              <a:rPr lang="nl-BE"/>
-              <a:t>results</a:t>
-            </a:r>
-            <a:endParaRPr lang="en-GB"/>
-          </a:p>
-        </p:txBody>
-      </p:sp>
-      <p:sp>
-        <p:nvSpPr>
-          <p:cNvPr id="3" name="Content Placeholder 2">
+              <a:rPr lang="nl-BE" dirty="0" err="1"/>
+              <a:t>Dissimilarity</a:t>
+            </a:r>
+            <a:endParaRPr lang="en-GB" dirty="0"/>
+          </a:p>
+        </p:txBody>
+      </p:sp>
+      <p:pic>
+        <p:nvPicPr>
+          <p:cNvPr id="6" name="Picture 5">
             <a:extLst>
               <a:ext uri="{FF2B5EF4-FFF2-40B4-BE49-F238E27FC236}">
-                <a16:creationId xmlns:a16="http://schemas.microsoft.com/office/drawing/2014/main" id="{C1088A20-7D19-6F04-9FC1-E397F59102F5}"/>
-              </a:ext>
-            </a:extLst>
-          </p:cNvPr>
-          <p:cNvSpPr>
-            <a:spLocks noGrp="1"/>
-          </p:cNvSpPr>
-          <p:nvPr>
-            <p:ph idx="1"/>
-          </p:nvPr>
-        </p:nvSpPr>
-        <p:spPr/>
-        <p:txBody>
-          <a:bodyPr/>
-          <a:lstStyle/>
-          <a:p>
-            <a:endParaRPr lang="en-GB"/>
-          </a:p>
-        </p:txBody>
-      </p:sp>
-      <p:pic>
-        <p:nvPicPr>
-          <p:cNvPr id="5" name="Picture 4">
-            <a:extLst>
-              <a:ext uri="{FF2B5EF4-FFF2-40B4-BE49-F238E27FC236}">
-                <a16:creationId xmlns:a16="http://schemas.microsoft.com/office/drawing/2014/main" id="{EFC7ACE7-78EE-7B88-C861-33895937372D}"/>
+                <a16:creationId xmlns:a16="http://schemas.microsoft.com/office/drawing/2014/main" id="{BA7D2062-4D58-462C-A08E-160B06646E14}"/>
               </a:ext>
             </a:extLst>
           </p:cNvPr>
@@ -4575,15 +6280,21 @@
           <p:nvPr/>
         </p:nvPicPr>
         <p:blipFill>
-          <a:blip r:embed="rId2"/>
+          <a:blip r:embed="rId3">
+            <a:extLst>
+              <a:ext uri="{28A0092B-C50C-407E-A947-70E740481C1C}">
+                <a14:useLocalDpi xmlns:a14="http://schemas.microsoft.com/office/drawing/2010/main" val="0"/>
+              </a:ext>
+            </a:extLst>
+          </a:blip>
           <a:stretch>
             <a:fillRect/>
           </a:stretch>
         </p:blipFill>
         <p:spPr>
           <a:xfrm>
-            <a:off x="4499437" y="867267"/>
-            <a:ext cx="5559743" cy="2765368"/>
+            <a:off x="2636961" y="1752437"/>
+            <a:ext cx="6936953" cy="1116000"/>
           </a:xfrm>
           <a:prstGeom prst="rect">
             <a:avLst/>
@@ -4592,10 +6303,10 @@
       </p:pic>
       <p:pic>
         <p:nvPicPr>
-          <p:cNvPr id="7" name="Picture 6">
+          <p:cNvPr id="8" name="Picture 7">
             <a:extLst>
               <a:ext uri="{FF2B5EF4-FFF2-40B4-BE49-F238E27FC236}">
-                <a16:creationId xmlns:a16="http://schemas.microsoft.com/office/drawing/2014/main" id="{8515DFC2-F290-E914-64AA-102B33A7747C}"/>
+                <a16:creationId xmlns:a16="http://schemas.microsoft.com/office/drawing/2014/main" id="{3659A2E3-79FB-4672-ADCB-6E70DB0C91FB}"/>
               </a:ext>
             </a:extLst>
           </p:cNvPr>
@@ -4605,111 +6316,31 @@
           <p:nvPr/>
         </p:nvPicPr>
         <p:blipFill>
-          <a:blip r:embed="rId3"/>
+          <a:blip r:embed="rId4">
+            <a:extLst>
+              <a:ext uri="{28A0092B-C50C-407E-A947-70E740481C1C}">
+                <a14:useLocalDpi xmlns:a14="http://schemas.microsoft.com/office/drawing/2010/main" val="0"/>
+              </a:ext>
+            </a:extLst>
+          </a:blip>
           <a:stretch>
             <a:fillRect/>
           </a:stretch>
         </p:blipFill>
         <p:spPr>
           <a:xfrm>
-            <a:off x="4490018" y="3707229"/>
-            <a:ext cx="5559742" cy="2794425"/>
+            <a:off x="2636961" y="3836402"/>
+            <a:ext cx="6844368" cy="1116000"/>
           </a:xfrm>
           <a:prstGeom prst="rect">
             <a:avLst/>
           </a:prstGeom>
         </p:spPr>
       </p:pic>
-      <p:sp>
-        <p:nvSpPr>
-          <p:cNvPr id="8" name="TextBox 7">
-            <a:extLst>
-              <a:ext uri="{FF2B5EF4-FFF2-40B4-BE49-F238E27FC236}">
-                <a16:creationId xmlns:a16="http://schemas.microsoft.com/office/drawing/2014/main" id="{D5AF61FA-4C83-47A0-7128-48302C190A7E}"/>
-              </a:ext>
-            </a:extLst>
-          </p:cNvPr>
-          <p:cNvSpPr txBox="1"/>
-          <p:nvPr/>
-        </p:nvSpPr>
-        <p:spPr>
-          <a:xfrm>
-            <a:off x="1677886" y="1183383"/>
-            <a:ext cx="1970202" cy="1896609"/>
-          </a:xfrm>
-          <a:prstGeom prst="rect">
-            <a:avLst/>
-          </a:prstGeom>
-          <a:noFill/>
-        </p:spPr>
-        <p:txBody>
-          <a:bodyPr wrap="square" rtlCol="0">
-            <a:spAutoFit/>
-          </a:bodyPr>
-          <a:lstStyle/>
-          <a:p>
-            <a:pPr marL="342900" indent="-342900" algn="l">
-              <a:lnSpc>
-                <a:spcPct val="120000"/>
-              </a:lnSpc>
-              <a:buFont typeface="Arial" panose="020B0604020202020204" pitchFamily="34" charset="0"/>
-              <a:buChar char="‒"/>
-            </a:pPr>
-            <a:r>
-              <a:rPr lang="nl-BE" sz="2500"/>
-              <a:t>Lumer-Faieta without clustering</a:t>
-            </a:r>
-            <a:endParaRPr lang="en-GB" sz="2500"/>
-          </a:p>
-        </p:txBody>
-      </p:sp>
-      <p:sp>
-        <p:nvSpPr>
-          <p:cNvPr id="9" name="TextBox 8">
-            <a:extLst>
-              <a:ext uri="{FF2B5EF4-FFF2-40B4-BE49-F238E27FC236}">
-                <a16:creationId xmlns:a16="http://schemas.microsoft.com/office/drawing/2014/main" id="{A0AB8EA0-E95D-1721-8CE3-C90925E148E2}"/>
-              </a:ext>
-            </a:extLst>
-          </p:cNvPr>
-          <p:cNvSpPr txBox="1"/>
-          <p:nvPr/>
-        </p:nvSpPr>
-        <p:spPr>
-          <a:xfrm>
-            <a:off x="1677886" y="3936958"/>
-            <a:ext cx="1970202" cy="1896609"/>
-          </a:xfrm>
-          <a:prstGeom prst="rect">
-            <a:avLst/>
-          </a:prstGeom>
-          <a:noFill/>
-        </p:spPr>
-        <p:txBody>
-          <a:bodyPr wrap="square" rtlCol="0">
-            <a:spAutoFit/>
-          </a:bodyPr>
-          <a:lstStyle/>
-          <a:p>
-            <a:pPr marL="342900" indent="-342900" algn="l">
-              <a:lnSpc>
-                <a:spcPct val="120000"/>
-              </a:lnSpc>
-              <a:buFont typeface="Arial" panose="020B0604020202020204" pitchFamily="34" charset="0"/>
-              <a:buChar char="‒"/>
-            </a:pPr>
-            <a:r>
-              <a:rPr lang="nl-BE" sz="2500"/>
-              <a:t>Lumer-Faieta with clustering</a:t>
-            </a:r>
-            <a:endParaRPr lang="en-GB" sz="2500"/>
-          </a:p>
-        </p:txBody>
-      </p:sp>
     </p:spTree>
     <p:extLst>
       <p:ext uri="{BB962C8B-B14F-4D97-AF65-F5344CB8AC3E}">
-        <p14:creationId xmlns:p14="http://schemas.microsoft.com/office/powerpoint/2010/main" val="2745004865"/>
+        <p14:creationId xmlns:p14="http://schemas.microsoft.com/office/powerpoint/2010/main" val="924896760"/>
       </p:ext>
     </p:extLst>
   </p:cSld>
@@ -4741,7 +6372,7 @@
           <p:cNvPr id="2" name="Title 1">
             <a:extLst>
               <a:ext uri="{FF2B5EF4-FFF2-40B4-BE49-F238E27FC236}">
-                <a16:creationId xmlns:a16="http://schemas.microsoft.com/office/drawing/2014/main" id="{C33144C4-4F99-DD45-583C-8811E5C23CD1}"/>
+                <a16:creationId xmlns:a16="http://schemas.microsoft.com/office/drawing/2014/main" id="{BF1488D3-8034-A85B-7A11-AC9D49E1009A}"/>
               </a:ext>
             </a:extLst>
           </p:cNvPr>
@@ -4757,41 +6388,20 @@
           <a:bodyPr/>
           <a:lstStyle/>
           <a:p>
-            <a:endParaRPr lang="en-GB"/>
-          </a:p>
-        </p:txBody>
-      </p:sp>
-      <p:sp>
-        <p:nvSpPr>
-          <p:cNvPr id="3" name="Content Placeholder 2">
+            <a:r>
+              <a:rPr lang="nl-BE" dirty="0" err="1"/>
+              <a:t>Alpha</a:t>
+            </a:r>
+            <a:endParaRPr lang="en-GB" dirty="0"/>
+          </a:p>
+        </p:txBody>
+      </p:sp>
+      <p:pic>
+        <p:nvPicPr>
+          <p:cNvPr id="4" name="Picture 3">
             <a:extLst>
               <a:ext uri="{FF2B5EF4-FFF2-40B4-BE49-F238E27FC236}">
-                <a16:creationId xmlns:a16="http://schemas.microsoft.com/office/drawing/2014/main" id="{3177A889-8D02-C3F8-30F4-D4F95D6A0D94}"/>
-              </a:ext>
-            </a:extLst>
-          </p:cNvPr>
-          <p:cNvSpPr>
-            <a:spLocks noGrp="1"/>
-          </p:cNvSpPr>
-          <p:nvPr>
-            <p:ph idx="1"/>
-          </p:nvPr>
-        </p:nvSpPr>
-        <p:spPr/>
-        <p:txBody>
-          <a:bodyPr/>
-          <a:lstStyle/>
-          <a:p>
-            <a:endParaRPr lang="en-GB"/>
-          </a:p>
-        </p:txBody>
-      </p:sp>
-      <p:pic>
-        <p:nvPicPr>
-          <p:cNvPr id="5" name="Picture 4">
-            <a:extLst>
-              <a:ext uri="{FF2B5EF4-FFF2-40B4-BE49-F238E27FC236}">
-                <a16:creationId xmlns:a16="http://schemas.microsoft.com/office/drawing/2014/main" id="{2F6EA372-0724-4B1C-1CE6-EF6462CA3B95}"/>
+                <a16:creationId xmlns:a16="http://schemas.microsoft.com/office/drawing/2014/main" id="{4E18C372-7D40-4FA4-88DE-569B1AC4DC5E}"/>
               </a:ext>
             </a:extLst>
           </p:cNvPr>
@@ -4801,25 +6411,144 @@
           <p:nvPr/>
         </p:nvPicPr>
         <p:blipFill>
-          <a:blip r:embed="rId2"/>
+          <a:blip r:embed="rId3">
+            <a:extLst>
+              <a:ext uri="{28A0092B-C50C-407E-A947-70E740481C1C}">
+                <a14:useLocalDpi xmlns:a14="http://schemas.microsoft.com/office/drawing/2010/main" val="0"/>
+              </a:ext>
+            </a:extLst>
+          </a:blip>
           <a:stretch>
             <a:fillRect/>
           </a:stretch>
         </p:blipFill>
         <p:spPr>
           <a:xfrm>
-            <a:off x="2166479" y="1036948"/>
-            <a:ext cx="7859042" cy="4981265"/>
+            <a:off x="6657703" y="3595551"/>
+            <a:ext cx="4371975" cy="2514600"/>
           </a:xfrm>
           <a:prstGeom prst="rect">
             <a:avLst/>
           </a:prstGeom>
         </p:spPr>
       </p:pic>
+      <p:grpSp>
+        <p:nvGrpSpPr>
+          <p:cNvPr id="9" name="Group 8">
+            <a:extLst>
+              <a:ext uri="{FF2B5EF4-FFF2-40B4-BE49-F238E27FC236}">
+                <a16:creationId xmlns:a16="http://schemas.microsoft.com/office/drawing/2014/main" id="{C225714C-FCF7-4186-95CF-ADDAE088F673}"/>
+              </a:ext>
+            </a:extLst>
+          </p:cNvPr>
+          <p:cNvGrpSpPr/>
+          <p:nvPr/>
+        </p:nvGrpSpPr>
+        <p:grpSpPr>
+          <a:xfrm>
+            <a:off x="2636961" y="1752437"/>
+            <a:ext cx="6936953" cy="1116000"/>
+            <a:chOff x="2636961" y="1752437"/>
+            <a:chExt cx="6936953" cy="1116000"/>
+          </a:xfrm>
+        </p:grpSpPr>
+        <p:pic>
+          <p:nvPicPr>
+            <p:cNvPr id="5" name="Picture 4">
+              <a:extLst>
+                <a:ext uri="{FF2B5EF4-FFF2-40B4-BE49-F238E27FC236}">
+                  <a16:creationId xmlns:a16="http://schemas.microsoft.com/office/drawing/2014/main" id="{3C753D0A-5F16-4E32-AACA-F1A845E3E9AB}"/>
+                </a:ext>
+              </a:extLst>
+            </p:cNvPr>
+            <p:cNvPicPr>
+              <a:picLocks noChangeAspect="1"/>
+            </p:cNvPicPr>
+            <p:nvPr/>
+          </p:nvPicPr>
+          <p:blipFill>
+            <a:blip r:embed="rId4">
+              <a:extLst>
+                <a:ext uri="{28A0092B-C50C-407E-A947-70E740481C1C}">
+                  <a14:useLocalDpi xmlns:a14="http://schemas.microsoft.com/office/drawing/2010/main" val="0"/>
+                </a:ext>
+              </a:extLst>
+            </a:blip>
+            <a:stretch>
+              <a:fillRect/>
+            </a:stretch>
+          </p:blipFill>
+          <p:spPr>
+            <a:xfrm>
+              <a:off x="2636961" y="1752437"/>
+              <a:ext cx="6936953" cy="1116000"/>
+            </a:xfrm>
+            <a:prstGeom prst="rect">
+              <a:avLst/>
+            </a:prstGeom>
+          </p:spPr>
+        </p:pic>
+        <p:sp>
+          <p:nvSpPr>
+            <p:cNvPr id="7" name="Rectangle 6">
+              <a:extLst>
+                <a:ext uri="{FF2B5EF4-FFF2-40B4-BE49-F238E27FC236}">
+                  <a16:creationId xmlns:a16="http://schemas.microsoft.com/office/drawing/2014/main" id="{85937226-2677-4697-8132-6DDC0E2BCE37}"/>
+                </a:ext>
+              </a:extLst>
+            </p:cNvPr>
+            <p:cNvSpPr/>
+            <p:nvPr/>
+          </p:nvSpPr>
+          <p:spPr>
+            <a:xfrm>
+              <a:off x="8255726" y="2325190"/>
+              <a:ext cx="587964" cy="365760"/>
+            </a:xfrm>
+            <a:prstGeom prst="rect">
+              <a:avLst/>
+            </a:prstGeom>
+            <a:noFill/>
+            <a:ln w="31750">
+              <a:solidFill>
+                <a:srgbClr val="FF7F7F"/>
+              </a:solidFill>
+            </a:ln>
+          </p:spPr>
+          <p:style>
+            <a:lnRef idx="2">
+              <a:schemeClr val="accent1">
+                <a:shade val="50000"/>
+              </a:schemeClr>
+            </a:lnRef>
+            <a:fillRef idx="1">
+              <a:schemeClr val="accent1"/>
+            </a:fillRef>
+            <a:effectRef idx="0">
+              <a:schemeClr val="accent1"/>
+            </a:effectRef>
+            <a:fontRef idx="minor">
+              <a:schemeClr val="lt1"/>
+            </a:fontRef>
+          </p:style>
+          <p:txBody>
+            <a:bodyPr rtlCol="0" anchor="ctr"/>
+            <a:lstStyle/>
+            <a:p>
+              <a:pPr algn="ctr"/>
+              <a:endParaRPr lang="nl-BE">
+                <a:solidFill>
+                  <a:srgbClr val="FF7F7F"/>
+                </a:solidFill>
+              </a:endParaRPr>
+            </a:p>
+          </p:txBody>
+        </p:sp>
+      </p:grpSp>
     </p:spTree>
     <p:extLst>
       <p:ext uri="{BB962C8B-B14F-4D97-AF65-F5344CB8AC3E}">
-        <p14:creationId xmlns:p14="http://schemas.microsoft.com/office/powerpoint/2010/main" val="1863322763"/>
+        <p14:creationId xmlns:p14="http://schemas.microsoft.com/office/powerpoint/2010/main" val="854195254"/>
       </p:ext>
     </p:extLst>
   </p:cSld>
@@ -5110,4 +6839,299 @@
     </a:ext>
   </a:extLst>
 </a:theme>
+</file>
+
+<file path=ppt/theme/theme2.xml><?xml version="1.0" encoding="utf-8"?>
+<a:theme xmlns:a="http://schemas.openxmlformats.org/drawingml/2006/main" name="Office Theme">
+  <a:themeElements>
+    <a:clrScheme name="Office">
+      <a:dk1>
+        <a:sysClr val="windowText" lastClr="000000"/>
+      </a:dk1>
+      <a:lt1>
+        <a:sysClr val="window" lastClr="FFFFFF"/>
+      </a:lt1>
+      <a:dk2>
+        <a:srgbClr val="44546A"/>
+      </a:dk2>
+      <a:lt2>
+        <a:srgbClr val="E7E6E6"/>
+      </a:lt2>
+      <a:accent1>
+        <a:srgbClr val="4472C4"/>
+      </a:accent1>
+      <a:accent2>
+        <a:srgbClr val="ED7D31"/>
+      </a:accent2>
+      <a:accent3>
+        <a:srgbClr val="A5A5A5"/>
+      </a:accent3>
+      <a:accent4>
+        <a:srgbClr val="FFC000"/>
+      </a:accent4>
+      <a:accent5>
+        <a:srgbClr val="5B9BD5"/>
+      </a:accent5>
+      <a:accent6>
+        <a:srgbClr val="70AD47"/>
+      </a:accent6>
+      <a:hlink>
+        <a:srgbClr val="0563C1"/>
+      </a:hlink>
+      <a:folHlink>
+        <a:srgbClr val="954F72"/>
+      </a:folHlink>
+    </a:clrScheme>
+    <a:fontScheme name="Office">
+      <a:majorFont>
+        <a:latin typeface="Calibri Light" panose="020F0302020204030204"/>
+        <a:ea typeface=""/>
+        <a:cs typeface=""/>
+        <a:font script="Jpan" typeface="游ゴシック Light"/>
+        <a:font script="Hang" typeface="맑은 고딕"/>
+        <a:font script="Hans" typeface="等线 Light"/>
+        <a:font script="Hant" typeface="新細明體"/>
+        <a:font script="Arab" typeface="Times New Roman"/>
+        <a:font script="Hebr" typeface="Times New Roman"/>
+        <a:font script="Thai" typeface="Angsana New"/>
+        <a:font script="Ethi" typeface="Nyala"/>
+        <a:font script="Beng" typeface="Vrinda"/>
+        <a:font script="Gujr" typeface="Shruti"/>
+        <a:font script="Khmr" typeface="MoolBoran"/>
+        <a:font script="Knda" typeface="Tunga"/>
+        <a:font script="Guru" typeface="Raavi"/>
+        <a:font script="Cans" typeface="Euphemia"/>
+        <a:font script="Cher" typeface="Plantagenet Cherokee"/>
+        <a:font script="Yiii" typeface="Microsoft Yi Baiti"/>
+        <a:font script="Tibt" typeface="Microsoft Himalaya"/>
+        <a:font script="Thaa" typeface="MV Boli"/>
+        <a:font script="Deva" typeface="Mangal"/>
+        <a:font script="Telu" typeface="Gautami"/>
+        <a:font script="Taml" typeface="Latha"/>
+        <a:font script="Syrc" typeface="Estrangelo Edessa"/>
+        <a:font script="Orya" typeface="Kalinga"/>
+        <a:font script="Mlym" typeface="Kartika"/>
+        <a:font script="Laoo" typeface="DokChampa"/>
+        <a:font script="Sinh" typeface="Iskoola Pota"/>
+        <a:font script="Mong" typeface="Mongolian Baiti"/>
+        <a:font script="Viet" typeface="Times New Roman"/>
+        <a:font script="Uigh" typeface="Microsoft Uighur"/>
+        <a:font script="Geor" typeface="Sylfaen"/>
+        <a:font script="Armn" typeface="Arial"/>
+        <a:font script="Bugi" typeface="Leelawadee UI"/>
+        <a:font script="Bopo" typeface="Microsoft JhengHei"/>
+        <a:font script="Java" typeface="Javanese Text"/>
+        <a:font script="Lisu" typeface="Segoe UI"/>
+        <a:font script="Mymr" typeface="Myanmar Text"/>
+        <a:font script="Nkoo" typeface="Ebrima"/>
+        <a:font script="Olck" typeface="Nirmala UI"/>
+        <a:font script="Osma" typeface="Ebrima"/>
+        <a:font script="Phag" typeface="Phagspa"/>
+        <a:font script="Syrn" typeface="Estrangelo Edessa"/>
+        <a:font script="Syrj" typeface="Estrangelo Edessa"/>
+        <a:font script="Syre" typeface="Estrangelo Edessa"/>
+        <a:font script="Sora" typeface="Nirmala UI"/>
+        <a:font script="Tale" typeface="Microsoft Tai Le"/>
+        <a:font script="Talu" typeface="Microsoft New Tai Lue"/>
+        <a:font script="Tfng" typeface="Ebrima"/>
+      </a:majorFont>
+      <a:minorFont>
+        <a:latin typeface="Calibri" panose="020F0502020204030204"/>
+        <a:ea typeface=""/>
+        <a:cs typeface=""/>
+        <a:font script="Jpan" typeface="游ゴシック"/>
+        <a:font script="Hang" typeface="맑은 고딕"/>
+        <a:font script="Hans" typeface="等线"/>
+        <a:font script="Hant" typeface="新細明體"/>
+        <a:font script="Arab" typeface="Arial"/>
+        <a:font script="Hebr" typeface="Arial"/>
+        <a:font script="Thai" typeface="Cordia New"/>
+        <a:font script="Ethi" typeface="Nyala"/>
+        <a:font script="Beng" typeface="Vrinda"/>
+        <a:font script="Gujr" typeface="Shruti"/>
+        <a:font script="Khmr" typeface="DaunPenh"/>
+        <a:font script="Knda" typeface="Tunga"/>
+        <a:font script="Guru" typeface="Raavi"/>
+        <a:font script="Cans" typeface="Euphemia"/>
+        <a:font script="Cher" typeface="Plantagenet Cherokee"/>
+        <a:font script="Yiii" typeface="Microsoft Yi Baiti"/>
+        <a:font script="Tibt" typeface="Microsoft Himalaya"/>
+        <a:font script="Thaa" typeface="MV Boli"/>
+        <a:font script="Deva" typeface="Mangal"/>
+        <a:font script="Telu" typeface="Gautami"/>
+        <a:font script="Taml" typeface="Latha"/>
+        <a:font script="Syrc" typeface="Estrangelo Edessa"/>
+        <a:font script="Orya" typeface="Kalinga"/>
+        <a:font script="Mlym" typeface="Kartika"/>
+        <a:font script="Laoo" typeface="DokChampa"/>
+        <a:font script="Sinh" typeface="Iskoola Pota"/>
+        <a:font script="Mong" typeface="Mongolian Baiti"/>
+        <a:font script="Viet" typeface="Arial"/>
+        <a:font script="Uigh" typeface="Microsoft Uighur"/>
+        <a:font script="Geor" typeface="Sylfaen"/>
+        <a:font script="Armn" typeface="Arial"/>
+        <a:font script="Bugi" typeface="Leelawadee UI"/>
+        <a:font script="Bopo" typeface="Microsoft JhengHei"/>
+        <a:font script="Java" typeface="Javanese Text"/>
+        <a:font script="Lisu" typeface="Segoe UI"/>
+        <a:font script="Mymr" typeface="Myanmar Text"/>
+        <a:font script="Nkoo" typeface="Ebrima"/>
+        <a:font script="Olck" typeface="Nirmala UI"/>
+        <a:font script="Osma" typeface="Ebrima"/>
+        <a:font script="Phag" typeface="Phagspa"/>
+        <a:font script="Syrn" typeface="Estrangelo Edessa"/>
+        <a:font script="Syrj" typeface="Estrangelo Edessa"/>
+        <a:font script="Syre" typeface="Estrangelo Edessa"/>
+        <a:font script="Sora" typeface="Nirmala UI"/>
+        <a:font script="Tale" typeface="Microsoft Tai Le"/>
+        <a:font script="Talu" typeface="Microsoft New Tai Lue"/>
+        <a:font script="Tfng" typeface="Ebrima"/>
+      </a:minorFont>
+    </a:fontScheme>
+    <a:fmtScheme name="Office">
+      <a:fillStyleLst>
+        <a:solidFill>
+          <a:schemeClr val="phClr"/>
+        </a:solidFill>
+        <a:gradFill rotWithShape="1">
+          <a:gsLst>
+            <a:gs pos="0">
+              <a:schemeClr val="phClr">
+                <a:lumMod val="110000"/>
+                <a:satMod val="105000"/>
+                <a:tint val="67000"/>
+              </a:schemeClr>
+            </a:gs>
+            <a:gs pos="50000">
+              <a:schemeClr val="phClr">
+                <a:lumMod val="105000"/>
+                <a:satMod val="103000"/>
+                <a:tint val="73000"/>
+              </a:schemeClr>
+            </a:gs>
+            <a:gs pos="100000">
+              <a:schemeClr val="phClr">
+                <a:lumMod val="105000"/>
+                <a:satMod val="109000"/>
+                <a:tint val="81000"/>
+              </a:schemeClr>
+            </a:gs>
+          </a:gsLst>
+          <a:lin ang="5400000" scaled="0"/>
+        </a:gradFill>
+        <a:gradFill rotWithShape="1">
+          <a:gsLst>
+            <a:gs pos="0">
+              <a:schemeClr val="phClr">
+                <a:satMod val="103000"/>
+                <a:lumMod val="102000"/>
+                <a:tint val="94000"/>
+              </a:schemeClr>
+            </a:gs>
+            <a:gs pos="50000">
+              <a:schemeClr val="phClr">
+                <a:satMod val="110000"/>
+                <a:lumMod val="100000"/>
+                <a:shade val="100000"/>
+              </a:schemeClr>
+            </a:gs>
+            <a:gs pos="100000">
+              <a:schemeClr val="phClr">
+                <a:lumMod val="99000"/>
+                <a:satMod val="120000"/>
+                <a:shade val="78000"/>
+              </a:schemeClr>
+            </a:gs>
+          </a:gsLst>
+          <a:lin ang="5400000" scaled="0"/>
+        </a:gradFill>
+      </a:fillStyleLst>
+      <a:lnStyleLst>
+        <a:ln w="6350" cap="flat" cmpd="sng" algn="ctr">
+          <a:solidFill>
+            <a:schemeClr val="phClr"/>
+          </a:solidFill>
+          <a:prstDash val="solid"/>
+          <a:miter lim="800000"/>
+        </a:ln>
+        <a:ln w="12700" cap="flat" cmpd="sng" algn="ctr">
+          <a:solidFill>
+            <a:schemeClr val="phClr"/>
+          </a:solidFill>
+          <a:prstDash val="solid"/>
+          <a:miter lim="800000"/>
+        </a:ln>
+        <a:ln w="19050" cap="flat" cmpd="sng" algn="ctr">
+          <a:solidFill>
+            <a:schemeClr val="phClr"/>
+          </a:solidFill>
+          <a:prstDash val="solid"/>
+          <a:miter lim="800000"/>
+        </a:ln>
+      </a:lnStyleLst>
+      <a:effectStyleLst>
+        <a:effectStyle>
+          <a:effectLst/>
+        </a:effectStyle>
+        <a:effectStyle>
+          <a:effectLst/>
+        </a:effectStyle>
+        <a:effectStyle>
+          <a:effectLst>
+            <a:outerShdw blurRad="57150" dist="19050" dir="5400000" algn="ctr" rotWithShape="0">
+              <a:srgbClr val="000000">
+                <a:alpha val="63000"/>
+              </a:srgbClr>
+            </a:outerShdw>
+          </a:effectLst>
+        </a:effectStyle>
+      </a:effectStyleLst>
+      <a:bgFillStyleLst>
+        <a:solidFill>
+          <a:schemeClr val="phClr"/>
+        </a:solidFill>
+        <a:solidFill>
+          <a:schemeClr val="phClr">
+            <a:tint val="95000"/>
+            <a:satMod val="170000"/>
+          </a:schemeClr>
+        </a:solidFill>
+        <a:gradFill rotWithShape="1">
+          <a:gsLst>
+            <a:gs pos="0">
+              <a:schemeClr val="phClr">
+                <a:tint val="93000"/>
+                <a:satMod val="150000"/>
+                <a:shade val="98000"/>
+                <a:lumMod val="102000"/>
+              </a:schemeClr>
+            </a:gs>
+            <a:gs pos="50000">
+              <a:schemeClr val="phClr">
+                <a:tint val="98000"/>
+                <a:satMod val="130000"/>
+                <a:shade val="90000"/>
+                <a:lumMod val="103000"/>
+              </a:schemeClr>
+            </a:gs>
+            <a:gs pos="100000">
+              <a:schemeClr val="phClr">
+                <a:shade val="63000"/>
+                <a:satMod val="120000"/>
+              </a:schemeClr>
+            </a:gs>
+          </a:gsLst>
+          <a:lin ang="5400000" scaled="0"/>
+        </a:gradFill>
+      </a:bgFillStyleLst>
+    </a:fmtScheme>
+  </a:themeElements>
+  <a:objectDefaults/>
+  <a:extraClrSchemeLst/>
+  <a:extLst>
+    <a:ext uri="{05A4C25C-085E-4340-85A3-A5531E510DB2}">
+      <thm15:themeFamily xmlns:thm15="http://schemas.microsoft.com/office/thememl/2012/main" name="Office Theme" id="{62F939B6-93AF-4DB8-9C6B-D6C7DFDC589F}" vid="{4A3C46E8-61CC-4603-A589-7422A47A8E4A}"/>
+    </a:ext>
+  </a:extLst>
+</a:theme>
 </file>
--- a/Spatio-temporele modellen.pptx
+++ b/Spatio-temporele modellen.pptx
@@ -5,7 +5,7 @@
     <p:sldMasterId id="2147483660" r:id="rId1"/>
   </p:sldMasterIdLst>
   <p:notesMasterIdLst>
-    <p:notesMasterId r:id="rId15"/>
+    <p:notesMasterId r:id="rId16"/>
   </p:notesMasterIdLst>
   <p:sldIdLst>
     <p:sldId id="256" r:id="rId2"/>
@@ -15,12 +15,13 @@
     <p:sldId id="261" r:id="rId6"/>
     <p:sldId id="262" r:id="rId7"/>
     <p:sldId id="263" r:id="rId8"/>
-    <p:sldId id="266" r:id="rId9"/>
-    <p:sldId id="267" r:id="rId10"/>
-    <p:sldId id="268" r:id="rId11"/>
-    <p:sldId id="264" r:id="rId12"/>
-    <p:sldId id="265" r:id="rId13"/>
-    <p:sldId id="259" r:id="rId14"/>
+    <p:sldId id="269" r:id="rId9"/>
+    <p:sldId id="266" r:id="rId10"/>
+    <p:sldId id="267" r:id="rId11"/>
+    <p:sldId id="268" r:id="rId12"/>
+    <p:sldId id="264" r:id="rId13"/>
+    <p:sldId id="265" r:id="rId14"/>
+    <p:sldId id="259" r:id="rId15"/>
   </p:sldIdLst>
   <p:sldSz cx="12192000" cy="6858000"/>
   <p:notesSz cx="6858000" cy="9144000"/>
@@ -812,7 +813,303 @@
           <a:bodyPr/>
           <a:lstStyle/>
           <a:p>
+            <a:r>
+              <a:rPr lang="nl-BE" dirty="0"/>
+              <a:t>Picture is  a </a:t>
+            </a:r>
+            <a:r>
+              <a:rPr lang="nl-BE" dirty="0" err="1"/>
+              <a:t>placeholder</a:t>
+            </a:r>
+            <a:r>
+              <a:rPr lang="nl-BE" dirty="0"/>
+              <a:t> </a:t>
+            </a:r>
+            <a:r>
+              <a:rPr lang="nl-BE" dirty="0" err="1"/>
+              <a:t>for</a:t>
+            </a:r>
+            <a:r>
+              <a:rPr lang="nl-BE" dirty="0"/>
+              <a:t> </a:t>
+            </a:r>
+            <a:r>
+              <a:rPr lang="nl-BE" dirty="0" err="1"/>
+              <a:t>now</a:t>
+            </a:r>
             <a:endParaRPr lang="nl-BE" dirty="0"/>
+          </a:p>
+          <a:p>
+            <a:r>
+              <a:rPr lang="nl-BE" dirty="0"/>
+              <a:t>The </a:t>
+            </a:r>
+            <a:r>
+              <a:rPr lang="nl-BE" dirty="0" err="1"/>
+              <a:t>rows</a:t>
+            </a:r>
+            <a:r>
+              <a:rPr lang="nl-BE" dirty="0"/>
+              <a:t> of </a:t>
+            </a:r>
+            <a:r>
+              <a:rPr lang="nl-BE" dirty="0" err="1"/>
+              <a:t>the</a:t>
+            </a:r>
+            <a:r>
+              <a:rPr lang="nl-BE" dirty="0"/>
+              <a:t> data </a:t>
+            </a:r>
+            <a:r>
+              <a:rPr lang="nl-BE" dirty="0" err="1"/>
+              <a:t>table</a:t>
+            </a:r>
+            <a:r>
+              <a:rPr lang="nl-BE" dirty="0"/>
+              <a:t> are </a:t>
+            </a:r>
+            <a:r>
+              <a:rPr lang="nl-BE" dirty="0" err="1"/>
+              <a:t>the</a:t>
+            </a:r>
+            <a:r>
+              <a:rPr lang="nl-BE" dirty="0"/>
+              <a:t> feature </a:t>
+            </a:r>
+            <a:r>
+              <a:rPr lang="nl-BE" dirty="0" err="1"/>
+              <a:t>vectors</a:t>
+            </a:r>
+            <a:r>
+              <a:rPr lang="nl-BE" dirty="0"/>
+              <a:t> </a:t>
+            </a:r>
+            <a:r>
+              <a:rPr lang="nl-BE" dirty="0" err="1"/>
+              <a:t>used</a:t>
+            </a:r>
+            <a:r>
+              <a:rPr lang="nl-BE" dirty="0"/>
+              <a:t> </a:t>
+            </a:r>
+            <a:r>
+              <a:rPr lang="nl-BE" dirty="0" err="1"/>
+              <a:t>to</a:t>
+            </a:r>
+            <a:r>
+              <a:rPr lang="nl-BE" dirty="0"/>
+              <a:t> </a:t>
+            </a:r>
+            <a:r>
+              <a:rPr lang="nl-BE" dirty="0" err="1"/>
+              <a:t>sort</a:t>
+            </a:r>
+            <a:r>
+              <a:rPr lang="nl-BE" dirty="0"/>
+              <a:t> </a:t>
+            </a:r>
+            <a:r>
+              <a:rPr lang="nl-BE" dirty="0" err="1"/>
+              <a:t>the</a:t>
+            </a:r>
+            <a:r>
+              <a:rPr lang="nl-BE" dirty="0"/>
+              <a:t> samples</a:t>
+            </a:r>
+          </a:p>
+          <a:p>
+            <a:r>
+              <a:rPr lang="nl-BE" dirty="0" err="1"/>
+              <a:t>Now</a:t>
+            </a:r>
+            <a:r>
+              <a:rPr lang="nl-BE" dirty="0"/>
+              <a:t> </a:t>
+            </a:r>
+            <a:r>
+              <a:rPr lang="nl-BE" dirty="0" err="1"/>
+              <a:t>that</a:t>
+            </a:r>
+            <a:r>
+              <a:rPr lang="nl-BE" dirty="0"/>
+              <a:t> </a:t>
+            </a:r>
+            <a:r>
+              <a:rPr lang="nl-BE" dirty="0" err="1"/>
+              <a:t>we’re</a:t>
+            </a:r>
+            <a:r>
+              <a:rPr lang="nl-BE" dirty="0"/>
+              <a:t> </a:t>
+            </a:r>
+            <a:r>
+              <a:rPr lang="nl-BE" dirty="0" err="1"/>
+              <a:t>working</a:t>
+            </a:r>
+            <a:r>
+              <a:rPr lang="nl-BE" dirty="0"/>
+              <a:t> </a:t>
+            </a:r>
+            <a:r>
+              <a:rPr lang="nl-BE" dirty="0" err="1"/>
+              <a:t>with</a:t>
+            </a:r>
+            <a:r>
+              <a:rPr lang="nl-BE" dirty="0"/>
+              <a:t> </a:t>
+            </a:r>
+            <a:r>
+              <a:rPr lang="nl-BE" dirty="0" err="1"/>
+              <a:t>continuous</a:t>
+            </a:r>
+            <a:r>
+              <a:rPr lang="nl-BE" dirty="0"/>
+              <a:t> </a:t>
+            </a:r>
+            <a:r>
+              <a:rPr lang="nl-BE" dirty="0" err="1"/>
+              <a:t>vectors</a:t>
+            </a:r>
+            <a:r>
+              <a:rPr lang="nl-BE" dirty="0"/>
+              <a:t> </a:t>
+            </a:r>
+            <a:r>
+              <a:rPr lang="nl-BE" dirty="0" err="1"/>
+              <a:t>there</a:t>
+            </a:r>
+            <a:r>
+              <a:rPr lang="nl-BE" dirty="0"/>
+              <a:t> </a:t>
+            </a:r>
+            <a:r>
+              <a:rPr lang="nl-BE" dirty="0" err="1"/>
+              <a:t>were</a:t>
+            </a:r>
+            <a:r>
+              <a:rPr lang="nl-BE" dirty="0"/>
+              <a:t> 3 changes </a:t>
+            </a:r>
+            <a:r>
+              <a:rPr lang="nl-BE" dirty="0" err="1"/>
+              <a:t>that</a:t>
+            </a:r>
+            <a:r>
+              <a:rPr lang="nl-BE" dirty="0"/>
+              <a:t> </a:t>
+            </a:r>
+            <a:r>
+              <a:rPr lang="nl-BE" dirty="0" err="1"/>
+              <a:t>need</a:t>
+            </a:r>
+            <a:r>
+              <a:rPr lang="nl-BE" dirty="0"/>
+              <a:t> </a:t>
+            </a:r>
+            <a:r>
+              <a:rPr lang="nl-BE" dirty="0" err="1"/>
+              <a:t>to</a:t>
+            </a:r>
+            <a:r>
+              <a:rPr lang="nl-BE" dirty="0"/>
+              <a:t> </a:t>
+            </a:r>
+            <a:r>
+              <a:rPr lang="nl-BE" dirty="0" err="1"/>
+              <a:t>be</a:t>
+            </a:r>
+            <a:r>
+              <a:rPr lang="nl-BE" dirty="0"/>
+              <a:t> made: </a:t>
+            </a:r>
+            <a:r>
+              <a:rPr lang="nl-BE" dirty="0" err="1"/>
+              <a:t>the</a:t>
+            </a:r>
+            <a:r>
+              <a:rPr lang="nl-BE" dirty="0"/>
+              <a:t> way </a:t>
+            </a:r>
+            <a:r>
+              <a:rPr lang="nl-BE" dirty="0" err="1"/>
+              <a:t>the</a:t>
+            </a:r>
+            <a:r>
+              <a:rPr lang="nl-BE" dirty="0"/>
+              <a:t> </a:t>
+            </a:r>
+            <a:r>
+              <a:rPr lang="nl-BE" dirty="0" err="1"/>
+              <a:t>dissimilarity</a:t>
+            </a:r>
+            <a:r>
+              <a:rPr lang="nl-BE" dirty="0"/>
+              <a:t> is </a:t>
+            </a:r>
+            <a:r>
+              <a:rPr lang="nl-BE" dirty="0" err="1"/>
+              <a:t>calculated</a:t>
+            </a:r>
+            <a:r>
+              <a:rPr lang="nl-BE" dirty="0"/>
+              <a:t>, </a:t>
+            </a:r>
+            <a:r>
+              <a:rPr lang="nl-BE" dirty="0" err="1"/>
+              <a:t>the</a:t>
+            </a:r>
+            <a:r>
+              <a:rPr lang="nl-BE" dirty="0"/>
+              <a:t> </a:t>
+            </a:r>
+            <a:r>
+              <a:rPr lang="nl-BE" dirty="0" err="1"/>
+              <a:t>value</a:t>
+            </a:r>
+            <a:r>
+              <a:rPr lang="nl-BE" dirty="0"/>
+              <a:t> of </a:t>
+            </a:r>
+            <a:r>
+              <a:rPr lang="nl-BE" dirty="0" err="1"/>
+              <a:t>alpha</a:t>
+            </a:r>
+            <a:r>
+              <a:rPr lang="nl-BE" dirty="0"/>
+              <a:t> </a:t>
+            </a:r>
+            <a:r>
+              <a:rPr lang="nl-BE" dirty="0" err="1"/>
+              <a:t>and</a:t>
+            </a:r>
+            <a:r>
+              <a:rPr lang="nl-BE" dirty="0"/>
+              <a:t> </a:t>
+            </a:r>
+            <a:r>
+              <a:rPr lang="nl-BE" dirty="0" err="1"/>
+              <a:t>the</a:t>
+            </a:r>
+            <a:r>
+              <a:rPr lang="nl-BE" dirty="0"/>
+              <a:t> </a:t>
+            </a:r>
+            <a:r>
+              <a:rPr lang="nl-BE" dirty="0" err="1"/>
+              <a:t>wlustering</a:t>
+            </a:r>
+            <a:r>
+              <a:rPr lang="nl-BE" dirty="0"/>
+              <a:t> </a:t>
+            </a:r>
+            <a:r>
+              <a:rPr lang="nl-BE" dirty="0" err="1"/>
+              <a:t>methid</a:t>
+            </a:r>
+            <a:r>
+              <a:rPr lang="nl-BE" dirty="0"/>
+              <a:t>.</a:t>
+            </a:r>
           </a:p>
         </p:txBody>
       </p:sp>
@@ -842,7 +1139,7 @@
     </p:spTree>
     <p:extLst>
       <p:ext uri="{BB962C8B-B14F-4D97-AF65-F5344CB8AC3E}">
-        <p14:creationId xmlns:p14="http://schemas.microsoft.com/office/powerpoint/2010/main" val="1835104303"/>
+        <p14:creationId xmlns:p14="http://schemas.microsoft.com/office/powerpoint/2010/main" val="3187927618"/>
       </p:ext>
     </p:extLst>
   </p:cSld>
@@ -896,7 +1193,62 @@
           <a:bodyPr/>
           <a:lstStyle/>
           <a:p>
-            <a:endParaRPr lang="nl-BE" dirty="0"/>
+            <a:r>
+              <a:rPr lang="nl-BE" dirty="0" err="1"/>
+              <a:t>Vectors</a:t>
+            </a:r>
+            <a:r>
+              <a:rPr lang="nl-BE" dirty="0"/>
+              <a:t> </a:t>
+            </a:r>
+            <a:r>
+              <a:rPr lang="nl-BE" dirty="0" err="1"/>
+              <a:t>were</a:t>
+            </a:r>
+            <a:r>
+              <a:rPr lang="nl-BE" dirty="0"/>
+              <a:t> </a:t>
+            </a:r>
+            <a:r>
+              <a:rPr lang="nl-BE" dirty="0" err="1"/>
+              <a:t>normalized</a:t>
+            </a:r>
+            <a:r>
+              <a:rPr lang="nl-BE" dirty="0"/>
+              <a:t>, </a:t>
+            </a:r>
+            <a:r>
+              <a:rPr lang="nl-BE" dirty="0" err="1"/>
+              <a:t>dissimilarity</a:t>
+            </a:r>
+            <a:r>
+              <a:rPr lang="nl-BE" dirty="0"/>
+              <a:t> was </a:t>
+            </a:r>
+            <a:r>
+              <a:rPr lang="nl-BE" dirty="0" err="1"/>
+              <a:t>normalized</a:t>
+            </a:r>
+            <a:r>
+              <a:rPr lang="nl-BE" dirty="0"/>
+              <a:t>, </a:t>
+            </a:r>
+            <a:r>
+              <a:rPr lang="nl-BE" dirty="0" err="1"/>
+              <a:t>stored</a:t>
+            </a:r>
+            <a:r>
+              <a:rPr lang="nl-BE" dirty="0"/>
+              <a:t> in a </a:t>
+            </a:r>
+            <a:r>
+              <a:rPr lang="nl-BE" dirty="0" err="1"/>
+              <a:t>dissimilarity</a:t>
+            </a:r>
+            <a:r>
+              <a:rPr lang="nl-BE" dirty="0"/>
+              <a:t> matrix</a:t>
+            </a:r>
           </a:p>
         </p:txBody>
       </p:sp>
@@ -926,7 +1278,7 @@
     </p:spTree>
     <p:extLst>
       <p:ext uri="{BB962C8B-B14F-4D97-AF65-F5344CB8AC3E}">
-        <p14:creationId xmlns:p14="http://schemas.microsoft.com/office/powerpoint/2010/main" val="2989650414"/>
+        <p14:creationId xmlns:p14="http://schemas.microsoft.com/office/powerpoint/2010/main" val="1835104303"/>
       </p:ext>
     </p:extLst>
   </p:cSld>
@@ -1002,6 +1354,93 @@
             <a:fld id="{8B35E05E-D5CB-4B04-AB45-6608A189B973}" type="slidenum">
               <a:rPr lang="nl-BE" smtClean="0"/>
               <a:t>10</a:t>
+            </a:fld>
+            <a:endParaRPr lang="nl-BE"/>
+          </a:p>
+        </p:txBody>
+      </p:sp>
+    </p:spTree>
+    <p:extLst>
+      <p:ext uri="{BB962C8B-B14F-4D97-AF65-F5344CB8AC3E}">
+        <p14:creationId xmlns:p14="http://schemas.microsoft.com/office/powerpoint/2010/main" val="2989650414"/>
+      </p:ext>
+    </p:extLst>
+  </p:cSld>
+  <p:clrMapOvr>
+    <a:masterClrMapping/>
+  </p:clrMapOvr>
+</p:notes>
+</file>
+
+<file path=ppt/notesSlides/notesSlide4.xml><?xml version="1.0" encoding="utf-8"?>
+<p:notes xmlns:a="http://schemas.openxmlformats.org/drawingml/2006/main" xmlns:r="http://schemas.openxmlformats.org/officeDocument/2006/relationships" xmlns:p="http://schemas.openxmlformats.org/presentationml/2006/main">
+  <p:cSld>
+    <p:spTree>
+      <p:nvGrpSpPr>
+        <p:cNvPr id="1" name=""/>
+        <p:cNvGrpSpPr/>
+        <p:nvPr/>
+      </p:nvGrpSpPr>
+      <p:grpSpPr>
+        <a:xfrm>
+          <a:off x="0" y="0"/>
+          <a:ext cx="0" cy="0"/>
+          <a:chOff x="0" y="0"/>
+          <a:chExt cx="0" cy="0"/>
+        </a:xfrm>
+      </p:grpSpPr>
+      <p:sp>
+        <p:nvSpPr>
+          <p:cNvPr id="2" name="Slide Image Placeholder 1"/>
+          <p:cNvSpPr>
+            <a:spLocks noGrp="1" noRot="1" noChangeAspect="1"/>
+          </p:cNvSpPr>
+          <p:nvPr>
+            <p:ph type="sldImg"/>
+          </p:nvPr>
+        </p:nvSpPr>
+        <p:spPr/>
+      </p:sp>
+      <p:sp>
+        <p:nvSpPr>
+          <p:cNvPr id="3" name="Notes Placeholder 2"/>
+          <p:cNvSpPr>
+            <a:spLocks noGrp="1"/>
+          </p:cNvSpPr>
+          <p:nvPr>
+            <p:ph type="body" idx="1"/>
+          </p:nvPr>
+        </p:nvSpPr>
+        <p:spPr/>
+        <p:txBody>
+          <a:bodyPr/>
+          <a:lstStyle/>
+          <a:p>
+            <a:r>
+              <a:rPr lang="nl-BE" dirty="0"/>
+              <a:t>Lelijke slide :/</a:t>
+            </a:r>
+          </a:p>
+        </p:txBody>
+      </p:sp>
+      <p:sp>
+        <p:nvSpPr>
+          <p:cNvPr id="4" name="Slide Number Placeholder 3"/>
+          <p:cNvSpPr>
+            <a:spLocks noGrp="1"/>
+          </p:cNvSpPr>
+          <p:nvPr>
+            <p:ph type="sldNum" sz="quarter" idx="5"/>
+          </p:nvPr>
+        </p:nvSpPr>
+        <p:spPr/>
+        <p:txBody>
+          <a:bodyPr/>
+          <a:lstStyle/>
+          <a:p>
+            <a:fld id="{8B35E05E-D5CB-4B04-AB45-6608A189B973}" type="slidenum">
+              <a:rPr lang="nl-BE" smtClean="0"/>
+              <a:t>11</a:t>
             </a:fld>
             <a:endParaRPr lang="nl-BE"/>
           </a:p>
@@ -4195,6 +4634,219 @@
           <a:lstStyle/>
           <a:p>
             <a:r>
+              <a:rPr lang="nl-BE" dirty="0" err="1"/>
+              <a:t>Alpha</a:t>
+            </a:r>
+            <a:endParaRPr lang="en-GB" dirty="0"/>
+          </a:p>
+        </p:txBody>
+      </p:sp>
+      <p:pic>
+        <p:nvPicPr>
+          <p:cNvPr id="4" name="Picture 3">
+            <a:extLst>
+              <a:ext uri="{FF2B5EF4-FFF2-40B4-BE49-F238E27FC236}">
+                <a16:creationId xmlns:a16="http://schemas.microsoft.com/office/drawing/2014/main" id="{4E18C372-7D40-4FA4-88DE-569B1AC4DC5E}"/>
+              </a:ext>
+            </a:extLst>
+          </p:cNvPr>
+          <p:cNvPicPr>
+            <a:picLocks noChangeAspect="1"/>
+          </p:cNvPicPr>
+          <p:nvPr/>
+        </p:nvPicPr>
+        <p:blipFill>
+          <a:blip r:embed="rId3">
+            <a:extLst>
+              <a:ext uri="{28A0092B-C50C-407E-A947-70E740481C1C}">
+                <a14:useLocalDpi xmlns:a14="http://schemas.microsoft.com/office/drawing/2010/main" val="0"/>
+              </a:ext>
+            </a:extLst>
+          </a:blip>
+          <a:stretch>
+            <a:fillRect/>
+          </a:stretch>
+        </p:blipFill>
+        <p:spPr>
+          <a:xfrm>
+            <a:off x="6657703" y="3595551"/>
+            <a:ext cx="4371975" cy="2514600"/>
+          </a:xfrm>
+          <a:prstGeom prst="rect">
+            <a:avLst/>
+          </a:prstGeom>
+        </p:spPr>
+      </p:pic>
+      <p:grpSp>
+        <p:nvGrpSpPr>
+          <p:cNvPr id="9" name="Group 8">
+            <a:extLst>
+              <a:ext uri="{FF2B5EF4-FFF2-40B4-BE49-F238E27FC236}">
+                <a16:creationId xmlns:a16="http://schemas.microsoft.com/office/drawing/2014/main" id="{C225714C-FCF7-4186-95CF-ADDAE088F673}"/>
+              </a:ext>
+            </a:extLst>
+          </p:cNvPr>
+          <p:cNvGrpSpPr/>
+          <p:nvPr/>
+        </p:nvGrpSpPr>
+        <p:grpSpPr>
+          <a:xfrm>
+            <a:off x="2636961" y="1752437"/>
+            <a:ext cx="6936953" cy="1116000"/>
+            <a:chOff x="2636961" y="1752437"/>
+            <a:chExt cx="6936953" cy="1116000"/>
+          </a:xfrm>
+        </p:grpSpPr>
+        <p:pic>
+          <p:nvPicPr>
+            <p:cNvPr id="5" name="Picture 4">
+              <a:extLst>
+                <a:ext uri="{FF2B5EF4-FFF2-40B4-BE49-F238E27FC236}">
+                  <a16:creationId xmlns:a16="http://schemas.microsoft.com/office/drawing/2014/main" id="{3C753D0A-5F16-4E32-AACA-F1A845E3E9AB}"/>
+                </a:ext>
+              </a:extLst>
+            </p:cNvPr>
+            <p:cNvPicPr>
+              <a:picLocks noChangeAspect="1"/>
+            </p:cNvPicPr>
+            <p:nvPr/>
+          </p:nvPicPr>
+          <p:blipFill>
+            <a:blip r:embed="rId4">
+              <a:extLst>
+                <a:ext uri="{28A0092B-C50C-407E-A947-70E740481C1C}">
+                  <a14:useLocalDpi xmlns:a14="http://schemas.microsoft.com/office/drawing/2010/main" val="0"/>
+                </a:ext>
+              </a:extLst>
+            </a:blip>
+            <a:stretch>
+              <a:fillRect/>
+            </a:stretch>
+          </p:blipFill>
+          <p:spPr>
+            <a:xfrm>
+              <a:off x="2636961" y="1752437"/>
+              <a:ext cx="6936953" cy="1116000"/>
+            </a:xfrm>
+            <a:prstGeom prst="rect">
+              <a:avLst/>
+            </a:prstGeom>
+          </p:spPr>
+        </p:pic>
+        <p:sp>
+          <p:nvSpPr>
+            <p:cNvPr id="7" name="Rectangle 6">
+              <a:extLst>
+                <a:ext uri="{FF2B5EF4-FFF2-40B4-BE49-F238E27FC236}">
+                  <a16:creationId xmlns:a16="http://schemas.microsoft.com/office/drawing/2014/main" id="{85937226-2677-4697-8132-6DDC0E2BCE37}"/>
+                </a:ext>
+              </a:extLst>
+            </p:cNvPr>
+            <p:cNvSpPr/>
+            <p:nvPr/>
+          </p:nvSpPr>
+          <p:spPr>
+            <a:xfrm>
+              <a:off x="8255726" y="2325190"/>
+              <a:ext cx="587964" cy="365760"/>
+            </a:xfrm>
+            <a:prstGeom prst="rect">
+              <a:avLst/>
+            </a:prstGeom>
+            <a:noFill/>
+            <a:ln w="31750">
+              <a:solidFill>
+                <a:srgbClr val="FF7F7F"/>
+              </a:solidFill>
+            </a:ln>
+          </p:spPr>
+          <p:style>
+            <a:lnRef idx="2">
+              <a:schemeClr val="accent1">
+                <a:shade val="50000"/>
+              </a:schemeClr>
+            </a:lnRef>
+            <a:fillRef idx="1">
+              <a:schemeClr val="accent1"/>
+            </a:fillRef>
+            <a:effectRef idx="0">
+              <a:schemeClr val="accent1"/>
+            </a:effectRef>
+            <a:fontRef idx="minor">
+              <a:schemeClr val="lt1"/>
+            </a:fontRef>
+          </p:style>
+          <p:txBody>
+            <a:bodyPr rtlCol="0" anchor="ctr"/>
+            <a:lstStyle/>
+            <a:p>
+              <a:pPr algn="ctr"/>
+              <a:endParaRPr lang="nl-BE">
+                <a:solidFill>
+                  <a:srgbClr val="FF7F7F"/>
+                </a:solidFill>
+              </a:endParaRPr>
+            </a:p>
+          </p:txBody>
+        </p:sp>
+      </p:grpSp>
+    </p:spTree>
+    <p:extLst>
+      <p:ext uri="{BB962C8B-B14F-4D97-AF65-F5344CB8AC3E}">
+        <p14:creationId xmlns:p14="http://schemas.microsoft.com/office/powerpoint/2010/main" val="854195254"/>
+      </p:ext>
+    </p:extLst>
+  </p:cSld>
+  <p:clrMapOvr>
+    <a:masterClrMapping/>
+  </p:clrMapOvr>
+</p:sld>
+</file>
+
+<file path=ppt/slides/slide11.xml><?xml version="1.0" encoding="utf-8"?>
+<p:sld xmlns:a="http://schemas.openxmlformats.org/drawingml/2006/main" xmlns:r="http://schemas.openxmlformats.org/officeDocument/2006/relationships" xmlns:p="http://schemas.openxmlformats.org/presentationml/2006/main">
+  <p:cSld>
+    <p:spTree>
+      <p:nvGrpSpPr>
+        <p:cNvPr id="1" name=""/>
+        <p:cNvGrpSpPr/>
+        <p:nvPr/>
+      </p:nvGrpSpPr>
+      <p:grpSpPr>
+        <a:xfrm>
+          <a:off x="0" y="0"/>
+          <a:ext cx="0" cy="0"/>
+          <a:chOff x="0" y="0"/>
+          <a:chExt cx="0" cy="0"/>
+        </a:xfrm>
+      </p:grpSpPr>
+      <p:sp>
+        <p:nvSpPr>
+          <p:cNvPr id="2" name="Title 1">
+            <a:extLst>
+              <a:ext uri="{FF2B5EF4-FFF2-40B4-BE49-F238E27FC236}">
+                <a16:creationId xmlns:a16="http://schemas.microsoft.com/office/drawing/2014/main" id="{BF1488D3-8034-A85B-7A11-AC9D49E1009A}"/>
+              </a:ext>
+            </a:extLst>
+          </p:cNvPr>
+          <p:cNvSpPr>
+            <a:spLocks noGrp="1"/>
+          </p:cNvSpPr>
+          <p:nvPr>
+            <p:ph type="title"/>
+          </p:nvPr>
+        </p:nvSpPr>
+        <p:spPr>
+          <a:xfrm>
+            <a:off x="583713" y="177188"/>
+            <a:ext cx="11043450" cy="607284"/>
+          </a:xfrm>
+        </p:spPr>
+        <p:txBody>
+          <a:bodyPr/>
+          <a:lstStyle/>
+          <a:p>
+            <a:r>
               <a:rPr lang="nl-BE" dirty="0"/>
               <a:t>Clustering</a:t>
             </a:r>
@@ -4230,8 +4882,8 @@
         </p:blipFill>
         <p:spPr>
           <a:xfrm>
-            <a:off x="5757930" y="1693878"/>
-            <a:ext cx="4468792" cy="3096486"/>
+            <a:off x="6962215" y="1651985"/>
+            <a:ext cx="3629343" cy="2514821"/>
           </a:xfrm>
           <a:prstGeom prst="rect">
             <a:avLst/>
@@ -4252,8 +4904,8 @@
         </p:nvGrpSpPr>
         <p:grpSpPr>
           <a:xfrm>
-            <a:off x="1965278" y="1976822"/>
-            <a:ext cx="2579426" cy="2585070"/>
+            <a:off x="2170068" y="1856077"/>
+            <a:ext cx="2261254" cy="2094875"/>
             <a:chOff x="1965278" y="1976822"/>
             <a:chExt cx="2579426" cy="2585070"/>
           </a:xfrm>
@@ -4305,21 +4957,22 @@
             <p:cNvCxnSpPr>
               <a:cxnSpLocks/>
               <a:stCxn id="9" idx="1"/>
+              <a:endCxn id="9" idx="3"/>
             </p:cNvCxnSpPr>
             <p:nvPr/>
           </p:nvCxnSpPr>
           <p:spPr>
             <a:xfrm>
               <a:off x="1965278" y="3269357"/>
-              <a:ext cx="1289713" cy="0"/>
+              <a:ext cx="2579426" cy="0"/>
             </a:xfrm>
             <a:prstGeom prst="line">
               <a:avLst/>
             </a:prstGeom>
-            <a:ln w="19050">
+            <a:ln w="28575">
               <a:solidFill>
                 <a:srgbClr val="0D0D0D">
-                  <a:alpha val="50196"/>
+                  <a:alpha val="69804"/>
                 </a:srgbClr>
               </a:solidFill>
               <a:headEnd type="none" w="lg" len="lg"/>
@@ -4365,10 +5018,10 @@
             <a:prstGeom prst="line">
               <a:avLst/>
             </a:prstGeom>
-            <a:ln w="19050">
+            <a:ln w="28575">
               <a:solidFill>
                 <a:srgbClr val="0D0D0D">
-                  <a:alpha val="50196"/>
+                  <a:alpha val="69804"/>
                 </a:srgbClr>
               </a:solidFill>
               <a:headEnd type="none" w="lg" len="lg"/>
@@ -4526,71 +5179,12 @@
           </p:style>
         </p:cxnSp>
       </p:grpSp>
-    </p:spTree>
-    <p:extLst>
-      <p:ext uri="{BB962C8B-B14F-4D97-AF65-F5344CB8AC3E}">
-        <p14:creationId xmlns:p14="http://schemas.microsoft.com/office/powerpoint/2010/main" val="3970032936"/>
-      </p:ext>
-    </p:extLst>
-  </p:cSld>
-  <p:clrMapOvr>
-    <a:masterClrMapping/>
-  </p:clrMapOvr>
-</p:sld>
-</file>
-
-<file path=ppt/slides/slide11.xml><?xml version="1.0" encoding="utf-8"?>
-<p:sld xmlns:a="http://schemas.openxmlformats.org/drawingml/2006/main" xmlns:r="http://schemas.openxmlformats.org/officeDocument/2006/relationships" xmlns:p="http://schemas.openxmlformats.org/presentationml/2006/main">
-  <p:cSld>
-    <p:spTree>
-      <p:nvGrpSpPr>
-        <p:cNvPr id="1" name=""/>
-        <p:cNvGrpSpPr/>
-        <p:nvPr/>
-      </p:nvGrpSpPr>
-      <p:grpSpPr>
-        <a:xfrm>
-          <a:off x="0" y="0"/>
-          <a:ext cx="0" cy="0"/>
-          <a:chOff x="0" y="0"/>
-          <a:chExt cx="0" cy="0"/>
-        </a:xfrm>
-      </p:grpSpPr>
-      <p:sp>
-        <p:nvSpPr>
-          <p:cNvPr id="2" name="Title 1">
+      <p:pic>
+        <p:nvPicPr>
+          <p:cNvPr id="36" name="Picture 35">
             <a:extLst>
               <a:ext uri="{FF2B5EF4-FFF2-40B4-BE49-F238E27FC236}">
-                <a16:creationId xmlns:a16="http://schemas.microsoft.com/office/drawing/2014/main" id="{8C7F0F6A-AA92-E108-730A-4C10F500829E}"/>
-              </a:ext>
-            </a:extLst>
-          </p:cNvPr>
-          <p:cNvSpPr>
-            <a:spLocks noGrp="1"/>
-          </p:cNvSpPr>
-          <p:nvPr>
-            <p:ph type="title"/>
-          </p:nvPr>
-        </p:nvSpPr>
-        <p:spPr/>
-        <p:txBody>
-          <a:bodyPr/>
-          <a:lstStyle/>
-          <a:p>
-            <a:r>
-              <a:rPr lang="nl-BE"/>
-              <a:t>results</a:t>
-            </a:r>
-            <a:endParaRPr lang="en-GB"/>
-          </a:p>
-        </p:txBody>
-      </p:sp>
-      <p:pic>
-        <p:nvPicPr>
-          <p:cNvPr id="5" name="Picture 4">
-            <a:extLst>
-              <a:ext uri="{FF2B5EF4-FFF2-40B4-BE49-F238E27FC236}">
-                <a16:creationId xmlns:a16="http://schemas.microsoft.com/office/drawing/2014/main" id="{EFC7ACE7-78EE-7B88-C861-33895937372D}"/>
+                <a16:creationId xmlns:a16="http://schemas.microsoft.com/office/drawing/2014/main" id="{4C226865-C427-4676-B96C-7594CEE467BA}"/>
               </a:ext>
             </a:extLst>
           </p:cNvPr>
@@ -4600,15 +5194,21 @@
           <p:nvPr/>
         </p:nvPicPr>
         <p:blipFill>
-          <a:blip r:embed="rId2"/>
+          <a:blip r:embed="rId5">
+            <a:extLst>
+              <a:ext uri="{28A0092B-C50C-407E-A947-70E740481C1C}">
+                <a14:useLocalDpi xmlns:a14="http://schemas.microsoft.com/office/drawing/2010/main" val="0"/>
+              </a:ext>
+            </a:extLst>
+          </a:blip>
           <a:stretch>
             <a:fillRect/>
           </a:stretch>
         </p:blipFill>
         <p:spPr>
           <a:xfrm>
-            <a:off x="4409285" y="815752"/>
-            <a:ext cx="5066433" cy="2520000"/>
+            <a:off x="2031005" y="4637010"/>
+            <a:ext cx="2550218" cy="607285"/>
           </a:xfrm>
           <a:prstGeom prst="rect">
             <a:avLst/>
@@ -4617,10 +5217,10 @@
       </p:pic>
       <p:pic>
         <p:nvPicPr>
-          <p:cNvPr id="7" name="Picture 6">
+          <p:cNvPr id="38" name="Picture 37">
             <a:extLst>
               <a:ext uri="{FF2B5EF4-FFF2-40B4-BE49-F238E27FC236}">
-                <a16:creationId xmlns:a16="http://schemas.microsoft.com/office/drawing/2014/main" id="{8515DFC2-F290-E914-64AA-102B33A7747C}"/>
+                <a16:creationId xmlns:a16="http://schemas.microsoft.com/office/drawing/2014/main" id="{3C8CA64A-B865-42C7-B689-1D18DDBE6383}"/>
               </a:ext>
             </a:extLst>
           </p:cNvPr>
@@ -4630,287 +5230,76 @@
           <p:nvPr/>
         </p:nvPicPr>
         <p:blipFill>
-          <a:blip r:embed="rId3"/>
+          <a:blip r:embed="rId6">
+            <a:extLst>
+              <a:ext uri="{28A0092B-C50C-407E-A947-70E740481C1C}">
+                <a14:useLocalDpi xmlns:a14="http://schemas.microsoft.com/office/drawing/2010/main" val="0"/>
+              </a:ext>
+            </a:extLst>
+          </a:blip>
           <a:stretch>
             <a:fillRect/>
           </a:stretch>
         </p:blipFill>
         <p:spPr>
           <a:xfrm>
-            <a:off x="4399867" y="3655714"/>
-            <a:ext cx="5075851" cy="2520000"/>
+            <a:off x="8180404" y="4630526"/>
+            <a:ext cx="893164" cy="310126"/>
           </a:xfrm>
           <a:prstGeom prst="rect">
             <a:avLst/>
           </a:prstGeom>
         </p:spPr>
       </p:pic>
-      <p:sp>
-        <p:nvSpPr>
-          <p:cNvPr id="8" name="TextBox 7">
+      <p:cxnSp>
+        <p:nvCxnSpPr>
+          <p:cNvPr id="40" name="Straight Arrow Connector 39">
             <a:extLst>
               <a:ext uri="{FF2B5EF4-FFF2-40B4-BE49-F238E27FC236}">
-                <a16:creationId xmlns:a16="http://schemas.microsoft.com/office/drawing/2014/main" id="{D5AF61FA-4C83-47A0-7128-48302C190A7E}"/>
+                <a16:creationId xmlns:a16="http://schemas.microsoft.com/office/drawing/2014/main" id="{0FC65CE3-89D5-4F43-A69D-9F81F2A9763F}"/>
               </a:ext>
             </a:extLst>
           </p:cNvPr>
-          <p:cNvSpPr txBox="1"/>
+          <p:cNvCxnSpPr>
+            <a:cxnSpLocks/>
+          </p:cNvCxnSpPr>
           <p:nvPr/>
-        </p:nvSpPr>
+        </p:nvCxnSpPr>
         <p:spPr>
-          <a:xfrm>
-            <a:off x="1677886" y="1404131"/>
-            <a:ext cx="2391838" cy="1434945"/>
-          </a:xfrm>
-          <a:prstGeom prst="rect">
+          <a:xfrm flipV="1">
+            <a:off x="5541363" y="4809468"/>
+            <a:ext cx="1144250" cy="1"/>
+          </a:xfrm>
+          <a:prstGeom prst="straightConnector1">
             <a:avLst/>
           </a:prstGeom>
-          <a:noFill/>
-        </p:spPr>
-        <p:txBody>
-          <a:bodyPr wrap="square" rtlCol="0">
-            <a:spAutoFit/>
-          </a:bodyPr>
-          <a:lstStyle/>
-          <a:p>
-            <a:pPr algn="l">
-              <a:lnSpc>
-                <a:spcPct val="120000"/>
-              </a:lnSpc>
-            </a:pPr>
-            <a:r>
-              <a:rPr lang="nl-BE" sz="2500" dirty="0" err="1"/>
-              <a:t>Lumer-Faieta</a:t>
-            </a:r>
-            <a:r>
-              <a:rPr lang="nl-BE" sz="2500" dirty="0"/>
-              <a:t> without clustering</a:t>
-            </a:r>
-            <a:endParaRPr lang="en-GB" sz="2500" dirty="0"/>
-          </a:p>
-        </p:txBody>
-      </p:sp>
-      <p:sp>
-        <p:nvSpPr>
-          <p:cNvPr id="9" name="TextBox 8">
-            <a:extLst>
-              <a:ext uri="{FF2B5EF4-FFF2-40B4-BE49-F238E27FC236}">
-                <a16:creationId xmlns:a16="http://schemas.microsoft.com/office/drawing/2014/main" id="{A0AB8EA0-E95D-1721-8CE3-C90925E148E2}"/>
-              </a:ext>
-            </a:extLst>
-          </p:cNvPr>
-          <p:cNvSpPr txBox="1"/>
-          <p:nvPr/>
-        </p:nvSpPr>
-        <p:spPr>
-          <a:xfrm>
-            <a:off x="1677886" y="4480589"/>
-            <a:ext cx="2391838" cy="973280"/>
-          </a:xfrm>
-          <a:prstGeom prst="rect">
-            <a:avLst/>
-          </a:prstGeom>
-          <a:noFill/>
-        </p:spPr>
-        <p:txBody>
-          <a:bodyPr wrap="square" rtlCol="0">
-            <a:spAutoFit/>
-          </a:bodyPr>
-          <a:lstStyle/>
-          <a:p>
-            <a:pPr algn="l">
-              <a:lnSpc>
-                <a:spcPct val="120000"/>
-              </a:lnSpc>
-            </a:pPr>
-            <a:r>
-              <a:rPr lang="nl-BE" sz="2500" dirty="0" err="1"/>
-              <a:t>Lumer-Faieta</a:t>
-            </a:r>
-            <a:r>
-              <a:rPr lang="nl-BE" sz="2500" dirty="0"/>
-              <a:t> </a:t>
-            </a:r>
-            <a:r>
-              <a:rPr lang="nl-BE" sz="2500" dirty="0" err="1"/>
-              <a:t>with</a:t>
-            </a:r>
-            <a:r>
-              <a:rPr lang="nl-BE" sz="2500" dirty="0"/>
-              <a:t> clustering</a:t>
-            </a:r>
-            <a:endParaRPr lang="en-GB" sz="2500" dirty="0"/>
-          </a:p>
-        </p:txBody>
-      </p:sp>
-      <p:sp>
-        <p:nvSpPr>
-          <p:cNvPr id="10" name="TextBox 9">
-            <a:extLst>
-              <a:ext uri="{FF2B5EF4-FFF2-40B4-BE49-F238E27FC236}">
-                <a16:creationId xmlns:a16="http://schemas.microsoft.com/office/drawing/2014/main" id="{3C07CB76-13E8-4768-B0C9-7EA29A351EA8}"/>
-              </a:ext>
-            </a:extLst>
-          </p:cNvPr>
-          <p:cNvSpPr txBox="1"/>
-          <p:nvPr/>
-        </p:nvSpPr>
-        <p:spPr>
-          <a:xfrm>
-            <a:off x="5646419" y="6028910"/>
-            <a:ext cx="266824" cy="293607"/>
-          </a:xfrm>
-          <a:prstGeom prst="rect">
-            <a:avLst/>
-          </a:prstGeom>
-          <a:noFill/>
-        </p:spPr>
-        <p:txBody>
-          <a:bodyPr wrap="square" rtlCol="0">
-            <a:spAutoFit/>
-          </a:bodyPr>
-          <a:lstStyle/>
-          <a:p>
-            <a:pPr algn="l">
-              <a:lnSpc>
-                <a:spcPct val="120000"/>
-              </a:lnSpc>
-            </a:pPr>
-            <a:r>
-              <a:rPr lang="nl-BE" sz="1200" dirty="0"/>
-              <a:t>0</a:t>
-            </a:r>
-            <a:endParaRPr lang="en-GB" sz="1200" dirty="0"/>
-          </a:p>
-        </p:txBody>
-      </p:sp>
-      <p:sp>
-        <p:nvSpPr>
-          <p:cNvPr id="11" name="TextBox 10">
-            <a:extLst>
-              <a:ext uri="{FF2B5EF4-FFF2-40B4-BE49-F238E27FC236}">
-                <a16:creationId xmlns:a16="http://schemas.microsoft.com/office/drawing/2014/main" id="{37CB37A2-A169-4AD8-AB27-5D6149033AE3}"/>
-              </a:ext>
-            </a:extLst>
-          </p:cNvPr>
-          <p:cNvSpPr txBox="1"/>
-          <p:nvPr/>
-        </p:nvSpPr>
-        <p:spPr>
-          <a:xfrm>
-            <a:off x="7834504" y="6028909"/>
-            <a:ext cx="708669" cy="293607"/>
-          </a:xfrm>
-          <a:prstGeom prst="rect">
-            <a:avLst/>
-          </a:prstGeom>
-          <a:noFill/>
-        </p:spPr>
-        <p:txBody>
-          <a:bodyPr wrap="square" rtlCol="0">
-            <a:spAutoFit/>
-          </a:bodyPr>
-          <a:lstStyle/>
-          <a:p>
-            <a:pPr algn="l">
-              <a:lnSpc>
-                <a:spcPct val="120000"/>
-              </a:lnSpc>
-            </a:pPr>
-            <a:r>
-              <a:rPr lang="nl-BE" sz="1200" dirty="0"/>
-              <a:t>10 000</a:t>
-            </a:r>
-            <a:endParaRPr lang="en-GB" sz="1200" dirty="0"/>
-          </a:p>
-        </p:txBody>
-      </p:sp>
-      <p:sp>
-        <p:nvSpPr>
-          <p:cNvPr id="12" name="TextBox 11">
-            <a:extLst>
-              <a:ext uri="{FF2B5EF4-FFF2-40B4-BE49-F238E27FC236}">
-                <a16:creationId xmlns:a16="http://schemas.microsoft.com/office/drawing/2014/main" id="{9901BDF0-DF96-445A-9A67-7E3836A783FA}"/>
-              </a:ext>
-            </a:extLst>
-          </p:cNvPr>
-          <p:cNvSpPr txBox="1"/>
-          <p:nvPr/>
-        </p:nvSpPr>
-        <p:spPr>
-          <a:xfrm>
-            <a:off x="5597432" y="3220228"/>
-            <a:ext cx="266824" cy="293607"/>
-          </a:xfrm>
-          <a:prstGeom prst="rect">
-            <a:avLst/>
-          </a:prstGeom>
-          <a:noFill/>
-        </p:spPr>
-        <p:txBody>
-          <a:bodyPr wrap="square" rtlCol="0">
-            <a:spAutoFit/>
-          </a:bodyPr>
-          <a:lstStyle/>
-          <a:p>
-            <a:pPr algn="l">
-              <a:lnSpc>
-                <a:spcPct val="120000"/>
-              </a:lnSpc>
-            </a:pPr>
-            <a:r>
-              <a:rPr lang="nl-BE" sz="1200" dirty="0"/>
-              <a:t>0</a:t>
-            </a:r>
-            <a:endParaRPr lang="en-GB" sz="1200" dirty="0"/>
-          </a:p>
-        </p:txBody>
-      </p:sp>
-      <p:sp>
-        <p:nvSpPr>
-          <p:cNvPr id="13" name="TextBox 12">
-            <a:extLst>
-              <a:ext uri="{FF2B5EF4-FFF2-40B4-BE49-F238E27FC236}">
-                <a16:creationId xmlns:a16="http://schemas.microsoft.com/office/drawing/2014/main" id="{B5389610-4806-4A44-9653-034C88C2E71E}"/>
-              </a:ext>
-            </a:extLst>
-          </p:cNvPr>
-          <p:cNvSpPr txBox="1"/>
-          <p:nvPr/>
-        </p:nvSpPr>
-        <p:spPr>
-          <a:xfrm>
-            <a:off x="7785516" y="3220227"/>
-            <a:ext cx="901283" cy="293607"/>
-          </a:xfrm>
-          <a:prstGeom prst="rect">
-            <a:avLst/>
-          </a:prstGeom>
-          <a:noFill/>
-        </p:spPr>
-        <p:txBody>
-          <a:bodyPr wrap="square" rtlCol="0">
-            <a:spAutoFit/>
-          </a:bodyPr>
-          <a:lstStyle/>
-          <a:p>
-            <a:pPr algn="l">
-              <a:lnSpc>
-                <a:spcPct val="120000"/>
-              </a:lnSpc>
-            </a:pPr>
-            <a:r>
-              <a:rPr lang="nl-BE" sz="1200" dirty="0"/>
-              <a:t>1 000 000</a:t>
-            </a:r>
-            <a:endParaRPr lang="en-GB" sz="1200" dirty="0"/>
-          </a:p>
-        </p:txBody>
-      </p:sp>
+          <a:ln w="31750">
+            <a:solidFill>
+              <a:srgbClr val="FF7F7F"/>
+            </a:solidFill>
+            <a:headEnd type="triangle"/>
+            <a:tailEnd type="triangle"/>
+          </a:ln>
+        </p:spPr>
+        <p:style>
+          <a:lnRef idx="1">
+            <a:schemeClr val="accent1"/>
+          </a:lnRef>
+          <a:fillRef idx="0">
+            <a:schemeClr val="accent1"/>
+          </a:fillRef>
+          <a:effectRef idx="0">
+            <a:schemeClr val="accent1"/>
+          </a:effectRef>
+          <a:fontRef idx="minor">
+            <a:schemeClr val="tx1"/>
+          </a:fontRef>
+        </p:style>
+      </p:cxnSp>
     </p:spTree>
     <p:extLst>
       <p:ext uri="{BB962C8B-B14F-4D97-AF65-F5344CB8AC3E}">
-        <p14:creationId xmlns:p14="http://schemas.microsoft.com/office/powerpoint/2010/main" val="2745004865"/>
+        <p14:creationId xmlns:p14="http://schemas.microsoft.com/office/powerpoint/2010/main" val="3970032936"/>
       </p:ext>
     </p:extLst>
   </p:cSld>
@@ -4942,6 +5331,387 @@
           <p:cNvPr id="2" name="Title 1">
             <a:extLst>
               <a:ext uri="{FF2B5EF4-FFF2-40B4-BE49-F238E27FC236}">
+                <a16:creationId xmlns:a16="http://schemas.microsoft.com/office/drawing/2014/main" id="{8C7F0F6A-AA92-E108-730A-4C10F500829E}"/>
+              </a:ext>
+            </a:extLst>
+          </p:cNvPr>
+          <p:cNvSpPr>
+            <a:spLocks noGrp="1"/>
+          </p:cNvSpPr>
+          <p:nvPr>
+            <p:ph type="title"/>
+          </p:nvPr>
+        </p:nvSpPr>
+        <p:spPr/>
+        <p:txBody>
+          <a:bodyPr/>
+          <a:lstStyle/>
+          <a:p>
+            <a:r>
+              <a:rPr lang="nl-BE"/>
+              <a:t>results</a:t>
+            </a:r>
+            <a:endParaRPr lang="en-GB"/>
+          </a:p>
+        </p:txBody>
+      </p:sp>
+      <p:pic>
+        <p:nvPicPr>
+          <p:cNvPr id="5" name="Picture 4">
+            <a:extLst>
+              <a:ext uri="{FF2B5EF4-FFF2-40B4-BE49-F238E27FC236}">
+                <a16:creationId xmlns:a16="http://schemas.microsoft.com/office/drawing/2014/main" id="{EFC7ACE7-78EE-7B88-C861-33895937372D}"/>
+              </a:ext>
+            </a:extLst>
+          </p:cNvPr>
+          <p:cNvPicPr>
+            <a:picLocks noChangeAspect="1"/>
+          </p:cNvPicPr>
+          <p:nvPr/>
+        </p:nvPicPr>
+        <p:blipFill>
+          <a:blip r:embed="rId2"/>
+          <a:stretch>
+            <a:fillRect/>
+          </a:stretch>
+        </p:blipFill>
+        <p:spPr>
+          <a:xfrm>
+            <a:off x="4409285" y="815752"/>
+            <a:ext cx="5066433" cy="2520000"/>
+          </a:xfrm>
+          <a:prstGeom prst="rect">
+            <a:avLst/>
+          </a:prstGeom>
+        </p:spPr>
+      </p:pic>
+      <p:pic>
+        <p:nvPicPr>
+          <p:cNvPr id="7" name="Picture 6">
+            <a:extLst>
+              <a:ext uri="{FF2B5EF4-FFF2-40B4-BE49-F238E27FC236}">
+                <a16:creationId xmlns:a16="http://schemas.microsoft.com/office/drawing/2014/main" id="{8515DFC2-F290-E914-64AA-102B33A7747C}"/>
+              </a:ext>
+            </a:extLst>
+          </p:cNvPr>
+          <p:cNvPicPr>
+            <a:picLocks noChangeAspect="1"/>
+          </p:cNvPicPr>
+          <p:nvPr/>
+        </p:nvPicPr>
+        <p:blipFill>
+          <a:blip r:embed="rId3"/>
+          <a:stretch>
+            <a:fillRect/>
+          </a:stretch>
+        </p:blipFill>
+        <p:spPr>
+          <a:xfrm>
+            <a:off x="4399867" y="3655714"/>
+            <a:ext cx="5075851" cy="2520000"/>
+          </a:xfrm>
+          <a:prstGeom prst="rect">
+            <a:avLst/>
+          </a:prstGeom>
+        </p:spPr>
+      </p:pic>
+      <p:sp>
+        <p:nvSpPr>
+          <p:cNvPr id="8" name="TextBox 7">
+            <a:extLst>
+              <a:ext uri="{FF2B5EF4-FFF2-40B4-BE49-F238E27FC236}">
+                <a16:creationId xmlns:a16="http://schemas.microsoft.com/office/drawing/2014/main" id="{D5AF61FA-4C83-47A0-7128-48302C190A7E}"/>
+              </a:ext>
+            </a:extLst>
+          </p:cNvPr>
+          <p:cNvSpPr txBox="1"/>
+          <p:nvPr/>
+        </p:nvSpPr>
+        <p:spPr>
+          <a:xfrm>
+            <a:off x="1677886" y="1404131"/>
+            <a:ext cx="2391838" cy="1434945"/>
+          </a:xfrm>
+          <a:prstGeom prst="rect">
+            <a:avLst/>
+          </a:prstGeom>
+          <a:noFill/>
+        </p:spPr>
+        <p:txBody>
+          <a:bodyPr wrap="square" rtlCol="0">
+            <a:spAutoFit/>
+          </a:bodyPr>
+          <a:lstStyle/>
+          <a:p>
+            <a:pPr algn="l">
+              <a:lnSpc>
+                <a:spcPct val="120000"/>
+              </a:lnSpc>
+            </a:pPr>
+            <a:r>
+              <a:rPr lang="nl-BE" sz="2500" dirty="0" err="1"/>
+              <a:t>Lumer-Faieta</a:t>
+            </a:r>
+            <a:r>
+              <a:rPr lang="nl-BE" sz="2500" dirty="0"/>
+              <a:t> without clustering</a:t>
+            </a:r>
+            <a:endParaRPr lang="en-GB" sz="2500" dirty="0"/>
+          </a:p>
+        </p:txBody>
+      </p:sp>
+      <p:sp>
+        <p:nvSpPr>
+          <p:cNvPr id="9" name="TextBox 8">
+            <a:extLst>
+              <a:ext uri="{FF2B5EF4-FFF2-40B4-BE49-F238E27FC236}">
+                <a16:creationId xmlns:a16="http://schemas.microsoft.com/office/drawing/2014/main" id="{A0AB8EA0-E95D-1721-8CE3-C90925E148E2}"/>
+              </a:ext>
+            </a:extLst>
+          </p:cNvPr>
+          <p:cNvSpPr txBox="1"/>
+          <p:nvPr/>
+        </p:nvSpPr>
+        <p:spPr>
+          <a:xfrm>
+            <a:off x="1677886" y="4480589"/>
+            <a:ext cx="2391838" cy="973280"/>
+          </a:xfrm>
+          <a:prstGeom prst="rect">
+            <a:avLst/>
+          </a:prstGeom>
+          <a:noFill/>
+        </p:spPr>
+        <p:txBody>
+          <a:bodyPr wrap="square" rtlCol="0">
+            <a:spAutoFit/>
+          </a:bodyPr>
+          <a:lstStyle/>
+          <a:p>
+            <a:pPr algn="l">
+              <a:lnSpc>
+                <a:spcPct val="120000"/>
+              </a:lnSpc>
+            </a:pPr>
+            <a:r>
+              <a:rPr lang="nl-BE" sz="2500" dirty="0" err="1"/>
+              <a:t>Lumer-Faieta</a:t>
+            </a:r>
+            <a:r>
+              <a:rPr lang="nl-BE" sz="2500" dirty="0"/>
+              <a:t> </a:t>
+            </a:r>
+            <a:r>
+              <a:rPr lang="nl-BE" sz="2500" dirty="0" err="1"/>
+              <a:t>with</a:t>
+            </a:r>
+            <a:r>
+              <a:rPr lang="nl-BE" sz="2500" dirty="0"/>
+              <a:t> clustering</a:t>
+            </a:r>
+            <a:endParaRPr lang="en-GB" sz="2500" dirty="0"/>
+          </a:p>
+        </p:txBody>
+      </p:sp>
+      <p:sp>
+        <p:nvSpPr>
+          <p:cNvPr id="10" name="TextBox 9">
+            <a:extLst>
+              <a:ext uri="{FF2B5EF4-FFF2-40B4-BE49-F238E27FC236}">
+                <a16:creationId xmlns:a16="http://schemas.microsoft.com/office/drawing/2014/main" id="{3C07CB76-13E8-4768-B0C9-7EA29A351EA8}"/>
+              </a:ext>
+            </a:extLst>
+          </p:cNvPr>
+          <p:cNvSpPr txBox="1"/>
+          <p:nvPr/>
+        </p:nvSpPr>
+        <p:spPr>
+          <a:xfrm>
+            <a:off x="5646419" y="6028910"/>
+            <a:ext cx="266824" cy="293607"/>
+          </a:xfrm>
+          <a:prstGeom prst="rect">
+            <a:avLst/>
+          </a:prstGeom>
+          <a:noFill/>
+        </p:spPr>
+        <p:txBody>
+          <a:bodyPr wrap="square" rtlCol="0">
+            <a:spAutoFit/>
+          </a:bodyPr>
+          <a:lstStyle/>
+          <a:p>
+            <a:pPr algn="l">
+              <a:lnSpc>
+                <a:spcPct val="120000"/>
+              </a:lnSpc>
+            </a:pPr>
+            <a:r>
+              <a:rPr lang="nl-BE" sz="1200" dirty="0"/>
+              <a:t>0</a:t>
+            </a:r>
+            <a:endParaRPr lang="en-GB" sz="1200" dirty="0"/>
+          </a:p>
+        </p:txBody>
+      </p:sp>
+      <p:sp>
+        <p:nvSpPr>
+          <p:cNvPr id="11" name="TextBox 10">
+            <a:extLst>
+              <a:ext uri="{FF2B5EF4-FFF2-40B4-BE49-F238E27FC236}">
+                <a16:creationId xmlns:a16="http://schemas.microsoft.com/office/drawing/2014/main" id="{37CB37A2-A169-4AD8-AB27-5D6149033AE3}"/>
+              </a:ext>
+            </a:extLst>
+          </p:cNvPr>
+          <p:cNvSpPr txBox="1"/>
+          <p:nvPr/>
+        </p:nvSpPr>
+        <p:spPr>
+          <a:xfrm>
+            <a:off x="7834504" y="6028909"/>
+            <a:ext cx="708669" cy="293607"/>
+          </a:xfrm>
+          <a:prstGeom prst="rect">
+            <a:avLst/>
+          </a:prstGeom>
+          <a:noFill/>
+        </p:spPr>
+        <p:txBody>
+          <a:bodyPr wrap="square" rtlCol="0">
+            <a:spAutoFit/>
+          </a:bodyPr>
+          <a:lstStyle/>
+          <a:p>
+            <a:pPr algn="l">
+              <a:lnSpc>
+                <a:spcPct val="120000"/>
+              </a:lnSpc>
+            </a:pPr>
+            <a:r>
+              <a:rPr lang="nl-BE" sz="1200" dirty="0"/>
+              <a:t>10 000</a:t>
+            </a:r>
+            <a:endParaRPr lang="en-GB" sz="1200" dirty="0"/>
+          </a:p>
+        </p:txBody>
+      </p:sp>
+      <p:sp>
+        <p:nvSpPr>
+          <p:cNvPr id="12" name="TextBox 11">
+            <a:extLst>
+              <a:ext uri="{FF2B5EF4-FFF2-40B4-BE49-F238E27FC236}">
+                <a16:creationId xmlns:a16="http://schemas.microsoft.com/office/drawing/2014/main" id="{9901BDF0-DF96-445A-9A67-7E3836A783FA}"/>
+              </a:ext>
+            </a:extLst>
+          </p:cNvPr>
+          <p:cNvSpPr txBox="1"/>
+          <p:nvPr/>
+        </p:nvSpPr>
+        <p:spPr>
+          <a:xfrm>
+            <a:off x="5597432" y="3220228"/>
+            <a:ext cx="266824" cy="293607"/>
+          </a:xfrm>
+          <a:prstGeom prst="rect">
+            <a:avLst/>
+          </a:prstGeom>
+          <a:noFill/>
+        </p:spPr>
+        <p:txBody>
+          <a:bodyPr wrap="square" rtlCol="0">
+            <a:spAutoFit/>
+          </a:bodyPr>
+          <a:lstStyle/>
+          <a:p>
+            <a:pPr algn="l">
+              <a:lnSpc>
+                <a:spcPct val="120000"/>
+              </a:lnSpc>
+            </a:pPr>
+            <a:r>
+              <a:rPr lang="nl-BE" sz="1200" dirty="0"/>
+              <a:t>0</a:t>
+            </a:r>
+            <a:endParaRPr lang="en-GB" sz="1200" dirty="0"/>
+          </a:p>
+        </p:txBody>
+      </p:sp>
+      <p:sp>
+        <p:nvSpPr>
+          <p:cNvPr id="13" name="TextBox 12">
+            <a:extLst>
+              <a:ext uri="{FF2B5EF4-FFF2-40B4-BE49-F238E27FC236}">
+                <a16:creationId xmlns:a16="http://schemas.microsoft.com/office/drawing/2014/main" id="{B5389610-4806-4A44-9653-034C88C2E71E}"/>
+              </a:ext>
+            </a:extLst>
+          </p:cNvPr>
+          <p:cNvSpPr txBox="1"/>
+          <p:nvPr/>
+        </p:nvSpPr>
+        <p:spPr>
+          <a:xfrm>
+            <a:off x="7785516" y="3220227"/>
+            <a:ext cx="901283" cy="293607"/>
+          </a:xfrm>
+          <a:prstGeom prst="rect">
+            <a:avLst/>
+          </a:prstGeom>
+          <a:noFill/>
+        </p:spPr>
+        <p:txBody>
+          <a:bodyPr wrap="square" rtlCol="0">
+            <a:spAutoFit/>
+          </a:bodyPr>
+          <a:lstStyle/>
+          <a:p>
+            <a:pPr algn="l">
+              <a:lnSpc>
+                <a:spcPct val="120000"/>
+              </a:lnSpc>
+            </a:pPr>
+            <a:r>
+              <a:rPr lang="nl-BE" sz="1200" dirty="0"/>
+              <a:t>1 000 000</a:t>
+            </a:r>
+            <a:endParaRPr lang="en-GB" sz="1200" dirty="0"/>
+          </a:p>
+        </p:txBody>
+      </p:sp>
+    </p:spTree>
+    <p:extLst>
+      <p:ext uri="{BB962C8B-B14F-4D97-AF65-F5344CB8AC3E}">
+        <p14:creationId xmlns:p14="http://schemas.microsoft.com/office/powerpoint/2010/main" val="2745004865"/>
+      </p:ext>
+    </p:extLst>
+  </p:cSld>
+  <p:clrMapOvr>
+    <a:masterClrMapping/>
+  </p:clrMapOvr>
+</p:sld>
+</file>
+
+<file path=ppt/slides/slide13.xml><?xml version="1.0" encoding="utf-8"?>
+<p:sld xmlns:a="http://schemas.openxmlformats.org/drawingml/2006/main" xmlns:r="http://schemas.openxmlformats.org/officeDocument/2006/relationships" xmlns:p="http://schemas.openxmlformats.org/presentationml/2006/main">
+  <p:cSld>
+    <p:spTree>
+      <p:nvGrpSpPr>
+        <p:cNvPr id="1" name=""/>
+        <p:cNvGrpSpPr/>
+        <p:nvPr/>
+      </p:nvGrpSpPr>
+      <p:grpSpPr>
+        <a:xfrm>
+          <a:off x="0" y="0"/>
+          <a:ext cx="0" cy="0"/>
+          <a:chOff x="0" y="0"/>
+          <a:chExt cx="0" cy="0"/>
+        </a:xfrm>
+      </p:grpSpPr>
+      <p:sp>
+        <p:nvSpPr>
+          <p:cNvPr id="2" name="Title 1">
+            <a:extLst>
+              <a:ext uri="{FF2B5EF4-FFF2-40B4-BE49-F238E27FC236}">
                 <a16:creationId xmlns:a16="http://schemas.microsoft.com/office/drawing/2014/main" id="{C33144C4-4F99-DD45-583C-8811E5C23CD1}"/>
               </a:ext>
             </a:extLst>
@@ -5030,7 +5800,7 @@
 </p:sld>
 </file>
 
-<file path=ppt/slides/slide13.xml><?xml version="1.0" encoding="utf-8"?>
+<file path=ppt/slides/slide14.xml><?xml version="1.0" encoding="utf-8"?>
 <p:sld xmlns:a="http://schemas.openxmlformats.org/drawingml/2006/main" xmlns:r="http://schemas.openxmlformats.org/officeDocument/2006/relationships" xmlns:p="http://schemas.openxmlformats.org/presentationml/2006/main">
   <p:cSld>
     <p:spTree>
@@ -6258,6 +7028,101 @@
           <a:lstStyle/>
           <a:p>
             <a:r>
+              <a:rPr lang="nl-BE"/>
+              <a:t>Continuous vector sorting</a:t>
+            </a:r>
+            <a:endParaRPr lang="en-GB"/>
+          </a:p>
+        </p:txBody>
+      </p:sp>
+      <p:pic>
+        <p:nvPicPr>
+          <p:cNvPr id="5" name="Picture 4">
+            <a:extLst>
+              <a:ext uri="{FF2B5EF4-FFF2-40B4-BE49-F238E27FC236}">
+                <a16:creationId xmlns:a16="http://schemas.microsoft.com/office/drawing/2014/main" id="{DFD820E0-DB79-4CBD-823A-AC36A816808F}"/>
+              </a:ext>
+            </a:extLst>
+          </p:cNvPr>
+          <p:cNvPicPr>
+            <a:picLocks noChangeAspect="1"/>
+          </p:cNvPicPr>
+          <p:nvPr/>
+        </p:nvPicPr>
+        <p:blipFill>
+          <a:blip r:embed="rId3">
+            <a:extLst>
+              <a:ext uri="{28A0092B-C50C-407E-A947-70E740481C1C}">
+                <a14:useLocalDpi xmlns:a14="http://schemas.microsoft.com/office/drawing/2010/main" val="0"/>
+              </a:ext>
+            </a:extLst>
+          </a:blip>
+          <a:stretch>
+            <a:fillRect/>
+          </a:stretch>
+        </p:blipFill>
+        <p:spPr>
+          <a:xfrm>
+            <a:off x="1739438" y="2097750"/>
+            <a:ext cx="8713124" cy="2912018"/>
+          </a:xfrm>
+          <a:prstGeom prst="rect">
+            <a:avLst/>
+          </a:prstGeom>
+        </p:spPr>
+      </p:pic>
+    </p:spTree>
+    <p:extLst>
+      <p:ext uri="{BB962C8B-B14F-4D97-AF65-F5344CB8AC3E}">
+        <p14:creationId xmlns:p14="http://schemas.microsoft.com/office/powerpoint/2010/main" val="2446284842"/>
+      </p:ext>
+    </p:extLst>
+  </p:cSld>
+  <p:clrMapOvr>
+    <a:masterClrMapping/>
+  </p:clrMapOvr>
+</p:sld>
+</file>
+
+<file path=ppt/slides/slide9.xml><?xml version="1.0" encoding="utf-8"?>
+<p:sld xmlns:a="http://schemas.openxmlformats.org/drawingml/2006/main" xmlns:r="http://schemas.openxmlformats.org/officeDocument/2006/relationships" xmlns:p="http://schemas.openxmlformats.org/presentationml/2006/main">
+  <p:cSld>
+    <p:spTree>
+      <p:nvGrpSpPr>
+        <p:cNvPr id="1" name=""/>
+        <p:cNvGrpSpPr/>
+        <p:nvPr/>
+      </p:nvGrpSpPr>
+      <p:grpSpPr>
+        <a:xfrm>
+          <a:off x="0" y="0"/>
+          <a:ext cx="0" cy="0"/>
+          <a:chOff x="0" y="0"/>
+          <a:chExt cx="0" cy="0"/>
+        </a:xfrm>
+      </p:grpSpPr>
+      <p:sp>
+        <p:nvSpPr>
+          <p:cNvPr id="2" name="Title 1">
+            <a:extLst>
+              <a:ext uri="{FF2B5EF4-FFF2-40B4-BE49-F238E27FC236}">
+                <a16:creationId xmlns:a16="http://schemas.microsoft.com/office/drawing/2014/main" id="{BF1488D3-8034-A85B-7A11-AC9D49E1009A}"/>
+              </a:ext>
+            </a:extLst>
+          </p:cNvPr>
+          <p:cNvSpPr>
+            <a:spLocks noGrp="1"/>
+          </p:cNvSpPr>
+          <p:nvPr>
+            <p:ph type="title"/>
+          </p:nvPr>
+        </p:nvSpPr>
+        <p:spPr/>
+        <p:txBody>
+          <a:bodyPr/>
+          <a:lstStyle/>
+          <a:p>
+            <a:r>
               <a:rPr lang="nl-BE" dirty="0" err="1"/>
               <a:t>Dissimilarity</a:t>
             </a:r>
@@ -6341,214 +7206,6 @@
     <p:extLst>
       <p:ext uri="{BB962C8B-B14F-4D97-AF65-F5344CB8AC3E}">
         <p14:creationId xmlns:p14="http://schemas.microsoft.com/office/powerpoint/2010/main" val="924896760"/>
-      </p:ext>
-    </p:extLst>
-  </p:cSld>
-  <p:clrMapOvr>
-    <a:masterClrMapping/>
-  </p:clrMapOvr>
-</p:sld>
-</file>
-
-<file path=ppt/slides/slide9.xml><?xml version="1.0" encoding="utf-8"?>
-<p:sld xmlns:a="http://schemas.openxmlformats.org/drawingml/2006/main" xmlns:r="http://schemas.openxmlformats.org/officeDocument/2006/relationships" xmlns:p="http://schemas.openxmlformats.org/presentationml/2006/main">
-  <p:cSld>
-    <p:spTree>
-      <p:nvGrpSpPr>
-        <p:cNvPr id="1" name=""/>
-        <p:cNvGrpSpPr/>
-        <p:nvPr/>
-      </p:nvGrpSpPr>
-      <p:grpSpPr>
-        <a:xfrm>
-          <a:off x="0" y="0"/>
-          <a:ext cx="0" cy="0"/>
-          <a:chOff x="0" y="0"/>
-          <a:chExt cx="0" cy="0"/>
-        </a:xfrm>
-      </p:grpSpPr>
-      <p:sp>
-        <p:nvSpPr>
-          <p:cNvPr id="2" name="Title 1">
-            <a:extLst>
-              <a:ext uri="{FF2B5EF4-FFF2-40B4-BE49-F238E27FC236}">
-                <a16:creationId xmlns:a16="http://schemas.microsoft.com/office/drawing/2014/main" id="{BF1488D3-8034-A85B-7A11-AC9D49E1009A}"/>
-              </a:ext>
-            </a:extLst>
-          </p:cNvPr>
-          <p:cNvSpPr>
-            <a:spLocks noGrp="1"/>
-          </p:cNvSpPr>
-          <p:nvPr>
-            <p:ph type="title"/>
-          </p:nvPr>
-        </p:nvSpPr>
-        <p:spPr/>
-        <p:txBody>
-          <a:bodyPr/>
-          <a:lstStyle/>
-          <a:p>
-            <a:r>
-              <a:rPr lang="nl-BE" dirty="0" err="1"/>
-              <a:t>Alpha</a:t>
-            </a:r>
-            <a:endParaRPr lang="en-GB" dirty="0"/>
-          </a:p>
-        </p:txBody>
-      </p:sp>
-      <p:pic>
-        <p:nvPicPr>
-          <p:cNvPr id="4" name="Picture 3">
-            <a:extLst>
-              <a:ext uri="{FF2B5EF4-FFF2-40B4-BE49-F238E27FC236}">
-                <a16:creationId xmlns:a16="http://schemas.microsoft.com/office/drawing/2014/main" id="{4E18C372-7D40-4FA4-88DE-569B1AC4DC5E}"/>
-              </a:ext>
-            </a:extLst>
-          </p:cNvPr>
-          <p:cNvPicPr>
-            <a:picLocks noChangeAspect="1"/>
-          </p:cNvPicPr>
-          <p:nvPr/>
-        </p:nvPicPr>
-        <p:blipFill>
-          <a:blip r:embed="rId3">
-            <a:extLst>
-              <a:ext uri="{28A0092B-C50C-407E-A947-70E740481C1C}">
-                <a14:useLocalDpi xmlns:a14="http://schemas.microsoft.com/office/drawing/2010/main" val="0"/>
-              </a:ext>
-            </a:extLst>
-          </a:blip>
-          <a:stretch>
-            <a:fillRect/>
-          </a:stretch>
-        </p:blipFill>
-        <p:spPr>
-          <a:xfrm>
-            <a:off x="6657703" y="3595551"/>
-            <a:ext cx="4371975" cy="2514600"/>
-          </a:xfrm>
-          <a:prstGeom prst="rect">
-            <a:avLst/>
-          </a:prstGeom>
-        </p:spPr>
-      </p:pic>
-      <p:grpSp>
-        <p:nvGrpSpPr>
-          <p:cNvPr id="9" name="Group 8">
-            <a:extLst>
-              <a:ext uri="{FF2B5EF4-FFF2-40B4-BE49-F238E27FC236}">
-                <a16:creationId xmlns:a16="http://schemas.microsoft.com/office/drawing/2014/main" id="{C225714C-FCF7-4186-95CF-ADDAE088F673}"/>
-              </a:ext>
-            </a:extLst>
-          </p:cNvPr>
-          <p:cNvGrpSpPr/>
-          <p:nvPr/>
-        </p:nvGrpSpPr>
-        <p:grpSpPr>
-          <a:xfrm>
-            <a:off x="2636961" y="1752437"/>
-            <a:ext cx="6936953" cy="1116000"/>
-            <a:chOff x="2636961" y="1752437"/>
-            <a:chExt cx="6936953" cy="1116000"/>
-          </a:xfrm>
-        </p:grpSpPr>
-        <p:pic>
-          <p:nvPicPr>
-            <p:cNvPr id="5" name="Picture 4">
-              <a:extLst>
-                <a:ext uri="{FF2B5EF4-FFF2-40B4-BE49-F238E27FC236}">
-                  <a16:creationId xmlns:a16="http://schemas.microsoft.com/office/drawing/2014/main" id="{3C753D0A-5F16-4E32-AACA-F1A845E3E9AB}"/>
-                </a:ext>
-              </a:extLst>
-            </p:cNvPr>
-            <p:cNvPicPr>
-              <a:picLocks noChangeAspect="1"/>
-            </p:cNvPicPr>
-            <p:nvPr/>
-          </p:nvPicPr>
-          <p:blipFill>
-            <a:blip r:embed="rId4">
-              <a:extLst>
-                <a:ext uri="{28A0092B-C50C-407E-A947-70E740481C1C}">
-                  <a14:useLocalDpi xmlns:a14="http://schemas.microsoft.com/office/drawing/2010/main" val="0"/>
-                </a:ext>
-              </a:extLst>
-            </a:blip>
-            <a:stretch>
-              <a:fillRect/>
-            </a:stretch>
-          </p:blipFill>
-          <p:spPr>
-            <a:xfrm>
-              <a:off x="2636961" y="1752437"/>
-              <a:ext cx="6936953" cy="1116000"/>
-            </a:xfrm>
-            <a:prstGeom prst="rect">
-              <a:avLst/>
-            </a:prstGeom>
-          </p:spPr>
-        </p:pic>
-        <p:sp>
-          <p:nvSpPr>
-            <p:cNvPr id="7" name="Rectangle 6">
-              <a:extLst>
-                <a:ext uri="{FF2B5EF4-FFF2-40B4-BE49-F238E27FC236}">
-                  <a16:creationId xmlns:a16="http://schemas.microsoft.com/office/drawing/2014/main" id="{85937226-2677-4697-8132-6DDC0E2BCE37}"/>
-                </a:ext>
-              </a:extLst>
-            </p:cNvPr>
-            <p:cNvSpPr/>
-            <p:nvPr/>
-          </p:nvSpPr>
-          <p:spPr>
-            <a:xfrm>
-              <a:off x="8255726" y="2325190"/>
-              <a:ext cx="587964" cy="365760"/>
-            </a:xfrm>
-            <a:prstGeom prst="rect">
-              <a:avLst/>
-            </a:prstGeom>
-            <a:noFill/>
-            <a:ln w="31750">
-              <a:solidFill>
-                <a:srgbClr val="FF7F7F"/>
-              </a:solidFill>
-            </a:ln>
-          </p:spPr>
-          <p:style>
-            <a:lnRef idx="2">
-              <a:schemeClr val="accent1">
-                <a:shade val="50000"/>
-              </a:schemeClr>
-            </a:lnRef>
-            <a:fillRef idx="1">
-              <a:schemeClr val="accent1"/>
-            </a:fillRef>
-            <a:effectRef idx="0">
-              <a:schemeClr val="accent1"/>
-            </a:effectRef>
-            <a:fontRef idx="minor">
-              <a:schemeClr val="lt1"/>
-            </a:fontRef>
-          </p:style>
-          <p:txBody>
-            <a:bodyPr rtlCol="0" anchor="ctr"/>
-            <a:lstStyle/>
-            <a:p>
-              <a:pPr algn="ctr"/>
-              <a:endParaRPr lang="nl-BE">
-                <a:solidFill>
-                  <a:srgbClr val="FF7F7F"/>
-                </a:solidFill>
-              </a:endParaRPr>
-            </a:p>
-          </p:txBody>
-        </p:sp>
-      </p:grpSp>
-    </p:spTree>
-    <p:extLst>
-      <p:ext uri="{BB962C8B-B14F-4D97-AF65-F5344CB8AC3E}">
-        <p14:creationId xmlns:p14="http://schemas.microsoft.com/office/powerpoint/2010/main" val="854195254"/>
       </p:ext>
     </p:extLst>
   </p:cSld>

--- a/Spatio-temporele modellen.pptx
+++ b/Spatio-temporele modellen.pptx
@@ -5,7 +5,7 @@
     <p:sldMasterId id="2147483660" r:id="rId1"/>
   </p:sldMasterIdLst>
   <p:notesMasterIdLst>
-    <p:notesMasterId r:id="rId16"/>
+    <p:notesMasterId r:id="rId17"/>
   </p:notesMasterIdLst>
   <p:sldIdLst>
     <p:sldId id="256" r:id="rId2"/>
@@ -19,9 +19,10 @@
     <p:sldId id="266" r:id="rId10"/>
     <p:sldId id="267" r:id="rId11"/>
     <p:sldId id="268" r:id="rId12"/>
-    <p:sldId id="264" r:id="rId13"/>
-    <p:sldId id="265" r:id="rId14"/>
-    <p:sldId id="259" r:id="rId15"/>
+    <p:sldId id="270" r:id="rId13"/>
+    <p:sldId id="264" r:id="rId14"/>
+    <p:sldId id="265" r:id="rId15"/>
+    <p:sldId id="259" r:id="rId16"/>
   </p:sldIdLst>
   <p:sldSz cx="12192000" cy="6858000"/>
   <p:notesSz cx="6858000" cy="9144000"/>
@@ -1459,6 +1460,93 @@
 </p:notes>
 </file>
 
+<file path=ppt/notesSlides/notesSlide5.xml><?xml version="1.0" encoding="utf-8"?>
+<p:notes xmlns:a="http://schemas.openxmlformats.org/drawingml/2006/main" xmlns:r="http://schemas.openxmlformats.org/officeDocument/2006/relationships" xmlns:p="http://schemas.openxmlformats.org/presentationml/2006/main">
+  <p:cSld>
+    <p:spTree>
+      <p:nvGrpSpPr>
+        <p:cNvPr id="1" name=""/>
+        <p:cNvGrpSpPr/>
+        <p:nvPr/>
+      </p:nvGrpSpPr>
+      <p:grpSpPr>
+        <a:xfrm>
+          <a:off x="0" y="0"/>
+          <a:ext cx="0" cy="0"/>
+          <a:chOff x="0" y="0"/>
+          <a:chExt cx="0" cy="0"/>
+        </a:xfrm>
+      </p:grpSpPr>
+      <p:sp>
+        <p:nvSpPr>
+          <p:cNvPr id="2" name="Slide Image Placeholder 1"/>
+          <p:cNvSpPr>
+            <a:spLocks noGrp="1" noRot="1" noChangeAspect="1"/>
+          </p:cNvSpPr>
+          <p:nvPr>
+            <p:ph type="sldImg"/>
+          </p:nvPr>
+        </p:nvSpPr>
+        <p:spPr/>
+      </p:sp>
+      <p:sp>
+        <p:nvSpPr>
+          <p:cNvPr id="3" name="Notes Placeholder 2"/>
+          <p:cNvSpPr>
+            <a:spLocks noGrp="1"/>
+          </p:cNvSpPr>
+          <p:nvPr>
+            <p:ph type="body" idx="1"/>
+          </p:nvPr>
+        </p:nvSpPr>
+        <p:spPr/>
+        <p:txBody>
+          <a:bodyPr/>
+          <a:lstStyle/>
+          <a:p>
+            <a:r>
+              <a:rPr lang="nl-BE" dirty="0"/>
+              <a:t>Lelijke slide :/</a:t>
+            </a:r>
+          </a:p>
+        </p:txBody>
+      </p:sp>
+      <p:sp>
+        <p:nvSpPr>
+          <p:cNvPr id="4" name="Slide Number Placeholder 3"/>
+          <p:cNvSpPr>
+            <a:spLocks noGrp="1"/>
+          </p:cNvSpPr>
+          <p:nvPr>
+            <p:ph type="sldNum" sz="quarter" idx="5"/>
+          </p:nvPr>
+        </p:nvSpPr>
+        <p:spPr/>
+        <p:txBody>
+          <a:bodyPr/>
+          <a:lstStyle/>
+          <a:p>
+            <a:fld id="{8B35E05E-D5CB-4B04-AB45-6608A189B973}" type="slidenum">
+              <a:rPr lang="nl-BE" smtClean="0"/>
+              <a:t>12</a:t>
+            </a:fld>
+            <a:endParaRPr lang="nl-BE"/>
+          </a:p>
+        </p:txBody>
+      </p:sp>
+    </p:spTree>
+    <p:extLst>
+      <p:ext uri="{BB962C8B-B14F-4D97-AF65-F5344CB8AC3E}">
+        <p14:creationId xmlns:p14="http://schemas.microsoft.com/office/powerpoint/2010/main" val="299769241"/>
+      </p:ext>
+    </p:extLst>
+  </p:cSld>
+  <p:clrMapOvr>
+    <a:masterClrMapping/>
+  </p:clrMapOvr>
+</p:notes>
+</file>
+
 <file path=ppt/slideLayouts/slideLayout1.xml><?xml version="1.0" encoding="utf-8"?>
 <p:sldLayout xmlns:a="http://schemas.openxmlformats.org/drawingml/2006/main" xmlns:r="http://schemas.openxmlformats.org/officeDocument/2006/relationships" xmlns:p="http://schemas.openxmlformats.org/presentationml/2006/main" showMasterSp="0" type="blank" preserve="1">
   <p:cSld name="Corporate Logo">
@@ -5331,7 +5419,7 @@
           <p:cNvPr id="2" name="Title 1">
             <a:extLst>
               <a:ext uri="{FF2B5EF4-FFF2-40B4-BE49-F238E27FC236}">
-                <a16:creationId xmlns:a16="http://schemas.microsoft.com/office/drawing/2014/main" id="{8C7F0F6A-AA92-E108-730A-4C10F500829E}"/>
+                <a16:creationId xmlns:a16="http://schemas.microsoft.com/office/drawing/2014/main" id="{BF1488D3-8034-A85B-7A11-AC9D49E1009A}"/>
               </a:ext>
             </a:extLst>
           </p:cNvPr>
@@ -5342,25 +5430,30 @@
             <p:ph type="title"/>
           </p:nvPr>
         </p:nvSpPr>
-        <p:spPr/>
+        <p:spPr>
+          <a:xfrm>
+            <a:off x="583713" y="177188"/>
+            <a:ext cx="11043450" cy="607284"/>
+          </a:xfrm>
+        </p:spPr>
         <p:txBody>
           <a:bodyPr/>
           <a:lstStyle/>
           <a:p>
             <a:r>
-              <a:rPr lang="nl-BE"/>
-              <a:t>results</a:t>
-            </a:r>
-            <a:endParaRPr lang="en-GB"/>
+              <a:rPr lang="nl-BE" dirty="0"/>
+              <a:t>Clustering</a:t>
+            </a:r>
+            <a:endParaRPr lang="en-GB" dirty="0"/>
           </a:p>
         </p:txBody>
       </p:sp>
       <p:pic>
         <p:nvPicPr>
-          <p:cNvPr id="5" name="Picture 4">
+          <p:cNvPr id="11" name="Picture 10">
             <a:extLst>
               <a:ext uri="{FF2B5EF4-FFF2-40B4-BE49-F238E27FC236}">
-                <a16:creationId xmlns:a16="http://schemas.microsoft.com/office/drawing/2014/main" id="{EFC7ACE7-78EE-7B88-C861-33895937372D}"/>
+                <a16:creationId xmlns:a16="http://schemas.microsoft.com/office/drawing/2014/main" id="{4B40024B-8CF0-4414-A337-712F3EDF0968}"/>
               </a:ext>
             </a:extLst>
           </p:cNvPr>
@@ -5370,15 +5463,21 @@
           <p:nvPr/>
         </p:nvPicPr>
         <p:blipFill>
-          <a:blip r:embed="rId2"/>
+          <a:blip r:embed="rId3">
+            <a:extLst>
+              <a:ext uri="{28A0092B-C50C-407E-A947-70E740481C1C}">
+                <a14:useLocalDpi xmlns:a14="http://schemas.microsoft.com/office/drawing/2010/main" val="0"/>
+              </a:ext>
+            </a:extLst>
+          </a:blip>
           <a:stretch>
             <a:fillRect/>
           </a:stretch>
         </p:blipFill>
         <p:spPr>
           <a:xfrm>
-            <a:off x="4409285" y="815752"/>
-            <a:ext cx="5066433" cy="2520000"/>
+            <a:off x="6962215" y="1651985"/>
+            <a:ext cx="3629343" cy="2514821"/>
           </a:xfrm>
           <a:prstGeom prst="rect">
             <a:avLst/>
@@ -5387,10 +5486,10 @@
       </p:pic>
       <p:pic>
         <p:nvPicPr>
-          <p:cNvPr id="7" name="Picture 6">
+          <p:cNvPr id="36" name="Picture 35">
             <a:extLst>
               <a:ext uri="{FF2B5EF4-FFF2-40B4-BE49-F238E27FC236}">
-                <a16:creationId xmlns:a16="http://schemas.microsoft.com/office/drawing/2014/main" id="{8515DFC2-F290-E914-64AA-102B33A7747C}"/>
+                <a16:creationId xmlns:a16="http://schemas.microsoft.com/office/drawing/2014/main" id="{4C226865-C427-4676-B96C-7594CEE467BA}"/>
               </a:ext>
             </a:extLst>
           </p:cNvPr>
@@ -5400,287 +5499,303 @@
           <p:nvPr/>
         </p:nvPicPr>
         <p:blipFill>
-          <a:blip r:embed="rId3"/>
+          <a:blip r:embed="rId4">
+            <a:extLst>
+              <a:ext uri="{28A0092B-C50C-407E-A947-70E740481C1C}">
+                <a14:useLocalDpi xmlns:a14="http://schemas.microsoft.com/office/drawing/2010/main" val="0"/>
+              </a:ext>
+            </a:extLst>
+          </a:blip>
           <a:stretch>
             <a:fillRect/>
           </a:stretch>
         </p:blipFill>
         <p:spPr>
           <a:xfrm>
-            <a:off x="4399867" y="3655714"/>
-            <a:ext cx="5075851" cy="2520000"/>
+            <a:off x="2031005" y="4637010"/>
+            <a:ext cx="2550218" cy="607285"/>
           </a:xfrm>
           <a:prstGeom prst="rect">
             <a:avLst/>
           </a:prstGeom>
         </p:spPr>
       </p:pic>
-      <p:sp>
-        <p:nvSpPr>
-          <p:cNvPr id="8" name="TextBox 7">
+      <p:pic>
+        <p:nvPicPr>
+          <p:cNvPr id="38" name="Picture 37">
             <a:extLst>
               <a:ext uri="{FF2B5EF4-FFF2-40B4-BE49-F238E27FC236}">
-                <a16:creationId xmlns:a16="http://schemas.microsoft.com/office/drawing/2014/main" id="{D5AF61FA-4C83-47A0-7128-48302C190A7E}"/>
+                <a16:creationId xmlns:a16="http://schemas.microsoft.com/office/drawing/2014/main" id="{3C8CA64A-B865-42C7-B689-1D18DDBE6383}"/>
               </a:ext>
             </a:extLst>
           </p:cNvPr>
-          <p:cNvSpPr txBox="1"/>
+          <p:cNvPicPr>
+            <a:picLocks noChangeAspect="1"/>
+          </p:cNvPicPr>
           <p:nvPr/>
-        </p:nvSpPr>
+        </p:nvPicPr>
+        <p:blipFill>
+          <a:blip r:embed="rId5">
+            <a:extLst>
+              <a:ext uri="{28A0092B-C50C-407E-A947-70E740481C1C}">
+                <a14:useLocalDpi xmlns:a14="http://schemas.microsoft.com/office/drawing/2010/main" val="0"/>
+              </a:ext>
+            </a:extLst>
+          </a:blip>
+          <a:stretch>
+            <a:fillRect/>
+          </a:stretch>
+        </p:blipFill>
         <p:spPr>
           <a:xfrm>
-            <a:off x="1677886" y="1404131"/>
-            <a:ext cx="2391838" cy="1434945"/>
+            <a:off x="8330304" y="4785589"/>
+            <a:ext cx="893164" cy="310126"/>
           </a:xfrm>
           <a:prstGeom prst="rect">
             <a:avLst/>
           </a:prstGeom>
-          <a:noFill/>
-        </p:spPr>
-        <p:txBody>
-          <a:bodyPr wrap="square" rtlCol="0">
-            <a:spAutoFit/>
-          </a:bodyPr>
-          <a:lstStyle/>
-          <a:p>
-            <a:pPr algn="l">
-              <a:lnSpc>
-                <a:spcPct val="120000"/>
-              </a:lnSpc>
-            </a:pPr>
-            <a:r>
-              <a:rPr lang="nl-BE" sz="2500" dirty="0" err="1"/>
-              <a:t>Lumer-Faieta</a:t>
-            </a:r>
-            <a:r>
-              <a:rPr lang="nl-BE" sz="2500" dirty="0"/>
-              <a:t> without clustering</a:t>
-            </a:r>
-            <a:endParaRPr lang="en-GB" sz="2500" dirty="0"/>
-          </a:p>
-        </p:txBody>
-      </p:sp>
-      <p:sp>
-        <p:nvSpPr>
-          <p:cNvPr id="9" name="TextBox 8">
+        </p:spPr>
+      </p:pic>
+      <p:grpSp>
+        <p:nvGrpSpPr>
+          <p:cNvPr id="8" name="Group 7">
             <a:extLst>
               <a:ext uri="{FF2B5EF4-FFF2-40B4-BE49-F238E27FC236}">
-                <a16:creationId xmlns:a16="http://schemas.microsoft.com/office/drawing/2014/main" id="{A0AB8EA0-E95D-1721-8CE3-C90925E148E2}"/>
+                <a16:creationId xmlns:a16="http://schemas.microsoft.com/office/drawing/2014/main" id="{C6DD8860-2C9C-47E2-9C31-03AE7D93646B}"/>
               </a:ext>
             </a:extLst>
           </p:cNvPr>
-          <p:cNvSpPr txBox="1"/>
+          <p:cNvGrpSpPr/>
           <p:nvPr/>
-        </p:nvSpPr>
-        <p:spPr>
-          <a:xfrm>
-            <a:off x="1677886" y="4480589"/>
-            <a:ext cx="2391838" cy="973280"/>
-          </a:xfrm>
-          <a:prstGeom prst="rect">
-            <a:avLst/>
-          </a:prstGeom>
-          <a:noFill/>
-        </p:spPr>
-        <p:txBody>
-          <a:bodyPr wrap="square" rtlCol="0">
-            <a:spAutoFit/>
-          </a:bodyPr>
-          <a:lstStyle/>
-          <a:p>
-            <a:pPr algn="l">
-              <a:lnSpc>
-                <a:spcPct val="120000"/>
-              </a:lnSpc>
-            </a:pPr>
-            <a:r>
-              <a:rPr lang="nl-BE" sz="2500" dirty="0" err="1"/>
-              <a:t>Lumer-Faieta</a:t>
-            </a:r>
-            <a:r>
-              <a:rPr lang="nl-BE" sz="2500" dirty="0"/>
-              <a:t> </a:t>
-            </a:r>
-            <a:r>
-              <a:rPr lang="nl-BE" sz="2500" dirty="0" err="1"/>
-              <a:t>with</a:t>
-            </a:r>
-            <a:r>
-              <a:rPr lang="nl-BE" sz="2500" dirty="0"/>
-              <a:t> clustering</a:t>
-            </a:r>
-            <a:endParaRPr lang="en-GB" sz="2500" dirty="0"/>
-          </a:p>
-        </p:txBody>
-      </p:sp>
-      <p:sp>
-        <p:nvSpPr>
-          <p:cNvPr id="10" name="TextBox 9">
-            <a:extLst>
-              <a:ext uri="{FF2B5EF4-FFF2-40B4-BE49-F238E27FC236}">
-                <a16:creationId xmlns:a16="http://schemas.microsoft.com/office/drawing/2014/main" id="{3C07CB76-13E8-4768-B0C9-7EA29A351EA8}"/>
-              </a:ext>
-            </a:extLst>
-          </p:cNvPr>
-          <p:cNvSpPr txBox="1"/>
-          <p:nvPr/>
-        </p:nvSpPr>
-        <p:spPr>
-          <a:xfrm>
-            <a:off x="5646419" y="6028910"/>
-            <a:ext cx="266824" cy="293607"/>
-          </a:xfrm>
-          <a:prstGeom prst="rect">
-            <a:avLst/>
-          </a:prstGeom>
-          <a:noFill/>
-        </p:spPr>
-        <p:txBody>
-          <a:bodyPr wrap="square" rtlCol="0">
-            <a:spAutoFit/>
-          </a:bodyPr>
-          <a:lstStyle/>
-          <a:p>
-            <a:pPr algn="l">
-              <a:lnSpc>
-                <a:spcPct val="120000"/>
-              </a:lnSpc>
-            </a:pPr>
-            <a:r>
-              <a:rPr lang="nl-BE" sz="1200" dirty="0"/>
-              <a:t>0</a:t>
-            </a:r>
-            <a:endParaRPr lang="en-GB" sz="1200" dirty="0"/>
-          </a:p>
-        </p:txBody>
-      </p:sp>
-      <p:sp>
-        <p:nvSpPr>
-          <p:cNvPr id="11" name="TextBox 10">
-            <a:extLst>
-              <a:ext uri="{FF2B5EF4-FFF2-40B4-BE49-F238E27FC236}">
-                <a16:creationId xmlns:a16="http://schemas.microsoft.com/office/drawing/2014/main" id="{37CB37A2-A169-4AD8-AB27-5D6149033AE3}"/>
-              </a:ext>
-            </a:extLst>
-          </p:cNvPr>
-          <p:cNvSpPr txBox="1"/>
-          <p:nvPr/>
-        </p:nvSpPr>
-        <p:spPr>
-          <a:xfrm>
-            <a:off x="7834504" y="6028909"/>
-            <a:ext cx="708669" cy="293607"/>
-          </a:xfrm>
-          <a:prstGeom prst="rect">
-            <a:avLst/>
-          </a:prstGeom>
-          <a:noFill/>
-        </p:spPr>
-        <p:txBody>
-          <a:bodyPr wrap="square" rtlCol="0">
-            <a:spAutoFit/>
-          </a:bodyPr>
-          <a:lstStyle/>
-          <a:p>
-            <a:pPr algn="l">
-              <a:lnSpc>
-                <a:spcPct val="120000"/>
-              </a:lnSpc>
-            </a:pPr>
-            <a:r>
-              <a:rPr lang="nl-BE" sz="1200" dirty="0"/>
-              <a:t>10 000</a:t>
-            </a:r>
-            <a:endParaRPr lang="en-GB" sz="1200" dirty="0"/>
-          </a:p>
-        </p:txBody>
-      </p:sp>
-      <p:sp>
-        <p:nvSpPr>
-          <p:cNvPr id="12" name="TextBox 11">
-            <a:extLst>
-              <a:ext uri="{FF2B5EF4-FFF2-40B4-BE49-F238E27FC236}">
-                <a16:creationId xmlns:a16="http://schemas.microsoft.com/office/drawing/2014/main" id="{9901BDF0-DF96-445A-9A67-7E3836A783FA}"/>
-              </a:ext>
-            </a:extLst>
-          </p:cNvPr>
-          <p:cNvSpPr txBox="1"/>
-          <p:nvPr/>
-        </p:nvSpPr>
-        <p:spPr>
-          <a:xfrm>
-            <a:off x="5597432" y="3220228"/>
-            <a:ext cx="266824" cy="293607"/>
-          </a:xfrm>
-          <a:prstGeom prst="rect">
-            <a:avLst/>
-          </a:prstGeom>
-          <a:noFill/>
-        </p:spPr>
-        <p:txBody>
-          <a:bodyPr wrap="square" rtlCol="0">
-            <a:spAutoFit/>
-          </a:bodyPr>
-          <a:lstStyle/>
-          <a:p>
-            <a:pPr algn="l">
-              <a:lnSpc>
-                <a:spcPct val="120000"/>
-              </a:lnSpc>
-            </a:pPr>
-            <a:r>
-              <a:rPr lang="nl-BE" sz="1200" dirty="0"/>
-              <a:t>0</a:t>
-            </a:r>
-            <a:endParaRPr lang="en-GB" sz="1200" dirty="0"/>
-          </a:p>
-        </p:txBody>
-      </p:sp>
-      <p:sp>
-        <p:nvSpPr>
-          <p:cNvPr id="13" name="TextBox 12">
-            <a:extLst>
-              <a:ext uri="{FF2B5EF4-FFF2-40B4-BE49-F238E27FC236}">
-                <a16:creationId xmlns:a16="http://schemas.microsoft.com/office/drawing/2014/main" id="{B5389610-4806-4A44-9653-034C88C2E71E}"/>
-              </a:ext>
-            </a:extLst>
-          </p:cNvPr>
-          <p:cNvSpPr txBox="1"/>
-          <p:nvPr/>
-        </p:nvSpPr>
-        <p:spPr>
-          <a:xfrm>
-            <a:off x="7785516" y="3220227"/>
-            <a:ext cx="901283" cy="293607"/>
-          </a:xfrm>
-          <a:prstGeom prst="rect">
-            <a:avLst/>
-          </a:prstGeom>
-          <a:noFill/>
-        </p:spPr>
-        <p:txBody>
-          <a:bodyPr wrap="square" rtlCol="0">
-            <a:spAutoFit/>
-          </a:bodyPr>
-          <a:lstStyle/>
-          <a:p>
-            <a:pPr algn="l">
-              <a:lnSpc>
-                <a:spcPct val="120000"/>
-              </a:lnSpc>
-            </a:pPr>
-            <a:r>
-              <a:rPr lang="nl-BE" sz="1200" dirty="0"/>
-              <a:t>1 000 000</a:t>
-            </a:r>
-            <a:endParaRPr lang="en-GB" sz="1200" dirty="0"/>
-          </a:p>
-        </p:txBody>
-      </p:sp>
+        </p:nvGrpSpPr>
+        <p:grpSpPr>
+          <a:xfrm>
+            <a:off x="1683059" y="1798153"/>
+            <a:ext cx="3246109" cy="2222483"/>
+            <a:chOff x="1776267" y="1944323"/>
+            <a:chExt cx="2804956" cy="1831505"/>
+          </a:xfrm>
+        </p:grpSpPr>
+        <p:pic>
+          <p:nvPicPr>
+            <p:cNvPr id="4" name="Picture 3">
+              <a:extLst>
+                <a:ext uri="{FF2B5EF4-FFF2-40B4-BE49-F238E27FC236}">
+                  <a16:creationId xmlns:a16="http://schemas.microsoft.com/office/drawing/2014/main" id="{FBC580F8-DE9F-4FD7-9A19-042913B0ACB6}"/>
+                </a:ext>
+              </a:extLst>
+            </p:cNvPr>
+            <p:cNvPicPr>
+              <a:picLocks noChangeAspect="1"/>
+            </p:cNvPicPr>
+            <p:nvPr/>
+          </p:nvPicPr>
+          <p:blipFill rotWithShape="1">
+            <a:blip r:embed="rId6">
+              <a:extLst>
+                <a:ext uri="{28A0092B-C50C-407E-A947-70E740481C1C}">
+                  <a14:useLocalDpi xmlns:a14="http://schemas.microsoft.com/office/drawing/2010/main" val="0"/>
+                </a:ext>
+              </a:extLst>
+            </a:blip>
+            <a:srcRect l="16925" t="8060" r="18395" b="7594"/>
+            <a:stretch/>
+          </p:blipFill>
+          <p:spPr>
+            <a:xfrm rot="16200000">
+              <a:off x="2262992" y="1457598"/>
+              <a:ext cx="1831505" cy="2804956"/>
+            </a:xfrm>
+            <a:prstGeom prst="rect">
+              <a:avLst/>
+            </a:prstGeom>
+          </p:spPr>
+        </p:pic>
+        <p:cxnSp>
+          <p:nvCxnSpPr>
+            <p:cNvPr id="18" name="Straight Arrow Connector 17">
+              <a:extLst>
+                <a:ext uri="{FF2B5EF4-FFF2-40B4-BE49-F238E27FC236}">
+                  <a16:creationId xmlns:a16="http://schemas.microsoft.com/office/drawing/2014/main" id="{35EB3319-1A28-4BAA-86BE-E04F9115272B}"/>
+                </a:ext>
+              </a:extLst>
+            </p:cNvPr>
+            <p:cNvCxnSpPr>
+              <a:cxnSpLocks/>
+            </p:cNvCxnSpPr>
+            <p:nvPr/>
+          </p:nvCxnSpPr>
+          <p:spPr>
+            <a:xfrm flipH="1">
+              <a:off x="3274788" y="2579434"/>
+              <a:ext cx="585657" cy="561285"/>
+            </a:xfrm>
+            <a:prstGeom prst="straightConnector1">
+              <a:avLst/>
+            </a:prstGeom>
+            <a:ln w="31750">
+              <a:solidFill>
+                <a:schemeClr val="bg1"/>
+              </a:solidFill>
+              <a:headEnd type="triangle"/>
+              <a:tailEnd type="triangle"/>
+            </a:ln>
+          </p:spPr>
+          <p:style>
+            <a:lnRef idx="1">
+              <a:schemeClr val="accent1"/>
+            </a:lnRef>
+            <a:fillRef idx="0">
+              <a:schemeClr val="accent1"/>
+            </a:fillRef>
+            <a:effectRef idx="0">
+              <a:schemeClr val="accent1"/>
+            </a:effectRef>
+            <a:fontRef idx="minor">
+              <a:schemeClr val="tx1"/>
+            </a:fontRef>
+          </p:style>
+        </p:cxnSp>
+        <p:cxnSp>
+          <p:nvCxnSpPr>
+            <p:cNvPr id="13" name="Straight Arrow Connector 12">
+              <a:extLst>
+                <a:ext uri="{FF2B5EF4-FFF2-40B4-BE49-F238E27FC236}">
+                  <a16:creationId xmlns:a16="http://schemas.microsoft.com/office/drawing/2014/main" id="{3A7C2ECA-2EBA-448E-8782-38D83C290442}"/>
+                </a:ext>
+              </a:extLst>
+            </p:cNvPr>
+            <p:cNvCxnSpPr>
+              <a:cxnSpLocks/>
+            </p:cNvCxnSpPr>
+            <p:nvPr/>
+          </p:nvCxnSpPr>
+          <p:spPr>
+            <a:xfrm>
+              <a:off x="3134579" y="2375125"/>
+              <a:ext cx="725866" cy="0"/>
+            </a:xfrm>
+            <a:prstGeom prst="straightConnector1">
+              <a:avLst/>
+            </a:prstGeom>
+            <a:ln w="31750">
+              <a:solidFill>
+                <a:schemeClr val="bg1"/>
+              </a:solidFill>
+              <a:headEnd type="triangle"/>
+              <a:tailEnd type="triangle"/>
+            </a:ln>
+          </p:spPr>
+          <p:style>
+            <a:lnRef idx="1">
+              <a:schemeClr val="accent1"/>
+            </a:lnRef>
+            <a:fillRef idx="0">
+              <a:schemeClr val="accent1"/>
+            </a:fillRef>
+            <a:effectRef idx="0">
+              <a:schemeClr val="accent1"/>
+            </a:effectRef>
+            <a:fontRef idx="minor">
+              <a:schemeClr val="tx1"/>
+            </a:fontRef>
+          </p:style>
+        </p:cxnSp>
+        <p:cxnSp>
+          <p:nvCxnSpPr>
+            <p:cNvPr id="15" name="Straight Arrow Connector 14">
+              <a:extLst>
+                <a:ext uri="{FF2B5EF4-FFF2-40B4-BE49-F238E27FC236}">
+                  <a16:creationId xmlns:a16="http://schemas.microsoft.com/office/drawing/2014/main" id="{46101911-20F7-4EBC-9F5C-F42336BD0EDA}"/>
+                </a:ext>
+              </a:extLst>
+            </p:cNvPr>
+            <p:cNvCxnSpPr>
+              <a:cxnSpLocks/>
+            </p:cNvCxnSpPr>
+            <p:nvPr/>
+          </p:nvCxnSpPr>
+          <p:spPr>
+            <a:xfrm>
+              <a:off x="4084515" y="2579434"/>
+              <a:ext cx="0" cy="670990"/>
+            </a:xfrm>
+            <a:prstGeom prst="straightConnector1">
+              <a:avLst/>
+            </a:prstGeom>
+            <a:ln w="31750">
+              <a:solidFill>
+                <a:schemeClr val="bg1"/>
+              </a:solidFill>
+              <a:headEnd type="triangle"/>
+              <a:tailEnd type="triangle"/>
+            </a:ln>
+          </p:spPr>
+          <p:style>
+            <a:lnRef idx="1">
+              <a:schemeClr val="accent1"/>
+            </a:lnRef>
+            <a:fillRef idx="0">
+              <a:schemeClr val="accent1"/>
+            </a:fillRef>
+            <a:effectRef idx="0">
+              <a:schemeClr val="accent1"/>
+            </a:effectRef>
+            <a:fontRef idx="minor">
+              <a:schemeClr val="tx1"/>
+            </a:fontRef>
+          </p:style>
+        </p:cxnSp>
+        <p:cxnSp>
+          <p:nvCxnSpPr>
+            <p:cNvPr id="17" name="Straight Arrow Connector 16">
+              <a:extLst>
+                <a:ext uri="{FF2B5EF4-FFF2-40B4-BE49-F238E27FC236}">
+                  <a16:creationId xmlns:a16="http://schemas.microsoft.com/office/drawing/2014/main" id="{B935827A-79F3-421E-B0C8-A105BFC6357F}"/>
+                </a:ext>
+              </a:extLst>
+            </p:cNvPr>
+            <p:cNvCxnSpPr>
+              <a:cxnSpLocks/>
+            </p:cNvCxnSpPr>
+            <p:nvPr/>
+          </p:nvCxnSpPr>
+          <p:spPr>
+            <a:xfrm>
+              <a:off x="2552369" y="2375125"/>
+              <a:ext cx="1293372" cy="0"/>
+            </a:xfrm>
+            <a:prstGeom prst="straightConnector1">
+              <a:avLst/>
+            </a:prstGeom>
+            <a:ln w="31750">
+              <a:solidFill>
+                <a:schemeClr val="bg1"/>
+              </a:solidFill>
+              <a:headEnd type="triangle"/>
+              <a:tailEnd type="triangle"/>
+            </a:ln>
+          </p:spPr>
+          <p:style>
+            <a:lnRef idx="1">
+              <a:schemeClr val="accent1"/>
+            </a:lnRef>
+            <a:fillRef idx="0">
+              <a:schemeClr val="accent1"/>
+            </a:fillRef>
+            <a:effectRef idx="0">
+              <a:schemeClr val="accent1"/>
+            </a:effectRef>
+            <a:fontRef idx="minor">
+              <a:schemeClr val="tx1"/>
+            </a:fontRef>
+          </p:style>
+        </p:cxnSp>
+      </p:grpSp>
     </p:spTree>
     <p:extLst>
       <p:ext uri="{BB962C8B-B14F-4D97-AF65-F5344CB8AC3E}">
-        <p14:creationId xmlns:p14="http://schemas.microsoft.com/office/powerpoint/2010/main" val="2745004865"/>
+        <p14:creationId xmlns:p14="http://schemas.microsoft.com/office/powerpoint/2010/main" val="1956370583"/>
       </p:ext>
     </p:extLst>
   </p:cSld>
@@ -5712,6 +5827,387 @@
           <p:cNvPr id="2" name="Title 1">
             <a:extLst>
               <a:ext uri="{FF2B5EF4-FFF2-40B4-BE49-F238E27FC236}">
+                <a16:creationId xmlns:a16="http://schemas.microsoft.com/office/drawing/2014/main" id="{8C7F0F6A-AA92-E108-730A-4C10F500829E}"/>
+              </a:ext>
+            </a:extLst>
+          </p:cNvPr>
+          <p:cNvSpPr>
+            <a:spLocks noGrp="1"/>
+          </p:cNvSpPr>
+          <p:nvPr>
+            <p:ph type="title"/>
+          </p:nvPr>
+        </p:nvSpPr>
+        <p:spPr/>
+        <p:txBody>
+          <a:bodyPr/>
+          <a:lstStyle/>
+          <a:p>
+            <a:r>
+              <a:rPr lang="nl-BE"/>
+              <a:t>results</a:t>
+            </a:r>
+            <a:endParaRPr lang="en-GB"/>
+          </a:p>
+        </p:txBody>
+      </p:sp>
+      <p:pic>
+        <p:nvPicPr>
+          <p:cNvPr id="5" name="Picture 4">
+            <a:extLst>
+              <a:ext uri="{FF2B5EF4-FFF2-40B4-BE49-F238E27FC236}">
+                <a16:creationId xmlns:a16="http://schemas.microsoft.com/office/drawing/2014/main" id="{EFC7ACE7-78EE-7B88-C861-33895937372D}"/>
+              </a:ext>
+            </a:extLst>
+          </p:cNvPr>
+          <p:cNvPicPr>
+            <a:picLocks noChangeAspect="1"/>
+          </p:cNvPicPr>
+          <p:nvPr/>
+        </p:nvPicPr>
+        <p:blipFill>
+          <a:blip r:embed="rId2"/>
+          <a:stretch>
+            <a:fillRect/>
+          </a:stretch>
+        </p:blipFill>
+        <p:spPr>
+          <a:xfrm>
+            <a:off x="4409285" y="815752"/>
+            <a:ext cx="5066433" cy="2520000"/>
+          </a:xfrm>
+          <a:prstGeom prst="rect">
+            <a:avLst/>
+          </a:prstGeom>
+        </p:spPr>
+      </p:pic>
+      <p:pic>
+        <p:nvPicPr>
+          <p:cNvPr id="7" name="Picture 6">
+            <a:extLst>
+              <a:ext uri="{FF2B5EF4-FFF2-40B4-BE49-F238E27FC236}">
+                <a16:creationId xmlns:a16="http://schemas.microsoft.com/office/drawing/2014/main" id="{8515DFC2-F290-E914-64AA-102B33A7747C}"/>
+              </a:ext>
+            </a:extLst>
+          </p:cNvPr>
+          <p:cNvPicPr>
+            <a:picLocks noChangeAspect="1"/>
+          </p:cNvPicPr>
+          <p:nvPr/>
+        </p:nvPicPr>
+        <p:blipFill>
+          <a:blip r:embed="rId3"/>
+          <a:stretch>
+            <a:fillRect/>
+          </a:stretch>
+        </p:blipFill>
+        <p:spPr>
+          <a:xfrm>
+            <a:off x="4399867" y="3655714"/>
+            <a:ext cx="5075851" cy="2520000"/>
+          </a:xfrm>
+          <a:prstGeom prst="rect">
+            <a:avLst/>
+          </a:prstGeom>
+        </p:spPr>
+      </p:pic>
+      <p:sp>
+        <p:nvSpPr>
+          <p:cNvPr id="8" name="TextBox 7">
+            <a:extLst>
+              <a:ext uri="{FF2B5EF4-FFF2-40B4-BE49-F238E27FC236}">
+                <a16:creationId xmlns:a16="http://schemas.microsoft.com/office/drawing/2014/main" id="{D5AF61FA-4C83-47A0-7128-48302C190A7E}"/>
+              </a:ext>
+            </a:extLst>
+          </p:cNvPr>
+          <p:cNvSpPr txBox="1"/>
+          <p:nvPr/>
+        </p:nvSpPr>
+        <p:spPr>
+          <a:xfrm>
+            <a:off x="1677886" y="1404131"/>
+            <a:ext cx="2391838" cy="1434945"/>
+          </a:xfrm>
+          <a:prstGeom prst="rect">
+            <a:avLst/>
+          </a:prstGeom>
+          <a:noFill/>
+        </p:spPr>
+        <p:txBody>
+          <a:bodyPr wrap="square" rtlCol="0">
+            <a:spAutoFit/>
+          </a:bodyPr>
+          <a:lstStyle/>
+          <a:p>
+            <a:pPr algn="l">
+              <a:lnSpc>
+                <a:spcPct val="120000"/>
+              </a:lnSpc>
+            </a:pPr>
+            <a:r>
+              <a:rPr lang="nl-BE" sz="2500" dirty="0" err="1"/>
+              <a:t>Lumer-Faieta</a:t>
+            </a:r>
+            <a:r>
+              <a:rPr lang="nl-BE" sz="2500" dirty="0"/>
+              <a:t> without clustering</a:t>
+            </a:r>
+            <a:endParaRPr lang="en-GB" sz="2500" dirty="0"/>
+          </a:p>
+        </p:txBody>
+      </p:sp>
+      <p:sp>
+        <p:nvSpPr>
+          <p:cNvPr id="9" name="TextBox 8">
+            <a:extLst>
+              <a:ext uri="{FF2B5EF4-FFF2-40B4-BE49-F238E27FC236}">
+                <a16:creationId xmlns:a16="http://schemas.microsoft.com/office/drawing/2014/main" id="{A0AB8EA0-E95D-1721-8CE3-C90925E148E2}"/>
+              </a:ext>
+            </a:extLst>
+          </p:cNvPr>
+          <p:cNvSpPr txBox="1"/>
+          <p:nvPr/>
+        </p:nvSpPr>
+        <p:spPr>
+          <a:xfrm>
+            <a:off x="1677886" y="4480589"/>
+            <a:ext cx="2391838" cy="973280"/>
+          </a:xfrm>
+          <a:prstGeom prst="rect">
+            <a:avLst/>
+          </a:prstGeom>
+          <a:noFill/>
+        </p:spPr>
+        <p:txBody>
+          <a:bodyPr wrap="square" rtlCol="0">
+            <a:spAutoFit/>
+          </a:bodyPr>
+          <a:lstStyle/>
+          <a:p>
+            <a:pPr algn="l">
+              <a:lnSpc>
+                <a:spcPct val="120000"/>
+              </a:lnSpc>
+            </a:pPr>
+            <a:r>
+              <a:rPr lang="nl-BE" sz="2500" dirty="0" err="1"/>
+              <a:t>Lumer-Faieta</a:t>
+            </a:r>
+            <a:r>
+              <a:rPr lang="nl-BE" sz="2500" dirty="0"/>
+              <a:t> </a:t>
+            </a:r>
+            <a:r>
+              <a:rPr lang="nl-BE" sz="2500" dirty="0" err="1"/>
+              <a:t>with</a:t>
+            </a:r>
+            <a:r>
+              <a:rPr lang="nl-BE" sz="2500" dirty="0"/>
+              <a:t> clustering</a:t>
+            </a:r>
+            <a:endParaRPr lang="en-GB" sz="2500" dirty="0"/>
+          </a:p>
+        </p:txBody>
+      </p:sp>
+      <p:sp>
+        <p:nvSpPr>
+          <p:cNvPr id="10" name="TextBox 9">
+            <a:extLst>
+              <a:ext uri="{FF2B5EF4-FFF2-40B4-BE49-F238E27FC236}">
+                <a16:creationId xmlns:a16="http://schemas.microsoft.com/office/drawing/2014/main" id="{3C07CB76-13E8-4768-B0C9-7EA29A351EA8}"/>
+              </a:ext>
+            </a:extLst>
+          </p:cNvPr>
+          <p:cNvSpPr txBox="1"/>
+          <p:nvPr/>
+        </p:nvSpPr>
+        <p:spPr>
+          <a:xfrm>
+            <a:off x="5646419" y="6028910"/>
+            <a:ext cx="266824" cy="293607"/>
+          </a:xfrm>
+          <a:prstGeom prst="rect">
+            <a:avLst/>
+          </a:prstGeom>
+          <a:noFill/>
+        </p:spPr>
+        <p:txBody>
+          <a:bodyPr wrap="square" rtlCol="0">
+            <a:spAutoFit/>
+          </a:bodyPr>
+          <a:lstStyle/>
+          <a:p>
+            <a:pPr algn="l">
+              <a:lnSpc>
+                <a:spcPct val="120000"/>
+              </a:lnSpc>
+            </a:pPr>
+            <a:r>
+              <a:rPr lang="nl-BE" sz="1200" dirty="0"/>
+              <a:t>0</a:t>
+            </a:r>
+            <a:endParaRPr lang="en-GB" sz="1200" dirty="0"/>
+          </a:p>
+        </p:txBody>
+      </p:sp>
+      <p:sp>
+        <p:nvSpPr>
+          <p:cNvPr id="11" name="TextBox 10">
+            <a:extLst>
+              <a:ext uri="{FF2B5EF4-FFF2-40B4-BE49-F238E27FC236}">
+                <a16:creationId xmlns:a16="http://schemas.microsoft.com/office/drawing/2014/main" id="{37CB37A2-A169-4AD8-AB27-5D6149033AE3}"/>
+              </a:ext>
+            </a:extLst>
+          </p:cNvPr>
+          <p:cNvSpPr txBox="1"/>
+          <p:nvPr/>
+        </p:nvSpPr>
+        <p:spPr>
+          <a:xfrm>
+            <a:off x="7834504" y="6028909"/>
+            <a:ext cx="708669" cy="293607"/>
+          </a:xfrm>
+          <a:prstGeom prst="rect">
+            <a:avLst/>
+          </a:prstGeom>
+          <a:noFill/>
+        </p:spPr>
+        <p:txBody>
+          <a:bodyPr wrap="square" rtlCol="0">
+            <a:spAutoFit/>
+          </a:bodyPr>
+          <a:lstStyle/>
+          <a:p>
+            <a:pPr algn="l">
+              <a:lnSpc>
+                <a:spcPct val="120000"/>
+              </a:lnSpc>
+            </a:pPr>
+            <a:r>
+              <a:rPr lang="nl-BE" sz="1200" dirty="0"/>
+              <a:t>10 000</a:t>
+            </a:r>
+            <a:endParaRPr lang="en-GB" sz="1200" dirty="0"/>
+          </a:p>
+        </p:txBody>
+      </p:sp>
+      <p:sp>
+        <p:nvSpPr>
+          <p:cNvPr id="12" name="TextBox 11">
+            <a:extLst>
+              <a:ext uri="{FF2B5EF4-FFF2-40B4-BE49-F238E27FC236}">
+                <a16:creationId xmlns:a16="http://schemas.microsoft.com/office/drawing/2014/main" id="{9901BDF0-DF96-445A-9A67-7E3836A783FA}"/>
+              </a:ext>
+            </a:extLst>
+          </p:cNvPr>
+          <p:cNvSpPr txBox="1"/>
+          <p:nvPr/>
+        </p:nvSpPr>
+        <p:spPr>
+          <a:xfrm>
+            <a:off x="5597432" y="3220228"/>
+            <a:ext cx="266824" cy="293607"/>
+          </a:xfrm>
+          <a:prstGeom prst="rect">
+            <a:avLst/>
+          </a:prstGeom>
+          <a:noFill/>
+        </p:spPr>
+        <p:txBody>
+          <a:bodyPr wrap="square" rtlCol="0">
+            <a:spAutoFit/>
+          </a:bodyPr>
+          <a:lstStyle/>
+          <a:p>
+            <a:pPr algn="l">
+              <a:lnSpc>
+                <a:spcPct val="120000"/>
+              </a:lnSpc>
+            </a:pPr>
+            <a:r>
+              <a:rPr lang="nl-BE" sz="1200" dirty="0"/>
+              <a:t>0</a:t>
+            </a:r>
+            <a:endParaRPr lang="en-GB" sz="1200" dirty="0"/>
+          </a:p>
+        </p:txBody>
+      </p:sp>
+      <p:sp>
+        <p:nvSpPr>
+          <p:cNvPr id="13" name="TextBox 12">
+            <a:extLst>
+              <a:ext uri="{FF2B5EF4-FFF2-40B4-BE49-F238E27FC236}">
+                <a16:creationId xmlns:a16="http://schemas.microsoft.com/office/drawing/2014/main" id="{B5389610-4806-4A44-9653-034C88C2E71E}"/>
+              </a:ext>
+            </a:extLst>
+          </p:cNvPr>
+          <p:cNvSpPr txBox="1"/>
+          <p:nvPr/>
+        </p:nvSpPr>
+        <p:spPr>
+          <a:xfrm>
+            <a:off x="7785516" y="3220227"/>
+            <a:ext cx="901283" cy="293607"/>
+          </a:xfrm>
+          <a:prstGeom prst="rect">
+            <a:avLst/>
+          </a:prstGeom>
+          <a:noFill/>
+        </p:spPr>
+        <p:txBody>
+          <a:bodyPr wrap="square" rtlCol="0">
+            <a:spAutoFit/>
+          </a:bodyPr>
+          <a:lstStyle/>
+          <a:p>
+            <a:pPr algn="l">
+              <a:lnSpc>
+                <a:spcPct val="120000"/>
+              </a:lnSpc>
+            </a:pPr>
+            <a:r>
+              <a:rPr lang="nl-BE" sz="1200" dirty="0"/>
+              <a:t>1 000 000</a:t>
+            </a:r>
+            <a:endParaRPr lang="en-GB" sz="1200" dirty="0"/>
+          </a:p>
+        </p:txBody>
+      </p:sp>
+    </p:spTree>
+    <p:extLst>
+      <p:ext uri="{BB962C8B-B14F-4D97-AF65-F5344CB8AC3E}">
+        <p14:creationId xmlns:p14="http://schemas.microsoft.com/office/powerpoint/2010/main" val="2745004865"/>
+      </p:ext>
+    </p:extLst>
+  </p:cSld>
+  <p:clrMapOvr>
+    <a:masterClrMapping/>
+  </p:clrMapOvr>
+</p:sld>
+</file>
+
+<file path=ppt/slides/slide14.xml><?xml version="1.0" encoding="utf-8"?>
+<p:sld xmlns:a="http://schemas.openxmlformats.org/drawingml/2006/main" xmlns:r="http://schemas.openxmlformats.org/officeDocument/2006/relationships" xmlns:p="http://schemas.openxmlformats.org/presentationml/2006/main">
+  <p:cSld>
+    <p:spTree>
+      <p:nvGrpSpPr>
+        <p:cNvPr id="1" name=""/>
+        <p:cNvGrpSpPr/>
+        <p:nvPr/>
+      </p:nvGrpSpPr>
+      <p:grpSpPr>
+        <a:xfrm>
+          <a:off x="0" y="0"/>
+          <a:ext cx="0" cy="0"/>
+          <a:chOff x="0" y="0"/>
+          <a:chExt cx="0" cy="0"/>
+        </a:xfrm>
+      </p:grpSpPr>
+      <p:sp>
+        <p:nvSpPr>
+          <p:cNvPr id="2" name="Title 1">
+            <a:extLst>
+              <a:ext uri="{FF2B5EF4-FFF2-40B4-BE49-F238E27FC236}">
                 <a16:creationId xmlns:a16="http://schemas.microsoft.com/office/drawing/2014/main" id="{C33144C4-4F99-DD45-583C-8811E5C23CD1}"/>
               </a:ext>
             </a:extLst>
@@ -5800,7 +6296,7 @@
 </p:sld>
 </file>
 
-<file path=ppt/slides/slide14.xml><?xml version="1.0" encoding="utf-8"?>
+<file path=ppt/slides/slide15.xml><?xml version="1.0" encoding="utf-8"?>
 <p:sld xmlns:a="http://schemas.openxmlformats.org/drawingml/2006/main" xmlns:r="http://schemas.openxmlformats.org/officeDocument/2006/relationships" xmlns:p="http://schemas.openxmlformats.org/presentationml/2006/main">
   <p:cSld>
     <p:spTree>

--- a/Spatio-temporele modellen.pptx
+++ b/Spatio-temporele modellen.pptx
@@ -5,24 +5,28 @@
     <p:sldMasterId id="2147483660" r:id="rId1"/>
   </p:sldMasterIdLst>
   <p:notesMasterIdLst>
-    <p:notesMasterId r:id="rId17"/>
+    <p:notesMasterId r:id="rId21"/>
   </p:notesMasterIdLst>
   <p:sldIdLst>
     <p:sldId id="256" r:id="rId2"/>
     <p:sldId id="257" r:id="rId3"/>
     <p:sldId id="258" r:id="rId4"/>
-    <p:sldId id="260" r:id="rId5"/>
-    <p:sldId id="261" r:id="rId6"/>
-    <p:sldId id="262" r:id="rId7"/>
-    <p:sldId id="263" r:id="rId8"/>
-    <p:sldId id="269" r:id="rId9"/>
-    <p:sldId id="266" r:id="rId10"/>
-    <p:sldId id="267" r:id="rId11"/>
-    <p:sldId id="268" r:id="rId12"/>
-    <p:sldId id="270" r:id="rId13"/>
-    <p:sldId id="264" r:id="rId14"/>
-    <p:sldId id="265" r:id="rId15"/>
-    <p:sldId id="259" r:id="rId16"/>
+    <p:sldId id="273" r:id="rId5"/>
+    <p:sldId id="272" r:id="rId6"/>
+    <p:sldId id="271" r:id="rId7"/>
+    <p:sldId id="274" r:id="rId8"/>
+    <p:sldId id="260" r:id="rId9"/>
+    <p:sldId id="261" r:id="rId10"/>
+    <p:sldId id="262" r:id="rId11"/>
+    <p:sldId id="263" r:id="rId12"/>
+    <p:sldId id="269" r:id="rId13"/>
+    <p:sldId id="266" r:id="rId14"/>
+    <p:sldId id="267" r:id="rId15"/>
+    <p:sldId id="268" r:id="rId16"/>
+    <p:sldId id="270" r:id="rId17"/>
+    <p:sldId id="264" r:id="rId18"/>
+    <p:sldId id="265" r:id="rId19"/>
+    <p:sldId id="259" r:id="rId20"/>
   </p:sldIdLst>
   <p:sldSz cx="12192000" cy="6858000"/>
   <p:notesSz cx="6858000" cy="9144000"/>
@@ -469,7 +473,7 @@
             </a:lvl1pPr>
           </a:lstStyle>
           <a:p>
-            <a:endParaRPr lang="nl-BE"/>
+            <a:endParaRPr lang="nl-BE" dirty="0"/>
           </a:p>
         </p:txBody>
       </p:sp>
@@ -502,9 +506,9 @@
           <a:p>
             <a:fld id="{7B192BA4-6F49-42E4-9F3C-818E1F263FC4}" type="datetimeFigureOut">
               <a:rPr lang="nl-BE" smtClean="0"/>
-              <a:t>20/06/2022</a:t>
+              <a:t>21/06/2022</a:t>
             </a:fld>
-            <a:endParaRPr lang="nl-BE"/>
+            <a:endParaRPr lang="nl-BE" dirty="0"/>
           </a:p>
         </p:txBody>
       </p:sp>
@@ -537,7 +541,7 @@
           <a:bodyPr vert="horz" lIns="91440" tIns="45720" rIns="91440" bIns="45720" rtlCol="0" anchor="ctr"/>
           <a:lstStyle/>
           <a:p>
-            <a:endParaRPr lang="nl-BE"/>
+            <a:endParaRPr lang="nl-BE" dirty="0"/>
           </a:p>
         </p:txBody>
       </p:sp>
@@ -628,7 +632,7 @@
             </a:lvl1pPr>
           </a:lstStyle>
           <a:p>
-            <a:endParaRPr lang="nl-BE"/>
+            <a:endParaRPr lang="nl-BE" dirty="0"/>
           </a:p>
         </p:txBody>
       </p:sp>
@@ -663,7 +667,7 @@
               <a:rPr lang="nl-BE" smtClean="0"/>
               <a:t>‹#›</a:t>
             </a:fld>
-            <a:endParaRPr lang="nl-BE"/>
+            <a:endParaRPr lang="nl-BE" dirty="0"/>
           </a:p>
         </p:txBody>
       </p:sp>
@@ -814,303 +818,7 @@
           <a:bodyPr/>
           <a:lstStyle/>
           <a:p>
-            <a:r>
-              <a:rPr lang="nl-BE" dirty="0"/>
-              <a:t>Picture is  a </a:t>
-            </a:r>
-            <a:r>
-              <a:rPr lang="nl-BE" dirty="0" err="1"/>
-              <a:t>placeholder</a:t>
-            </a:r>
-            <a:r>
-              <a:rPr lang="nl-BE" dirty="0"/>
-              <a:t> </a:t>
-            </a:r>
-            <a:r>
-              <a:rPr lang="nl-BE" dirty="0" err="1"/>
-              <a:t>for</a:t>
-            </a:r>
-            <a:r>
-              <a:rPr lang="nl-BE" dirty="0"/>
-              <a:t> </a:t>
-            </a:r>
-            <a:r>
-              <a:rPr lang="nl-BE" dirty="0" err="1"/>
-              <a:t>now</a:t>
-            </a:r>
             <a:endParaRPr lang="nl-BE" dirty="0"/>
-          </a:p>
-          <a:p>
-            <a:r>
-              <a:rPr lang="nl-BE" dirty="0"/>
-              <a:t>The </a:t>
-            </a:r>
-            <a:r>
-              <a:rPr lang="nl-BE" dirty="0" err="1"/>
-              <a:t>rows</a:t>
-            </a:r>
-            <a:r>
-              <a:rPr lang="nl-BE" dirty="0"/>
-              <a:t> of </a:t>
-            </a:r>
-            <a:r>
-              <a:rPr lang="nl-BE" dirty="0" err="1"/>
-              <a:t>the</a:t>
-            </a:r>
-            <a:r>
-              <a:rPr lang="nl-BE" dirty="0"/>
-              <a:t> data </a:t>
-            </a:r>
-            <a:r>
-              <a:rPr lang="nl-BE" dirty="0" err="1"/>
-              <a:t>table</a:t>
-            </a:r>
-            <a:r>
-              <a:rPr lang="nl-BE" dirty="0"/>
-              <a:t> are </a:t>
-            </a:r>
-            <a:r>
-              <a:rPr lang="nl-BE" dirty="0" err="1"/>
-              <a:t>the</a:t>
-            </a:r>
-            <a:r>
-              <a:rPr lang="nl-BE" dirty="0"/>
-              <a:t> feature </a:t>
-            </a:r>
-            <a:r>
-              <a:rPr lang="nl-BE" dirty="0" err="1"/>
-              <a:t>vectors</a:t>
-            </a:r>
-            <a:r>
-              <a:rPr lang="nl-BE" dirty="0"/>
-              <a:t> </a:t>
-            </a:r>
-            <a:r>
-              <a:rPr lang="nl-BE" dirty="0" err="1"/>
-              <a:t>used</a:t>
-            </a:r>
-            <a:r>
-              <a:rPr lang="nl-BE" dirty="0"/>
-              <a:t> </a:t>
-            </a:r>
-            <a:r>
-              <a:rPr lang="nl-BE" dirty="0" err="1"/>
-              <a:t>to</a:t>
-            </a:r>
-            <a:r>
-              <a:rPr lang="nl-BE" dirty="0"/>
-              <a:t> </a:t>
-            </a:r>
-            <a:r>
-              <a:rPr lang="nl-BE" dirty="0" err="1"/>
-              <a:t>sort</a:t>
-            </a:r>
-            <a:r>
-              <a:rPr lang="nl-BE" dirty="0"/>
-              <a:t> </a:t>
-            </a:r>
-            <a:r>
-              <a:rPr lang="nl-BE" dirty="0" err="1"/>
-              <a:t>the</a:t>
-            </a:r>
-            <a:r>
-              <a:rPr lang="nl-BE" dirty="0"/>
-              <a:t> samples</a:t>
-            </a:r>
-          </a:p>
-          <a:p>
-            <a:r>
-              <a:rPr lang="nl-BE" dirty="0" err="1"/>
-              <a:t>Now</a:t>
-            </a:r>
-            <a:r>
-              <a:rPr lang="nl-BE" dirty="0"/>
-              <a:t> </a:t>
-            </a:r>
-            <a:r>
-              <a:rPr lang="nl-BE" dirty="0" err="1"/>
-              <a:t>that</a:t>
-            </a:r>
-            <a:r>
-              <a:rPr lang="nl-BE" dirty="0"/>
-              <a:t> </a:t>
-            </a:r>
-            <a:r>
-              <a:rPr lang="nl-BE" dirty="0" err="1"/>
-              <a:t>we’re</a:t>
-            </a:r>
-            <a:r>
-              <a:rPr lang="nl-BE" dirty="0"/>
-              <a:t> </a:t>
-            </a:r>
-            <a:r>
-              <a:rPr lang="nl-BE" dirty="0" err="1"/>
-              <a:t>working</a:t>
-            </a:r>
-            <a:r>
-              <a:rPr lang="nl-BE" dirty="0"/>
-              <a:t> </a:t>
-            </a:r>
-            <a:r>
-              <a:rPr lang="nl-BE" dirty="0" err="1"/>
-              <a:t>with</a:t>
-            </a:r>
-            <a:r>
-              <a:rPr lang="nl-BE" dirty="0"/>
-              <a:t> </a:t>
-            </a:r>
-            <a:r>
-              <a:rPr lang="nl-BE" dirty="0" err="1"/>
-              <a:t>continuous</a:t>
-            </a:r>
-            <a:r>
-              <a:rPr lang="nl-BE" dirty="0"/>
-              <a:t> </a:t>
-            </a:r>
-            <a:r>
-              <a:rPr lang="nl-BE" dirty="0" err="1"/>
-              <a:t>vectors</a:t>
-            </a:r>
-            <a:r>
-              <a:rPr lang="nl-BE" dirty="0"/>
-              <a:t> </a:t>
-            </a:r>
-            <a:r>
-              <a:rPr lang="nl-BE" dirty="0" err="1"/>
-              <a:t>there</a:t>
-            </a:r>
-            <a:r>
-              <a:rPr lang="nl-BE" dirty="0"/>
-              <a:t> </a:t>
-            </a:r>
-            <a:r>
-              <a:rPr lang="nl-BE" dirty="0" err="1"/>
-              <a:t>were</a:t>
-            </a:r>
-            <a:r>
-              <a:rPr lang="nl-BE" dirty="0"/>
-              <a:t> 3 changes </a:t>
-            </a:r>
-            <a:r>
-              <a:rPr lang="nl-BE" dirty="0" err="1"/>
-              <a:t>that</a:t>
-            </a:r>
-            <a:r>
-              <a:rPr lang="nl-BE" dirty="0"/>
-              <a:t> </a:t>
-            </a:r>
-            <a:r>
-              <a:rPr lang="nl-BE" dirty="0" err="1"/>
-              <a:t>need</a:t>
-            </a:r>
-            <a:r>
-              <a:rPr lang="nl-BE" dirty="0"/>
-              <a:t> </a:t>
-            </a:r>
-            <a:r>
-              <a:rPr lang="nl-BE" dirty="0" err="1"/>
-              <a:t>to</a:t>
-            </a:r>
-            <a:r>
-              <a:rPr lang="nl-BE" dirty="0"/>
-              <a:t> </a:t>
-            </a:r>
-            <a:r>
-              <a:rPr lang="nl-BE" dirty="0" err="1"/>
-              <a:t>be</a:t>
-            </a:r>
-            <a:r>
-              <a:rPr lang="nl-BE" dirty="0"/>
-              <a:t> made: </a:t>
-            </a:r>
-            <a:r>
-              <a:rPr lang="nl-BE" dirty="0" err="1"/>
-              <a:t>the</a:t>
-            </a:r>
-            <a:r>
-              <a:rPr lang="nl-BE" dirty="0"/>
-              <a:t> way </a:t>
-            </a:r>
-            <a:r>
-              <a:rPr lang="nl-BE" dirty="0" err="1"/>
-              <a:t>the</a:t>
-            </a:r>
-            <a:r>
-              <a:rPr lang="nl-BE" dirty="0"/>
-              <a:t> </a:t>
-            </a:r>
-            <a:r>
-              <a:rPr lang="nl-BE" dirty="0" err="1"/>
-              <a:t>dissimilarity</a:t>
-            </a:r>
-            <a:r>
-              <a:rPr lang="nl-BE" dirty="0"/>
-              <a:t> is </a:t>
-            </a:r>
-            <a:r>
-              <a:rPr lang="nl-BE" dirty="0" err="1"/>
-              <a:t>calculated</a:t>
-            </a:r>
-            <a:r>
-              <a:rPr lang="nl-BE" dirty="0"/>
-              <a:t>, </a:t>
-            </a:r>
-            <a:r>
-              <a:rPr lang="nl-BE" dirty="0" err="1"/>
-              <a:t>the</a:t>
-            </a:r>
-            <a:r>
-              <a:rPr lang="nl-BE" dirty="0"/>
-              <a:t> </a:t>
-            </a:r>
-            <a:r>
-              <a:rPr lang="nl-BE" dirty="0" err="1"/>
-              <a:t>value</a:t>
-            </a:r>
-            <a:r>
-              <a:rPr lang="nl-BE" dirty="0"/>
-              <a:t> of </a:t>
-            </a:r>
-            <a:r>
-              <a:rPr lang="nl-BE" dirty="0" err="1"/>
-              <a:t>alpha</a:t>
-            </a:r>
-            <a:r>
-              <a:rPr lang="nl-BE" dirty="0"/>
-              <a:t> </a:t>
-            </a:r>
-            <a:r>
-              <a:rPr lang="nl-BE" dirty="0" err="1"/>
-              <a:t>and</a:t>
-            </a:r>
-            <a:r>
-              <a:rPr lang="nl-BE" dirty="0"/>
-              <a:t> </a:t>
-            </a:r>
-            <a:r>
-              <a:rPr lang="nl-BE" dirty="0" err="1"/>
-              <a:t>the</a:t>
-            </a:r>
-            <a:r>
-              <a:rPr lang="nl-BE" dirty="0"/>
-              <a:t> </a:t>
-            </a:r>
-            <a:r>
-              <a:rPr lang="nl-BE" dirty="0" err="1"/>
-              <a:t>wlustering</a:t>
-            </a:r>
-            <a:r>
-              <a:rPr lang="nl-BE" dirty="0"/>
-              <a:t> </a:t>
-            </a:r>
-            <a:r>
-              <a:rPr lang="nl-BE" dirty="0" err="1"/>
-              <a:t>methid</a:t>
-            </a:r>
-            <a:r>
-              <a:rPr lang="nl-BE" dirty="0"/>
-              <a:t>.</a:t>
-            </a:r>
           </a:p>
         </p:txBody>
       </p:sp>
@@ -1131,16 +839,16 @@
           <a:p>
             <a:fld id="{8B35E05E-D5CB-4B04-AB45-6608A189B973}" type="slidenum">
               <a:rPr lang="nl-BE" smtClean="0"/>
-              <a:t>8</a:t>
+              <a:t>5</a:t>
             </a:fld>
-            <a:endParaRPr lang="nl-BE"/>
+            <a:endParaRPr lang="nl-BE" dirty="0"/>
           </a:p>
         </p:txBody>
       </p:sp>
     </p:spTree>
     <p:extLst>
       <p:ext uri="{BB962C8B-B14F-4D97-AF65-F5344CB8AC3E}">
-        <p14:creationId xmlns:p14="http://schemas.microsoft.com/office/powerpoint/2010/main" val="3187927618"/>
+        <p14:creationId xmlns:p14="http://schemas.microsoft.com/office/powerpoint/2010/main" val="2924379963"/>
       </p:ext>
     </p:extLst>
   </p:cSld>
@@ -1195,8 +903,12 @@
           <a:lstStyle/>
           <a:p>
             <a:r>
+              <a:rPr lang="nl-BE" dirty="0"/>
+              <a:t>Picture is  a </a:t>
+            </a:r>
+            <a:r>
               <a:rPr lang="nl-BE" dirty="0" err="1"/>
-              <a:t>Vectors</a:t>
+              <a:t>placeholder</a:t>
             </a:r>
             <a:r>
               <a:rPr lang="nl-BE" dirty="0"/>
@@ -1204,7 +916,7 @@
             </a:r>
             <a:r>
               <a:rPr lang="nl-BE" dirty="0" err="1"/>
-              <a:t>were</a:t>
+              <a:t>for</a:t>
             </a:r>
             <a:r>
               <a:rPr lang="nl-BE" dirty="0"/>
@@ -1212,7 +924,220 @@
             </a:r>
             <a:r>
               <a:rPr lang="nl-BE" dirty="0" err="1"/>
-              <a:t>normalized</a:t>
+              <a:t>now</a:t>
+            </a:r>
+            <a:endParaRPr lang="nl-BE" dirty="0"/>
+          </a:p>
+          <a:p>
+            <a:r>
+              <a:rPr lang="nl-BE" dirty="0"/>
+              <a:t>The </a:t>
+            </a:r>
+            <a:r>
+              <a:rPr lang="nl-BE" dirty="0" err="1"/>
+              <a:t>rows</a:t>
+            </a:r>
+            <a:r>
+              <a:rPr lang="nl-BE" dirty="0"/>
+              <a:t> of </a:t>
+            </a:r>
+            <a:r>
+              <a:rPr lang="nl-BE" dirty="0" err="1"/>
+              <a:t>the</a:t>
+            </a:r>
+            <a:r>
+              <a:rPr lang="nl-BE" dirty="0"/>
+              <a:t> data </a:t>
+            </a:r>
+            <a:r>
+              <a:rPr lang="nl-BE" dirty="0" err="1"/>
+              <a:t>table</a:t>
+            </a:r>
+            <a:r>
+              <a:rPr lang="nl-BE" dirty="0"/>
+              <a:t> are </a:t>
+            </a:r>
+            <a:r>
+              <a:rPr lang="nl-BE" dirty="0" err="1"/>
+              <a:t>the</a:t>
+            </a:r>
+            <a:r>
+              <a:rPr lang="nl-BE" dirty="0"/>
+              <a:t> feature </a:t>
+            </a:r>
+            <a:r>
+              <a:rPr lang="nl-BE" dirty="0" err="1"/>
+              <a:t>vectors</a:t>
+            </a:r>
+            <a:r>
+              <a:rPr lang="nl-BE" dirty="0"/>
+              <a:t> </a:t>
+            </a:r>
+            <a:r>
+              <a:rPr lang="nl-BE" dirty="0" err="1"/>
+              <a:t>used</a:t>
+            </a:r>
+            <a:r>
+              <a:rPr lang="nl-BE" dirty="0"/>
+              <a:t> </a:t>
+            </a:r>
+            <a:r>
+              <a:rPr lang="nl-BE" dirty="0" err="1"/>
+              <a:t>to</a:t>
+            </a:r>
+            <a:r>
+              <a:rPr lang="nl-BE" dirty="0"/>
+              <a:t> </a:t>
+            </a:r>
+            <a:r>
+              <a:rPr lang="nl-BE" dirty="0" err="1"/>
+              <a:t>sort</a:t>
+            </a:r>
+            <a:r>
+              <a:rPr lang="nl-BE" dirty="0"/>
+              <a:t> </a:t>
+            </a:r>
+            <a:r>
+              <a:rPr lang="nl-BE" dirty="0" err="1"/>
+              <a:t>the</a:t>
+            </a:r>
+            <a:r>
+              <a:rPr lang="nl-BE" dirty="0"/>
+              <a:t> samples</a:t>
+            </a:r>
+          </a:p>
+          <a:p>
+            <a:r>
+              <a:rPr lang="nl-BE" dirty="0" err="1"/>
+              <a:t>Now</a:t>
+            </a:r>
+            <a:r>
+              <a:rPr lang="nl-BE" dirty="0"/>
+              <a:t> </a:t>
+            </a:r>
+            <a:r>
+              <a:rPr lang="nl-BE" dirty="0" err="1"/>
+              <a:t>that</a:t>
+            </a:r>
+            <a:r>
+              <a:rPr lang="nl-BE" dirty="0"/>
+              <a:t> </a:t>
+            </a:r>
+            <a:r>
+              <a:rPr lang="nl-BE" dirty="0" err="1"/>
+              <a:t>we’re</a:t>
+            </a:r>
+            <a:r>
+              <a:rPr lang="nl-BE" dirty="0"/>
+              <a:t> </a:t>
+            </a:r>
+            <a:r>
+              <a:rPr lang="nl-BE" dirty="0" err="1"/>
+              <a:t>working</a:t>
+            </a:r>
+            <a:r>
+              <a:rPr lang="nl-BE" dirty="0"/>
+              <a:t> </a:t>
+            </a:r>
+            <a:r>
+              <a:rPr lang="nl-BE" dirty="0" err="1"/>
+              <a:t>with</a:t>
+            </a:r>
+            <a:r>
+              <a:rPr lang="nl-BE" dirty="0"/>
+              <a:t> </a:t>
+            </a:r>
+            <a:r>
+              <a:rPr lang="nl-BE" dirty="0" err="1"/>
+              <a:t>continuous</a:t>
+            </a:r>
+            <a:r>
+              <a:rPr lang="nl-BE" dirty="0"/>
+              <a:t> </a:t>
+            </a:r>
+            <a:r>
+              <a:rPr lang="nl-BE" dirty="0" err="1"/>
+              <a:t>vectors</a:t>
+            </a:r>
+            <a:r>
+              <a:rPr lang="nl-BE" dirty="0"/>
+              <a:t> </a:t>
+            </a:r>
+            <a:r>
+              <a:rPr lang="nl-BE" dirty="0" err="1"/>
+              <a:t>there</a:t>
+            </a:r>
+            <a:r>
+              <a:rPr lang="nl-BE" dirty="0"/>
+              <a:t> </a:t>
+            </a:r>
+            <a:r>
+              <a:rPr lang="nl-BE" dirty="0" err="1"/>
+              <a:t>were</a:t>
+            </a:r>
+            <a:r>
+              <a:rPr lang="nl-BE" dirty="0"/>
+              <a:t> 3 changes </a:t>
+            </a:r>
+            <a:r>
+              <a:rPr lang="nl-BE" dirty="0" err="1"/>
+              <a:t>that</a:t>
+            </a:r>
+            <a:r>
+              <a:rPr lang="nl-BE" dirty="0"/>
+              <a:t> </a:t>
+            </a:r>
+            <a:r>
+              <a:rPr lang="nl-BE" dirty="0" err="1"/>
+              <a:t>need</a:t>
+            </a:r>
+            <a:r>
+              <a:rPr lang="nl-BE" dirty="0"/>
+              <a:t> </a:t>
+            </a:r>
+            <a:r>
+              <a:rPr lang="nl-BE" dirty="0" err="1"/>
+              <a:t>to</a:t>
+            </a:r>
+            <a:r>
+              <a:rPr lang="nl-BE" dirty="0"/>
+              <a:t> </a:t>
+            </a:r>
+            <a:r>
+              <a:rPr lang="nl-BE" dirty="0" err="1"/>
+              <a:t>be</a:t>
+            </a:r>
+            <a:r>
+              <a:rPr lang="nl-BE" dirty="0"/>
+              <a:t> made: </a:t>
+            </a:r>
+            <a:r>
+              <a:rPr lang="nl-BE" dirty="0" err="1"/>
+              <a:t>the</a:t>
+            </a:r>
+            <a:r>
+              <a:rPr lang="nl-BE" dirty="0"/>
+              <a:t> way </a:t>
+            </a:r>
+            <a:r>
+              <a:rPr lang="nl-BE" dirty="0" err="1"/>
+              <a:t>the</a:t>
+            </a:r>
+            <a:r>
+              <a:rPr lang="nl-BE" dirty="0"/>
+              <a:t> </a:t>
+            </a:r>
+            <a:r>
+              <a:rPr lang="nl-BE" dirty="0" err="1"/>
+              <a:t>dissimilarity</a:t>
+            </a:r>
+            <a:r>
+              <a:rPr lang="nl-BE" dirty="0"/>
+              <a:t> is </a:t>
+            </a:r>
+            <a:r>
+              <a:rPr lang="nl-BE" dirty="0" err="1"/>
+              <a:t>calculated</a:t>
             </a:r>
             <a:r>
               <a:rPr lang="nl-BE" dirty="0"/>
@@ -1220,35 +1145,59 @@
             </a:r>
             <a:r>
               <a:rPr lang="nl-BE" dirty="0" err="1"/>
-              <a:t>dissimilarity</a:t>
+              <a:t>the</a:t>
             </a:r>
             <a:r>
               <a:rPr lang="nl-BE" dirty="0"/>
-              <a:t> was </a:t>
+              <a:t> </a:t>
             </a:r>
             <a:r>
               <a:rPr lang="nl-BE" dirty="0" err="1"/>
-              <a:t>normalized</a:t>
+              <a:t>value</a:t>
             </a:r>
             <a:r>
               <a:rPr lang="nl-BE" dirty="0"/>
-              <a:t>, </a:t>
+              <a:t> of </a:t>
             </a:r>
             <a:r>
               <a:rPr lang="nl-BE" dirty="0" err="1"/>
-              <a:t>stored</a:t>
+              <a:t>alpha</a:t>
             </a:r>
             <a:r>
               <a:rPr lang="nl-BE" dirty="0"/>
-              <a:t> in a </a:t>
+              <a:t> </a:t>
             </a:r>
             <a:r>
               <a:rPr lang="nl-BE" dirty="0" err="1"/>
-              <a:t>dissimilarity</a:t>
+              <a:t>and</a:t>
             </a:r>
             <a:r>
               <a:rPr lang="nl-BE" dirty="0"/>
-              <a:t> matrix</a:t>
+              <a:t> </a:t>
+            </a:r>
+            <a:r>
+              <a:rPr lang="nl-BE" dirty="0" err="1"/>
+              <a:t>the</a:t>
+            </a:r>
+            <a:r>
+              <a:rPr lang="nl-BE" dirty="0"/>
+              <a:t> </a:t>
+            </a:r>
+            <a:r>
+              <a:rPr lang="nl-BE" dirty="0" err="1"/>
+              <a:t>wlustering</a:t>
+            </a:r>
+            <a:r>
+              <a:rPr lang="nl-BE" dirty="0"/>
+              <a:t> </a:t>
+            </a:r>
+            <a:r>
+              <a:rPr lang="nl-BE" dirty="0" err="1"/>
+              <a:t>methid</a:t>
+            </a:r>
+            <a:r>
+              <a:rPr lang="nl-BE" dirty="0"/>
+              <a:t>.</a:t>
             </a:r>
           </a:p>
         </p:txBody>
@@ -1270,7 +1219,7 @@
           <a:p>
             <a:fld id="{8B35E05E-D5CB-4B04-AB45-6608A189B973}" type="slidenum">
               <a:rPr lang="nl-BE" smtClean="0"/>
-              <a:t>9</a:t>
+              <a:t>12</a:t>
             </a:fld>
             <a:endParaRPr lang="nl-BE"/>
           </a:p>
@@ -1279,7 +1228,7 @@
     </p:spTree>
     <p:extLst>
       <p:ext uri="{BB962C8B-B14F-4D97-AF65-F5344CB8AC3E}">
-        <p14:creationId xmlns:p14="http://schemas.microsoft.com/office/powerpoint/2010/main" val="1835104303"/>
+        <p14:creationId xmlns:p14="http://schemas.microsoft.com/office/powerpoint/2010/main" val="3187927618"/>
       </p:ext>
     </p:extLst>
   </p:cSld>
@@ -1333,7 +1282,62 @@
           <a:bodyPr/>
           <a:lstStyle/>
           <a:p>
-            <a:endParaRPr lang="nl-BE" dirty="0"/>
+            <a:r>
+              <a:rPr lang="nl-BE" dirty="0" err="1"/>
+              <a:t>Vectors</a:t>
+            </a:r>
+            <a:r>
+              <a:rPr lang="nl-BE" dirty="0"/>
+              <a:t> </a:t>
+            </a:r>
+            <a:r>
+              <a:rPr lang="nl-BE" dirty="0" err="1"/>
+              <a:t>were</a:t>
+            </a:r>
+            <a:r>
+              <a:rPr lang="nl-BE" dirty="0"/>
+              <a:t> </a:t>
+            </a:r>
+            <a:r>
+              <a:rPr lang="nl-BE" dirty="0" err="1"/>
+              <a:t>normalized</a:t>
+            </a:r>
+            <a:r>
+              <a:rPr lang="nl-BE" dirty="0"/>
+              <a:t>, </a:t>
+            </a:r>
+            <a:r>
+              <a:rPr lang="nl-BE" dirty="0" err="1"/>
+              <a:t>dissimilarity</a:t>
+            </a:r>
+            <a:r>
+              <a:rPr lang="nl-BE" dirty="0"/>
+              <a:t> was </a:t>
+            </a:r>
+            <a:r>
+              <a:rPr lang="nl-BE" dirty="0" err="1"/>
+              <a:t>normalized</a:t>
+            </a:r>
+            <a:r>
+              <a:rPr lang="nl-BE" dirty="0"/>
+              <a:t>, </a:t>
+            </a:r>
+            <a:r>
+              <a:rPr lang="nl-BE" dirty="0" err="1"/>
+              <a:t>stored</a:t>
+            </a:r>
+            <a:r>
+              <a:rPr lang="nl-BE" dirty="0"/>
+              <a:t> in a </a:t>
+            </a:r>
+            <a:r>
+              <a:rPr lang="nl-BE" dirty="0" err="1"/>
+              <a:t>dissimilarity</a:t>
+            </a:r>
+            <a:r>
+              <a:rPr lang="nl-BE" dirty="0"/>
+              <a:t> matrix</a:t>
+            </a:r>
           </a:p>
         </p:txBody>
       </p:sp>
@@ -1354,7 +1358,7 @@
           <a:p>
             <a:fld id="{8B35E05E-D5CB-4B04-AB45-6608A189B973}" type="slidenum">
               <a:rPr lang="nl-BE" smtClean="0"/>
-              <a:t>10</a:t>
+              <a:t>13</a:t>
             </a:fld>
             <a:endParaRPr lang="nl-BE"/>
           </a:p>
@@ -1363,7 +1367,7 @@
     </p:spTree>
     <p:extLst>
       <p:ext uri="{BB962C8B-B14F-4D97-AF65-F5344CB8AC3E}">
-        <p14:creationId xmlns:p14="http://schemas.microsoft.com/office/powerpoint/2010/main" val="2989650414"/>
+        <p14:creationId xmlns:p14="http://schemas.microsoft.com/office/powerpoint/2010/main" val="1835104303"/>
       </p:ext>
     </p:extLst>
   </p:cSld>
@@ -1417,10 +1421,7 @@
           <a:bodyPr/>
           <a:lstStyle/>
           <a:p>
-            <a:r>
-              <a:rPr lang="nl-BE" dirty="0"/>
-              <a:t>Lelijke slide :/</a:t>
-            </a:r>
+            <a:endParaRPr lang="nl-BE" dirty="0"/>
           </a:p>
         </p:txBody>
       </p:sp>
@@ -1441,7 +1442,7 @@
           <a:p>
             <a:fld id="{8B35E05E-D5CB-4B04-AB45-6608A189B973}" type="slidenum">
               <a:rPr lang="nl-BE" smtClean="0"/>
-              <a:t>11</a:t>
+              <a:t>14</a:t>
             </a:fld>
             <a:endParaRPr lang="nl-BE"/>
           </a:p>
@@ -1450,7 +1451,7 @@
     </p:spTree>
     <p:extLst>
       <p:ext uri="{BB962C8B-B14F-4D97-AF65-F5344CB8AC3E}">
-        <p14:creationId xmlns:p14="http://schemas.microsoft.com/office/powerpoint/2010/main" val="2509250711"/>
+        <p14:creationId xmlns:p14="http://schemas.microsoft.com/office/powerpoint/2010/main" val="2989650414"/>
       </p:ext>
     </p:extLst>
   </p:cSld>
@@ -1528,7 +1529,94 @@
           <a:p>
             <a:fld id="{8B35E05E-D5CB-4B04-AB45-6608A189B973}" type="slidenum">
               <a:rPr lang="nl-BE" smtClean="0"/>
-              <a:t>12</a:t>
+              <a:t>15</a:t>
+            </a:fld>
+            <a:endParaRPr lang="nl-BE"/>
+          </a:p>
+        </p:txBody>
+      </p:sp>
+    </p:spTree>
+    <p:extLst>
+      <p:ext uri="{BB962C8B-B14F-4D97-AF65-F5344CB8AC3E}">
+        <p14:creationId xmlns:p14="http://schemas.microsoft.com/office/powerpoint/2010/main" val="2509250711"/>
+      </p:ext>
+    </p:extLst>
+  </p:cSld>
+  <p:clrMapOvr>
+    <a:masterClrMapping/>
+  </p:clrMapOvr>
+</p:notes>
+</file>
+
+<file path=ppt/notesSlides/notesSlide6.xml><?xml version="1.0" encoding="utf-8"?>
+<p:notes xmlns:a="http://schemas.openxmlformats.org/drawingml/2006/main" xmlns:r="http://schemas.openxmlformats.org/officeDocument/2006/relationships" xmlns:p="http://schemas.openxmlformats.org/presentationml/2006/main">
+  <p:cSld>
+    <p:spTree>
+      <p:nvGrpSpPr>
+        <p:cNvPr id="1" name=""/>
+        <p:cNvGrpSpPr/>
+        <p:nvPr/>
+      </p:nvGrpSpPr>
+      <p:grpSpPr>
+        <a:xfrm>
+          <a:off x="0" y="0"/>
+          <a:ext cx="0" cy="0"/>
+          <a:chOff x="0" y="0"/>
+          <a:chExt cx="0" cy="0"/>
+        </a:xfrm>
+      </p:grpSpPr>
+      <p:sp>
+        <p:nvSpPr>
+          <p:cNvPr id="2" name="Slide Image Placeholder 1"/>
+          <p:cNvSpPr>
+            <a:spLocks noGrp="1" noRot="1" noChangeAspect="1"/>
+          </p:cNvSpPr>
+          <p:nvPr>
+            <p:ph type="sldImg"/>
+          </p:nvPr>
+        </p:nvSpPr>
+        <p:spPr/>
+      </p:sp>
+      <p:sp>
+        <p:nvSpPr>
+          <p:cNvPr id="3" name="Notes Placeholder 2"/>
+          <p:cNvSpPr>
+            <a:spLocks noGrp="1"/>
+          </p:cNvSpPr>
+          <p:nvPr>
+            <p:ph type="body" idx="1"/>
+          </p:nvPr>
+        </p:nvSpPr>
+        <p:spPr/>
+        <p:txBody>
+          <a:bodyPr/>
+          <a:lstStyle/>
+          <a:p>
+            <a:r>
+              <a:rPr lang="nl-BE" dirty="0"/>
+              <a:t>Lelijke slide :/</a:t>
+            </a:r>
+          </a:p>
+        </p:txBody>
+      </p:sp>
+      <p:sp>
+        <p:nvSpPr>
+          <p:cNvPr id="4" name="Slide Number Placeholder 3"/>
+          <p:cNvSpPr>
+            <a:spLocks noGrp="1"/>
+          </p:cNvSpPr>
+          <p:nvPr>
+            <p:ph type="sldNum" sz="quarter" idx="5"/>
+          </p:nvPr>
+        </p:nvSpPr>
+        <p:spPr/>
+        <p:txBody>
+          <a:bodyPr/>
+          <a:lstStyle/>
+          <a:p>
+            <a:fld id="{8B35E05E-D5CB-4B04-AB45-6608A189B973}" type="slidenum">
+              <a:rPr lang="nl-BE" smtClean="0"/>
+              <a:t>16</a:t>
             </a:fld>
             <a:endParaRPr lang="nl-BE"/>
           </a:p>
@@ -1581,9 +1669,9 @@
           <a:p>
             <a:fld id="{91A90E25-CD54-48C7-8A6F-7268DD772FD4}" type="datetimeFigureOut">
               <a:rPr lang="en-GB" smtClean="0"/>
-              <a:t>20/06/2022</a:t>
+              <a:t>21/06/2022</a:t>
             </a:fld>
-            <a:endParaRPr lang="en-GB"/>
+            <a:endParaRPr lang="en-GB" dirty="0"/>
           </a:p>
         </p:txBody>
       </p:sp>
@@ -1602,7 +1690,7 @@
           <a:bodyPr/>
           <a:lstStyle/>
           <a:p>
-            <a:endParaRPr lang="en-GB"/>
+            <a:endParaRPr lang="en-GB" dirty="0"/>
           </a:p>
         </p:txBody>
       </p:sp>
@@ -1625,7 +1713,7 @@
               <a:rPr lang="en-GB" smtClean="0"/>
               <a:t>‹#›</a:t>
             </a:fld>
-            <a:endParaRPr lang="en-GB"/>
+            <a:endParaRPr lang="en-GB" dirty="0"/>
           </a:p>
         </p:txBody>
       </p:sp>
@@ -1828,7 +1916,7 @@
           <a:lstStyle/>
           <a:p>
             <a:pPr algn="ctr"/>
-            <a:endParaRPr lang="en-GB" sz="1266"/>
+            <a:endParaRPr lang="en-GB" sz="1266" dirty="0"/>
           </a:p>
         </p:txBody>
       </p:sp>
@@ -1976,7 +2064,7 @@
           <a:lstStyle/>
           <a:p>
             <a:pPr algn="ctr"/>
-            <a:endParaRPr lang="en-GB" sz="1266"/>
+            <a:endParaRPr lang="en-GB" sz="1266" dirty="0"/>
           </a:p>
         </p:txBody>
       </p:sp>
@@ -2157,7 +2245,7 @@
           <a:lstStyle/>
           <a:p>
             <a:pPr algn="ctr"/>
-            <a:endParaRPr lang="en-GB" sz="1266"/>
+            <a:endParaRPr lang="en-GB" sz="1266" dirty="0"/>
           </a:p>
         </p:txBody>
       </p:sp>
@@ -2475,7 +2563,7 @@
           <a:lstStyle/>
           <a:p>
             <a:pPr algn="ctr"/>
-            <a:endParaRPr lang="en-GB" sz="1266"/>
+            <a:endParaRPr lang="en-GB" sz="1266" dirty="0"/>
           </a:p>
         </p:txBody>
       </p:sp>
@@ -2566,7 +2654,7 @@
           <a:lstStyle/>
           <a:p>
             <a:pPr algn="ctr"/>
-            <a:endParaRPr lang="en-GB" sz="1266"/>
+            <a:endParaRPr lang="en-GB" sz="1266" dirty="0"/>
           </a:p>
         </p:txBody>
       </p:sp>
@@ -2605,7 +2693,7 @@
               <a:rPr lang="en-GB" smtClean="0"/>
               <a:t>‹#›</a:t>
             </a:fld>
-            <a:endParaRPr lang="en-GB"/>
+            <a:endParaRPr lang="en-GB" dirty="0"/>
           </a:p>
         </p:txBody>
       </p:sp>
@@ -2771,9 +2859,9 @@
           <a:p>
             <a:fld id="{91A90E25-CD54-48C7-8A6F-7268DD772FD4}" type="datetimeFigureOut">
               <a:rPr lang="en-GB" smtClean="0"/>
-              <a:t>20/06/2022</a:t>
+              <a:t>21/06/2022</a:t>
             </a:fld>
-            <a:endParaRPr lang="en-GB"/>
+            <a:endParaRPr lang="en-GB" dirty="0"/>
           </a:p>
         </p:txBody>
       </p:sp>
@@ -2792,7 +2880,7 @@
           <a:bodyPr/>
           <a:lstStyle/>
           <a:p>
-            <a:endParaRPr lang="en-GB"/>
+            <a:endParaRPr lang="en-GB" dirty="0"/>
           </a:p>
         </p:txBody>
       </p:sp>
@@ -2815,7 +2903,7 @@
               <a:rPr lang="en-GB" smtClean="0"/>
               <a:t>‹#›</a:t>
             </a:fld>
-            <a:endParaRPr lang="en-GB"/>
+            <a:endParaRPr lang="en-GB" dirty="0"/>
           </a:p>
         </p:txBody>
       </p:sp>
@@ -2889,9 +2977,9 @@
           <a:p>
             <a:fld id="{91A90E25-CD54-48C7-8A6F-7268DD772FD4}" type="datetimeFigureOut">
               <a:rPr lang="en-GB" smtClean="0"/>
-              <a:t>20/06/2022</a:t>
+              <a:t>21/06/2022</a:t>
             </a:fld>
-            <a:endParaRPr lang="en-GB"/>
+            <a:endParaRPr lang="en-GB" dirty="0"/>
           </a:p>
         </p:txBody>
       </p:sp>
@@ -2910,7 +2998,7 @@
           <a:bodyPr/>
           <a:lstStyle/>
           <a:p>
-            <a:endParaRPr lang="en-GB"/>
+            <a:endParaRPr lang="en-GB" dirty="0"/>
           </a:p>
         </p:txBody>
       </p:sp>
@@ -2986,7 +3074,7 @@
               <a:rPr lang="en-GB" smtClean="0"/>
               <a:t>‹#›</a:t>
             </a:fld>
-            <a:endParaRPr lang="en-GB"/>
+            <a:endParaRPr lang="en-GB" dirty="0"/>
           </a:p>
         </p:txBody>
       </p:sp>
@@ -3148,9 +3236,9 @@
           <a:p>
             <a:fld id="{91A90E25-CD54-48C7-8A6F-7268DD772FD4}" type="datetimeFigureOut">
               <a:rPr lang="en-GB" smtClean="0"/>
-              <a:t>20/06/2022</a:t>
+              <a:t>21/06/2022</a:t>
             </a:fld>
-            <a:endParaRPr lang="en-GB"/>
+            <a:endParaRPr lang="en-GB" dirty="0"/>
           </a:p>
         </p:txBody>
       </p:sp>
@@ -3169,7 +3257,7 @@
           <a:bodyPr/>
           <a:lstStyle/>
           <a:p>
-            <a:endParaRPr lang="en-GB"/>
+            <a:endParaRPr lang="en-GB" dirty="0"/>
           </a:p>
         </p:txBody>
       </p:sp>
@@ -3192,7 +3280,7 @@
               <a:rPr lang="en-GB" smtClean="0"/>
               <a:t>‹#›</a:t>
             </a:fld>
-            <a:endParaRPr lang="en-GB"/>
+            <a:endParaRPr lang="en-GB" dirty="0"/>
           </a:p>
         </p:txBody>
       </p:sp>
@@ -3288,9 +3376,9 @@
           <a:p>
             <a:fld id="{91A90E25-CD54-48C7-8A6F-7268DD772FD4}" type="datetimeFigureOut">
               <a:rPr lang="en-GB" smtClean="0"/>
-              <a:t>20/06/2022</a:t>
+              <a:t>21/06/2022</a:t>
             </a:fld>
-            <a:endParaRPr lang="en-GB"/>
+            <a:endParaRPr lang="en-GB" dirty="0"/>
           </a:p>
         </p:txBody>
       </p:sp>
@@ -3309,7 +3397,7 @@
           <a:bodyPr/>
           <a:lstStyle/>
           <a:p>
-            <a:endParaRPr lang="en-GB"/>
+            <a:endParaRPr lang="en-GB" dirty="0"/>
           </a:p>
         </p:txBody>
       </p:sp>
@@ -3352,7 +3440,7 @@
           <a:lstStyle/>
           <a:p>
             <a:pPr algn="ctr"/>
-            <a:endParaRPr lang="en-GB" sz="1266"/>
+            <a:endParaRPr lang="en-GB" sz="1266" dirty="0"/>
           </a:p>
         </p:txBody>
       </p:sp>
@@ -3463,10 +3551,9 @@
           </a:lstStyle>
           <a:p>
             <a:r>
-              <a:rPr lang="nl-BE" noProof="0"/>
+              <a:rPr lang="nl-BE" noProof="0" dirty="0"/>
               <a:t>Picture</a:t>
             </a:r>
-            <a:endParaRPr lang="nl-BE" noProof="0" dirty="0"/>
           </a:p>
         </p:txBody>
       </p:sp>
@@ -3487,9 +3574,9 @@
           <a:p>
             <a:fld id="{91A90E25-CD54-48C7-8A6F-7268DD772FD4}" type="datetimeFigureOut">
               <a:rPr lang="en-GB" smtClean="0"/>
-              <a:t>20/06/2022</a:t>
+              <a:t>21/06/2022</a:t>
             </a:fld>
-            <a:endParaRPr lang="en-GB"/>
+            <a:endParaRPr lang="en-GB" dirty="0"/>
           </a:p>
         </p:txBody>
       </p:sp>
@@ -3508,7 +3595,7 @@
           <a:bodyPr/>
           <a:lstStyle/>
           <a:p>
-            <a:endParaRPr lang="en-GB"/>
+            <a:endParaRPr lang="en-GB" dirty="0"/>
           </a:p>
         </p:txBody>
       </p:sp>
@@ -3708,10 +3795,9 @@
           </a:lstStyle>
           <a:p>
             <a:r>
-              <a:rPr lang="nl-BE" noProof="0"/>
+              <a:rPr lang="nl-BE" noProof="0" dirty="0"/>
               <a:t>Picture</a:t>
             </a:r>
-            <a:endParaRPr lang="nl-BE" noProof="0" dirty="0"/>
           </a:p>
         </p:txBody>
       </p:sp>
@@ -3732,9 +3818,9 @@
           <a:p>
             <a:fld id="{91A90E25-CD54-48C7-8A6F-7268DD772FD4}" type="datetimeFigureOut">
               <a:rPr lang="en-GB" smtClean="0"/>
-              <a:t>20/06/2022</a:t>
+              <a:t>21/06/2022</a:t>
             </a:fld>
-            <a:endParaRPr lang="en-GB"/>
+            <a:endParaRPr lang="en-GB" dirty="0"/>
           </a:p>
         </p:txBody>
       </p:sp>
@@ -3753,7 +3839,7 @@
           <a:bodyPr/>
           <a:lstStyle/>
           <a:p>
-            <a:endParaRPr lang="en-GB"/>
+            <a:endParaRPr lang="en-GB" dirty="0"/>
           </a:p>
         </p:txBody>
       </p:sp>
@@ -4002,9 +4088,9 @@
           <a:p>
             <a:fld id="{91A90E25-CD54-48C7-8A6F-7268DD772FD4}" type="datetimeFigureOut">
               <a:rPr lang="en-GB" smtClean="0"/>
-              <a:t>20/06/2022</a:t>
+              <a:t>21/06/2022</a:t>
             </a:fld>
-            <a:endParaRPr lang="en-GB"/>
+            <a:endParaRPr lang="en-GB" dirty="0"/>
           </a:p>
         </p:txBody>
       </p:sp>
@@ -4041,7 +4127,7 @@
             </a:lvl1pPr>
           </a:lstStyle>
           <a:p>
-            <a:endParaRPr lang="en-GB"/>
+            <a:endParaRPr lang="en-GB" dirty="0"/>
           </a:p>
         </p:txBody>
       </p:sp>
@@ -4080,7 +4166,7 @@
               <a:rPr lang="en-GB" smtClean="0"/>
               <a:t>‹#›</a:t>
             </a:fld>
-            <a:endParaRPr lang="en-GB"/>
+            <a:endParaRPr lang="en-GB" dirty="0"/>
           </a:p>
         </p:txBody>
       </p:sp>
@@ -4126,7 +4212,7 @@
           <a:lstStyle/>
           <a:p>
             <a:pPr algn="ctr"/>
-            <a:endParaRPr lang="en-GB" sz="1266"/>
+            <a:endParaRPr lang="en-GB" sz="1266" dirty="0"/>
           </a:p>
         </p:txBody>
       </p:sp>
@@ -4172,7 +4258,7 @@
           <a:lstStyle/>
           <a:p>
             <a:pPr algn="ctr"/>
-            <a:endParaRPr lang="en-GB" sz="1266"/>
+            <a:endParaRPr lang="en-GB" sz="1266" dirty="0"/>
           </a:p>
         </p:txBody>
       </p:sp>
@@ -4218,7 +4304,7 @@
           <a:lstStyle/>
           <a:p>
             <a:pPr algn="ctr"/>
-            <a:endParaRPr lang="en-GB" sz="1266"/>
+            <a:endParaRPr lang="en-GB" sz="1266" dirty="0"/>
           </a:p>
         </p:txBody>
       </p:sp>
@@ -4264,7 +4350,7 @@
           <a:lstStyle/>
           <a:p>
             <a:pPr algn="ctr"/>
-            <a:endParaRPr lang="en-GB" sz="1266"/>
+            <a:endParaRPr lang="en-GB" sz="1266" dirty="0"/>
           </a:p>
         </p:txBody>
       </p:sp>
@@ -4310,7 +4396,7 @@
           <a:lstStyle/>
           <a:p>
             <a:pPr algn="ctr"/>
-            <a:endParaRPr lang="en-GB" sz="1266"/>
+            <a:endParaRPr lang="en-GB" sz="1266" dirty="0"/>
           </a:p>
         </p:txBody>
       </p:sp>
@@ -4705,6 +4791,507 @@
           <p:cNvPr id="2" name="Title 1">
             <a:extLst>
               <a:ext uri="{FF2B5EF4-FFF2-40B4-BE49-F238E27FC236}">
+                <a16:creationId xmlns:a16="http://schemas.microsoft.com/office/drawing/2014/main" id="{C3A32A2E-A08E-6975-F451-A28563A9D6F1}"/>
+              </a:ext>
+            </a:extLst>
+          </p:cNvPr>
+          <p:cNvSpPr>
+            <a:spLocks noGrp="1"/>
+          </p:cNvSpPr>
+          <p:nvPr>
+            <p:ph type="title"/>
+          </p:nvPr>
+        </p:nvSpPr>
+        <p:spPr/>
+        <p:txBody>
+          <a:bodyPr/>
+          <a:lstStyle/>
+          <a:p>
+            <a:r>
+              <a:rPr lang="nl-BE"/>
+              <a:t>comparison</a:t>
+            </a:r>
+            <a:endParaRPr lang="en-GB"/>
+          </a:p>
+        </p:txBody>
+      </p:sp>
+      <p:sp>
+        <p:nvSpPr>
+          <p:cNvPr id="3" name="Content Placeholder 2">
+            <a:extLst>
+              <a:ext uri="{FF2B5EF4-FFF2-40B4-BE49-F238E27FC236}">
+                <a16:creationId xmlns:a16="http://schemas.microsoft.com/office/drawing/2014/main" id="{73EF3FBB-A0CA-F3F2-6201-46130C854252}"/>
+              </a:ext>
+            </a:extLst>
+          </p:cNvPr>
+          <p:cNvSpPr>
+            <a:spLocks noGrp="1"/>
+          </p:cNvSpPr>
+          <p:nvPr>
+            <p:ph idx="1"/>
+          </p:nvPr>
+        </p:nvSpPr>
+        <p:spPr/>
+        <p:txBody>
+          <a:bodyPr/>
+          <a:lstStyle/>
+          <a:p>
+            <a:endParaRPr lang="en-GB"/>
+          </a:p>
+        </p:txBody>
+      </p:sp>
+      <p:pic>
+        <p:nvPicPr>
+          <p:cNvPr id="5" name="Picture 4">
+            <a:extLst>
+              <a:ext uri="{FF2B5EF4-FFF2-40B4-BE49-F238E27FC236}">
+                <a16:creationId xmlns:a16="http://schemas.microsoft.com/office/drawing/2014/main" id="{AFB6C69B-245F-7E1D-3B56-A559D2AEE53B}"/>
+              </a:ext>
+            </a:extLst>
+          </p:cNvPr>
+          <p:cNvPicPr>
+            <a:picLocks noChangeAspect="1"/>
+          </p:cNvPicPr>
+          <p:nvPr/>
+        </p:nvPicPr>
+        <p:blipFill>
+          <a:blip r:embed="rId2"/>
+          <a:stretch>
+            <a:fillRect/>
+          </a:stretch>
+        </p:blipFill>
+        <p:spPr>
+          <a:xfrm>
+            <a:off x="1050557" y="1879629"/>
+            <a:ext cx="5045443" cy="3216893"/>
+          </a:xfrm>
+          <a:prstGeom prst="rect">
+            <a:avLst/>
+          </a:prstGeom>
+        </p:spPr>
+      </p:pic>
+      <p:pic>
+        <p:nvPicPr>
+          <p:cNvPr id="7" name="Picture 6">
+            <a:extLst>
+              <a:ext uri="{FF2B5EF4-FFF2-40B4-BE49-F238E27FC236}">
+                <a16:creationId xmlns:a16="http://schemas.microsoft.com/office/drawing/2014/main" id="{7C3AC2F8-02A0-7F2F-DD15-4B0EF74B0C92}"/>
+              </a:ext>
+            </a:extLst>
+          </p:cNvPr>
+          <p:cNvPicPr>
+            <a:picLocks noChangeAspect="1"/>
+          </p:cNvPicPr>
+          <p:nvPr/>
+        </p:nvPicPr>
+        <p:blipFill>
+          <a:blip r:embed="rId3"/>
+          <a:stretch>
+            <a:fillRect/>
+          </a:stretch>
+        </p:blipFill>
+        <p:spPr>
+          <a:xfrm>
+            <a:off x="6468359" y="1879629"/>
+            <a:ext cx="4534293" cy="3551228"/>
+          </a:xfrm>
+          <a:prstGeom prst="rect">
+            <a:avLst/>
+          </a:prstGeom>
+        </p:spPr>
+      </p:pic>
+    </p:spTree>
+    <p:extLst>
+      <p:ext uri="{BB962C8B-B14F-4D97-AF65-F5344CB8AC3E}">
+        <p14:creationId xmlns:p14="http://schemas.microsoft.com/office/powerpoint/2010/main" val="2517917068"/>
+      </p:ext>
+    </p:extLst>
+  </p:cSld>
+  <p:clrMapOvr>
+    <a:masterClrMapping/>
+  </p:clrMapOvr>
+</p:sld>
+</file>
+
+<file path=ppt/slides/slide11.xml><?xml version="1.0" encoding="utf-8"?>
+<p:sld xmlns:a="http://schemas.openxmlformats.org/drawingml/2006/main" xmlns:r="http://schemas.openxmlformats.org/officeDocument/2006/relationships" xmlns:p="http://schemas.openxmlformats.org/presentationml/2006/main">
+  <p:cSld>
+    <p:spTree>
+      <p:nvGrpSpPr>
+        <p:cNvPr id="1" name=""/>
+        <p:cNvGrpSpPr/>
+        <p:nvPr/>
+      </p:nvGrpSpPr>
+      <p:grpSpPr>
+        <a:xfrm>
+          <a:off x="0" y="0"/>
+          <a:ext cx="0" cy="0"/>
+          <a:chOff x="0" y="0"/>
+          <a:chExt cx="0" cy="0"/>
+        </a:xfrm>
+      </p:grpSpPr>
+      <p:sp>
+        <p:nvSpPr>
+          <p:cNvPr id="2" name="Title 1">
+            <a:extLst>
+              <a:ext uri="{FF2B5EF4-FFF2-40B4-BE49-F238E27FC236}">
+                <a16:creationId xmlns:a16="http://schemas.microsoft.com/office/drawing/2014/main" id="{BF1488D3-8034-A85B-7A11-AC9D49E1009A}"/>
+              </a:ext>
+            </a:extLst>
+          </p:cNvPr>
+          <p:cNvSpPr>
+            <a:spLocks noGrp="1"/>
+          </p:cNvSpPr>
+          <p:nvPr>
+            <p:ph type="title"/>
+          </p:nvPr>
+        </p:nvSpPr>
+        <p:spPr/>
+        <p:txBody>
+          <a:bodyPr/>
+          <a:lstStyle/>
+          <a:p>
+            <a:r>
+              <a:rPr lang="nl-BE"/>
+              <a:t>Continuous vector sorting</a:t>
+            </a:r>
+            <a:endParaRPr lang="en-GB"/>
+          </a:p>
+        </p:txBody>
+      </p:sp>
+      <p:sp>
+        <p:nvSpPr>
+          <p:cNvPr id="3" name="Content Placeholder 2">
+            <a:extLst>
+              <a:ext uri="{FF2B5EF4-FFF2-40B4-BE49-F238E27FC236}">
+                <a16:creationId xmlns:a16="http://schemas.microsoft.com/office/drawing/2014/main" id="{530FEF2F-F72E-7E95-D20D-A4E341723D78}"/>
+              </a:ext>
+            </a:extLst>
+          </p:cNvPr>
+          <p:cNvSpPr>
+            <a:spLocks noGrp="1"/>
+          </p:cNvSpPr>
+          <p:nvPr>
+            <p:ph idx="1"/>
+          </p:nvPr>
+        </p:nvSpPr>
+        <p:spPr/>
+        <p:txBody>
+          <a:bodyPr/>
+          <a:lstStyle/>
+          <a:p>
+            <a:endParaRPr lang="en-GB"/>
+          </a:p>
+        </p:txBody>
+      </p:sp>
+      <p:pic>
+        <p:nvPicPr>
+          <p:cNvPr id="1026" name="Picture 2" descr="Using scikit learn classifier to explore iris dataset | Develop Paper">
+            <a:extLst>
+              <a:ext uri="{FF2B5EF4-FFF2-40B4-BE49-F238E27FC236}">
+                <a16:creationId xmlns:a16="http://schemas.microsoft.com/office/drawing/2014/main" id="{9D17FB9D-50BC-7210-CD2C-99B16626F4D6}"/>
+              </a:ext>
+            </a:extLst>
+          </p:cNvPr>
+          <p:cNvPicPr>
+            <a:picLocks noChangeAspect="1" noChangeArrowheads="1"/>
+          </p:cNvPicPr>
+          <p:nvPr/>
+        </p:nvPicPr>
+        <p:blipFill>
+          <a:blip r:embed="rId2">
+            <a:extLst>
+              <a:ext uri="{28A0092B-C50C-407E-A947-70E740481C1C}">
+                <a14:useLocalDpi xmlns:a14="http://schemas.microsoft.com/office/drawing/2010/main" val="0"/>
+              </a:ext>
+            </a:extLst>
+          </a:blip>
+          <a:srcRect/>
+          <a:stretch>
+            <a:fillRect/>
+          </a:stretch>
+        </p:blipFill>
+        <p:spPr bwMode="auto">
+          <a:xfrm>
+            <a:off x="23813" y="1157288"/>
+            <a:ext cx="12144375" cy="4543425"/>
+          </a:xfrm>
+          <a:prstGeom prst="rect">
+            <a:avLst/>
+          </a:prstGeom>
+          <a:noFill/>
+          <a:extLst>
+            <a:ext uri="{909E8E84-426E-40DD-AFC4-6F175D3DCCD1}">
+              <a14:hiddenFill xmlns:a14="http://schemas.microsoft.com/office/drawing/2010/main">
+                <a:solidFill>
+                  <a:srgbClr val="FFFFFF"/>
+                </a:solidFill>
+              </a14:hiddenFill>
+            </a:ext>
+          </a:extLst>
+        </p:spPr>
+      </p:pic>
+    </p:spTree>
+    <p:extLst>
+      <p:ext uri="{BB962C8B-B14F-4D97-AF65-F5344CB8AC3E}">
+        <p14:creationId xmlns:p14="http://schemas.microsoft.com/office/powerpoint/2010/main" val="191022718"/>
+      </p:ext>
+    </p:extLst>
+  </p:cSld>
+  <p:clrMapOvr>
+    <a:masterClrMapping/>
+  </p:clrMapOvr>
+</p:sld>
+</file>
+
+<file path=ppt/slides/slide12.xml><?xml version="1.0" encoding="utf-8"?>
+<p:sld xmlns:a="http://schemas.openxmlformats.org/drawingml/2006/main" xmlns:r="http://schemas.openxmlformats.org/officeDocument/2006/relationships" xmlns:p="http://schemas.openxmlformats.org/presentationml/2006/main">
+  <p:cSld>
+    <p:spTree>
+      <p:nvGrpSpPr>
+        <p:cNvPr id="1" name=""/>
+        <p:cNvGrpSpPr/>
+        <p:nvPr/>
+      </p:nvGrpSpPr>
+      <p:grpSpPr>
+        <a:xfrm>
+          <a:off x="0" y="0"/>
+          <a:ext cx="0" cy="0"/>
+          <a:chOff x="0" y="0"/>
+          <a:chExt cx="0" cy="0"/>
+        </a:xfrm>
+      </p:grpSpPr>
+      <p:sp>
+        <p:nvSpPr>
+          <p:cNvPr id="2" name="Title 1">
+            <a:extLst>
+              <a:ext uri="{FF2B5EF4-FFF2-40B4-BE49-F238E27FC236}">
+                <a16:creationId xmlns:a16="http://schemas.microsoft.com/office/drawing/2014/main" id="{BF1488D3-8034-A85B-7A11-AC9D49E1009A}"/>
+              </a:ext>
+            </a:extLst>
+          </p:cNvPr>
+          <p:cNvSpPr>
+            <a:spLocks noGrp="1"/>
+          </p:cNvSpPr>
+          <p:nvPr>
+            <p:ph type="title"/>
+          </p:nvPr>
+        </p:nvSpPr>
+        <p:spPr/>
+        <p:txBody>
+          <a:bodyPr/>
+          <a:lstStyle/>
+          <a:p>
+            <a:r>
+              <a:rPr lang="nl-BE"/>
+              <a:t>Continuous vector sorting</a:t>
+            </a:r>
+            <a:endParaRPr lang="en-GB"/>
+          </a:p>
+        </p:txBody>
+      </p:sp>
+      <p:pic>
+        <p:nvPicPr>
+          <p:cNvPr id="5" name="Picture 4">
+            <a:extLst>
+              <a:ext uri="{FF2B5EF4-FFF2-40B4-BE49-F238E27FC236}">
+                <a16:creationId xmlns:a16="http://schemas.microsoft.com/office/drawing/2014/main" id="{DFD820E0-DB79-4CBD-823A-AC36A816808F}"/>
+              </a:ext>
+            </a:extLst>
+          </p:cNvPr>
+          <p:cNvPicPr>
+            <a:picLocks noChangeAspect="1"/>
+          </p:cNvPicPr>
+          <p:nvPr/>
+        </p:nvPicPr>
+        <p:blipFill>
+          <a:blip r:embed="rId3">
+            <a:extLst>
+              <a:ext uri="{28A0092B-C50C-407E-A947-70E740481C1C}">
+                <a14:useLocalDpi xmlns:a14="http://schemas.microsoft.com/office/drawing/2010/main" val="0"/>
+              </a:ext>
+            </a:extLst>
+          </a:blip>
+          <a:stretch>
+            <a:fillRect/>
+          </a:stretch>
+        </p:blipFill>
+        <p:spPr>
+          <a:xfrm>
+            <a:off x="1739438" y="2097750"/>
+            <a:ext cx="8713124" cy="2912018"/>
+          </a:xfrm>
+          <a:prstGeom prst="rect">
+            <a:avLst/>
+          </a:prstGeom>
+        </p:spPr>
+      </p:pic>
+    </p:spTree>
+    <p:extLst>
+      <p:ext uri="{BB962C8B-B14F-4D97-AF65-F5344CB8AC3E}">
+        <p14:creationId xmlns:p14="http://schemas.microsoft.com/office/powerpoint/2010/main" val="2446284842"/>
+      </p:ext>
+    </p:extLst>
+  </p:cSld>
+  <p:clrMapOvr>
+    <a:masterClrMapping/>
+  </p:clrMapOvr>
+</p:sld>
+</file>
+
+<file path=ppt/slides/slide13.xml><?xml version="1.0" encoding="utf-8"?>
+<p:sld xmlns:a="http://schemas.openxmlformats.org/drawingml/2006/main" xmlns:r="http://schemas.openxmlformats.org/officeDocument/2006/relationships" xmlns:p="http://schemas.openxmlformats.org/presentationml/2006/main">
+  <p:cSld>
+    <p:spTree>
+      <p:nvGrpSpPr>
+        <p:cNvPr id="1" name=""/>
+        <p:cNvGrpSpPr/>
+        <p:nvPr/>
+      </p:nvGrpSpPr>
+      <p:grpSpPr>
+        <a:xfrm>
+          <a:off x="0" y="0"/>
+          <a:ext cx="0" cy="0"/>
+          <a:chOff x="0" y="0"/>
+          <a:chExt cx="0" cy="0"/>
+        </a:xfrm>
+      </p:grpSpPr>
+      <p:sp>
+        <p:nvSpPr>
+          <p:cNvPr id="2" name="Title 1">
+            <a:extLst>
+              <a:ext uri="{FF2B5EF4-FFF2-40B4-BE49-F238E27FC236}">
+                <a16:creationId xmlns:a16="http://schemas.microsoft.com/office/drawing/2014/main" id="{BF1488D3-8034-A85B-7A11-AC9D49E1009A}"/>
+              </a:ext>
+            </a:extLst>
+          </p:cNvPr>
+          <p:cNvSpPr>
+            <a:spLocks noGrp="1"/>
+          </p:cNvSpPr>
+          <p:nvPr>
+            <p:ph type="title"/>
+          </p:nvPr>
+        </p:nvSpPr>
+        <p:spPr/>
+        <p:txBody>
+          <a:bodyPr/>
+          <a:lstStyle/>
+          <a:p>
+            <a:r>
+              <a:rPr lang="nl-BE" dirty="0" err="1"/>
+              <a:t>Dissimilarity</a:t>
+            </a:r>
+            <a:endParaRPr lang="en-GB" dirty="0"/>
+          </a:p>
+        </p:txBody>
+      </p:sp>
+      <p:pic>
+        <p:nvPicPr>
+          <p:cNvPr id="6" name="Picture 5">
+            <a:extLst>
+              <a:ext uri="{FF2B5EF4-FFF2-40B4-BE49-F238E27FC236}">
+                <a16:creationId xmlns:a16="http://schemas.microsoft.com/office/drawing/2014/main" id="{BA7D2062-4D58-462C-A08E-160B06646E14}"/>
+              </a:ext>
+            </a:extLst>
+          </p:cNvPr>
+          <p:cNvPicPr>
+            <a:picLocks noChangeAspect="1"/>
+          </p:cNvPicPr>
+          <p:nvPr/>
+        </p:nvPicPr>
+        <p:blipFill>
+          <a:blip r:embed="rId3">
+            <a:extLst>
+              <a:ext uri="{28A0092B-C50C-407E-A947-70E740481C1C}">
+                <a14:useLocalDpi xmlns:a14="http://schemas.microsoft.com/office/drawing/2010/main" val="0"/>
+              </a:ext>
+            </a:extLst>
+          </a:blip>
+          <a:stretch>
+            <a:fillRect/>
+          </a:stretch>
+        </p:blipFill>
+        <p:spPr>
+          <a:xfrm>
+            <a:off x="2636961" y="1752437"/>
+            <a:ext cx="6936953" cy="1116000"/>
+          </a:xfrm>
+          <a:prstGeom prst="rect">
+            <a:avLst/>
+          </a:prstGeom>
+        </p:spPr>
+      </p:pic>
+      <p:pic>
+        <p:nvPicPr>
+          <p:cNvPr id="8" name="Picture 7">
+            <a:extLst>
+              <a:ext uri="{FF2B5EF4-FFF2-40B4-BE49-F238E27FC236}">
+                <a16:creationId xmlns:a16="http://schemas.microsoft.com/office/drawing/2014/main" id="{3659A2E3-79FB-4672-ADCB-6E70DB0C91FB}"/>
+              </a:ext>
+            </a:extLst>
+          </p:cNvPr>
+          <p:cNvPicPr>
+            <a:picLocks noChangeAspect="1"/>
+          </p:cNvPicPr>
+          <p:nvPr/>
+        </p:nvPicPr>
+        <p:blipFill>
+          <a:blip r:embed="rId4">
+            <a:extLst>
+              <a:ext uri="{28A0092B-C50C-407E-A947-70E740481C1C}">
+                <a14:useLocalDpi xmlns:a14="http://schemas.microsoft.com/office/drawing/2010/main" val="0"/>
+              </a:ext>
+            </a:extLst>
+          </a:blip>
+          <a:stretch>
+            <a:fillRect/>
+          </a:stretch>
+        </p:blipFill>
+        <p:spPr>
+          <a:xfrm>
+            <a:off x="2636961" y="3836402"/>
+            <a:ext cx="6844368" cy="1116000"/>
+          </a:xfrm>
+          <a:prstGeom prst="rect">
+            <a:avLst/>
+          </a:prstGeom>
+        </p:spPr>
+      </p:pic>
+    </p:spTree>
+    <p:extLst>
+      <p:ext uri="{BB962C8B-B14F-4D97-AF65-F5344CB8AC3E}">
+        <p14:creationId xmlns:p14="http://schemas.microsoft.com/office/powerpoint/2010/main" val="924896760"/>
+      </p:ext>
+    </p:extLst>
+  </p:cSld>
+  <p:clrMapOvr>
+    <a:masterClrMapping/>
+  </p:clrMapOvr>
+</p:sld>
+</file>
+
+<file path=ppt/slides/slide14.xml><?xml version="1.0" encoding="utf-8"?>
+<p:sld xmlns:a="http://schemas.openxmlformats.org/drawingml/2006/main" xmlns:r="http://schemas.openxmlformats.org/officeDocument/2006/relationships" xmlns:p="http://schemas.openxmlformats.org/presentationml/2006/main">
+  <p:cSld>
+    <p:spTree>
+      <p:nvGrpSpPr>
+        <p:cNvPr id="1" name=""/>
+        <p:cNvGrpSpPr/>
+        <p:nvPr/>
+      </p:nvGrpSpPr>
+      <p:grpSpPr>
+        <a:xfrm>
+          <a:off x="0" y="0"/>
+          <a:ext cx="0" cy="0"/>
+          <a:chOff x="0" y="0"/>
+          <a:chExt cx="0" cy="0"/>
+        </a:xfrm>
+      </p:grpSpPr>
+      <p:sp>
+        <p:nvSpPr>
+          <p:cNvPr id="2" name="Title 1">
+            <a:extLst>
+              <a:ext uri="{FF2B5EF4-FFF2-40B4-BE49-F238E27FC236}">
                 <a16:creationId xmlns:a16="http://schemas.microsoft.com/office/drawing/2014/main" id="{BF1488D3-8034-A85B-7A11-AC9D49E1009A}"/>
               </a:ext>
             </a:extLst>
@@ -4878,6 +5465,42 @@
           </p:txBody>
         </p:sp>
       </p:grpSp>
+      <p:pic>
+        <p:nvPicPr>
+          <p:cNvPr id="6" name="Picture 5">
+            <a:extLst>
+              <a:ext uri="{FF2B5EF4-FFF2-40B4-BE49-F238E27FC236}">
+                <a16:creationId xmlns:a16="http://schemas.microsoft.com/office/drawing/2014/main" id="{053B0D46-6467-4DAE-9C84-1EC3AE0A9878}"/>
+              </a:ext>
+            </a:extLst>
+          </p:cNvPr>
+          <p:cNvPicPr>
+            <a:picLocks noChangeAspect="1"/>
+          </p:cNvPicPr>
+          <p:nvPr/>
+        </p:nvPicPr>
+        <p:blipFill>
+          <a:blip r:embed="rId5">
+            <a:extLst>
+              <a:ext uri="{28A0092B-C50C-407E-A947-70E740481C1C}">
+                <a14:useLocalDpi xmlns:a14="http://schemas.microsoft.com/office/drawing/2010/main" val="0"/>
+              </a:ext>
+            </a:extLst>
+          </a:blip>
+          <a:stretch>
+            <a:fillRect/>
+          </a:stretch>
+        </p:blipFill>
+        <p:spPr>
+          <a:xfrm>
+            <a:off x="1743347" y="3595551"/>
+            <a:ext cx="3790950" cy="2514600"/>
+          </a:xfrm>
+          <a:prstGeom prst="rect">
+            <a:avLst/>
+          </a:prstGeom>
+        </p:spPr>
+      </p:pic>
     </p:spTree>
     <p:extLst>
       <p:ext uri="{BB962C8B-B14F-4D97-AF65-F5344CB8AC3E}">
@@ -4891,7 +5514,7 @@
 </p:sld>
 </file>
 
-<file path=ppt/slides/slide11.xml><?xml version="1.0" encoding="utf-8"?>
+<file path=ppt/slides/slide15.xml><?xml version="1.0" encoding="utf-8"?>
 <p:sld xmlns:a="http://schemas.openxmlformats.org/drawingml/2006/main" xmlns:r="http://schemas.openxmlformats.org/officeDocument/2006/relationships" xmlns:p="http://schemas.openxmlformats.org/presentationml/2006/main">
   <p:cSld>
     <p:spTree>
@@ -5397,7 +6020,7 @@
 </p:sld>
 </file>
 
-<file path=ppt/slides/slide12.xml><?xml version="1.0" encoding="utf-8"?>
+<file path=ppt/slides/slide16.xml><?xml version="1.0" encoding="utf-8"?>
 <p:sld xmlns:a="http://schemas.openxmlformats.org/drawingml/2006/main" xmlns:r="http://schemas.openxmlformats.org/officeDocument/2006/relationships" xmlns:p="http://schemas.openxmlformats.org/presentationml/2006/main">
   <p:cSld>
     <p:spTree>
@@ -5792,6 +6415,46 @@
           </p:style>
         </p:cxnSp>
       </p:grpSp>
+      <p:sp>
+        <p:nvSpPr>
+          <p:cNvPr id="3" name="TextBox 2">
+            <a:extLst>
+              <a:ext uri="{FF2B5EF4-FFF2-40B4-BE49-F238E27FC236}">
+                <a16:creationId xmlns:a16="http://schemas.microsoft.com/office/drawing/2014/main" id="{CBD49B04-C92F-40ED-8FC4-A162EC27C2F0}"/>
+              </a:ext>
+            </a:extLst>
+          </p:cNvPr>
+          <p:cNvSpPr txBox="1"/>
+          <p:nvPr/>
+        </p:nvSpPr>
+        <p:spPr>
+          <a:xfrm>
+            <a:off x="5919329" y="4684844"/>
+            <a:ext cx="372218" cy="511615"/>
+          </a:xfrm>
+          <a:prstGeom prst="rect">
+            <a:avLst/>
+          </a:prstGeom>
+          <a:noFill/>
+        </p:spPr>
+        <p:txBody>
+          <a:bodyPr wrap="none" rtlCol="0">
+            <a:spAutoFit/>
+          </a:bodyPr>
+          <a:lstStyle/>
+          <a:p>
+            <a:pPr algn="l">
+              <a:lnSpc>
+                <a:spcPct val="120000"/>
+              </a:lnSpc>
+            </a:pPr>
+            <a:r>
+              <a:rPr lang="nl-BE" sz="2500" dirty="0"/>
+              <a:t>&lt;</a:t>
+            </a:r>
+          </a:p>
+        </p:txBody>
+      </p:sp>
     </p:spTree>
     <p:extLst>
       <p:ext uri="{BB962C8B-B14F-4D97-AF65-F5344CB8AC3E}">
@@ -5805,7 +6468,7 @@
 </p:sld>
 </file>
 
-<file path=ppt/slides/slide13.xml><?xml version="1.0" encoding="utf-8"?>
+<file path=ppt/slides/slide17.xml><?xml version="1.0" encoding="utf-8"?>
 <p:sld xmlns:a="http://schemas.openxmlformats.org/drawingml/2006/main" xmlns:r="http://schemas.openxmlformats.org/officeDocument/2006/relationships" xmlns:p="http://schemas.openxmlformats.org/presentationml/2006/main">
   <p:cSld>
     <p:spTree>
@@ -6186,7 +6849,7 @@
 </p:sld>
 </file>
 
-<file path=ppt/slides/slide14.xml><?xml version="1.0" encoding="utf-8"?>
+<file path=ppt/slides/slide18.xml><?xml version="1.0" encoding="utf-8"?>
 <p:sld xmlns:a="http://schemas.openxmlformats.org/drawingml/2006/main" xmlns:r="http://schemas.openxmlformats.org/officeDocument/2006/relationships" xmlns:p="http://schemas.openxmlformats.org/presentationml/2006/main">
   <p:cSld>
     <p:spTree>
@@ -6296,7 +6959,7 @@
 </p:sld>
 </file>
 
-<file path=ppt/slides/slide15.xml><?xml version="1.0" encoding="utf-8"?>
+<file path=ppt/slides/slide19.xml><?xml version="1.0" encoding="utf-8"?>
 <p:sld xmlns:a="http://schemas.openxmlformats.org/drawingml/2006/main" xmlns:r="http://schemas.openxmlformats.org/officeDocument/2006/relationships" xmlns:p="http://schemas.openxmlformats.org/presentationml/2006/main">
   <p:cSld>
     <p:spTree>
@@ -6334,7 +6997,7 @@
           <a:bodyPr/>
           <a:lstStyle/>
           <a:p>
-            <a:endParaRPr lang="en-GB"/>
+            <a:endParaRPr lang="en-GB" dirty="0"/>
           </a:p>
         </p:txBody>
       </p:sp>
@@ -6359,7 +7022,7 @@
           <a:bodyPr/>
           <a:lstStyle/>
           <a:p>
-            <a:endParaRPr lang="en-GB"/>
+            <a:endParaRPr lang="en-GB" dirty="0"/>
           </a:p>
         </p:txBody>
       </p:sp>
@@ -6415,10 +7078,18 @@
           <a:lstStyle/>
           <a:p>
             <a:r>
-              <a:rPr lang="nl-BE"/>
-              <a:t>Ant sorting</a:t>
-            </a:r>
-            <a:endParaRPr lang="en-GB"/>
+              <a:rPr lang="en-GB" dirty="0"/>
+              <a:t>Ant</a:t>
+            </a:r>
+            <a:r>
+              <a:rPr lang="nl-BE" dirty="0"/>
+              <a:t> </a:t>
+            </a:r>
+            <a:r>
+              <a:rPr lang="nl-BE" dirty="0" err="1"/>
+              <a:t>sorting</a:t>
+            </a:r>
+            <a:endParaRPr lang="en-GB" dirty="0"/>
           </a:p>
         </p:txBody>
       </p:sp>
@@ -6600,120 +7271,54 @@
           <a:lstStyle/>
           <a:p>
             <a:r>
-              <a:rPr lang="nl-BE"/>
-              <a:t>Lumer-faieta</a:t>
-            </a:r>
-            <a:endParaRPr lang="en-GB"/>
-          </a:p>
-        </p:txBody>
-      </p:sp>
-      <p:pic>
-        <p:nvPicPr>
-          <p:cNvPr id="6" name="Content Placeholder 5">
+              <a:rPr lang="nl-BE" dirty="0" err="1"/>
+              <a:t>Ant</a:t>
+            </a:r>
+            <a:r>
+              <a:rPr lang="nl-BE" dirty="0"/>
+              <a:t> </a:t>
+            </a:r>
+            <a:r>
+              <a:rPr lang="nl-BE" dirty="0" err="1"/>
+              <a:t>colony</a:t>
+            </a:r>
+            <a:r>
+              <a:rPr lang="nl-BE" dirty="0"/>
+              <a:t> </a:t>
+            </a:r>
+            <a:r>
+              <a:rPr lang="nl-BE" dirty="0" err="1"/>
+              <a:t>algorithms</a:t>
+            </a:r>
+            <a:endParaRPr lang="en-GB" dirty="0"/>
+          </a:p>
+        </p:txBody>
+      </p:sp>
+      <p:sp>
+        <p:nvSpPr>
+          <p:cNvPr id="4" name="Content Placeholder 3">
             <a:extLst>
               <a:ext uri="{FF2B5EF4-FFF2-40B4-BE49-F238E27FC236}">
-                <a16:creationId xmlns:a16="http://schemas.microsoft.com/office/drawing/2014/main" id="{F73787FE-33F8-48E9-B7BB-BC0AE5D50869}"/>
+                <a16:creationId xmlns:a16="http://schemas.microsoft.com/office/drawing/2014/main" id="{D143CA49-DAB1-49DB-AE9B-9D31ADACC43B}"/>
               </a:ext>
             </a:extLst>
           </p:cNvPr>
-          <p:cNvPicPr>
-            <a:picLocks noGrp="1" noChangeAspect="1"/>
-          </p:cNvPicPr>
+          <p:cNvSpPr>
+            <a:spLocks noGrp="1"/>
+          </p:cNvSpPr>
           <p:nvPr>
             <p:ph idx="1"/>
           </p:nvPr>
-        </p:nvPicPr>
-        <p:blipFill>
-          <a:blip r:embed="rId2">
-            <a:extLst>
-              <a:ext uri="{28A0092B-C50C-407E-A947-70E740481C1C}">
-                <a14:useLocalDpi xmlns:a14="http://schemas.microsoft.com/office/drawing/2010/main" val="0"/>
-              </a:ext>
-            </a:extLst>
-          </a:blip>
-          <a:stretch>
-            <a:fillRect/>
-          </a:stretch>
-        </p:blipFill>
-        <p:spPr>
-          <a:xfrm>
-            <a:off x="3604688" y="4638436"/>
-            <a:ext cx="5001500" cy="1080000"/>
-          </a:xfrm>
-        </p:spPr>
-      </p:pic>
-      <p:pic>
-        <p:nvPicPr>
-          <p:cNvPr id="9" name="Picture 8">
-            <a:extLst>
-              <a:ext uri="{FF2B5EF4-FFF2-40B4-BE49-F238E27FC236}">
-                <a16:creationId xmlns:a16="http://schemas.microsoft.com/office/drawing/2014/main" id="{4BDF42B0-D2A8-4F13-A771-07CC0A651403}"/>
-              </a:ext>
-            </a:extLst>
-          </p:cNvPr>
-          <p:cNvPicPr>
-            <a:picLocks noChangeAspect="1"/>
-          </p:cNvPicPr>
-          <p:nvPr/>
-        </p:nvPicPr>
-        <p:blipFill>
-          <a:blip r:embed="rId3">
-            <a:extLst>
-              <a:ext uri="{28A0092B-C50C-407E-A947-70E740481C1C}">
-                <a14:useLocalDpi xmlns:a14="http://schemas.microsoft.com/office/drawing/2010/main" val="0"/>
-              </a:ext>
-            </a:extLst>
-          </a:blip>
-          <a:stretch>
-            <a:fillRect/>
-          </a:stretch>
-        </p:blipFill>
-        <p:spPr>
-          <a:xfrm>
-            <a:off x="2626364" y="1139564"/>
-            <a:ext cx="6958147" cy="1115974"/>
-          </a:xfrm>
-          <a:prstGeom prst="rect">
-            <a:avLst/>
-          </a:prstGeom>
-        </p:spPr>
-      </p:pic>
-      <p:pic>
-        <p:nvPicPr>
-          <p:cNvPr id="11" name="Picture 10">
-            <a:extLst>
-              <a:ext uri="{FF2B5EF4-FFF2-40B4-BE49-F238E27FC236}">
-                <a16:creationId xmlns:a16="http://schemas.microsoft.com/office/drawing/2014/main" id="{B17258F8-E245-4135-8A67-3197DDFEC166}"/>
-              </a:ext>
-            </a:extLst>
-          </p:cNvPr>
-          <p:cNvPicPr>
-            <a:picLocks noChangeAspect="1"/>
-          </p:cNvPicPr>
-          <p:nvPr/>
-        </p:nvPicPr>
-        <p:blipFill>
-          <a:blip r:embed="rId4">
-            <a:extLst>
-              <a:ext uri="{28A0092B-C50C-407E-A947-70E740481C1C}">
-                <a14:useLocalDpi xmlns:a14="http://schemas.microsoft.com/office/drawing/2010/main" val="0"/>
-              </a:ext>
-            </a:extLst>
-          </a:blip>
-          <a:stretch>
-            <a:fillRect/>
-          </a:stretch>
-        </p:blipFill>
-        <p:spPr>
-          <a:xfrm>
-            <a:off x="4048905" y="2961000"/>
-            <a:ext cx="4094182" cy="936000"/>
-          </a:xfrm>
-          <a:prstGeom prst="rect">
-            <a:avLst/>
-          </a:prstGeom>
-        </p:spPr>
-      </p:pic>
+        </p:nvSpPr>
+        <p:spPr/>
+        <p:txBody>
+          <a:bodyPr/>
+          <a:lstStyle/>
+          <a:p>
+            <a:endParaRPr lang="nl-BE"/>
+          </a:p>
+        </p:txBody>
+      </p:sp>
     </p:spTree>
     <p:extLst>
       <p:ext uri="{BB962C8B-B14F-4D97-AF65-F5344CB8AC3E}">
@@ -6749,7 +7354,7 @@
           <p:cNvPr id="2" name="Title 1">
             <a:extLst>
               <a:ext uri="{FF2B5EF4-FFF2-40B4-BE49-F238E27FC236}">
-                <a16:creationId xmlns:a16="http://schemas.microsoft.com/office/drawing/2014/main" id="{0541C543-D361-7AC4-6768-08DC28C93612}"/>
+                <a16:creationId xmlns:a16="http://schemas.microsoft.com/office/drawing/2014/main" id="{FC2B34A9-8C48-A345-DA3D-E7E03450BFEB}"/>
               </a:ext>
             </a:extLst>
           </p:cNvPr>
@@ -6766,49 +7371,27 @@
           <a:lstStyle/>
           <a:p>
             <a:r>
-              <a:rPr lang="nl-BE"/>
-              <a:t>Results Lumer-Faieta</a:t>
-            </a:r>
-            <a:endParaRPr lang="en-GB"/>
+              <a:rPr lang="nl-BE" dirty="0" err="1"/>
+              <a:t>Ant</a:t>
+            </a:r>
+            <a:r>
+              <a:rPr lang="nl-BE" dirty="0"/>
+              <a:t> </a:t>
+            </a:r>
+            <a:r>
+              <a:rPr lang="nl-BE" dirty="0" err="1"/>
+              <a:t>sorting</a:t>
+            </a:r>
+            <a:endParaRPr lang="en-GB" dirty="0"/>
           </a:p>
         </p:txBody>
       </p:sp>
       <p:pic>
         <p:nvPicPr>
-          <p:cNvPr id="5" name="Picture 4">
+          <p:cNvPr id="4" name="Picture 3">
             <a:extLst>
               <a:ext uri="{FF2B5EF4-FFF2-40B4-BE49-F238E27FC236}">
-                <a16:creationId xmlns:a16="http://schemas.microsoft.com/office/drawing/2014/main" id="{0DF49F02-8FE1-1095-FC38-5DE5E69BD75C}"/>
-              </a:ext>
-            </a:extLst>
-          </p:cNvPr>
-          <p:cNvPicPr>
-            <a:picLocks/>
-          </p:cNvPicPr>
-          <p:nvPr/>
-        </p:nvPicPr>
-        <p:blipFill>
-          <a:blip r:embed="rId2"/>
-          <a:stretch>
-            <a:fillRect/>
-          </a:stretch>
-        </p:blipFill>
-        <p:spPr>
-          <a:xfrm>
-            <a:off x="2586509" y="1053868"/>
-            <a:ext cx="7074000" cy="2394000"/>
-          </a:xfrm>
-          <a:prstGeom prst="rect">
-            <a:avLst/>
-          </a:prstGeom>
-        </p:spPr>
-      </p:pic>
-      <p:pic>
-        <p:nvPicPr>
-          <p:cNvPr id="7" name="Picture 6">
-            <a:extLst>
-              <a:ext uri="{FF2B5EF4-FFF2-40B4-BE49-F238E27FC236}">
-                <a16:creationId xmlns:a16="http://schemas.microsoft.com/office/drawing/2014/main" id="{0BA543A1-5BFF-3E20-869C-95FC40552782}"/>
+                <a16:creationId xmlns:a16="http://schemas.microsoft.com/office/drawing/2014/main" id="{E213A68D-B66A-42D2-93CA-0CABFC05FDD2}"/>
               </a:ext>
             </a:extLst>
           </p:cNvPr>
@@ -6818,148 +7401,31 @@
           <p:nvPr/>
         </p:nvPicPr>
         <p:blipFill>
-          <a:blip r:embed="rId3"/>
+          <a:blip r:embed="rId2">
+            <a:extLst>
+              <a:ext uri="{28A0092B-C50C-407E-A947-70E740481C1C}">
+                <a14:useLocalDpi xmlns:a14="http://schemas.microsoft.com/office/drawing/2010/main" val="0"/>
+              </a:ext>
+            </a:extLst>
+          </a:blip>
           <a:stretch>
             <a:fillRect/>
           </a:stretch>
         </p:blipFill>
         <p:spPr>
           <a:xfrm>
-            <a:off x="2586509" y="3447868"/>
-            <a:ext cx="7094718" cy="2394000"/>
+            <a:off x="2288190" y="1266092"/>
+            <a:ext cx="7615619" cy="4745638"/>
           </a:xfrm>
           <a:prstGeom prst="rect">
             <a:avLst/>
           </a:prstGeom>
         </p:spPr>
       </p:pic>
-      <p:sp>
-        <p:nvSpPr>
-          <p:cNvPr id="6" name="TextBox 5">
-            <a:extLst>
-              <a:ext uri="{FF2B5EF4-FFF2-40B4-BE49-F238E27FC236}">
-                <a16:creationId xmlns:a16="http://schemas.microsoft.com/office/drawing/2014/main" id="{2DF9E4F7-D9A5-4693-9D41-8A3BFA16F769}"/>
-              </a:ext>
-            </a:extLst>
-          </p:cNvPr>
-          <p:cNvSpPr txBox="1"/>
-          <p:nvPr/>
-        </p:nvSpPr>
-        <p:spPr>
-          <a:xfrm>
-            <a:off x="3686991" y="5804132"/>
-            <a:ext cx="266824" cy="293607"/>
-          </a:xfrm>
-          <a:prstGeom prst="rect">
-            <a:avLst/>
-          </a:prstGeom>
-          <a:noFill/>
-        </p:spPr>
-        <p:txBody>
-          <a:bodyPr wrap="square" rtlCol="0">
-            <a:spAutoFit/>
-          </a:bodyPr>
-          <a:lstStyle/>
-          <a:p>
-            <a:pPr algn="l">
-              <a:lnSpc>
-                <a:spcPct val="120000"/>
-              </a:lnSpc>
-            </a:pPr>
-            <a:r>
-              <a:rPr lang="nl-BE" sz="1200" dirty="0"/>
-              <a:t>0</a:t>
-            </a:r>
-            <a:endParaRPr lang="en-GB" sz="1200" dirty="0"/>
-          </a:p>
-        </p:txBody>
-      </p:sp>
-      <p:sp>
-        <p:nvSpPr>
-          <p:cNvPr id="8" name="TextBox 7">
-            <a:extLst>
-              <a:ext uri="{FF2B5EF4-FFF2-40B4-BE49-F238E27FC236}">
-                <a16:creationId xmlns:a16="http://schemas.microsoft.com/office/drawing/2014/main" id="{C56DF7BB-FECC-4226-BBD2-7C7B40414064}"/>
-              </a:ext>
-            </a:extLst>
-          </p:cNvPr>
-          <p:cNvSpPr txBox="1"/>
-          <p:nvPr/>
-        </p:nvSpPr>
-        <p:spPr>
-          <a:xfrm>
-            <a:off x="5875076" y="5804131"/>
-            <a:ext cx="708669" cy="293607"/>
-          </a:xfrm>
-          <a:prstGeom prst="rect">
-            <a:avLst/>
-          </a:prstGeom>
-          <a:noFill/>
-        </p:spPr>
-        <p:txBody>
-          <a:bodyPr wrap="square" rtlCol="0">
-            <a:spAutoFit/>
-          </a:bodyPr>
-          <a:lstStyle/>
-          <a:p>
-            <a:pPr algn="l">
-              <a:lnSpc>
-                <a:spcPct val="120000"/>
-              </a:lnSpc>
-            </a:pPr>
-            <a:r>
-              <a:rPr lang="nl-BE" sz="1200" dirty="0"/>
-              <a:t>10 000</a:t>
-            </a:r>
-            <a:endParaRPr lang="en-GB" sz="1200" dirty="0"/>
-          </a:p>
-        </p:txBody>
-      </p:sp>
-      <p:sp>
-        <p:nvSpPr>
-          <p:cNvPr id="9" name="TextBox 8">
-            <a:extLst>
-              <a:ext uri="{FF2B5EF4-FFF2-40B4-BE49-F238E27FC236}">
-                <a16:creationId xmlns:a16="http://schemas.microsoft.com/office/drawing/2014/main" id="{BA8FFE77-ED75-40DD-ADF7-CFDC4CB0F60D}"/>
-              </a:ext>
-            </a:extLst>
-          </p:cNvPr>
-          <p:cNvSpPr txBox="1"/>
-          <p:nvPr/>
-        </p:nvSpPr>
-        <p:spPr>
-          <a:xfrm>
-            <a:off x="8092054" y="5804130"/>
-            <a:ext cx="825904" cy="293607"/>
-          </a:xfrm>
-          <a:prstGeom prst="rect">
-            <a:avLst/>
-          </a:prstGeom>
-          <a:noFill/>
-        </p:spPr>
-        <p:txBody>
-          <a:bodyPr wrap="square" rtlCol="0">
-            <a:spAutoFit/>
-          </a:bodyPr>
-          <a:lstStyle/>
-          <a:p>
-            <a:pPr algn="l">
-              <a:lnSpc>
-                <a:spcPct val="120000"/>
-              </a:lnSpc>
-            </a:pPr>
-            <a:r>
-              <a:rPr lang="nl-BE" sz="1200" dirty="0"/>
-              <a:t>100 000</a:t>
-            </a:r>
-            <a:endParaRPr lang="en-GB" sz="1200" dirty="0"/>
-          </a:p>
-        </p:txBody>
-      </p:sp>
     </p:spTree>
     <p:extLst>
       <p:ext uri="{BB962C8B-B14F-4D97-AF65-F5344CB8AC3E}">
-        <p14:creationId xmlns:p14="http://schemas.microsoft.com/office/powerpoint/2010/main" val="3221247948"/>
+        <p14:creationId xmlns:p14="http://schemas.microsoft.com/office/powerpoint/2010/main" val="2800561225"/>
       </p:ext>
     </p:extLst>
   </p:cSld>
@@ -6991,7 +7457,7 @@
           <p:cNvPr id="2" name="Title 1">
             <a:extLst>
               <a:ext uri="{FF2B5EF4-FFF2-40B4-BE49-F238E27FC236}">
-                <a16:creationId xmlns:a16="http://schemas.microsoft.com/office/drawing/2014/main" id="{750D7A5D-97F0-DFE5-9F87-2D8F35F216FB}"/>
+                <a16:creationId xmlns:a16="http://schemas.microsoft.com/office/drawing/2014/main" id="{FC2B34A9-8C48-A345-DA3D-E7E03450BFEB}"/>
               </a:ext>
             </a:extLst>
           </p:cNvPr>
@@ -7008,48 +7474,56 @@
           <a:lstStyle/>
           <a:p>
             <a:r>
-              <a:rPr lang="nl-BE"/>
-              <a:t>Results with clustering</a:t>
-            </a:r>
-            <a:endParaRPr lang="en-GB"/>
+              <a:rPr lang="nl-BE" dirty="0" err="1"/>
+              <a:t>Ant</a:t>
+            </a:r>
+            <a:r>
+              <a:rPr lang="nl-BE" dirty="0"/>
+              <a:t> </a:t>
+            </a:r>
+            <a:r>
+              <a:rPr lang="nl-BE" dirty="0" err="1"/>
+              <a:t>sorting</a:t>
+            </a:r>
+            <a:endParaRPr lang="en-GB" dirty="0"/>
           </a:p>
         </p:txBody>
       </p:sp>
       <p:pic>
         <p:nvPicPr>
-          <p:cNvPr id="7" name="Content Placeholder 6">
+          <p:cNvPr id="5" name="Picture 4">
             <a:extLst>
               <a:ext uri="{FF2B5EF4-FFF2-40B4-BE49-F238E27FC236}">
-                <a16:creationId xmlns:a16="http://schemas.microsoft.com/office/drawing/2014/main" id="{40CFDE47-5612-8654-D89B-326E619593C5}"/>
+                <a16:creationId xmlns:a16="http://schemas.microsoft.com/office/drawing/2014/main" id="{77A9A80A-1465-48D6-B448-083EB6BDFF86}"/>
               </a:ext>
             </a:extLst>
           </p:cNvPr>
           <p:cNvPicPr>
-            <a:picLocks noGrp="1"/>
+            <a:picLocks noChangeAspect="1"/>
           </p:cNvPicPr>
-          <p:nvPr>
-            <p:ph idx="1"/>
-          </p:nvPr>
+          <p:nvPr/>
         </p:nvPicPr>
-        <p:blipFill>
-          <a:blip r:embed="rId2"/>
-          <a:stretch>
-            <a:fillRect/>
-          </a:stretch>
+        <p:blipFill rotWithShape="1">
+          <a:blip r:embed="rId3"/>
+          <a:srcRect r="66260"/>
+          <a:stretch/>
         </p:blipFill>
         <p:spPr>
           <a:xfrm>
-            <a:off x="2613000" y="3489893"/>
-            <a:ext cx="7020000" cy="2253342"/>
-          </a:xfrm>
+            <a:off x="6096000" y="1655694"/>
+            <a:ext cx="3546238" cy="3546610"/>
+          </a:xfrm>
+          <a:prstGeom prst="rect">
+            <a:avLst/>
+          </a:prstGeom>
         </p:spPr>
       </p:pic>
       <p:pic>
         <p:nvPicPr>
-          <p:cNvPr id="5" name="Picture 4">
+          <p:cNvPr id="6" name="Picture 5">
             <a:extLst>
               <a:ext uri="{FF2B5EF4-FFF2-40B4-BE49-F238E27FC236}">
-                <a16:creationId xmlns:a16="http://schemas.microsoft.com/office/drawing/2014/main" id="{C23136FD-7349-3A2B-8DA7-804E8B26C7FA}"/>
+                <a16:creationId xmlns:a16="http://schemas.microsoft.com/office/drawing/2014/main" id="{64562F00-436A-4400-879E-E27BFD3585AF}"/>
               </a:ext>
             </a:extLst>
           </p:cNvPr>
@@ -7059,148 +7533,166 @@
           <p:nvPr/>
         </p:nvPicPr>
         <p:blipFill>
-          <a:blip r:embed="rId3"/>
+          <a:blip r:embed="rId4">
+            <a:extLst>
+              <a:ext uri="{28A0092B-C50C-407E-A947-70E740481C1C}">
+                <a14:useLocalDpi xmlns:a14="http://schemas.microsoft.com/office/drawing/2010/main" val="0"/>
+              </a:ext>
+            </a:extLst>
+          </a:blip>
           <a:stretch>
             <a:fillRect/>
           </a:stretch>
         </p:blipFill>
         <p:spPr>
           <a:xfrm>
-            <a:off x="2559000" y="1034842"/>
-            <a:ext cx="7074000" cy="2394158"/>
+            <a:off x="2198070" y="2819395"/>
+            <a:ext cx="1219209" cy="1219209"/>
           </a:xfrm>
           <a:prstGeom prst="rect">
             <a:avLst/>
           </a:prstGeom>
         </p:spPr>
       </p:pic>
-      <p:sp>
-        <p:nvSpPr>
-          <p:cNvPr id="6" name="TextBox 5">
+      <p:cxnSp>
+        <p:nvCxnSpPr>
+          <p:cNvPr id="8" name="Straight Arrow Connector 7">
             <a:extLst>
               <a:ext uri="{FF2B5EF4-FFF2-40B4-BE49-F238E27FC236}">
-                <a16:creationId xmlns:a16="http://schemas.microsoft.com/office/drawing/2014/main" id="{27ACAC6D-7EF7-4A94-845D-4F865BE9C5F8}"/>
+                <a16:creationId xmlns:a16="http://schemas.microsoft.com/office/drawing/2014/main" id="{F37FC0A1-F9F4-4855-A680-CFDE718CE9E3}"/>
               </a:ext>
             </a:extLst>
           </p:cNvPr>
-          <p:cNvSpPr txBox="1"/>
+          <p:cNvCxnSpPr>
+            <a:cxnSpLocks/>
+          </p:cNvCxnSpPr>
           <p:nvPr/>
-        </p:nvSpPr>
+        </p:nvCxnSpPr>
         <p:spPr>
-          <a:xfrm>
-            <a:off x="3686991" y="5743235"/>
-            <a:ext cx="266824" cy="293607"/>
-          </a:xfrm>
-          <a:prstGeom prst="rect">
+          <a:xfrm flipV="1">
+            <a:off x="3727938" y="2363372"/>
+            <a:ext cx="1927274" cy="1065627"/>
+          </a:xfrm>
+          <a:prstGeom prst="straightConnector1">
             <a:avLst/>
           </a:prstGeom>
-          <a:noFill/>
-        </p:spPr>
-        <p:txBody>
-          <a:bodyPr wrap="square" rtlCol="0">
-            <a:spAutoFit/>
-          </a:bodyPr>
-          <a:lstStyle/>
-          <a:p>
-            <a:pPr algn="l">
-              <a:lnSpc>
-                <a:spcPct val="120000"/>
-              </a:lnSpc>
-            </a:pPr>
-            <a:r>
-              <a:rPr lang="nl-BE" sz="1200" dirty="0"/>
-              <a:t>0</a:t>
-            </a:r>
-            <a:endParaRPr lang="en-GB" sz="1200" dirty="0"/>
-          </a:p>
-        </p:txBody>
-      </p:sp>
-      <p:sp>
-        <p:nvSpPr>
-          <p:cNvPr id="8" name="TextBox 7">
+          <a:ln w="31750">
+            <a:solidFill>
+              <a:srgbClr val="1E64C8"/>
+            </a:solidFill>
+            <a:headEnd type="none" w="lg" len="lg"/>
+            <a:tailEnd type="triangle"/>
+          </a:ln>
+        </p:spPr>
+        <p:style>
+          <a:lnRef idx="1">
+            <a:schemeClr val="accent1"/>
+          </a:lnRef>
+          <a:fillRef idx="0">
+            <a:schemeClr val="accent1"/>
+          </a:fillRef>
+          <a:effectRef idx="0">
+            <a:schemeClr val="accent1"/>
+          </a:effectRef>
+          <a:fontRef idx="minor">
+            <a:schemeClr val="tx1"/>
+          </a:fontRef>
+        </p:style>
+      </p:cxnSp>
+      <p:cxnSp>
+        <p:nvCxnSpPr>
+          <p:cNvPr id="11" name="Straight Arrow Connector 10">
             <a:extLst>
               <a:ext uri="{FF2B5EF4-FFF2-40B4-BE49-F238E27FC236}">
-                <a16:creationId xmlns:a16="http://schemas.microsoft.com/office/drawing/2014/main" id="{AF9FC61F-15E6-458F-B0C8-A75E9407C84A}"/>
+                <a16:creationId xmlns:a16="http://schemas.microsoft.com/office/drawing/2014/main" id="{DB0FE210-7DE0-4665-98CF-C554FB65C375}"/>
               </a:ext>
             </a:extLst>
           </p:cNvPr>
-          <p:cNvSpPr txBox="1"/>
+          <p:cNvCxnSpPr>
+            <a:cxnSpLocks/>
+          </p:cNvCxnSpPr>
           <p:nvPr/>
-        </p:nvSpPr>
+        </p:nvCxnSpPr>
         <p:spPr>
           <a:xfrm>
-            <a:off x="5875076" y="5743234"/>
-            <a:ext cx="708669" cy="293607"/>
-          </a:xfrm>
-          <a:prstGeom prst="rect">
+            <a:off x="3727938" y="3428999"/>
+            <a:ext cx="1927274" cy="0"/>
+          </a:xfrm>
+          <a:prstGeom prst="straightConnector1">
             <a:avLst/>
           </a:prstGeom>
-          <a:noFill/>
-        </p:spPr>
-        <p:txBody>
-          <a:bodyPr wrap="square" rtlCol="0">
-            <a:spAutoFit/>
-          </a:bodyPr>
-          <a:lstStyle/>
-          <a:p>
-            <a:pPr algn="l">
-              <a:lnSpc>
-                <a:spcPct val="120000"/>
-              </a:lnSpc>
-            </a:pPr>
-            <a:r>
-              <a:rPr lang="nl-BE" sz="1200" dirty="0"/>
-              <a:t>10 000</a:t>
-            </a:r>
-            <a:endParaRPr lang="en-GB" sz="1200" dirty="0"/>
-          </a:p>
-        </p:txBody>
-      </p:sp>
-      <p:sp>
-        <p:nvSpPr>
-          <p:cNvPr id="9" name="TextBox 8">
+          <a:ln w="31750">
+            <a:solidFill>
+              <a:srgbClr val="1E64C8"/>
+            </a:solidFill>
+            <a:headEnd type="none" w="lg" len="lg"/>
+            <a:tailEnd type="triangle"/>
+          </a:ln>
+        </p:spPr>
+        <p:style>
+          <a:lnRef idx="1">
+            <a:schemeClr val="accent1"/>
+          </a:lnRef>
+          <a:fillRef idx="0">
+            <a:schemeClr val="accent1"/>
+          </a:fillRef>
+          <a:effectRef idx="0">
+            <a:schemeClr val="accent1"/>
+          </a:effectRef>
+          <a:fontRef idx="minor">
+            <a:schemeClr val="tx1"/>
+          </a:fontRef>
+        </p:style>
+      </p:cxnSp>
+      <p:cxnSp>
+        <p:nvCxnSpPr>
+          <p:cNvPr id="14" name="Straight Arrow Connector 13">
             <a:extLst>
               <a:ext uri="{FF2B5EF4-FFF2-40B4-BE49-F238E27FC236}">
-                <a16:creationId xmlns:a16="http://schemas.microsoft.com/office/drawing/2014/main" id="{135A59A5-9D18-4070-8452-731D2E92D4CF}"/>
+                <a16:creationId xmlns:a16="http://schemas.microsoft.com/office/drawing/2014/main" id="{0A773CB9-BA0D-41D5-8E53-D7246E20B566}"/>
               </a:ext>
             </a:extLst>
           </p:cNvPr>
-          <p:cNvSpPr txBox="1"/>
+          <p:cNvCxnSpPr>
+            <a:cxnSpLocks/>
+          </p:cNvCxnSpPr>
           <p:nvPr/>
-        </p:nvSpPr>
+        </p:nvCxnSpPr>
         <p:spPr>
           <a:xfrm>
-            <a:off x="8092054" y="5743233"/>
-            <a:ext cx="825904" cy="293607"/>
-          </a:xfrm>
-          <a:prstGeom prst="rect">
+            <a:off x="3727938" y="3428999"/>
+            <a:ext cx="1927274" cy="1065627"/>
+          </a:xfrm>
+          <a:prstGeom prst="straightConnector1">
             <a:avLst/>
           </a:prstGeom>
-          <a:noFill/>
-        </p:spPr>
-        <p:txBody>
-          <a:bodyPr wrap="square" rtlCol="0">
-            <a:spAutoFit/>
-          </a:bodyPr>
-          <a:lstStyle/>
-          <a:p>
-            <a:pPr algn="l">
-              <a:lnSpc>
-                <a:spcPct val="120000"/>
-              </a:lnSpc>
-            </a:pPr>
-            <a:r>
-              <a:rPr lang="nl-BE" sz="1200" dirty="0"/>
-              <a:t>100 000</a:t>
-            </a:r>
-            <a:endParaRPr lang="en-GB" sz="1200" dirty="0"/>
-          </a:p>
-        </p:txBody>
-      </p:sp>
+          <a:ln w="31750">
+            <a:solidFill>
+              <a:srgbClr val="1E64C8"/>
+            </a:solidFill>
+            <a:headEnd type="none" w="lg" len="lg"/>
+            <a:tailEnd type="triangle"/>
+          </a:ln>
+        </p:spPr>
+        <p:style>
+          <a:lnRef idx="1">
+            <a:schemeClr val="accent1"/>
+          </a:lnRef>
+          <a:fillRef idx="0">
+            <a:schemeClr val="accent1"/>
+          </a:fillRef>
+          <a:effectRef idx="0">
+            <a:schemeClr val="accent1"/>
+          </a:effectRef>
+          <a:fontRef idx="minor">
+            <a:schemeClr val="tx1"/>
+          </a:fontRef>
+        </p:style>
+      </p:cxnSp>
     </p:spTree>
     <p:extLst>
       <p:ext uri="{BB962C8B-B14F-4D97-AF65-F5344CB8AC3E}">
-        <p14:creationId xmlns:p14="http://schemas.microsoft.com/office/powerpoint/2010/main" val="1387879469"/>
+        <p14:creationId xmlns:p14="http://schemas.microsoft.com/office/powerpoint/2010/main" val="3938435727"/>
       </p:ext>
     </p:extLst>
   </p:cSld>
@@ -7232,7 +7724,7 @@
           <p:cNvPr id="2" name="Title 1">
             <a:extLst>
               <a:ext uri="{FF2B5EF4-FFF2-40B4-BE49-F238E27FC236}">
-                <a16:creationId xmlns:a16="http://schemas.microsoft.com/office/drawing/2014/main" id="{C3A32A2E-A08E-6975-F451-A28563A9D6F1}"/>
+                <a16:creationId xmlns:a16="http://schemas.microsoft.com/office/drawing/2014/main" id="{FC2B34A9-8C48-A345-DA3D-E7E03450BFEB}"/>
               </a:ext>
             </a:extLst>
           </p:cNvPr>
@@ -7250,43 +7742,53 @@
           <a:p>
             <a:r>
               <a:rPr lang="nl-BE"/>
-              <a:t>comparison</a:t>
-            </a:r>
-            <a:endParaRPr lang="en-GB"/>
-          </a:p>
-        </p:txBody>
-      </p:sp>
-      <p:sp>
-        <p:nvSpPr>
-          <p:cNvPr id="3" name="Content Placeholder 2">
-            <a:extLst>
-              <a:ext uri="{FF2B5EF4-FFF2-40B4-BE49-F238E27FC236}">
-                <a16:creationId xmlns:a16="http://schemas.microsoft.com/office/drawing/2014/main" id="{73EF3FBB-A0CA-F3F2-6201-46130C854252}"/>
-              </a:ext>
-            </a:extLst>
-          </p:cNvPr>
-          <p:cNvSpPr>
-            <a:spLocks noGrp="1"/>
-          </p:cNvSpPr>
-          <p:nvPr>
-            <p:ph idx="1"/>
-          </p:nvPr>
-        </p:nvSpPr>
-        <p:spPr/>
-        <p:txBody>
-          <a:bodyPr/>
-          <a:lstStyle/>
-          <a:p>
+              <a:t>Lumer-faieta</a:t>
+            </a:r>
             <a:endParaRPr lang="en-GB"/>
           </a:p>
         </p:txBody>
       </p:sp>
       <p:pic>
         <p:nvPicPr>
-          <p:cNvPr id="5" name="Picture 4">
+          <p:cNvPr id="6" name="Content Placeholder 5">
             <a:extLst>
               <a:ext uri="{FF2B5EF4-FFF2-40B4-BE49-F238E27FC236}">
-                <a16:creationId xmlns:a16="http://schemas.microsoft.com/office/drawing/2014/main" id="{AFB6C69B-245F-7E1D-3B56-A559D2AEE53B}"/>
+                <a16:creationId xmlns:a16="http://schemas.microsoft.com/office/drawing/2014/main" id="{F73787FE-33F8-48E9-B7BB-BC0AE5D50869}"/>
+              </a:ext>
+            </a:extLst>
+          </p:cNvPr>
+          <p:cNvPicPr>
+            <a:picLocks noGrp="1" noChangeAspect="1"/>
+          </p:cNvPicPr>
+          <p:nvPr>
+            <p:ph idx="1"/>
+          </p:nvPr>
+        </p:nvPicPr>
+        <p:blipFill>
+          <a:blip r:embed="rId2">
+            <a:extLst>
+              <a:ext uri="{28A0092B-C50C-407E-A947-70E740481C1C}">
+                <a14:useLocalDpi xmlns:a14="http://schemas.microsoft.com/office/drawing/2010/main" val="0"/>
+              </a:ext>
+            </a:extLst>
+          </a:blip>
+          <a:stretch>
+            <a:fillRect/>
+          </a:stretch>
+        </p:blipFill>
+        <p:spPr>
+          <a:xfrm>
+            <a:off x="3604688" y="4638436"/>
+            <a:ext cx="5001500" cy="1080000"/>
+          </a:xfrm>
+        </p:spPr>
+      </p:pic>
+      <p:pic>
+        <p:nvPicPr>
+          <p:cNvPr id="9" name="Picture 8">
+            <a:extLst>
+              <a:ext uri="{FF2B5EF4-FFF2-40B4-BE49-F238E27FC236}">
+                <a16:creationId xmlns:a16="http://schemas.microsoft.com/office/drawing/2014/main" id="{4BDF42B0-D2A8-4F13-A771-07CC0A651403}"/>
               </a:ext>
             </a:extLst>
           </p:cNvPr>
@@ -7296,15 +7798,21 @@
           <p:nvPr/>
         </p:nvPicPr>
         <p:blipFill>
-          <a:blip r:embed="rId2"/>
+          <a:blip r:embed="rId3">
+            <a:extLst>
+              <a:ext uri="{28A0092B-C50C-407E-A947-70E740481C1C}">
+                <a14:useLocalDpi xmlns:a14="http://schemas.microsoft.com/office/drawing/2010/main" val="0"/>
+              </a:ext>
+            </a:extLst>
+          </a:blip>
           <a:stretch>
             <a:fillRect/>
           </a:stretch>
         </p:blipFill>
         <p:spPr>
           <a:xfrm>
-            <a:off x="1050557" y="1879629"/>
-            <a:ext cx="5045443" cy="3216893"/>
+            <a:off x="2626364" y="1139564"/>
+            <a:ext cx="6958147" cy="1115974"/>
           </a:xfrm>
           <a:prstGeom prst="rect">
             <a:avLst/>
@@ -7313,10 +7821,10 @@
       </p:pic>
       <p:pic>
         <p:nvPicPr>
-          <p:cNvPr id="7" name="Picture 6">
+          <p:cNvPr id="11" name="Picture 10">
             <a:extLst>
               <a:ext uri="{FF2B5EF4-FFF2-40B4-BE49-F238E27FC236}">
-                <a16:creationId xmlns:a16="http://schemas.microsoft.com/office/drawing/2014/main" id="{7C3AC2F8-02A0-7F2F-DD15-4B0EF74B0C92}"/>
+                <a16:creationId xmlns:a16="http://schemas.microsoft.com/office/drawing/2014/main" id="{B17258F8-E245-4135-8A67-3197DDFEC166}"/>
               </a:ext>
             </a:extLst>
           </p:cNvPr>
@@ -7326,15 +7834,21 @@
           <p:nvPr/>
         </p:nvPicPr>
         <p:blipFill>
-          <a:blip r:embed="rId3"/>
+          <a:blip r:embed="rId4">
+            <a:extLst>
+              <a:ext uri="{28A0092B-C50C-407E-A947-70E740481C1C}">
+                <a14:useLocalDpi xmlns:a14="http://schemas.microsoft.com/office/drawing/2010/main" val="0"/>
+              </a:ext>
+            </a:extLst>
+          </a:blip>
           <a:stretch>
             <a:fillRect/>
           </a:stretch>
         </p:blipFill>
         <p:spPr>
           <a:xfrm>
-            <a:off x="6468359" y="1879629"/>
-            <a:ext cx="4534293" cy="3551228"/>
+            <a:off x="4048905" y="2961000"/>
+            <a:ext cx="4094182" cy="936000"/>
           </a:xfrm>
           <a:prstGeom prst="rect">
             <a:avLst/>
@@ -7344,7 +7858,7 @@
     </p:spTree>
     <p:extLst>
       <p:ext uri="{BB962C8B-B14F-4D97-AF65-F5344CB8AC3E}">
-        <p14:creationId xmlns:p14="http://schemas.microsoft.com/office/powerpoint/2010/main" val="2517917068"/>
+        <p14:creationId xmlns:p14="http://schemas.microsoft.com/office/powerpoint/2010/main" val="2269281683"/>
       </p:ext>
     </p:extLst>
   </p:cSld>
@@ -7376,7 +7890,7 @@
           <p:cNvPr id="2" name="Title 1">
             <a:extLst>
               <a:ext uri="{FF2B5EF4-FFF2-40B4-BE49-F238E27FC236}">
-                <a16:creationId xmlns:a16="http://schemas.microsoft.com/office/drawing/2014/main" id="{BF1488D3-8034-A85B-7A11-AC9D49E1009A}"/>
+                <a16:creationId xmlns:a16="http://schemas.microsoft.com/office/drawing/2014/main" id="{FC2B34A9-8C48-A345-DA3D-E7E03450BFEB}"/>
               </a:ext>
             </a:extLst>
           </p:cNvPr>
@@ -7394,88 +7908,123 @@
           <a:p>
             <a:r>
               <a:rPr lang="nl-BE"/>
-              <a:t>Continuous vector sorting</a:t>
-            </a:r>
-            <a:endParaRPr lang="en-GB"/>
-          </a:p>
-        </p:txBody>
-      </p:sp>
-      <p:sp>
-        <p:nvSpPr>
-          <p:cNvPr id="3" name="Content Placeholder 2">
-            <a:extLst>
-              <a:ext uri="{FF2B5EF4-FFF2-40B4-BE49-F238E27FC236}">
-                <a16:creationId xmlns:a16="http://schemas.microsoft.com/office/drawing/2014/main" id="{530FEF2F-F72E-7E95-D20D-A4E341723D78}"/>
-              </a:ext>
-            </a:extLst>
-          </p:cNvPr>
-          <p:cNvSpPr>
-            <a:spLocks noGrp="1"/>
-          </p:cNvSpPr>
-          <p:nvPr>
-            <p:ph idx="1"/>
-          </p:nvPr>
-        </p:nvSpPr>
-        <p:spPr/>
-        <p:txBody>
-          <a:bodyPr/>
-          <a:lstStyle/>
-          <a:p>
+              <a:t>Lumer-faieta</a:t>
+            </a:r>
             <a:endParaRPr lang="en-GB"/>
           </a:p>
         </p:txBody>
       </p:sp>
       <p:pic>
         <p:nvPicPr>
-          <p:cNvPr id="1026" name="Picture 2" descr="Using scikit learn classifier to explore iris dataset | Develop Paper">
+          <p:cNvPr id="6" name="Content Placeholder 5">
             <a:extLst>
               <a:ext uri="{FF2B5EF4-FFF2-40B4-BE49-F238E27FC236}">
-                <a16:creationId xmlns:a16="http://schemas.microsoft.com/office/drawing/2014/main" id="{9D17FB9D-50BC-7210-CD2C-99B16626F4D6}"/>
+                <a16:creationId xmlns:a16="http://schemas.microsoft.com/office/drawing/2014/main" id="{F73787FE-33F8-48E9-B7BB-BC0AE5D50869}"/>
               </a:ext>
             </a:extLst>
           </p:cNvPr>
           <p:cNvPicPr>
-            <a:picLocks noChangeAspect="1" noChangeArrowheads="1"/>
+            <a:picLocks noGrp="1" noChangeAspect="1"/>
+          </p:cNvPicPr>
+          <p:nvPr>
+            <p:ph idx="1"/>
+          </p:nvPr>
+        </p:nvPicPr>
+        <p:blipFill>
+          <a:blip r:embed="rId2">
+            <a:extLst>
+              <a:ext uri="{28A0092B-C50C-407E-A947-70E740481C1C}">
+                <a14:useLocalDpi xmlns:a14="http://schemas.microsoft.com/office/drawing/2010/main" val="0"/>
+              </a:ext>
+            </a:extLst>
+          </a:blip>
+          <a:stretch>
+            <a:fillRect/>
+          </a:stretch>
+        </p:blipFill>
+        <p:spPr>
+          <a:xfrm>
+            <a:off x="3604688" y="4638436"/>
+            <a:ext cx="5001500" cy="1080000"/>
+          </a:xfrm>
+        </p:spPr>
+      </p:pic>
+      <p:pic>
+        <p:nvPicPr>
+          <p:cNvPr id="9" name="Picture 8">
+            <a:extLst>
+              <a:ext uri="{FF2B5EF4-FFF2-40B4-BE49-F238E27FC236}">
+                <a16:creationId xmlns:a16="http://schemas.microsoft.com/office/drawing/2014/main" id="{4BDF42B0-D2A8-4F13-A771-07CC0A651403}"/>
+              </a:ext>
+            </a:extLst>
+          </p:cNvPr>
+          <p:cNvPicPr>
+            <a:picLocks noChangeAspect="1"/>
           </p:cNvPicPr>
           <p:nvPr/>
         </p:nvPicPr>
         <p:blipFill>
-          <a:blip r:embed="rId2">
+          <a:blip r:embed="rId3">
             <a:extLst>
               <a:ext uri="{28A0092B-C50C-407E-A947-70E740481C1C}">
                 <a14:useLocalDpi xmlns:a14="http://schemas.microsoft.com/office/drawing/2010/main" val="0"/>
               </a:ext>
             </a:extLst>
           </a:blip>
-          <a:srcRect/>
           <a:stretch>
             <a:fillRect/>
           </a:stretch>
         </p:blipFill>
-        <p:spPr bwMode="auto">
-          <a:xfrm>
-            <a:off x="23813" y="1157288"/>
-            <a:ext cx="12144375" cy="4543425"/>
+        <p:spPr>
+          <a:xfrm>
+            <a:off x="2626364" y="1139564"/>
+            <a:ext cx="6958147" cy="1115974"/>
           </a:xfrm>
           <a:prstGeom prst="rect">
             <a:avLst/>
           </a:prstGeom>
-          <a:noFill/>
-          <a:extLst>
-            <a:ext uri="{909E8E84-426E-40DD-AFC4-6F175D3DCCD1}">
-              <a14:hiddenFill xmlns:a14="http://schemas.microsoft.com/office/drawing/2010/main">
-                <a:solidFill>
-                  <a:srgbClr val="FFFFFF"/>
-                </a:solidFill>
-              </a14:hiddenFill>
-            </a:ext>
-          </a:extLst>
+        </p:spPr>
+      </p:pic>
+      <p:pic>
+        <p:nvPicPr>
+          <p:cNvPr id="11" name="Picture 10">
+            <a:extLst>
+              <a:ext uri="{FF2B5EF4-FFF2-40B4-BE49-F238E27FC236}">
+                <a16:creationId xmlns:a16="http://schemas.microsoft.com/office/drawing/2014/main" id="{B17258F8-E245-4135-8A67-3197DDFEC166}"/>
+              </a:ext>
+            </a:extLst>
+          </p:cNvPr>
+          <p:cNvPicPr>
+            <a:picLocks noChangeAspect="1"/>
+          </p:cNvPicPr>
+          <p:nvPr/>
+        </p:nvPicPr>
+        <p:blipFill>
+          <a:blip r:embed="rId4">
+            <a:extLst>
+              <a:ext uri="{28A0092B-C50C-407E-A947-70E740481C1C}">
+                <a14:useLocalDpi xmlns:a14="http://schemas.microsoft.com/office/drawing/2010/main" val="0"/>
+              </a:ext>
+            </a:extLst>
+          </a:blip>
+          <a:stretch>
+            <a:fillRect/>
+          </a:stretch>
+        </p:blipFill>
+        <p:spPr>
+          <a:xfrm>
+            <a:off x="4048905" y="2961000"/>
+            <a:ext cx="4094182" cy="936000"/>
+          </a:xfrm>
+          <a:prstGeom prst="rect">
+            <a:avLst/>
+          </a:prstGeom>
         </p:spPr>
       </p:pic>
     </p:spTree>
     <p:extLst>
       <p:ext uri="{BB962C8B-B14F-4D97-AF65-F5344CB8AC3E}">
-        <p14:creationId xmlns:p14="http://schemas.microsoft.com/office/powerpoint/2010/main" val="191022718"/>
+        <p14:creationId xmlns:p14="http://schemas.microsoft.com/office/powerpoint/2010/main" val="391687119"/>
       </p:ext>
     </p:extLst>
   </p:cSld>
@@ -7507,7 +8056,7 @@
           <p:cNvPr id="2" name="Title 1">
             <a:extLst>
               <a:ext uri="{FF2B5EF4-FFF2-40B4-BE49-F238E27FC236}">
-                <a16:creationId xmlns:a16="http://schemas.microsoft.com/office/drawing/2014/main" id="{BF1488D3-8034-A85B-7A11-AC9D49E1009A}"/>
+                <a16:creationId xmlns:a16="http://schemas.microsoft.com/office/drawing/2014/main" id="{0541C543-D361-7AC4-6768-08DC28C93612}"/>
               </a:ext>
             </a:extLst>
           </p:cNvPr>
@@ -7525,7 +8074,7 @@
           <a:p>
             <a:r>
               <a:rPr lang="nl-BE"/>
-              <a:t>Continuous vector sorting</a:t>
+              <a:t>Results Lumer-Faieta</a:t>
             </a:r>
             <a:endParaRPr lang="en-GB"/>
           </a:p>
@@ -7536,7 +8085,37 @@
           <p:cNvPr id="5" name="Picture 4">
             <a:extLst>
               <a:ext uri="{FF2B5EF4-FFF2-40B4-BE49-F238E27FC236}">
-                <a16:creationId xmlns:a16="http://schemas.microsoft.com/office/drawing/2014/main" id="{DFD820E0-DB79-4CBD-823A-AC36A816808F}"/>
+                <a16:creationId xmlns:a16="http://schemas.microsoft.com/office/drawing/2014/main" id="{0DF49F02-8FE1-1095-FC38-5DE5E69BD75C}"/>
+              </a:ext>
+            </a:extLst>
+          </p:cNvPr>
+          <p:cNvPicPr>
+            <a:picLocks/>
+          </p:cNvPicPr>
+          <p:nvPr/>
+        </p:nvPicPr>
+        <p:blipFill>
+          <a:blip r:embed="rId2"/>
+          <a:stretch>
+            <a:fillRect/>
+          </a:stretch>
+        </p:blipFill>
+        <p:spPr>
+          <a:xfrm>
+            <a:off x="2586509" y="1053868"/>
+            <a:ext cx="7074000" cy="2394000"/>
+          </a:xfrm>
+          <a:prstGeom prst="rect">
+            <a:avLst/>
+          </a:prstGeom>
+        </p:spPr>
+      </p:pic>
+      <p:pic>
+        <p:nvPicPr>
+          <p:cNvPr id="7" name="Picture 6">
+            <a:extLst>
+              <a:ext uri="{FF2B5EF4-FFF2-40B4-BE49-F238E27FC236}">
+                <a16:creationId xmlns:a16="http://schemas.microsoft.com/office/drawing/2014/main" id="{0BA543A1-5BFF-3E20-869C-95FC40552782}"/>
               </a:ext>
             </a:extLst>
           </p:cNvPr>
@@ -7546,31 +8125,148 @@
           <p:nvPr/>
         </p:nvPicPr>
         <p:blipFill>
-          <a:blip r:embed="rId3">
-            <a:extLst>
-              <a:ext uri="{28A0092B-C50C-407E-A947-70E740481C1C}">
-                <a14:useLocalDpi xmlns:a14="http://schemas.microsoft.com/office/drawing/2010/main" val="0"/>
-              </a:ext>
-            </a:extLst>
-          </a:blip>
+          <a:blip r:embed="rId3"/>
           <a:stretch>
             <a:fillRect/>
           </a:stretch>
         </p:blipFill>
         <p:spPr>
           <a:xfrm>
-            <a:off x="1739438" y="2097750"/>
-            <a:ext cx="8713124" cy="2912018"/>
+            <a:off x="2586509" y="3447868"/>
+            <a:ext cx="7094718" cy="2394000"/>
           </a:xfrm>
           <a:prstGeom prst="rect">
             <a:avLst/>
           </a:prstGeom>
         </p:spPr>
       </p:pic>
+      <p:sp>
+        <p:nvSpPr>
+          <p:cNvPr id="6" name="TextBox 5">
+            <a:extLst>
+              <a:ext uri="{FF2B5EF4-FFF2-40B4-BE49-F238E27FC236}">
+                <a16:creationId xmlns:a16="http://schemas.microsoft.com/office/drawing/2014/main" id="{2DF9E4F7-D9A5-4693-9D41-8A3BFA16F769}"/>
+              </a:ext>
+            </a:extLst>
+          </p:cNvPr>
+          <p:cNvSpPr txBox="1"/>
+          <p:nvPr/>
+        </p:nvSpPr>
+        <p:spPr>
+          <a:xfrm>
+            <a:off x="3686991" y="5804132"/>
+            <a:ext cx="266824" cy="293607"/>
+          </a:xfrm>
+          <a:prstGeom prst="rect">
+            <a:avLst/>
+          </a:prstGeom>
+          <a:noFill/>
+        </p:spPr>
+        <p:txBody>
+          <a:bodyPr wrap="square" rtlCol="0">
+            <a:spAutoFit/>
+          </a:bodyPr>
+          <a:lstStyle/>
+          <a:p>
+            <a:pPr algn="l">
+              <a:lnSpc>
+                <a:spcPct val="120000"/>
+              </a:lnSpc>
+            </a:pPr>
+            <a:r>
+              <a:rPr lang="nl-BE" sz="1200" dirty="0"/>
+              <a:t>0</a:t>
+            </a:r>
+            <a:endParaRPr lang="en-GB" sz="1200" dirty="0"/>
+          </a:p>
+        </p:txBody>
+      </p:sp>
+      <p:sp>
+        <p:nvSpPr>
+          <p:cNvPr id="8" name="TextBox 7">
+            <a:extLst>
+              <a:ext uri="{FF2B5EF4-FFF2-40B4-BE49-F238E27FC236}">
+                <a16:creationId xmlns:a16="http://schemas.microsoft.com/office/drawing/2014/main" id="{C56DF7BB-FECC-4226-BBD2-7C7B40414064}"/>
+              </a:ext>
+            </a:extLst>
+          </p:cNvPr>
+          <p:cNvSpPr txBox="1"/>
+          <p:nvPr/>
+        </p:nvSpPr>
+        <p:spPr>
+          <a:xfrm>
+            <a:off x="5875076" y="5804131"/>
+            <a:ext cx="708669" cy="293607"/>
+          </a:xfrm>
+          <a:prstGeom prst="rect">
+            <a:avLst/>
+          </a:prstGeom>
+          <a:noFill/>
+        </p:spPr>
+        <p:txBody>
+          <a:bodyPr wrap="square" rtlCol="0">
+            <a:spAutoFit/>
+          </a:bodyPr>
+          <a:lstStyle/>
+          <a:p>
+            <a:pPr algn="l">
+              <a:lnSpc>
+                <a:spcPct val="120000"/>
+              </a:lnSpc>
+            </a:pPr>
+            <a:r>
+              <a:rPr lang="nl-BE" sz="1200" dirty="0"/>
+              <a:t>10 000</a:t>
+            </a:r>
+            <a:endParaRPr lang="en-GB" sz="1200" dirty="0"/>
+          </a:p>
+        </p:txBody>
+      </p:sp>
+      <p:sp>
+        <p:nvSpPr>
+          <p:cNvPr id="9" name="TextBox 8">
+            <a:extLst>
+              <a:ext uri="{FF2B5EF4-FFF2-40B4-BE49-F238E27FC236}">
+                <a16:creationId xmlns:a16="http://schemas.microsoft.com/office/drawing/2014/main" id="{BA8FFE77-ED75-40DD-ADF7-CFDC4CB0F60D}"/>
+              </a:ext>
+            </a:extLst>
+          </p:cNvPr>
+          <p:cNvSpPr txBox="1"/>
+          <p:nvPr/>
+        </p:nvSpPr>
+        <p:spPr>
+          <a:xfrm>
+            <a:off x="8092054" y="5804130"/>
+            <a:ext cx="825904" cy="293607"/>
+          </a:xfrm>
+          <a:prstGeom prst="rect">
+            <a:avLst/>
+          </a:prstGeom>
+          <a:noFill/>
+        </p:spPr>
+        <p:txBody>
+          <a:bodyPr wrap="square" rtlCol="0">
+            <a:spAutoFit/>
+          </a:bodyPr>
+          <a:lstStyle/>
+          <a:p>
+            <a:pPr algn="l">
+              <a:lnSpc>
+                <a:spcPct val="120000"/>
+              </a:lnSpc>
+            </a:pPr>
+            <a:r>
+              <a:rPr lang="nl-BE" sz="1200" dirty="0"/>
+              <a:t>100 000</a:t>
+            </a:r>
+            <a:endParaRPr lang="en-GB" sz="1200" dirty="0"/>
+          </a:p>
+        </p:txBody>
+      </p:sp>
     </p:spTree>
     <p:extLst>
       <p:ext uri="{BB962C8B-B14F-4D97-AF65-F5344CB8AC3E}">
-        <p14:creationId xmlns:p14="http://schemas.microsoft.com/office/powerpoint/2010/main" val="2446284842"/>
+        <p14:creationId xmlns:p14="http://schemas.microsoft.com/office/powerpoint/2010/main" val="3221247948"/>
       </p:ext>
     </p:extLst>
   </p:cSld>
@@ -7602,7 +8298,7 @@
           <p:cNvPr id="2" name="Title 1">
             <a:extLst>
               <a:ext uri="{FF2B5EF4-FFF2-40B4-BE49-F238E27FC236}">
-                <a16:creationId xmlns:a16="http://schemas.microsoft.com/office/drawing/2014/main" id="{BF1488D3-8034-A85B-7A11-AC9D49E1009A}"/>
+                <a16:creationId xmlns:a16="http://schemas.microsoft.com/office/drawing/2014/main" id="{750D7A5D-97F0-DFE5-9F87-2D8F35F216FB}"/>
               </a:ext>
             </a:extLst>
           </p:cNvPr>
@@ -7619,19 +8315,48 @@
           <a:lstStyle/>
           <a:p>
             <a:r>
-              <a:rPr lang="nl-BE" dirty="0" err="1"/>
-              <a:t>Dissimilarity</a:t>
-            </a:r>
-            <a:endParaRPr lang="en-GB" dirty="0"/>
+              <a:rPr lang="nl-BE"/>
+              <a:t>Results with clustering</a:t>
+            </a:r>
+            <a:endParaRPr lang="en-GB"/>
           </a:p>
         </p:txBody>
       </p:sp>
       <p:pic>
         <p:nvPicPr>
-          <p:cNvPr id="6" name="Picture 5">
+          <p:cNvPr id="7" name="Content Placeholder 6">
             <a:extLst>
               <a:ext uri="{FF2B5EF4-FFF2-40B4-BE49-F238E27FC236}">
-                <a16:creationId xmlns:a16="http://schemas.microsoft.com/office/drawing/2014/main" id="{BA7D2062-4D58-462C-A08E-160B06646E14}"/>
+                <a16:creationId xmlns:a16="http://schemas.microsoft.com/office/drawing/2014/main" id="{40CFDE47-5612-8654-D89B-326E619593C5}"/>
+              </a:ext>
+            </a:extLst>
+          </p:cNvPr>
+          <p:cNvPicPr>
+            <a:picLocks noGrp="1"/>
+          </p:cNvPicPr>
+          <p:nvPr>
+            <p:ph idx="1"/>
+          </p:nvPr>
+        </p:nvPicPr>
+        <p:blipFill>
+          <a:blip r:embed="rId2"/>
+          <a:stretch>
+            <a:fillRect/>
+          </a:stretch>
+        </p:blipFill>
+        <p:spPr>
+          <a:xfrm>
+            <a:off x="2613000" y="3489893"/>
+            <a:ext cx="7020000" cy="2253342"/>
+          </a:xfrm>
+        </p:spPr>
+      </p:pic>
+      <p:pic>
+        <p:nvPicPr>
+          <p:cNvPr id="5" name="Picture 4">
+            <a:extLst>
+              <a:ext uri="{FF2B5EF4-FFF2-40B4-BE49-F238E27FC236}">
+                <a16:creationId xmlns:a16="http://schemas.microsoft.com/office/drawing/2014/main" id="{C23136FD-7349-3A2B-8DA7-804E8B26C7FA}"/>
               </a:ext>
             </a:extLst>
           </p:cNvPr>
@@ -7641,67 +8366,148 @@
           <p:nvPr/>
         </p:nvPicPr>
         <p:blipFill>
-          <a:blip r:embed="rId3">
-            <a:extLst>
-              <a:ext uri="{28A0092B-C50C-407E-A947-70E740481C1C}">
-                <a14:useLocalDpi xmlns:a14="http://schemas.microsoft.com/office/drawing/2010/main" val="0"/>
-              </a:ext>
-            </a:extLst>
-          </a:blip>
+          <a:blip r:embed="rId3"/>
           <a:stretch>
             <a:fillRect/>
           </a:stretch>
         </p:blipFill>
         <p:spPr>
           <a:xfrm>
-            <a:off x="2636961" y="1752437"/>
-            <a:ext cx="6936953" cy="1116000"/>
+            <a:off x="2559000" y="1034842"/>
+            <a:ext cx="7074000" cy="2394158"/>
           </a:xfrm>
           <a:prstGeom prst="rect">
             <a:avLst/>
           </a:prstGeom>
         </p:spPr>
       </p:pic>
-      <p:pic>
-        <p:nvPicPr>
-          <p:cNvPr id="8" name="Picture 7">
+      <p:sp>
+        <p:nvSpPr>
+          <p:cNvPr id="6" name="TextBox 5">
             <a:extLst>
               <a:ext uri="{FF2B5EF4-FFF2-40B4-BE49-F238E27FC236}">
-                <a16:creationId xmlns:a16="http://schemas.microsoft.com/office/drawing/2014/main" id="{3659A2E3-79FB-4672-ADCB-6E70DB0C91FB}"/>
+                <a16:creationId xmlns:a16="http://schemas.microsoft.com/office/drawing/2014/main" id="{27ACAC6D-7EF7-4A94-845D-4F865BE9C5F8}"/>
               </a:ext>
             </a:extLst>
           </p:cNvPr>
-          <p:cNvPicPr>
-            <a:picLocks noChangeAspect="1"/>
-          </p:cNvPicPr>
+          <p:cNvSpPr txBox="1"/>
           <p:nvPr/>
-        </p:nvPicPr>
-        <p:blipFill>
-          <a:blip r:embed="rId4">
-            <a:extLst>
-              <a:ext uri="{28A0092B-C50C-407E-A947-70E740481C1C}">
-                <a14:useLocalDpi xmlns:a14="http://schemas.microsoft.com/office/drawing/2010/main" val="0"/>
-              </a:ext>
-            </a:extLst>
-          </a:blip>
-          <a:stretch>
-            <a:fillRect/>
-          </a:stretch>
-        </p:blipFill>
+        </p:nvSpPr>
         <p:spPr>
           <a:xfrm>
-            <a:off x="2636961" y="3836402"/>
-            <a:ext cx="6844368" cy="1116000"/>
+            <a:off x="3686991" y="5743235"/>
+            <a:ext cx="266824" cy="293607"/>
           </a:xfrm>
           <a:prstGeom prst="rect">
             <a:avLst/>
           </a:prstGeom>
-        </p:spPr>
-      </p:pic>
+          <a:noFill/>
+        </p:spPr>
+        <p:txBody>
+          <a:bodyPr wrap="square" rtlCol="0">
+            <a:spAutoFit/>
+          </a:bodyPr>
+          <a:lstStyle/>
+          <a:p>
+            <a:pPr algn="l">
+              <a:lnSpc>
+                <a:spcPct val="120000"/>
+              </a:lnSpc>
+            </a:pPr>
+            <a:r>
+              <a:rPr lang="nl-BE" sz="1200" dirty="0"/>
+              <a:t>0</a:t>
+            </a:r>
+            <a:endParaRPr lang="en-GB" sz="1200" dirty="0"/>
+          </a:p>
+        </p:txBody>
+      </p:sp>
+      <p:sp>
+        <p:nvSpPr>
+          <p:cNvPr id="8" name="TextBox 7">
+            <a:extLst>
+              <a:ext uri="{FF2B5EF4-FFF2-40B4-BE49-F238E27FC236}">
+                <a16:creationId xmlns:a16="http://schemas.microsoft.com/office/drawing/2014/main" id="{AF9FC61F-15E6-458F-B0C8-A75E9407C84A}"/>
+              </a:ext>
+            </a:extLst>
+          </p:cNvPr>
+          <p:cNvSpPr txBox="1"/>
+          <p:nvPr/>
+        </p:nvSpPr>
+        <p:spPr>
+          <a:xfrm>
+            <a:off x="5875076" y="5743234"/>
+            <a:ext cx="708669" cy="293607"/>
+          </a:xfrm>
+          <a:prstGeom prst="rect">
+            <a:avLst/>
+          </a:prstGeom>
+          <a:noFill/>
+        </p:spPr>
+        <p:txBody>
+          <a:bodyPr wrap="square" rtlCol="0">
+            <a:spAutoFit/>
+          </a:bodyPr>
+          <a:lstStyle/>
+          <a:p>
+            <a:pPr algn="l">
+              <a:lnSpc>
+                <a:spcPct val="120000"/>
+              </a:lnSpc>
+            </a:pPr>
+            <a:r>
+              <a:rPr lang="nl-BE" sz="1200" dirty="0"/>
+              <a:t>10 000</a:t>
+            </a:r>
+            <a:endParaRPr lang="en-GB" sz="1200" dirty="0"/>
+          </a:p>
+        </p:txBody>
+      </p:sp>
+      <p:sp>
+        <p:nvSpPr>
+          <p:cNvPr id="9" name="TextBox 8">
+            <a:extLst>
+              <a:ext uri="{FF2B5EF4-FFF2-40B4-BE49-F238E27FC236}">
+                <a16:creationId xmlns:a16="http://schemas.microsoft.com/office/drawing/2014/main" id="{135A59A5-9D18-4070-8452-731D2E92D4CF}"/>
+              </a:ext>
+            </a:extLst>
+          </p:cNvPr>
+          <p:cNvSpPr txBox="1"/>
+          <p:nvPr/>
+        </p:nvSpPr>
+        <p:spPr>
+          <a:xfrm>
+            <a:off x="8092054" y="5743233"/>
+            <a:ext cx="825904" cy="293607"/>
+          </a:xfrm>
+          <a:prstGeom prst="rect">
+            <a:avLst/>
+          </a:prstGeom>
+          <a:noFill/>
+        </p:spPr>
+        <p:txBody>
+          <a:bodyPr wrap="square" rtlCol="0">
+            <a:spAutoFit/>
+          </a:bodyPr>
+          <a:lstStyle/>
+          <a:p>
+            <a:pPr algn="l">
+              <a:lnSpc>
+                <a:spcPct val="120000"/>
+              </a:lnSpc>
+            </a:pPr>
+            <a:r>
+              <a:rPr lang="nl-BE" sz="1200" dirty="0"/>
+              <a:t>100 000</a:t>
+            </a:r>
+            <a:endParaRPr lang="en-GB" sz="1200" dirty="0"/>
+          </a:p>
+        </p:txBody>
+      </p:sp>
     </p:spTree>
     <p:extLst>
       <p:ext uri="{BB962C8B-B14F-4D97-AF65-F5344CB8AC3E}">
-        <p14:creationId xmlns:p14="http://schemas.microsoft.com/office/powerpoint/2010/main" val="924896760"/>
+        <p14:creationId xmlns:p14="http://schemas.microsoft.com/office/powerpoint/2010/main" val="1387879469"/>
       </p:ext>
     </p:extLst>
   </p:cSld>

--- a/Spatio-temporele modellen.pptx
+++ b/Spatio-temporele modellen.pptx
@@ -5,28 +5,26 @@
     <p:sldMasterId id="2147483660" r:id="rId1"/>
   </p:sldMasterIdLst>
   <p:notesMasterIdLst>
-    <p:notesMasterId r:id="rId21"/>
+    <p:notesMasterId r:id="rId19"/>
   </p:notesMasterIdLst>
   <p:sldIdLst>
-    <p:sldId id="256" r:id="rId2"/>
-    <p:sldId id="257" r:id="rId3"/>
-    <p:sldId id="258" r:id="rId4"/>
-    <p:sldId id="273" r:id="rId5"/>
-    <p:sldId id="272" r:id="rId6"/>
-    <p:sldId id="271" r:id="rId7"/>
-    <p:sldId id="274" r:id="rId8"/>
-    <p:sldId id="260" r:id="rId9"/>
-    <p:sldId id="261" r:id="rId10"/>
-    <p:sldId id="262" r:id="rId11"/>
-    <p:sldId id="263" r:id="rId12"/>
-    <p:sldId id="269" r:id="rId13"/>
-    <p:sldId id="266" r:id="rId14"/>
-    <p:sldId id="267" r:id="rId15"/>
-    <p:sldId id="268" r:id="rId16"/>
-    <p:sldId id="270" r:id="rId17"/>
-    <p:sldId id="264" r:id="rId18"/>
-    <p:sldId id="265" r:id="rId19"/>
-    <p:sldId id="259" r:id="rId20"/>
+    <p:sldId id="257" r:id="rId2"/>
+    <p:sldId id="258" r:id="rId3"/>
+    <p:sldId id="273" r:id="rId4"/>
+    <p:sldId id="272" r:id="rId5"/>
+    <p:sldId id="271" r:id="rId6"/>
+    <p:sldId id="274" r:id="rId7"/>
+    <p:sldId id="260" r:id="rId8"/>
+    <p:sldId id="261" r:id="rId9"/>
+    <p:sldId id="262" r:id="rId10"/>
+    <p:sldId id="263" r:id="rId11"/>
+    <p:sldId id="269" r:id="rId12"/>
+    <p:sldId id="266" r:id="rId13"/>
+    <p:sldId id="267" r:id="rId14"/>
+    <p:sldId id="268" r:id="rId15"/>
+    <p:sldId id="264" r:id="rId16"/>
+    <p:sldId id="265" r:id="rId17"/>
+    <p:sldId id="259" r:id="rId18"/>
   </p:sldIdLst>
   <p:sldSz cx="12192000" cy="6858000"/>
   <p:notesSz cx="6858000" cy="9144000"/>
@@ -839,7 +837,7 @@
           <a:p>
             <a:fld id="{8B35E05E-D5CB-4B04-AB45-6608A189B973}" type="slidenum">
               <a:rPr lang="nl-BE" smtClean="0"/>
-              <a:t>5</a:t>
+              <a:t>4</a:t>
             </a:fld>
             <a:endParaRPr lang="nl-BE" dirty="0"/>
           </a:p>
@@ -1219,7 +1217,7 @@
           <a:p>
             <a:fld id="{8B35E05E-D5CB-4B04-AB45-6608A189B973}" type="slidenum">
               <a:rPr lang="nl-BE" smtClean="0"/>
-              <a:t>12</a:t>
+              <a:t>11</a:t>
             </a:fld>
             <a:endParaRPr lang="nl-BE"/>
           </a:p>
@@ -1358,7 +1356,7 @@
           <a:p>
             <a:fld id="{8B35E05E-D5CB-4B04-AB45-6608A189B973}" type="slidenum">
               <a:rPr lang="nl-BE" smtClean="0"/>
-              <a:t>13</a:t>
+              <a:t>12</a:t>
             </a:fld>
             <a:endParaRPr lang="nl-BE"/>
           </a:p>
@@ -1442,7 +1440,7 @@
           <a:p>
             <a:fld id="{8B35E05E-D5CB-4B04-AB45-6608A189B973}" type="slidenum">
               <a:rPr lang="nl-BE" smtClean="0"/>
-              <a:t>14</a:t>
+              <a:t>13</a:t>
             </a:fld>
             <a:endParaRPr lang="nl-BE"/>
           </a:p>
@@ -1529,7 +1527,7 @@
           <a:p>
             <a:fld id="{8B35E05E-D5CB-4B04-AB45-6608A189B973}" type="slidenum">
               <a:rPr lang="nl-BE" smtClean="0"/>
-              <a:t>15</a:t>
+              <a:t>14</a:t>
             </a:fld>
             <a:endParaRPr lang="nl-BE"/>
           </a:p>
@@ -1539,93 +1537,6 @@
     <p:extLst>
       <p:ext uri="{BB962C8B-B14F-4D97-AF65-F5344CB8AC3E}">
         <p14:creationId xmlns:p14="http://schemas.microsoft.com/office/powerpoint/2010/main" val="2509250711"/>
-      </p:ext>
-    </p:extLst>
-  </p:cSld>
-  <p:clrMapOvr>
-    <a:masterClrMapping/>
-  </p:clrMapOvr>
-</p:notes>
-</file>
-
-<file path=ppt/notesSlides/notesSlide6.xml><?xml version="1.0" encoding="utf-8"?>
-<p:notes xmlns:a="http://schemas.openxmlformats.org/drawingml/2006/main" xmlns:r="http://schemas.openxmlformats.org/officeDocument/2006/relationships" xmlns:p="http://schemas.openxmlformats.org/presentationml/2006/main">
-  <p:cSld>
-    <p:spTree>
-      <p:nvGrpSpPr>
-        <p:cNvPr id="1" name=""/>
-        <p:cNvGrpSpPr/>
-        <p:nvPr/>
-      </p:nvGrpSpPr>
-      <p:grpSpPr>
-        <a:xfrm>
-          <a:off x="0" y="0"/>
-          <a:ext cx="0" cy="0"/>
-          <a:chOff x="0" y="0"/>
-          <a:chExt cx="0" cy="0"/>
-        </a:xfrm>
-      </p:grpSpPr>
-      <p:sp>
-        <p:nvSpPr>
-          <p:cNvPr id="2" name="Slide Image Placeholder 1"/>
-          <p:cNvSpPr>
-            <a:spLocks noGrp="1" noRot="1" noChangeAspect="1"/>
-          </p:cNvSpPr>
-          <p:nvPr>
-            <p:ph type="sldImg"/>
-          </p:nvPr>
-        </p:nvSpPr>
-        <p:spPr/>
-      </p:sp>
-      <p:sp>
-        <p:nvSpPr>
-          <p:cNvPr id="3" name="Notes Placeholder 2"/>
-          <p:cNvSpPr>
-            <a:spLocks noGrp="1"/>
-          </p:cNvSpPr>
-          <p:nvPr>
-            <p:ph type="body" idx="1"/>
-          </p:nvPr>
-        </p:nvSpPr>
-        <p:spPr/>
-        <p:txBody>
-          <a:bodyPr/>
-          <a:lstStyle/>
-          <a:p>
-            <a:r>
-              <a:rPr lang="nl-BE" dirty="0"/>
-              <a:t>Lelijke slide :/</a:t>
-            </a:r>
-          </a:p>
-        </p:txBody>
-      </p:sp>
-      <p:sp>
-        <p:nvSpPr>
-          <p:cNvPr id="4" name="Slide Number Placeholder 3"/>
-          <p:cNvSpPr>
-            <a:spLocks noGrp="1"/>
-          </p:cNvSpPr>
-          <p:nvPr>
-            <p:ph type="sldNum" sz="quarter" idx="5"/>
-          </p:nvPr>
-        </p:nvSpPr>
-        <p:spPr/>
-        <p:txBody>
-          <a:bodyPr/>
-          <a:lstStyle/>
-          <a:p>
-            <a:fld id="{8B35E05E-D5CB-4B04-AB45-6608A189B973}" type="slidenum">
-              <a:rPr lang="nl-BE" smtClean="0"/>
-              <a:t>16</a:t>
-            </a:fld>
-            <a:endParaRPr lang="nl-BE"/>
-          </a:p>
-        </p:txBody>
-      </p:sp>
-    </p:spTree>
-    <p:extLst>
-      <p:ext uri="{BB962C8B-B14F-4D97-AF65-F5344CB8AC3E}">
-        <p14:creationId xmlns:p14="http://schemas.microsoft.com/office/powerpoint/2010/main" val="299769241"/>
       </p:ext>
     </p:extLst>
   </p:cSld>
@@ -4756,10 +4667,173 @@
           <a:chExt cx="0" cy="0"/>
         </a:xfrm>
       </p:grpSpPr>
+      <p:sp>
+        <p:nvSpPr>
+          <p:cNvPr id="2" name="Title 1">
+            <a:extLst>
+              <a:ext uri="{FF2B5EF4-FFF2-40B4-BE49-F238E27FC236}">
+                <a16:creationId xmlns:a16="http://schemas.microsoft.com/office/drawing/2014/main" id="{931BCE29-87CE-39B4-9C14-FC37B2FAF69C}"/>
+              </a:ext>
+            </a:extLst>
+          </p:cNvPr>
+          <p:cNvSpPr>
+            <a:spLocks noGrp="1"/>
+          </p:cNvSpPr>
+          <p:nvPr>
+            <p:ph type="ctrTitle"/>
+          </p:nvPr>
+        </p:nvSpPr>
+        <p:spPr/>
+        <p:txBody>
+          <a:bodyPr/>
+          <a:lstStyle/>
+          <a:p>
+            <a:r>
+              <a:rPr lang="en-GB" dirty="0"/>
+              <a:t>Ant</a:t>
+            </a:r>
+            <a:r>
+              <a:rPr lang="nl-BE" dirty="0"/>
+              <a:t> </a:t>
+            </a:r>
+            <a:r>
+              <a:rPr lang="nl-BE" dirty="0" err="1"/>
+              <a:t>sorting</a:t>
+            </a:r>
+            <a:endParaRPr lang="en-GB" dirty="0"/>
+          </a:p>
+        </p:txBody>
+      </p:sp>
+      <p:sp>
+        <p:nvSpPr>
+          <p:cNvPr id="3" name="Subtitle 2">
+            <a:extLst>
+              <a:ext uri="{FF2B5EF4-FFF2-40B4-BE49-F238E27FC236}">
+                <a16:creationId xmlns:a16="http://schemas.microsoft.com/office/drawing/2014/main" id="{4ED2592D-77A3-2D95-72F8-BBB94F08F484}"/>
+              </a:ext>
+            </a:extLst>
+          </p:cNvPr>
+          <p:cNvSpPr>
+            <a:spLocks noGrp="1"/>
+          </p:cNvSpPr>
+          <p:nvPr>
+            <p:ph type="subTitle" idx="1"/>
+          </p:nvPr>
+        </p:nvSpPr>
+        <p:spPr/>
+        <p:txBody>
+          <a:bodyPr/>
+          <a:lstStyle/>
+          <a:p>
+            <a:r>
+              <a:rPr lang="nl-BE"/>
+              <a:t>Menno Van Damme, Yari Van Laere</a:t>
+            </a:r>
+            <a:endParaRPr lang="en-GB"/>
+          </a:p>
+        </p:txBody>
+      </p:sp>
+      <p:sp>
+        <p:nvSpPr>
+          <p:cNvPr id="4" name="Picture Placeholder 3">
+            <a:extLst>
+              <a:ext uri="{FF2B5EF4-FFF2-40B4-BE49-F238E27FC236}">
+                <a16:creationId xmlns:a16="http://schemas.microsoft.com/office/drawing/2014/main" id="{2260B321-D9ED-671D-A8DE-294F93875356}"/>
+              </a:ext>
+            </a:extLst>
+          </p:cNvPr>
+          <p:cNvSpPr>
+            <a:spLocks noGrp="1"/>
+          </p:cNvSpPr>
+          <p:nvPr>
+            <p:ph type="pic" sz="quarter" idx="11"/>
+          </p:nvPr>
+        </p:nvSpPr>
+        <p:spPr/>
+      </p:sp>
+      <p:sp>
+        <p:nvSpPr>
+          <p:cNvPr id="5" name="Picture Placeholder 4">
+            <a:extLst>
+              <a:ext uri="{FF2B5EF4-FFF2-40B4-BE49-F238E27FC236}">
+                <a16:creationId xmlns:a16="http://schemas.microsoft.com/office/drawing/2014/main" id="{B1F914DF-26B4-FE4E-16DF-2E6DE5C3BFDA}"/>
+              </a:ext>
+            </a:extLst>
+          </p:cNvPr>
+          <p:cNvSpPr>
+            <a:spLocks noGrp="1"/>
+          </p:cNvSpPr>
+          <p:nvPr>
+            <p:ph type="pic" sz="quarter" idx="12"/>
+          </p:nvPr>
+        </p:nvSpPr>
+        <p:spPr/>
+      </p:sp>
+      <p:sp>
+        <p:nvSpPr>
+          <p:cNvPr id="6" name="Picture Placeholder 5">
+            <a:extLst>
+              <a:ext uri="{FF2B5EF4-FFF2-40B4-BE49-F238E27FC236}">
+                <a16:creationId xmlns:a16="http://schemas.microsoft.com/office/drawing/2014/main" id="{38FEECCD-1F3A-22F0-B7CF-C89E551525C8}"/>
+              </a:ext>
+            </a:extLst>
+          </p:cNvPr>
+          <p:cNvSpPr>
+            <a:spLocks noGrp="1"/>
+          </p:cNvSpPr>
+          <p:nvPr>
+            <p:ph type="pic" sz="quarter" idx="13"/>
+          </p:nvPr>
+        </p:nvSpPr>
+        <p:spPr/>
+      </p:sp>
+      <p:sp>
+        <p:nvSpPr>
+          <p:cNvPr id="7" name="Picture Placeholder 6">
+            <a:extLst>
+              <a:ext uri="{FF2B5EF4-FFF2-40B4-BE49-F238E27FC236}">
+                <a16:creationId xmlns:a16="http://schemas.microsoft.com/office/drawing/2014/main" id="{CD123077-EB29-8FA7-3BCE-3892B4B3B393}"/>
+              </a:ext>
+            </a:extLst>
+          </p:cNvPr>
+          <p:cNvSpPr>
+            <a:spLocks noGrp="1"/>
+          </p:cNvSpPr>
+          <p:nvPr>
+            <p:ph type="pic" sz="quarter" idx="14"/>
+          </p:nvPr>
+        </p:nvSpPr>
+        <p:spPr/>
+      </p:sp>
+      <p:sp>
+        <p:nvSpPr>
+          <p:cNvPr id="8" name="Text Placeholder 7">
+            <a:extLst>
+              <a:ext uri="{FF2B5EF4-FFF2-40B4-BE49-F238E27FC236}">
+                <a16:creationId xmlns:a16="http://schemas.microsoft.com/office/drawing/2014/main" id="{B6D1558F-5419-3FCC-1F2C-95C52F156046}"/>
+              </a:ext>
+            </a:extLst>
+          </p:cNvPr>
+          <p:cNvSpPr>
+            <a:spLocks noGrp="1"/>
+          </p:cNvSpPr>
+          <p:nvPr>
+            <p:ph type="body" sz="quarter" idx="15"/>
+          </p:nvPr>
+        </p:nvSpPr>
+        <p:spPr/>
+        <p:txBody>
+          <a:bodyPr/>
+          <a:lstStyle/>
+          <a:p>
+            <a:endParaRPr lang="en-GB"/>
+          </a:p>
+        </p:txBody>
+      </p:sp>
     </p:spTree>
     <p:extLst>
       <p:ext uri="{BB962C8B-B14F-4D97-AF65-F5344CB8AC3E}">
-        <p14:creationId xmlns:p14="http://schemas.microsoft.com/office/powerpoint/2010/main" val="198035342"/>
+        <p14:creationId xmlns:p14="http://schemas.microsoft.com/office/powerpoint/2010/main" val="822974011"/>
       </p:ext>
     </p:extLst>
   </p:cSld>
@@ -4791,7 +4865,7 @@
           <p:cNvPr id="2" name="Title 1">
             <a:extLst>
               <a:ext uri="{FF2B5EF4-FFF2-40B4-BE49-F238E27FC236}">
-                <a16:creationId xmlns:a16="http://schemas.microsoft.com/office/drawing/2014/main" id="{C3A32A2E-A08E-6975-F451-A28563A9D6F1}"/>
+                <a16:creationId xmlns:a16="http://schemas.microsoft.com/office/drawing/2014/main" id="{BF1488D3-8034-A85B-7A11-AC9D49E1009A}"/>
               </a:ext>
             </a:extLst>
           </p:cNvPr>
@@ -4809,7 +4883,7 @@
           <a:p>
             <a:r>
               <a:rPr lang="nl-BE"/>
-              <a:t>comparison</a:t>
+              <a:t>Continuous vector sorting</a:t>
             </a:r>
             <a:endParaRPr lang="en-GB"/>
           </a:p>
@@ -4820,7 +4894,7 @@
           <p:cNvPr id="3" name="Content Placeholder 2">
             <a:extLst>
               <a:ext uri="{FF2B5EF4-FFF2-40B4-BE49-F238E27FC236}">
-                <a16:creationId xmlns:a16="http://schemas.microsoft.com/office/drawing/2014/main" id="{73EF3FBB-A0CA-F3F2-6201-46130C854252}"/>
+                <a16:creationId xmlns:a16="http://schemas.microsoft.com/office/drawing/2014/main" id="{530FEF2F-F72E-7E95-D20D-A4E341723D78}"/>
               </a:ext>
             </a:extLst>
           </p:cNvPr>
@@ -4842,68 +4916,55 @@
       </p:sp>
       <p:pic>
         <p:nvPicPr>
-          <p:cNvPr id="5" name="Picture 4">
+          <p:cNvPr id="1026" name="Picture 2" descr="Using scikit learn classifier to explore iris dataset | Develop Paper">
             <a:extLst>
               <a:ext uri="{FF2B5EF4-FFF2-40B4-BE49-F238E27FC236}">
-                <a16:creationId xmlns:a16="http://schemas.microsoft.com/office/drawing/2014/main" id="{AFB6C69B-245F-7E1D-3B56-A559D2AEE53B}"/>
+                <a16:creationId xmlns:a16="http://schemas.microsoft.com/office/drawing/2014/main" id="{9D17FB9D-50BC-7210-CD2C-99B16626F4D6}"/>
               </a:ext>
             </a:extLst>
           </p:cNvPr>
           <p:cNvPicPr>
-            <a:picLocks noChangeAspect="1"/>
+            <a:picLocks noChangeAspect="1" noChangeArrowheads="1"/>
           </p:cNvPicPr>
           <p:nvPr/>
         </p:nvPicPr>
         <p:blipFill>
-          <a:blip r:embed="rId2"/>
+          <a:blip r:embed="rId2">
+            <a:extLst>
+              <a:ext uri="{28A0092B-C50C-407E-A947-70E740481C1C}">
+                <a14:useLocalDpi xmlns:a14="http://schemas.microsoft.com/office/drawing/2010/main" val="0"/>
+              </a:ext>
+            </a:extLst>
+          </a:blip>
+          <a:srcRect/>
           <a:stretch>
             <a:fillRect/>
           </a:stretch>
         </p:blipFill>
-        <p:spPr>
-          <a:xfrm>
-            <a:off x="1050557" y="1879629"/>
-            <a:ext cx="5045443" cy="3216893"/>
+        <p:spPr bwMode="auto">
+          <a:xfrm>
+            <a:off x="23813" y="1157288"/>
+            <a:ext cx="12144375" cy="4543425"/>
           </a:xfrm>
           <a:prstGeom prst="rect">
             <a:avLst/>
           </a:prstGeom>
-        </p:spPr>
-      </p:pic>
-      <p:pic>
-        <p:nvPicPr>
-          <p:cNvPr id="7" name="Picture 6">
-            <a:extLst>
-              <a:ext uri="{FF2B5EF4-FFF2-40B4-BE49-F238E27FC236}">
-                <a16:creationId xmlns:a16="http://schemas.microsoft.com/office/drawing/2014/main" id="{7C3AC2F8-02A0-7F2F-DD15-4B0EF74B0C92}"/>
-              </a:ext>
-            </a:extLst>
-          </p:cNvPr>
-          <p:cNvPicPr>
-            <a:picLocks noChangeAspect="1"/>
-          </p:cNvPicPr>
-          <p:nvPr/>
-        </p:nvPicPr>
-        <p:blipFill>
-          <a:blip r:embed="rId3"/>
-          <a:stretch>
-            <a:fillRect/>
-          </a:stretch>
-        </p:blipFill>
-        <p:spPr>
-          <a:xfrm>
-            <a:off x="6468359" y="1879629"/>
-            <a:ext cx="4534293" cy="3551228"/>
-          </a:xfrm>
-          <a:prstGeom prst="rect">
-            <a:avLst/>
-          </a:prstGeom>
+          <a:noFill/>
+          <a:extLst>
+            <a:ext uri="{909E8E84-426E-40DD-AFC4-6F175D3DCCD1}">
+              <a14:hiddenFill xmlns:a14="http://schemas.microsoft.com/office/drawing/2010/main">
+                <a:solidFill>
+                  <a:srgbClr val="FFFFFF"/>
+                </a:solidFill>
+              </a14:hiddenFill>
+            </a:ext>
+          </a:extLst>
         </p:spPr>
       </p:pic>
     </p:spTree>
     <p:extLst>
       <p:ext uri="{BB962C8B-B14F-4D97-AF65-F5344CB8AC3E}">
-        <p14:creationId xmlns:p14="http://schemas.microsoft.com/office/powerpoint/2010/main" val="2517917068"/>
+        <p14:creationId xmlns:p14="http://schemas.microsoft.com/office/powerpoint/2010/main" val="191022718"/>
       </p:ext>
     </p:extLst>
   </p:cSld>
@@ -4959,82 +5020,46 @@
           </a:p>
         </p:txBody>
       </p:sp>
-      <p:sp>
-        <p:nvSpPr>
-          <p:cNvPr id="3" name="Content Placeholder 2">
-            <a:extLst>
-              <a:ext uri="{FF2B5EF4-FFF2-40B4-BE49-F238E27FC236}">
-                <a16:creationId xmlns:a16="http://schemas.microsoft.com/office/drawing/2014/main" id="{530FEF2F-F72E-7E95-D20D-A4E341723D78}"/>
-              </a:ext>
-            </a:extLst>
-          </p:cNvPr>
-          <p:cNvSpPr>
-            <a:spLocks noGrp="1"/>
-          </p:cNvSpPr>
-          <p:nvPr>
-            <p:ph idx="1"/>
-          </p:nvPr>
-        </p:nvSpPr>
-        <p:spPr/>
-        <p:txBody>
-          <a:bodyPr/>
-          <a:lstStyle/>
-          <a:p>
-            <a:endParaRPr lang="en-GB"/>
-          </a:p>
-        </p:txBody>
-      </p:sp>
       <p:pic>
         <p:nvPicPr>
-          <p:cNvPr id="1026" name="Picture 2" descr="Using scikit learn classifier to explore iris dataset | Develop Paper">
+          <p:cNvPr id="5" name="Picture 4">
             <a:extLst>
               <a:ext uri="{FF2B5EF4-FFF2-40B4-BE49-F238E27FC236}">
-                <a16:creationId xmlns:a16="http://schemas.microsoft.com/office/drawing/2014/main" id="{9D17FB9D-50BC-7210-CD2C-99B16626F4D6}"/>
+                <a16:creationId xmlns:a16="http://schemas.microsoft.com/office/drawing/2014/main" id="{DFD820E0-DB79-4CBD-823A-AC36A816808F}"/>
               </a:ext>
             </a:extLst>
           </p:cNvPr>
           <p:cNvPicPr>
-            <a:picLocks noChangeAspect="1" noChangeArrowheads="1"/>
+            <a:picLocks noChangeAspect="1"/>
           </p:cNvPicPr>
           <p:nvPr/>
         </p:nvPicPr>
         <p:blipFill>
-          <a:blip r:embed="rId2">
+          <a:blip r:embed="rId3">
             <a:extLst>
               <a:ext uri="{28A0092B-C50C-407E-A947-70E740481C1C}">
                 <a14:useLocalDpi xmlns:a14="http://schemas.microsoft.com/office/drawing/2010/main" val="0"/>
               </a:ext>
             </a:extLst>
           </a:blip>
-          <a:srcRect/>
           <a:stretch>
             <a:fillRect/>
           </a:stretch>
         </p:blipFill>
-        <p:spPr bwMode="auto">
-          <a:xfrm>
-            <a:off x="23813" y="1157288"/>
-            <a:ext cx="12144375" cy="4543425"/>
+        <p:spPr>
+          <a:xfrm>
+            <a:off x="1739438" y="2097750"/>
+            <a:ext cx="8713124" cy="2912018"/>
           </a:xfrm>
           <a:prstGeom prst="rect">
             <a:avLst/>
           </a:prstGeom>
-          <a:noFill/>
-          <a:extLst>
-            <a:ext uri="{909E8E84-426E-40DD-AFC4-6F175D3DCCD1}">
-              <a14:hiddenFill xmlns:a14="http://schemas.microsoft.com/office/drawing/2010/main">
-                <a:solidFill>
-                  <a:srgbClr val="FFFFFF"/>
-                </a:solidFill>
-              </a14:hiddenFill>
-            </a:ext>
-          </a:extLst>
         </p:spPr>
       </p:pic>
     </p:spTree>
     <p:extLst>
       <p:ext uri="{BB962C8B-B14F-4D97-AF65-F5344CB8AC3E}">
-        <p14:creationId xmlns:p14="http://schemas.microsoft.com/office/powerpoint/2010/main" val="191022718"/>
+        <p14:creationId xmlns:p14="http://schemas.microsoft.com/office/powerpoint/2010/main" val="2446284842"/>
       </p:ext>
     </p:extLst>
   </p:cSld>
@@ -5083,19 +5108,19 @@
           <a:lstStyle/>
           <a:p>
             <a:r>
-              <a:rPr lang="nl-BE"/>
-              <a:t>Continuous vector sorting</a:t>
-            </a:r>
-            <a:endParaRPr lang="en-GB"/>
+              <a:rPr lang="nl-BE" dirty="0" err="1"/>
+              <a:t>Dissimilarity</a:t>
+            </a:r>
+            <a:endParaRPr lang="en-GB" dirty="0"/>
           </a:p>
         </p:txBody>
       </p:sp>
       <p:pic>
         <p:nvPicPr>
-          <p:cNvPr id="5" name="Picture 4">
+          <p:cNvPr id="6" name="Picture 5">
             <a:extLst>
               <a:ext uri="{FF2B5EF4-FFF2-40B4-BE49-F238E27FC236}">
-                <a16:creationId xmlns:a16="http://schemas.microsoft.com/office/drawing/2014/main" id="{DFD820E0-DB79-4CBD-823A-AC36A816808F}"/>
+                <a16:creationId xmlns:a16="http://schemas.microsoft.com/office/drawing/2014/main" id="{BA7D2062-4D58-462C-A08E-160B06646E14}"/>
               </a:ext>
             </a:extLst>
           </p:cNvPr>
@@ -5118,115 +5143,20 @@
         </p:blipFill>
         <p:spPr>
           <a:xfrm>
-            <a:off x="1739438" y="2097750"/>
-            <a:ext cx="8713124" cy="2912018"/>
+            <a:off x="2636961" y="1752437"/>
+            <a:ext cx="6936953" cy="1116000"/>
           </a:xfrm>
           <a:prstGeom prst="rect">
             <a:avLst/>
           </a:prstGeom>
         </p:spPr>
       </p:pic>
-    </p:spTree>
-    <p:extLst>
-      <p:ext uri="{BB962C8B-B14F-4D97-AF65-F5344CB8AC3E}">
-        <p14:creationId xmlns:p14="http://schemas.microsoft.com/office/powerpoint/2010/main" val="2446284842"/>
-      </p:ext>
-    </p:extLst>
-  </p:cSld>
-  <p:clrMapOvr>
-    <a:masterClrMapping/>
-  </p:clrMapOvr>
-</p:sld>
-</file>
-
-<file path=ppt/slides/slide13.xml><?xml version="1.0" encoding="utf-8"?>
-<p:sld xmlns:a="http://schemas.openxmlformats.org/drawingml/2006/main" xmlns:r="http://schemas.openxmlformats.org/officeDocument/2006/relationships" xmlns:p="http://schemas.openxmlformats.org/presentationml/2006/main">
-  <p:cSld>
-    <p:spTree>
-      <p:nvGrpSpPr>
-        <p:cNvPr id="1" name=""/>
-        <p:cNvGrpSpPr/>
-        <p:nvPr/>
-      </p:nvGrpSpPr>
-      <p:grpSpPr>
-        <a:xfrm>
-          <a:off x="0" y="0"/>
-          <a:ext cx="0" cy="0"/>
-          <a:chOff x="0" y="0"/>
-          <a:chExt cx="0" cy="0"/>
-        </a:xfrm>
-      </p:grpSpPr>
-      <p:sp>
-        <p:nvSpPr>
-          <p:cNvPr id="2" name="Title 1">
-            <a:extLst>
-              <a:ext uri="{FF2B5EF4-FFF2-40B4-BE49-F238E27FC236}">
-                <a16:creationId xmlns:a16="http://schemas.microsoft.com/office/drawing/2014/main" id="{BF1488D3-8034-A85B-7A11-AC9D49E1009A}"/>
-              </a:ext>
-            </a:extLst>
-          </p:cNvPr>
-          <p:cNvSpPr>
-            <a:spLocks noGrp="1"/>
-          </p:cNvSpPr>
-          <p:nvPr>
-            <p:ph type="title"/>
-          </p:nvPr>
-        </p:nvSpPr>
-        <p:spPr/>
-        <p:txBody>
-          <a:bodyPr/>
-          <a:lstStyle/>
-          <a:p>
-            <a:r>
-              <a:rPr lang="nl-BE" dirty="0" err="1"/>
-              <a:t>Dissimilarity</a:t>
-            </a:r>
-            <a:endParaRPr lang="en-GB" dirty="0"/>
-          </a:p>
-        </p:txBody>
-      </p:sp>
       <p:pic>
         <p:nvPicPr>
-          <p:cNvPr id="6" name="Picture 5">
+          <p:cNvPr id="4" name="Picture 3">
             <a:extLst>
               <a:ext uri="{FF2B5EF4-FFF2-40B4-BE49-F238E27FC236}">
-                <a16:creationId xmlns:a16="http://schemas.microsoft.com/office/drawing/2014/main" id="{BA7D2062-4D58-462C-A08E-160B06646E14}"/>
-              </a:ext>
-            </a:extLst>
-          </p:cNvPr>
-          <p:cNvPicPr>
-            <a:picLocks noChangeAspect="1"/>
-          </p:cNvPicPr>
-          <p:nvPr/>
-        </p:nvPicPr>
-        <p:blipFill>
-          <a:blip r:embed="rId3">
-            <a:extLst>
-              <a:ext uri="{28A0092B-C50C-407E-A947-70E740481C1C}">
-                <a14:useLocalDpi xmlns:a14="http://schemas.microsoft.com/office/drawing/2010/main" val="0"/>
-              </a:ext>
-            </a:extLst>
-          </a:blip>
-          <a:stretch>
-            <a:fillRect/>
-          </a:stretch>
-        </p:blipFill>
-        <p:spPr>
-          <a:xfrm>
-            <a:off x="2636961" y="1752437"/>
-            <a:ext cx="6936953" cy="1116000"/>
-          </a:xfrm>
-          <a:prstGeom prst="rect">
-            <a:avLst/>
-          </a:prstGeom>
-        </p:spPr>
-      </p:pic>
-      <p:pic>
-        <p:nvPicPr>
-          <p:cNvPr id="8" name="Picture 7">
-            <a:extLst>
-              <a:ext uri="{FF2B5EF4-FFF2-40B4-BE49-F238E27FC236}">
-                <a16:creationId xmlns:a16="http://schemas.microsoft.com/office/drawing/2014/main" id="{3659A2E3-79FB-4672-ADCB-6E70DB0C91FB}"/>
+                <a16:creationId xmlns:a16="http://schemas.microsoft.com/office/drawing/2014/main" id="{DDE8E5AD-9C10-4230-94CE-AF40AAA8A352}"/>
               </a:ext>
             </a:extLst>
           </p:cNvPr>
@@ -5249,8 +5179,8 @@
         </p:blipFill>
         <p:spPr>
           <a:xfrm>
-            <a:off x="2636961" y="3836402"/>
-            <a:ext cx="6844368" cy="1116000"/>
+            <a:off x="712300" y="3836402"/>
+            <a:ext cx="10914863" cy="1116000"/>
           </a:xfrm>
           <a:prstGeom prst="rect">
             <a:avLst/>
@@ -5270,7 +5200,7 @@
 </p:sld>
 </file>
 
-<file path=ppt/slides/slide14.xml><?xml version="1.0" encoding="utf-8"?>
+<file path=ppt/slides/slide13.xml><?xml version="1.0" encoding="utf-8"?>
 <p:sld xmlns:a="http://schemas.openxmlformats.org/drawingml/2006/main" xmlns:r="http://schemas.openxmlformats.org/officeDocument/2006/relationships" xmlns:p="http://schemas.openxmlformats.org/presentationml/2006/main">
   <p:cSld>
     <p:spTree>
@@ -5514,7 +5444,7 @@
 </p:sld>
 </file>
 
-<file path=ppt/slides/slide15.xml><?xml version="1.0" encoding="utf-8"?>
+<file path=ppt/slides/slide14.xml><?xml version="1.0" encoding="utf-8"?>
 <p:sld xmlns:a="http://schemas.openxmlformats.org/drawingml/2006/main" xmlns:r="http://schemas.openxmlformats.org/officeDocument/2006/relationships" xmlns:p="http://schemas.openxmlformats.org/presentationml/2006/main">
   <p:cSld>
     <p:spTree>
@@ -5928,10 +5858,10 @@
       </p:pic>
       <p:pic>
         <p:nvPicPr>
-          <p:cNvPr id="38" name="Picture 37">
+          <p:cNvPr id="16" name="Picture 15">
             <a:extLst>
               <a:ext uri="{FF2B5EF4-FFF2-40B4-BE49-F238E27FC236}">
-                <a16:creationId xmlns:a16="http://schemas.microsoft.com/office/drawing/2014/main" id="{3C8CA64A-B865-42C7-B689-1D18DDBE6383}"/>
+                <a16:creationId xmlns:a16="http://schemas.microsoft.com/office/drawing/2014/main" id="{808CDA04-7686-413F-ACC4-84A292614F85}"/>
               </a:ext>
             </a:extLst>
           </p:cNvPr>
@@ -5954,7 +5884,7 @@
         </p:blipFill>
         <p:spPr>
           <a:xfrm>
-            <a:off x="8180404" y="4630526"/>
+            <a:off x="8330304" y="4785589"/>
             <a:ext cx="893164" cy="310126"/>
           </a:xfrm>
           <a:prstGeom prst="rect">
@@ -5962,55 +5892,431 @@
           </a:prstGeom>
         </p:spPr>
       </p:pic>
-      <p:cxnSp>
-        <p:nvCxnSpPr>
-          <p:cNvPr id="40" name="Straight Arrow Connector 39">
+      <p:sp>
+        <p:nvSpPr>
+          <p:cNvPr id="17" name="TextBox 16">
             <a:extLst>
               <a:ext uri="{FF2B5EF4-FFF2-40B4-BE49-F238E27FC236}">
-                <a16:creationId xmlns:a16="http://schemas.microsoft.com/office/drawing/2014/main" id="{0FC65CE3-89D5-4F43-A69D-9F81F2A9763F}"/>
+                <a16:creationId xmlns:a16="http://schemas.microsoft.com/office/drawing/2014/main" id="{6BE619E1-5A27-40EF-9A21-53F7EEBE34D5}"/>
               </a:ext>
             </a:extLst>
           </p:cNvPr>
-          <p:cNvCxnSpPr>
-            <a:cxnSpLocks/>
-          </p:cNvCxnSpPr>
+          <p:cNvSpPr txBox="1"/>
           <p:nvPr/>
-        </p:nvCxnSpPr>
+        </p:nvSpPr>
         <p:spPr>
-          <a:xfrm flipV="1">
-            <a:off x="5541363" y="4809468"/>
-            <a:ext cx="1144250" cy="1"/>
-          </a:xfrm>
-          <a:prstGeom prst="straightConnector1">
+          <a:xfrm>
+            <a:off x="5919329" y="4684844"/>
+            <a:ext cx="372218" cy="511615"/>
+          </a:xfrm>
+          <a:prstGeom prst="rect">
             <a:avLst/>
           </a:prstGeom>
-          <a:ln w="31750">
-            <a:solidFill>
-              <a:srgbClr val="FF7F7F"/>
-            </a:solidFill>
-            <a:headEnd type="triangle"/>
-            <a:tailEnd type="triangle"/>
-          </a:ln>
-        </p:spPr>
-        <p:style>
-          <a:lnRef idx="1">
-            <a:schemeClr val="accent1"/>
-          </a:lnRef>
-          <a:fillRef idx="0">
-            <a:schemeClr val="accent1"/>
-          </a:fillRef>
-          <a:effectRef idx="0">
-            <a:schemeClr val="accent1"/>
-          </a:effectRef>
-          <a:fontRef idx="minor">
-            <a:schemeClr val="tx1"/>
-          </a:fontRef>
-        </p:style>
-      </p:cxnSp>
+          <a:noFill/>
+        </p:spPr>
+        <p:txBody>
+          <a:bodyPr wrap="none" rtlCol="0">
+            <a:spAutoFit/>
+          </a:bodyPr>
+          <a:lstStyle/>
+          <a:p>
+            <a:pPr algn="l">
+              <a:lnSpc>
+                <a:spcPct val="120000"/>
+              </a:lnSpc>
+            </a:pPr>
+            <a:r>
+              <a:rPr lang="nl-BE" sz="2500" dirty="0"/>
+              <a:t>&lt;</a:t>
+            </a:r>
+          </a:p>
+        </p:txBody>
+      </p:sp>
     </p:spTree>
     <p:extLst>
       <p:ext uri="{BB962C8B-B14F-4D97-AF65-F5344CB8AC3E}">
         <p14:creationId xmlns:p14="http://schemas.microsoft.com/office/powerpoint/2010/main" val="3970032936"/>
+      </p:ext>
+    </p:extLst>
+  </p:cSld>
+  <p:clrMapOvr>
+    <a:masterClrMapping/>
+  </p:clrMapOvr>
+</p:sld>
+</file>
+
+<file path=ppt/slides/slide15.xml><?xml version="1.0" encoding="utf-8"?>
+<p:sld xmlns:a="http://schemas.openxmlformats.org/drawingml/2006/main" xmlns:r="http://schemas.openxmlformats.org/officeDocument/2006/relationships" xmlns:p="http://schemas.openxmlformats.org/presentationml/2006/main">
+  <p:cSld>
+    <p:spTree>
+      <p:nvGrpSpPr>
+        <p:cNvPr id="1" name=""/>
+        <p:cNvGrpSpPr/>
+        <p:nvPr/>
+      </p:nvGrpSpPr>
+      <p:grpSpPr>
+        <a:xfrm>
+          <a:off x="0" y="0"/>
+          <a:ext cx="0" cy="0"/>
+          <a:chOff x="0" y="0"/>
+          <a:chExt cx="0" cy="0"/>
+        </a:xfrm>
+      </p:grpSpPr>
+      <p:sp>
+        <p:nvSpPr>
+          <p:cNvPr id="2" name="Title 1">
+            <a:extLst>
+              <a:ext uri="{FF2B5EF4-FFF2-40B4-BE49-F238E27FC236}">
+                <a16:creationId xmlns:a16="http://schemas.microsoft.com/office/drawing/2014/main" id="{8C7F0F6A-AA92-E108-730A-4C10F500829E}"/>
+              </a:ext>
+            </a:extLst>
+          </p:cNvPr>
+          <p:cNvSpPr>
+            <a:spLocks noGrp="1"/>
+          </p:cNvSpPr>
+          <p:nvPr>
+            <p:ph type="title"/>
+          </p:nvPr>
+        </p:nvSpPr>
+        <p:spPr/>
+        <p:txBody>
+          <a:bodyPr/>
+          <a:lstStyle/>
+          <a:p>
+            <a:r>
+              <a:rPr lang="nl-BE"/>
+              <a:t>results</a:t>
+            </a:r>
+            <a:endParaRPr lang="en-GB"/>
+          </a:p>
+        </p:txBody>
+      </p:sp>
+      <p:pic>
+        <p:nvPicPr>
+          <p:cNvPr id="5" name="Picture 4">
+            <a:extLst>
+              <a:ext uri="{FF2B5EF4-FFF2-40B4-BE49-F238E27FC236}">
+                <a16:creationId xmlns:a16="http://schemas.microsoft.com/office/drawing/2014/main" id="{EFC7ACE7-78EE-7B88-C861-33895937372D}"/>
+              </a:ext>
+            </a:extLst>
+          </p:cNvPr>
+          <p:cNvPicPr>
+            <a:picLocks noChangeAspect="1"/>
+          </p:cNvPicPr>
+          <p:nvPr/>
+        </p:nvPicPr>
+        <p:blipFill>
+          <a:blip r:embed="rId2"/>
+          <a:stretch>
+            <a:fillRect/>
+          </a:stretch>
+        </p:blipFill>
+        <p:spPr>
+          <a:xfrm>
+            <a:off x="4409285" y="815752"/>
+            <a:ext cx="5066433" cy="2520000"/>
+          </a:xfrm>
+          <a:prstGeom prst="rect">
+            <a:avLst/>
+          </a:prstGeom>
+        </p:spPr>
+      </p:pic>
+      <p:pic>
+        <p:nvPicPr>
+          <p:cNvPr id="7" name="Picture 6">
+            <a:extLst>
+              <a:ext uri="{FF2B5EF4-FFF2-40B4-BE49-F238E27FC236}">
+                <a16:creationId xmlns:a16="http://schemas.microsoft.com/office/drawing/2014/main" id="{8515DFC2-F290-E914-64AA-102B33A7747C}"/>
+              </a:ext>
+            </a:extLst>
+          </p:cNvPr>
+          <p:cNvPicPr>
+            <a:picLocks noChangeAspect="1"/>
+          </p:cNvPicPr>
+          <p:nvPr/>
+        </p:nvPicPr>
+        <p:blipFill>
+          <a:blip r:embed="rId3"/>
+          <a:stretch>
+            <a:fillRect/>
+          </a:stretch>
+        </p:blipFill>
+        <p:spPr>
+          <a:xfrm>
+            <a:off x="4399867" y="3655714"/>
+            <a:ext cx="5075851" cy="2520000"/>
+          </a:xfrm>
+          <a:prstGeom prst="rect">
+            <a:avLst/>
+          </a:prstGeom>
+        </p:spPr>
+      </p:pic>
+      <p:sp>
+        <p:nvSpPr>
+          <p:cNvPr id="8" name="TextBox 7">
+            <a:extLst>
+              <a:ext uri="{FF2B5EF4-FFF2-40B4-BE49-F238E27FC236}">
+                <a16:creationId xmlns:a16="http://schemas.microsoft.com/office/drawing/2014/main" id="{D5AF61FA-4C83-47A0-7128-48302C190A7E}"/>
+              </a:ext>
+            </a:extLst>
+          </p:cNvPr>
+          <p:cNvSpPr txBox="1"/>
+          <p:nvPr/>
+        </p:nvSpPr>
+        <p:spPr>
+          <a:xfrm>
+            <a:off x="1677886" y="1404131"/>
+            <a:ext cx="2391838" cy="1434945"/>
+          </a:xfrm>
+          <a:prstGeom prst="rect">
+            <a:avLst/>
+          </a:prstGeom>
+          <a:noFill/>
+        </p:spPr>
+        <p:txBody>
+          <a:bodyPr wrap="square" rtlCol="0">
+            <a:spAutoFit/>
+          </a:bodyPr>
+          <a:lstStyle/>
+          <a:p>
+            <a:pPr algn="l">
+              <a:lnSpc>
+                <a:spcPct val="120000"/>
+              </a:lnSpc>
+            </a:pPr>
+            <a:r>
+              <a:rPr lang="nl-BE" sz="2500" dirty="0" err="1"/>
+              <a:t>Lumer-Faieta</a:t>
+            </a:r>
+            <a:r>
+              <a:rPr lang="nl-BE" sz="2500" dirty="0"/>
+              <a:t> without clustering</a:t>
+            </a:r>
+            <a:endParaRPr lang="en-GB" sz="2500" dirty="0"/>
+          </a:p>
+        </p:txBody>
+      </p:sp>
+      <p:sp>
+        <p:nvSpPr>
+          <p:cNvPr id="9" name="TextBox 8">
+            <a:extLst>
+              <a:ext uri="{FF2B5EF4-FFF2-40B4-BE49-F238E27FC236}">
+                <a16:creationId xmlns:a16="http://schemas.microsoft.com/office/drawing/2014/main" id="{A0AB8EA0-E95D-1721-8CE3-C90925E148E2}"/>
+              </a:ext>
+            </a:extLst>
+          </p:cNvPr>
+          <p:cNvSpPr txBox="1"/>
+          <p:nvPr/>
+        </p:nvSpPr>
+        <p:spPr>
+          <a:xfrm>
+            <a:off x="1677886" y="4480589"/>
+            <a:ext cx="2391838" cy="973280"/>
+          </a:xfrm>
+          <a:prstGeom prst="rect">
+            <a:avLst/>
+          </a:prstGeom>
+          <a:noFill/>
+        </p:spPr>
+        <p:txBody>
+          <a:bodyPr wrap="square" rtlCol="0">
+            <a:spAutoFit/>
+          </a:bodyPr>
+          <a:lstStyle/>
+          <a:p>
+            <a:pPr algn="l">
+              <a:lnSpc>
+                <a:spcPct val="120000"/>
+              </a:lnSpc>
+            </a:pPr>
+            <a:r>
+              <a:rPr lang="nl-BE" sz="2500" dirty="0" err="1"/>
+              <a:t>Lumer-Faieta</a:t>
+            </a:r>
+            <a:r>
+              <a:rPr lang="nl-BE" sz="2500" dirty="0"/>
+              <a:t> </a:t>
+            </a:r>
+            <a:r>
+              <a:rPr lang="nl-BE" sz="2500" dirty="0" err="1"/>
+              <a:t>with</a:t>
+            </a:r>
+            <a:r>
+              <a:rPr lang="nl-BE" sz="2500" dirty="0"/>
+              <a:t> clustering</a:t>
+            </a:r>
+            <a:endParaRPr lang="en-GB" sz="2500" dirty="0"/>
+          </a:p>
+        </p:txBody>
+      </p:sp>
+      <p:sp>
+        <p:nvSpPr>
+          <p:cNvPr id="10" name="TextBox 9">
+            <a:extLst>
+              <a:ext uri="{FF2B5EF4-FFF2-40B4-BE49-F238E27FC236}">
+                <a16:creationId xmlns:a16="http://schemas.microsoft.com/office/drawing/2014/main" id="{3C07CB76-13E8-4768-B0C9-7EA29A351EA8}"/>
+              </a:ext>
+            </a:extLst>
+          </p:cNvPr>
+          <p:cNvSpPr txBox="1"/>
+          <p:nvPr/>
+        </p:nvSpPr>
+        <p:spPr>
+          <a:xfrm>
+            <a:off x="5646419" y="6028910"/>
+            <a:ext cx="266824" cy="293607"/>
+          </a:xfrm>
+          <a:prstGeom prst="rect">
+            <a:avLst/>
+          </a:prstGeom>
+          <a:noFill/>
+        </p:spPr>
+        <p:txBody>
+          <a:bodyPr wrap="square" rtlCol="0">
+            <a:spAutoFit/>
+          </a:bodyPr>
+          <a:lstStyle/>
+          <a:p>
+            <a:pPr algn="l">
+              <a:lnSpc>
+                <a:spcPct val="120000"/>
+              </a:lnSpc>
+            </a:pPr>
+            <a:r>
+              <a:rPr lang="nl-BE" sz="1200" dirty="0"/>
+              <a:t>0</a:t>
+            </a:r>
+            <a:endParaRPr lang="en-GB" sz="1200" dirty="0"/>
+          </a:p>
+        </p:txBody>
+      </p:sp>
+      <p:sp>
+        <p:nvSpPr>
+          <p:cNvPr id="11" name="TextBox 10">
+            <a:extLst>
+              <a:ext uri="{FF2B5EF4-FFF2-40B4-BE49-F238E27FC236}">
+                <a16:creationId xmlns:a16="http://schemas.microsoft.com/office/drawing/2014/main" id="{37CB37A2-A169-4AD8-AB27-5D6149033AE3}"/>
+              </a:ext>
+            </a:extLst>
+          </p:cNvPr>
+          <p:cNvSpPr txBox="1"/>
+          <p:nvPr/>
+        </p:nvSpPr>
+        <p:spPr>
+          <a:xfrm>
+            <a:off x="7834504" y="6028909"/>
+            <a:ext cx="708669" cy="293607"/>
+          </a:xfrm>
+          <a:prstGeom prst="rect">
+            <a:avLst/>
+          </a:prstGeom>
+          <a:noFill/>
+        </p:spPr>
+        <p:txBody>
+          <a:bodyPr wrap="square" rtlCol="0">
+            <a:spAutoFit/>
+          </a:bodyPr>
+          <a:lstStyle/>
+          <a:p>
+            <a:pPr algn="l">
+              <a:lnSpc>
+                <a:spcPct val="120000"/>
+              </a:lnSpc>
+            </a:pPr>
+            <a:r>
+              <a:rPr lang="nl-BE" sz="1200" dirty="0"/>
+              <a:t>10 000</a:t>
+            </a:r>
+            <a:endParaRPr lang="en-GB" sz="1200" dirty="0"/>
+          </a:p>
+        </p:txBody>
+      </p:sp>
+      <p:sp>
+        <p:nvSpPr>
+          <p:cNvPr id="12" name="TextBox 11">
+            <a:extLst>
+              <a:ext uri="{FF2B5EF4-FFF2-40B4-BE49-F238E27FC236}">
+                <a16:creationId xmlns:a16="http://schemas.microsoft.com/office/drawing/2014/main" id="{9901BDF0-DF96-445A-9A67-7E3836A783FA}"/>
+              </a:ext>
+            </a:extLst>
+          </p:cNvPr>
+          <p:cNvSpPr txBox="1"/>
+          <p:nvPr/>
+        </p:nvSpPr>
+        <p:spPr>
+          <a:xfrm>
+            <a:off x="5597432" y="3220228"/>
+            <a:ext cx="266824" cy="293607"/>
+          </a:xfrm>
+          <a:prstGeom prst="rect">
+            <a:avLst/>
+          </a:prstGeom>
+          <a:noFill/>
+        </p:spPr>
+        <p:txBody>
+          <a:bodyPr wrap="square" rtlCol="0">
+            <a:spAutoFit/>
+          </a:bodyPr>
+          <a:lstStyle/>
+          <a:p>
+            <a:pPr algn="l">
+              <a:lnSpc>
+                <a:spcPct val="120000"/>
+              </a:lnSpc>
+            </a:pPr>
+            <a:r>
+              <a:rPr lang="nl-BE" sz="1200" dirty="0"/>
+              <a:t>0</a:t>
+            </a:r>
+            <a:endParaRPr lang="en-GB" sz="1200" dirty="0"/>
+          </a:p>
+        </p:txBody>
+      </p:sp>
+      <p:sp>
+        <p:nvSpPr>
+          <p:cNvPr id="13" name="TextBox 12">
+            <a:extLst>
+              <a:ext uri="{FF2B5EF4-FFF2-40B4-BE49-F238E27FC236}">
+                <a16:creationId xmlns:a16="http://schemas.microsoft.com/office/drawing/2014/main" id="{B5389610-4806-4A44-9653-034C88C2E71E}"/>
+              </a:ext>
+            </a:extLst>
+          </p:cNvPr>
+          <p:cNvSpPr txBox="1"/>
+          <p:nvPr/>
+        </p:nvSpPr>
+        <p:spPr>
+          <a:xfrm>
+            <a:off x="7785516" y="3220227"/>
+            <a:ext cx="901283" cy="293607"/>
+          </a:xfrm>
+          <a:prstGeom prst="rect">
+            <a:avLst/>
+          </a:prstGeom>
+          <a:noFill/>
+        </p:spPr>
+        <p:txBody>
+          <a:bodyPr wrap="square" rtlCol="0">
+            <a:spAutoFit/>
+          </a:bodyPr>
+          <a:lstStyle/>
+          <a:p>
+            <a:pPr algn="l">
+              <a:lnSpc>
+                <a:spcPct val="120000"/>
+              </a:lnSpc>
+            </a:pPr>
+            <a:r>
+              <a:rPr lang="nl-BE" sz="1200" dirty="0"/>
+              <a:t>1 000 000</a:t>
+            </a:r>
+            <a:endParaRPr lang="en-GB" sz="1200" dirty="0"/>
+          </a:p>
+        </p:txBody>
+      </p:sp>
+    </p:spTree>
+    <p:extLst>
+      <p:ext uri="{BB962C8B-B14F-4D97-AF65-F5344CB8AC3E}">
+        <p14:creationId xmlns:p14="http://schemas.microsoft.com/office/powerpoint/2010/main" val="2745004865"/>
       </p:ext>
     </p:extLst>
   </p:cSld>
@@ -6042,835 +6348,6 @@
           <p:cNvPr id="2" name="Title 1">
             <a:extLst>
               <a:ext uri="{FF2B5EF4-FFF2-40B4-BE49-F238E27FC236}">
-                <a16:creationId xmlns:a16="http://schemas.microsoft.com/office/drawing/2014/main" id="{BF1488D3-8034-A85B-7A11-AC9D49E1009A}"/>
-              </a:ext>
-            </a:extLst>
-          </p:cNvPr>
-          <p:cNvSpPr>
-            <a:spLocks noGrp="1"/>
-          </p:cNvSpPr>
-          <p:nvPr>
-            <p:ph type="title"/>
-          </p:nvPr>
-        </p:nvSpPr>
-        <p:spPr>
-          <a:xfrm>
-            <a:off x="583713" y="177188"/>
-            <a:ext cx="11043450" cy="607284"/>
-          </a:xfrm>
-        </p:spPr>
-        <p:txBody>
-          <a:bodyPr/>
-          <a:lstStyle/>
-          <a:p>
-            <a:r>
-              <a:rPr lang="nl-BE" dirty="0"/>
-              <a:t>Clustering</a:t>
-            </a:r>
-            <a:endParaRPr lang="en-GB" dirty="0"/>
-          </a:p>
-        </p:txBody>
-      </p:sp>
-      <p:pic>
-        <p:nvPicPr>
-          <p:cNvPr id="11" name="Picture 10">
-            <a:extLst>
-              <a:ext uri="{FF2B5EF4-FFF2-40B4-BE49-F238E27FC236}">
-                <a16:creationId xmlns:a16="http://schemas.microsoft.com/office/drawing/2014/main" id="{4B40024B-8CF0-4414-A337-712F3EDF0968}"/>
-              </a:ext>
-            </a:extLst>
-          </p:cNvPr>
-          <p:cNvPicPr>
-            <a:picLocks noChangeAspect="1"/>
-          </p:cNvPicPr>
-          <p:nvPr/>
-        </p:nvPicPr>
-        <p:blipFill>
-          <a:blip r:embed="rId3">
-            <a:extLst>
-              <a:ext uri="{28A0092B-C50C-407E-A947-70E740481C1C}">
-                <a14:useLocalDpi xmlns:a14="http://schemas.microsoft.com/office/drawing/2010/main" val="0"/>
-              </a:ext>
-            </a:extLst>
-          </a:blip>
-          <a:stretch>
-            <a:fillRect/>
-          </a:stretch>
-        </p:blipFill>
-        <p:spPr>
-          <a:xfrm>
-            <a:off x="6962215" y="1651985"/>
-            <a:ext cx="3629343" cy="2514821"/>
-          </a:xfrm>
-          <a:prstGeom prst="rect">
-            <a:avLst/>
-          </a:prstGeom>
-        </p:spPr>
-      </p:pic>
-      <p:pic>
-        <p:nvPicPr>
-          <p:cNvPr id="36" name="Picture 35">
-            <a:extLst>
-              <a:ext uri="{FF2B5EF4-FFF2-40B4-BE49-F238E27FC236}">
-                <a16:creationId xmlns:a16="http://schemas.microsoft.com/office/drawing/2014/main" id="{4C226865-C427-4676-B96C-7594CEE467BA}"/>
-              </a:ext>
-            </a:extLst>
-          </p:cNvPr>
-          <p:cNvPicPr>
-            <a:picLocks noChangeAspect="1"/>
-          </p:cNvPicPr>
-          <p:nvPr/>
-        </p:nvPicPr>
-        <p:blipFill>
-          <a:blip r:embed="rId4">
-            <a:extLst>
-              <a:ext uri="{28A0092B-C50C-407E-A947-70E740481C1C}">
-                <a14:useLocalDpi xmlns:a14="http://schemas.microsoft.com/office/drawing/2010/main" val="0"/>
-              </a:ext>
-            </a:extLst>
-          </a:blip>
-          <a:stretch>
-            <a:fillRect/>
-          </a:stretch>
-        </p:blipFill>
-        <p:spPr>
-          <a:xfrm>
-            <a:off x="2031005" y="4637010"/>
-            <a:ext cx="2550218" cy="607285"/>
-          </a:xfrm>
-          <a:prstGeom prst="rect">
-            <a:avLst/>
-          </a:prstGeom>
-        </p:spPr>
-      </p:pic>
-      <p:pic>
-        <p:nvPicPr>
-          <p:cNvPr id="38" name="Picture 37">
-            <a:extLst>
-              <a:ext uri="{FF2B5EF4-FFF2-40B4-BE49-F238E27FC236}">
-                <a16:creationId xmlns:a16="http://schemas.microsoft.com/office/drawing/2014/main" id="{3C8CA64A-B865-42C7-B689-1D18DDBE6383}"/>
-              </a:ext>
-            </a:extLst>
-          </p:cNvPr>
-          <p:cNvPicPr>
-            <a:picLocks noChangeAspect="1"/>
-          </p:cNvPicPr>
-          <p:nvPr/>
-        </p:nvPicPr>
-        <p:blipFill>
-          <a:blip r:embed="rId5">
-            <a:extLst>
-              <a:ext uri="{28A0092B-C50C-407E-A947-70E740481C1C}">
-                <a14:useLocalDpi xmlns:a14="http://schemas.microsoft.com/office/drawing/2010/main" val="0"/>
-              </a:ext>
-            </a:extLst>
-          </a:blip>
-          <a:stretch>
-            <a:fillRect/>
-          </a:stretch>
-        </p:blipFill>
-        <p:spPr>
-          <a:xfrm>
-            <a:off x="8330304" y="4785589"/>
-            <a:ext cx="893164" cy="310126"/>
-          </a:xfrm>
-          <a:prstGeom prst="rect">
-            <a:avLst/>
-          </a:prstGeom>
-        </p:spPr>
-      </p:pic>
-      <p:grpSp>
-        <p:nvGrpSpPr>
-          <p:cNvPr id="8" name="Group 7">
-            <a:extLst>
-              <a:ext uri="{FF2B5EF4-FFF2-40B4-BE49-F238E27FC236}">
-                <a16:creationId xmlns:a16="http://schemas.microsoft.com/office/drawing/2014/main" id="{C6DD8860-2C9C-47E2-9C31-03AE7D93646B}"/>
-              </a:ext>
-            </a:extLst>
-          </p:cNvPr>
-          <p:cNvGrpSpPr/>
-          <p:nvPr/>
-        </p:nvGrpSpPr>
-        <p:grpSpPr>
-          <a:xfrm>
-            <a:off x="1683059" y="1798153"/>
-            <a:ext cx="3246109" cy="2222483"/>
-            <a:chOff x="1776267" y="1944323"/>
-            <a:chExt cx="2804956" cy="1831505"/>
-          </a:xfrm>
-        </p:grpSpPr>
-        <p:pic>
-          <p:nvPicPr>
-            <p:cNvPr id="4" name="Picture 3">
-              <a:extLst>
-                <a:ext uri="{FF2B5EF4-FFF2-40B4-BE49-F238E27FC236}">
-                  <a16:creationId xmlns:a16="http://schemas.microsoft.com/office/drawing/2014/main" id="{FBC580F8-DE9F-4FD7-9A19-042913B0ACB6}"/>
-                </a:ext>
-              </a:extLst>
-            </p:cNvPr>
-            <p:cNvPicPr>
-              <a:picLocks noChangeAspect="1"/>
-            </p:cNvPicPr>
-            <p:nvPr/>
-          </p:nvPicPr>
-          <p:blipFill rotWithShape="1">
-            <a:blip r:embed="rId6">
-              <a:extLst>
-                <a:ext uri="{28A0092B-C50C-407E-A947-70E740481C1C}">
-                  <a14:useLocalDpi xmlns:a14="http://schemas.microsoft.com/office/drawing/2010/main" val="0"/>
-                </a:ext>
-              </a:extLst>
-            </a:blip>
-            <a:srcRect l="16925" t="8060" r="18395" b="7594"/>
-            <a:stretch/>
-          </p:blipFill>
-          <p:spPr>
-            <a:xfrm rot="16200000">
-              <a:off x="2262992" y="1457598"/>
-              <a:ext cx="1831505" cy="2804956"/>
-            </a:xfrm>
-            <a:prstGeom prst="rect">
-              <a:avLst/>
-            </a:prstGeom>
-          </p:spPr>
-        </p:pic>
-        <p:cxnSp>
-          <p:nvCxnSpPr>
-            <p:cNvPr id="18" name="Straight Arrow Connector 17">
-              <a:extLst>
-                <a:ext uri="{FF2B5EF4-FFF2-40B4-BE49-F238E27FC236}">
-                  <a16:creationId xmlns:a16="http://schemas.microsoft.com/office/drawing/2014/main" id="{35EB3319-1A28-4BAA-86BE-E04F9115272B}"/>
-                </a:ext>
-              </a:extLst>
-            </p:cNvPr>
-            <p:cNvCxnSpPr>
-              <a:cxnSpLocks/>
-            </p:cNvCxnSpPr>
-            <p:nvPr/>
-          </p:nvCxnSpPr>
-          <p:spPr>
-            <a:xfrm flipH="1">
-              <a:off x="3274788" y="2579434"/>
-              <a:ext cx="585657" cy="561285"/>
-            </a:xfrm>
-            <a:prstGeom prst="straightConnector1">
-              <a:avLst/>
-            </a:prstGeom>
-            <a:ln w="31750">
-              <a:solidFill>
-                <a:schemeClr val="bg1"/>
-              </a:solidFill>
-              <a:headEnd type="triangle"/>
-              <a:tailEnd type="triangle"/>
-            </a:ln>
-          </p:spPr>
-          <p:style>
-            <a:lnRef idx="1">
-              <a:schemeClr val="accent1"/>
-            </a:lnRef>
-            <a:fillRef idx="0">
-              <a:schemeClr val="accent1"/>
-            </a:fillRef>
-            <a:effectRef idx="0">
-              <a:schemeClr val="accent1"/>
-            </a:effectRef>
-            <a:fontRef idx="minor">
-              <a:schemeClr val="tx1"/>
-            </a:fontRef>
-          </p:style>
-        </p:cxnSp>
-        <p:cxnSp>
-          <p:nvCxnSpPr>
-            <p:cNvPr id="13" name="Straight Arrow Connector 12">
-              <a:extLst>
-                <a:ext uri="{FF2B5EF4-FFF2-40B4-BE49-F238E27FC236}">
-                  <a16:creationId xmlns:a16="http://schemas.microsoft.com/office/drawing/2014/main" id="{3A7C2ECA-2EBA-448E-8782-38D83C290442}"/>
-                </a:ext>
-              </a:extLst>
-            </p:cNvPr>
-            <p:cNvCxnSpPr>
-              <a:cxnSpLocks/>
-            </p:cNvCxnSpPr>
-            <p:nvPr/>
-          </p:nvCxnSpPr>
-          <p:spPr>
-            <a:xfrm>
-              <a:off x="3134579" y="2375125"/>
-              <a:ext cx="725866" cy="0"/>
-            </a:xfrm>
-            <a:prstGeom prst="straightConnector1">
-              <a:avLst/>
-            </a:prstGeom>
-            <a:ln w="31750">
-              <a:solidFill>
-                <a:schemeClr val="bg1"/>
-              </a:solidFill>
-              <a:headEnd type="triangle"/>
-              <a:tailEnd type="triangle"/>
-            </a:ln>
-          </p:spPr>
-          <p:style>
-            <a:lnRef idx="1">
-              <a:schemeClr val="accent1"/>
-            </a:lnRef>
-            <a:fillRef idx="0">
-              <a:schemeClr val="accent1"/>
-            </a:fillRef>
-            <a:effectRef idx="0">
-              <a:schemeClr val="accent1"/>
-            </a:effectRef>
-            <a:fontRef idx="minor">
-              <a:schemeClr val="tx1"/>
-            </a:fontRef>
-          </p:style>
-        </p:cxnSp>
-        <p:cxnSp>
-          <p:nvCxnSpPr>
-            <p:cNvPr id="15" name="Straight Arrow Connector 14">
-              <a:extLst>
-                <a:ext uri="{FF2B5EF4-FFF2-40B4-BE49-F238E27FC236}">
-                  <a16:creationId xmlns:a16="http://schemas.microsoft.com/office/drawing/2014/main" id="{46101911-20F7-4EBC-9F5C-F42336BD0EDA}"/>
-                </a:ext>
-              </a:extLst>
-            </p:cNvPr>
-            <p:cNvCxnSpPr>
-              <a:cxnSpLocks/>
-            </p:cNvCxnSpPr>
-            <p:nvPr/>
-          </p:nvCxnSpPr>
-          <p:spPr>
-            <a:xfrm>
-              <a:off x="4084515" y="2579434"/>
-              <a:ext cx="0" cy="670990"/>
-            </a:xfrm>
-            <a:prstGeom prst="straightConnector1">
-              <a:avLst/>
-            </a:prstGeom>
-            <a:ln w="31750">
-              <a:solidFill>
-                <a:schemeClr val="bg1"/>
-              </a:solidFill>
-              <a:headEnd type="triangle"/>
-              <a:tailEnd type="triangle"/>
-            </a:ln>
-          </p:spPr>
-          <p:style>
-            <a:lnRef idx="1">
-              <a:schemeClr val="accent1"/>
-            </a:lnRef>
-            <a:fillRef idx="0">
-              <a:schemeClr val="accent1"/>
-            </a:fillRef>
-            <a:effectRef idx="0">
-              <a:schemeClr val="accent1"/>
-            </a:effectRef>
-            <a:fontRef idx="minor">
-              <a:schemeClr val="tx1"/>
-            </a:fontRef>
-          </p:style>
-        </p:cxnSp>
-        <p:cxnSp>
-          <p:nvCxnSpPr>
-            <p:cNvPr id="17" name="Straight Arrow Connector 16">
-              <a:extLst>
-                <a:ext uri="{FF2B5EF4-FFF2-40B4-BE49-F238E27FC236}">
-                  <a16:creationId xmlns:a16="http://schemas.microsoft.com/office/drawing/2014/main" id="{B935827A-79F3-421E-B0C8-A105BFC6357F}"/>
-                </a:ext>
-              </a:extLst>
-            </p:cNvPr>
-            <p:cNvCxnSpPr>
-              <a:cxnSpLocks/>
-            </p:cNvCxnSpPr>
-            <p:nvPr/>
-          </p:nvCxnSpPr>
-          <p:spPr>
-            <a:xfrm>
-              <a:off x="2552369" y="2375125"/>
-              <a:ext cx="1293372" cy="0"/>
-            </a:xfrm>
-            <a:prstGeom prst="straightConnector1">
-              <a:avLst/>
-            </a:prstGeom>
-            <a:ln w="31750">
-              <a:solidFill>
-                <a:schemeClr val="bg1"/>
-              </a:solidFill>
-              <a:headEnd type="triangle"/>
-              <a:tailEnd type="triangle"/>
-            </a:ln>
-          </p:spPr>
-          <p:style>
-            <a:lnRef idx="1">
-              <a:schemeClr val="accent1"/>
-            </a:lnRef>
-            <a:fillRef idx="0">
-              <a:schemeClr val="accent1"/>
-            </a:fillRef>
-            <a:effectRef idx="0">
-              <a:schemeClr val="accent1"/>
-            </a:effectRef>
-            <a:fontRef idx="minor">
-              <a:schemeClr val="tx1"/>
-            </a:fontRef>
-          </p:style>
-        </p:cxnSp>
-      </p:grpSp>
-      <p:sp>
-        <p:nvSpPr>
-          <p:cNvPr id="3" name="TextBox 2">
-            <a:extLst>
-              <a:ext uri="{FF2B5EF4-FFF2-40B4-BE49-F238E27FC236}">
-                <a16:creationId xmlns:a16="http://schemas.microsoft.com/office/drawing/2014/main" id="{CBD49B04-C92F-40ED-8FC4-A162EC27C2F0}"/>
-              </a:ext>
-            </a:extLst>
-          </p:cNvPr>
-          <p:cNvSpPr txBox="1"/>
-          <p:nvPr/>
-        </p:nvSpPr>
-        <p:spPr>
-          <a:xfrm>
-            <a:off x="5919329" y="4684844"/>
-            <a:ext cx="372218" cy="511615"/>
-          </a:xfrm>
-          <a:prstGeom prst="rect">
-            <a:avLst/>
-          </a:prstGeom>
-          <a:noFill/>
-        </p:spPr>
-        <p:txBody>
-          <a:bodyPr wrap="none" rtlCol="0">
-            <a:spAutoFit/>
-          </a:bodyPr>
-          <a:lstStyle/>
-          <a:p>
-            <a:pPr algn="l">
-              <a:lnSpc>
-                <a:spcPct val="120000"/>
-              </a:lnSpc>
-            </a:pPr>
-            <a:r>
-              <a:rPr lang="nl-BE" sz="2500" dirty="0"/>
-              <a:t>&lt;</a:t>
-            </a:r>
-          </a:p>
-        </p:txBody>
-      </p:sp>
-    </p:spTree>
-    <p:extLst>
-      <p:ext uri="{BB962C8B-B14F-4D97-AF65-F5344CB8AC3E}">
-        <p14:creationId xmlns:p14="http://schemas.microsoft.com/office/powerpoint/2010/main" val="1956370583"/>
-      </p:ext>
-    </p:extLst>
-  </p:cSld>
-  <p:clrMapOvr>
-    <a:masterClrMapping/>
-  </p:clrMapOvr>
-</p:sld>
-</file>
-
-<file path=ppt/slides/slide17.xml><?xml version="1.0" encoding="utf-8"?>
-<p:sld xmlns:a="http://schemas.openxmlformats.org/drawingml/2006/main" xmlns:r="http://schemas.openxmlformats.org/officeDocument/2006/relationships" xmlns:p="http://schemas.openxmlformats.org/presentationml/2006/main">
-  <p:cSld>
-    <p:spTree>
-      <p:nvGrpSpPr>
-        <p:cNvPr id="1" name=""/>
-        <p:cNvGrpSpPr/>
-        <p:nvPr/>
-      </p:nvGrpSpPr>
-      <p:grpSpPr>
-        <a:xfrm>
-          <a:off x="0" y="0"/>
-          <a:ext cx="0" cy="0"/>
-          <a:chOff x="0" y="0"/>
-          <a:chExt cx="0" cy="0"/>
-        </a:xfrm>
-      </p:grpSpPr>
-      <p:sp>
-        <p:nvSpPr>
-          <p:cNvPr id="2" name="Title 1">
-            <a:extLst>
-              <a:ext uri="{FF2B5EF4-FFF2-40B4-BE49-F238E27FC236}">
-                <a16:creationId xmlns:a16="http://schemas.microsoft.com/office/drawing/2014/main" id="{8C7F0F6A-AA92-E108-730A-4C10F500829E}"/>
-              </a:ext>
-            </a:extLst>
-          </p:cNvPr>
-          <p:cNvSpPr>
-            <a:spLocks noGrp="1"/>
-          </p:cNvSpPr>
-          <p:nvPr>
-            <p:ph type="title"/>
-          </p:nvPr>
-        </p:nvSpPr>
-        <p:spPr/>
-        <p:txBody>
-          <a:bodyPr/>
-          <a:lstStyle/>
-          <a:p>
-            <a:r>
-              <a:rPr lang="nl-BE"/>
-              <a:t>results</a:t>
-            </a:r>
-            <a:endParaRPr lang="en-GB"/>
-          </a:p>
-        </p:txBody>
-      </p:sp>
-      <p:pic>
-        <p:nvPicPr>
-          <p:cNvPr id="5" name="Picture 4">
-            <a:extLst>
-              <a:ext uri="{FF2B5EF4-FFF2-40B4-BE49-F238E27FC236}">
-                <a16:creationId xmlns:a16="http://schemas.microsoft.com/office/drawing/2014/main" id="{EFC7ACE7-78EE-7B88-C861-33895937372D}"/>
-              </a:ext>
-            </a:extLst>
-          </p:cNvPr>
-          <p:cNvPicPr>
-            <a:picLocks noChangeAspect="1"/>
-          </p:cNvPicPr>
-          <p:nvPr/>
-        </p:nvPicPr>
-        <p:blipFill>
-          <a:blip r:embed="rId2"/>
-          <a:stretch>
-            <a:fillRect/>
-          </a:stretch>
-        </p:blipFill>
-        <p:spPr>
-          <a:xfrm>
-            <a:off x="4409285" y="815752"/>
-            <a:ext cx="5066433" cy="2520000"/>
-          </a:xfrm>
-          <a:prstGeom prst="rect">
-            <a:avLst/>
-          </a:prstGeom>
-        </p:spPr>
-      </p:pic>
-      <p:pic>
-        <p:nvPicPr>
-          <p:cNvPr id="7" name="Picture 6">
-            <a:extLst>
-              <a:ext uri="{FF2B5EF4-FFF2-40B4-BE49-F238E27FC236}">
-                <a16:creationId xmlns:a16="http://schemas.microsoft.com/office/drawing/2014/main" id="{8515DFC2-F290-E914-64AA-102B33A7747C}"/>
-              </a:ext>
-            </a:extLst>
-          </p:cNvPr>
-          <p:cNvPicPr>
-            <a:picLocks noChangeAspect="1"/>
-          </p:cNvPicPr>
-          <p:nvPr/>
-        </p:nvPicPr>
-        <p:blipFill>
-          <a:blip r:embed="rId3"/>
-          <a:stretch>
-            <a:fillRect/>
-          </a:stretch>
-        </p:blipFill>
-        <p:spPr>
-          <a:xfrm>
-            <a:off x="4399867" y="3655714"/>
-            <a:ext cx="5075851" cy="2520000"/>
-          </a:xfrm>
-          <a:prstGeom prst="rect">
-            <a:avLst/>
-          </a:prstGeom>
-        </p:spPr>
-      </p:pic>
-      <p:sp>
-        <p:nvSpPr>
-          <p:cNvPr id="8" name="TextBox 7">
-            <a:extLst>
-              <a:ext uri="{FF2B5EF4-FFF2-40B4-BE49-F238E27FC236}">
-                <a16:creationId xmlns:a16="http://schemas.microsoft.com/office/drawing/2014/main" id="{D5AF61FA-4C83-47A0-7128-48302C190A7E}"/>
-              </a:ext>
-            </a:extLst>
-          </p:cNvPr>
-          <p:cNvSpPr txBox="1"/>
-          <p:nvPr/>
-        </p:nvSpPr>
-        <p:spPr>
-          <a:xfrm>
-            <a:off x="1677886" y="1404131"/>
-            <a:ext cx="2391838" cy="1434945"/>
-          </a:xfrm>
-          <a:prstGeom prst="rect">
-            <a:avLst/>
-          </a:prstGeom>
-          <a:noFill/>
-        </p:spPr>
-        <p:txBody>
-          <a:bodyPr wrap="square" rtlCol="0">
-            <a:spAutoFit/>
-          </a:bodyPr>
-          <a:lstStyle/>
-          <a:p>
-            <a:pPr algn="l">
-              <a:lnSpc>
-                <a:spcPct val="120000"/>
-              </a:lnSpc>
-            </a:pPr>
-            <a:r>
-              <a:rPr lang="nl-BE" sz="2500" dirty="0" err="1"/>
-              <a:t>Lumer-Faieta</a:t>
-            </a:r>
-            <a:r>
-              <a:rPr lang="nl-BE" sz="2500" dirty="0"/>
-              <a:t> without clustering</a:t>
-            </a:r>
-            <a:endParaRPr lang="en-GB" sz="2500" dirty="0"/>
-          </a:p>
-        </p:txBody>
-      </p:sp>
-      <p:sp>
-        <p:nvSpPr>
-          <p:cNvPr id="9" name="TextBox 8">
-            <a:extLst>
-              <a:ext uri="{FF2B5EF4-FFF2-40B4-BE49-F238E27FC236}">
-                <a16:creationId xmlns:a16="http://schemas.microsoft.com/office/drawing/2014/main" id="{A0AB8EA0-E95D-1721-8CE3-C90925E148E2}"/>
-              </a:ext>
-            </a:extLst>
-          </p:cNvPr>
-          <p:cNvSpPr txBox="1"/>
-          <p:nvPr/>
-        </p:nvSpPr>
-        <p:spPr>
-          <a:xfrm>
-            <a:off x="1677886" y="4480589"/>
-            <a:ext cx="2391838" cy="973280"/>
-          </a:xfrm>
-          <a:prstGeom prst="rect">
-            <a:avLst/>
-          </a:prstGeom>
-          <a:noFill/>
-        </p:spPr>
-        <p:txBody>
-          <a:bodyPr wrap="square" rtlCol="0">
-            <a:spAutoFit/>
-          </a:bodyPr>
-          <a:lstStyle/>
-          <a:p>
-            <a:pPr algn="l">
-              <a:lnSpc>
-                <a:spcPct val="120000"/>
-              </a:lnSpc>
-            </a:pPr>
-            <a:r>
-              <a:rPr lang="nl-BE" sz="2500" dirty="0" err="1"/>
-              <a:t>Lumer-Faieta</a:t>
-            </a:r>
-            <a:r>
-              <a:rPr lang="nl-BE" sz="2500" dirty="0"/>
-              <a:t> </a:t>
-            </a:r>
-            <a:r>
-              <a:rPr lang="nl-BE" sz="2500" dirty="0" err="1"/>
-              <a:t>with</a:t>
-            </a:r>
-            <a:r>
-              <a:rPr lang="nl-BE" sz="2500" dirty="0"/>
-              <a:t> clustering</a:t>
-            </a:r>
-            <a:endParaRPr lang="en-GB" sz="2500" dirty="0"/>
-          </a:p>
-        </p:txBody>
-      </p:sp>
-      <p:sp>
-        <p:nvSpPr>
-          <p:cNvPr id="10" name="TextBox 9">
-            <a:extLst>
-              <a:ext uri="{FF2B5EF4-FFF2-40B4-BE49-F238E27FC236}">
-                <a16:creationId xmlns:a16="http://schemas.microsoft.com/office/drawing/2014/main" id="{3C07CB76-13E8-4768-B0C9-7EA29A351EA8}"/>
-              </a:ext>
-            </a:extLst>
-          </p:cNvPr>
-          <p:cNvSpPr txBox="1"/>
-          <p:nvPr/>
-        </p:nvSpPr>
-        <p:spPr>
-          <a:xfrm>
-            <a:off x="5646419" y="6028910"/>
-            <a:ext cx="266824" cy="293607"/>
-          </a:xfrm>
-          <a:prstGeom prst="rect">
-            <a:avLst/>
-          </a:prstGeom>
-          <a:noFill/>
-        </p:spPr>
-        <p:txBody>
-          <a:bodyPr wrap="square" rtlCol="0">
-            <a:spAutoFit/>
-          </a:bodyPr>
-          <a:lstStyle/>
-          <a:p>
-            <a:pPr algn="l">
-              <a:lnSpc>
-                <a:spcPct val="120000"/>
-              </a:lnSpc>
-            </a:pPr>
-            <a:r>
-              <a:rPr lang="nl-BE" sz="1200" dirty="0"/>
-              <a:t>0</a:t>
-            </a:r>
-            <a:endParaRPr lang="en-GB" sz="1200" dirty="0"/>
-          </a:p>
-        </p:txBody>
-      </p:sp>
-      <p:sp>
-        <p:nvSpPr>
-          <p:cNvPr id="11" name="TextBox 10">
-            <a:extLst>
-              <a:ext uri="{FF2B5EF4-FFF2-40B4-BE49-F238E27FC236}">
-                <a16:creationId xmlns:a16="http://schemas.microsoft.com/office/drawing/2014/main" id="{37CB37A2-A169-4AD8-AB27-5D6149033AE3}"/>
-              </a:ext>
-            </a:extLst>
-          </p:cNvPr>
-          <p:cNvSpPr txBox="1"/>
-          <p:nvPr/>
-        </p:nvSpPr>
-        <p:spPr>
-          <a:xfrm>
-            <a:off x="7834504" y="6028909"/>
-            <a:ext cx="708669" cy="293607"/>
-          </a:xfrm>
-          <a:prstGeom prst="rect">
-            <a:avLst/>
-          </a:prstGeom>
-          <a:noFill/>
-        </p:spPr>
-        <p:txBody>
-          <a:bodyPr wrap="square" rtlCol="0">
-            <a:spAutoFit/>
-          </a:bodyPr>
-          <a:lstStyle/>
-          <a:p>
-            <a:pPr algn="l">
-              <a:lnSpc>
-                <a:spcPct val="120000"/>
-              </a:lnSpc>
-            </a:pPr>
-            <a:r>
-              <a:rPr lang="nl-BE" sz="1200" dirty="0"/>
-              <a:t>10 000</a:t>
-            </a:r>
-            <a:endParaRPr lang="en-GB" sz="1200" dirty="0"/>
-          </a:p>
-        </p:txBody>
-      </p:sp>
-      <p:sp>
-        <p:nvSpPr>
-          <p:cNvPr id="12" name="TextBox 11">
-            <a:extLst>
-              <a:ext uri="{FF2B5EF4-FFF2-40B4-BE49-F238E27FC236}">
-                <a16:creationId xmlns:a16="http://schemas.microsoft.com/office/drawing/2014/main" id="{9901BDF0-DF96-445A-9A67-7E3836A783FA}"/>
-              </a:ext>
-            </a:extLst>
-          </p:cNvPr>
-          <p:cNvSpPr txBox="1"/>
-          <p:nvPr/>
-        </p:nvSpPr>
-        <p:spPr>
-          <a:xfrm>
-            <a:off x="5597432" y="3220228"/>
-            <a:ext cx="266824" cy="293607"/>
-          </a:xfrm>
-          <a:prstGeom prst="rect">
-            <a:avLst/>
-          </a:prstGeom>
-          <a:noFill/>
-        </p:spPr>
-        <p:txBody>
-          <a:bodyPr wrap="square" rtlCol="0">
-            <a:spAutoFit/>
-          </a:bodyPr>
-          <a:lstStyle/>
-          <a:p>
-            <a:pPr algn="l">
-              <a:lnSpc>
-                <a:spcPct val="120000"/>
-              </a:lnSpc>
-            </a:pPr>
-            <a:r>
-              <a:rPr lang="nl-BE" sz="1200" dirty="0"/>
-              <a:t>0</a:t>
-            </a:r>
-            <a:endParaRPr lang="en-GB" sz="1200" dirty="0"/>
-          </a:p>
-        </p:txBody>
-      </p:sp>
-      <p:sp>
-        <p:nvSpPr>
-          <p:cNvPr id="13" name="TextBox 12">
-            <a:extLst>
-              <a:ext uri="{FF2B5EF4-FFF2-40B4-BE49-F238E27FC236}">
-                <a16:creationId xmlns:a16="http://schemas.microsoft.com/office/drawing/2014/main" id="{B5389610-4806-4A44-9653-034C88C2E71E}"/>
-              </a:ext>
-            </a:extLst>
-          </p:cNvPr>
-          <p:cNvSpPr txBox="1"/>
-          <p:nvPr/>
-        </p:nvSpPr>
-        <p:spPr>
-          <a:xfrm>
-            <a:off x="7785516" y="3220227"/>
-            <a:ext cx="901283" cy="293607"/>
-          </a:xfrm>
-          <a:prstGeom prst="rect">
-            <a:avLst/>
-          </a:prstGeom>
-          <a:noFill/>
-        </p:spPr>
-        <p:txBody>
-          <a:bodyPr wrap="square" rtlCol="0">
-            <a:spAutoFit/>
-          </a:bodyPr>
-          <a:lstStyle/>
-          <a:p>
-            <a:pPr algn="l">
-              <a:lnSpc>
-                <a:spcPct val="120000"/>
-              </a:lnSpc>
-            </a:pPr>
-            <a:r>
-              <a:rPr lang="nl-BE" sz="1200" dirty="0"/>
-              <a:t>1 000 000</a:t>
-            </a:r>
-            <a:endParaRPr lang="en-GB" sz="1200" dirty="0"/>
-          </a:p>
-        </p:txBody>
-      </p:sp>
-    </p:spTree>
-    <p:extLst>
-      <p:ext uri="{BB962C8B-B14F-4D97-AF65-F5344CB8AC3E}">
-        <p14:creationId xmlns:p14="http://schemas.microsoft.com/office/powerpoint/2010/main" val="2745004865"/>
-      </p:ext>
-    </p:extLst>
-  </p:cSld>
-  <p:clrMapOvr>
-    <a:masterClrMapping/>
-  </p:clrMapOvr>
-</p:sld>
-</file>
-
-<file path=ppt/slides/slide18.xml><?xml version="1.0" encoding="utf-8"?>
-<p:sld xmlns:a="http://schemas.openxmlformats.org/drawingml/2006/main" xmlns:r="http://schemas.openxmlformats.org/officeDocument/2006/relationships" xmlns:p="http://schemas.openxmlformats.org/presentationml/2006/main">
-  <p:cSld>
-    <p:spTree>
-      <p:nvGrpSpPr>
-        <p:cNvPr id="1" name=""/>
-        <p:cNvGrpSpPr/>
-        <p:nvPr/>
-      </p:nvGrpSpPr>
-      <p:grpSpPr>
-        <a:xfrm>
-          <a:off x="0" y="0"/>
-          <a:ext cx="0" cy="0"/>
-          <a:chOff x="0" y="0"/>
-          <a:chExt cx="0" cy="0"/>
-        </a:xfrm>
-      </p:grpSpPr>
-      <p:sp>
-        <p:nvSpPr>
-          <p:cNvPr id="2" name="Title 1">
-            <a:extLst>
-              <a:ext uri="{FF2B5EF4-FFF2-40B4-BE49-F238E27FC236}">
                 <a16:creationId xmlns:a16="http://schemas.microsoft.com/office/drawing/2014/main" id="{C33144C4-4F99-DD45-583C-8811E5C23CD1}"/>
               </a:ext>
             </a:extLst>
@@ -6959,7 +6436,7 @@
 </p:sld>
 </file>
 
-<file path=ppt/slides/slide19.xml><?xml version="1.0" encoding="utf-8"?>
+<file path=ppt/slides/slide17.xml><?xml version="1.0" encoding="utf-8"?>
 <p:sld xmlns:a="http://schemas.openxmlformats.org/drawingml/2006/main" xmlns:r="http://schemas.openxmlformats.org/officeDocument/2006/relationships" xmlns:p="http://schemas.openxmlformats.org/presentationml/2006/main">
   <p:cSld>
     <p:spTree>
@@ -7061,7 +6538,7 @@
           <p:cNvPr id="2" name="Title 1">
             <a:extLst>
               <a:ext uri="{FF2B5EF4-FFF2-40B4-BE49-F238E27FC236}">
-                <a16:creationId xmlns:a16="http://schemas.microsoft.com/office/drawing/2014/main" id="{931BCE29-87CE-39B4-9C14-FC37B2FAF69C}"/>
+                <a16:creationId xmlns:a16="http://schemas.microsoft.com/office/drawing/2014/main" id="{FC2B34A9-8C48-A345-DA3D-E7E03450BFEB}"/>
               </a:ext>
             </a:extLst>
           </p:cNvPr>
@@ -7069,7 +6546,7 @@
             <a:spLocks noGrp="1"/>
           </p:cNvSpPr>
           <p:nvPr>
-            <p:ph type="ctrTitle"/>
+            <p:ph type="title"/>
           </p:nvPr>
         </p:nvSpPr>
         <p:spPr/>
@@ -7078,7 +6555,7 @@
           <a:lstStyle/>
           <a:p>
             <a:r>
-              <a:rPr lang="en-GB" dirty="0"/>
+              <a:rPr lang="nl-BE" dirty="0" err="1"/>
               <a:t>Ant</a:t>
             </a:r>
             <a:r>
@@ -7087,7 +6564,15 @@
             </a:r>
             <a:r>
               <a:rPr lang="nl-BE" dirty="0" err="1"/>
-              <a:t>sorting</a:t>
+              <a:t>colony</a:t>
+            </a:r>
+            <a:r>
+              <a:rPr lang="nl-BE" dirty="0"/>
+              <a:t> </a:t>
+            </a:r>
+            <a:r>
+              <a:rPr lang="nl-BE" dirty="0" err="1"/>
+              <a:t>algorithms</a:t>
             </a:r>
             <a:endParaRPr lang="en-GB" dirty="0"/>
           </a:p>
@@ -7095,10 +6580,10 @@
       </p:sp>
       <p:sp>
         <p:nvSpPr>
-          <p:cNvPr id="3" name="Subtitle 2">
+          <p:cNvPr id="4" name="Content Placeholder 3">
             <a:extLst>
               <a:ext uri="{FF2B5EF4-FFF2-40B4-BE49-F238E27FC236}">
-                <a16:creationId xmlns:a16="http://schemas.microsoft.com/office/drawing/2014/main" id="{4ED2592D-77A3-2D95-72F8-BBB94F08F484}"/>
+                <a16:creationId xmlns:a16="http://schemas.microsoft.com/office/drawing/2014/main" id="{D143CA49-DAB1-49DB-AE9B-9D31ADACC43B}"/>
               </a:ext>
             </a:extLst>
           </p:cNvPr>
@@ -7106,7 +6591,7 @@
             <a:spLocks noGrp="1"/>
           </p:cNvSpPr>
           <p:nvPr>
-            <p:ph type="subTitle" idx="1"/>
+            <p:ph idx="1"/>
           </p:nvPr>
         </p:nvSpPr>
         <p:spPr/>
@@ -7114,115 +6599,14 @@
           <a:bodyPr/>
           <a:lstStyle/>
           <a:p>
-            <a:r>
-              <a:rPr lang="nl-BE"/>
-              <a:t>Menno Van Damme, Yari Van Laere</a:t>
-            </a:r>
-            <a:endParaRPr lang="en-GB"/>
-          </a:p>
-        </p:txBody>
-      </p:sp>
-      <p:sp>
-        <p:nvSpPr>
-          <p:cNvPr id="4" name="Picture Placeholder 3">
-            <a:extLst>
-              <a:ext uri="{FF2B5EF4-FFF2-40B4-BE49-F238E27FC236}">
-                <a16:creationId xmlns:a16="http://schemas.microsoft.com/office/drawing/2014/main" id="{2260B321-D9ED-671D-A8DE-294F93875356}"/>
-              </a:ext>
-            </a:extLst>
-          </p:cNvPr>
-          <p:cNvSpPr>
-            <a:spLocks noGrp="1"/>
-          </p:cNvSpPr>
-          <p:nvPr>
-            <p:ph type="pic" sz="quarter" idx="11"/>
-          </p:nvPr>
-        </p:nvSpPr>
-        <p:spPr/>
-      </p:sp>
-      <p:sp>
-        <p:nvSpPr>
-          <p:cNvPr id="5" name="Picture Placeholder 4">
-            <a:extLst>
-              <a:ext uri="{FF2B5EF4-FFF2-40B4-BE49-F238E27FC236}">
-                <a16:creationId xmlns:a16="http://schemas.microsoft.com/office/drawing/2014/main" id="{B1F914DF-26B4-FE4E-16DF-2E6DE5C3BFDA}"/>
-              </a:ext>
-            </a:extLst>
-          </p:cNvPr>
-          <p:cNvSpPr>
-            <a:spLocks noGrp="1"/>
-          </p:cNvSpPr>
-          <p:nvPr>
-            <p:ph type="pic" sz="quarter" idx="12"/>
-          </p:nvPr>
-        </p:nvSpPr>
-        <p:spPr/>
-      </p:sp>
-      <p:sp>
-        <p:nvSpPr>
-          <p:cNvPr id="6" name="Picture Placeholder 5">
-            <a:extLst>
-              <a:ext uri="{FF2B5EF4-FFF2-40B4-BE49-F238E27FC236}">
-                <a16:creationId xmlns:a16="http://schemas.microsoft.com/office/drawing/2014/main" id="{38FEECCD-1F3A-22F0-B7CF-C89E551525C8}"/>
-              </a:ext>
-            </a:extLst>
-          </p:cNvPr>
-          <p:cNvSpPr>
-            <a:spLocks noGrp="1"/>
-          </p:cNvSpPr>
-          <p:nvPr>
-            <p:ph type="pic" sz="quarter" idx="13"/>
-          </p:nvPr>
-        </p:nvSpPr>
-        <p:spPr/>
-      </p:sp>
-      <p:sp>
-        <p:nvSpPr>
-          <p:cNvPr id="7" name="Picture Placeholder 6">
-            <a:extLst>
-              <a:ext uri="{FF2B5EF4-FFF2-40B4-BE49-F238E27FC236}">
-                <a16:creationId xmlns:a16="http://schemas.microsoft.com/office/drawing/2014/main" id="{CD123077-EB29-8FA7-3BCE-3892B4B3B393}"/>
-              </a:ext>
-            </a:extLst>
-          </p:cNvPr>
-          <p:cNvSpPr>
-            <a:spLocks noGrp="1"/>
-          </p:cNvSpPr>
-          <p:nvPr>
-            <p:ph type="pic" sz="quarter" idx="14"/>
-          </p:nvPr>
-        </p:nvSpPr>
-        <p:spPr/>
-      </p:sp>
-      <p:sp>
-        <p:nvSpPr>
-          <p:cNvPr id="8" name="Text Placeholder 7">
-            <a:extLst>
-              <a:ext uri="{FF2B5EF4-FFF2-40B4-BE49-F238E27FC236}">
-                <a16:creationId xmlns:a16="http://schemas.microsoft.com/office/drawing/2014/main" id="{B6D1558F-5419-3FCC-1F2C-95C52F156046}"/>
-              </a:ext>
-            </a:extLst>
-          </p:cNvPr>
-          <p:cNvSpPr>
-            <a:spLocks noGrp="1"/>
-          </p:cNvSpPr>
-          <p:nvPr>
-            <p:ph type="body" sz="quarter" idx="15"/>
-          </p:nvPr>
-        </p:nvSpPr>
-        <p:spPr/>
-        <p:txBody>
-          <a:bodyPr/>
-          <a:lstStyle/>
-          <a:p>
-            <a:endParaRPr lang="en-GB"/>
+            <a:endParaRPr lang="nl-BE"/>
           </a:p>
         </p:txBody>
       </p:sp>
     </p:spTree>
     <p:extLst>
       <p:ext uri="{BB962C8B-B14F-4D97-AF65-F5344CB8AC3E}">
-        <p14:creationId xmlns:p14="http://schemas.microsoft.com/office/powerpoint/2010/main" val="822974011"/>
+        <p14:creationId xmlns:p14="http://schemas.microsoft.com/office/powerpoint/2010/main" val="1656064058"/>
       </p:ext>
     </p:extLst>
   </p:cSld>
@@ -7280,106 +6664,6 @@
             </a:r>
             <a:r>
               <a:rPr lang="nl-BE" dirty="0" err="1"/>
-              <a:t>colony</a:t>
-            </a:r>
-            <a:r>
-              <a:rPr lang="nl-BE" dirty="0"/>
-              <a:t> </a:t>
-            </a:r>
-            <a:r>
-              <a:rPr lang="nl-BE" dirty="0" err="1"/>
-              <a:t>algorithms</a:t>
-            </a:r>
-            <a:endParaRPr lang="en-GB" dirty="0"/>
-          </a:p>
-        </p:txBody>
-      </p:sp>
-      <p:sp>
-        <p:nvSpPr>
-          <p:cNvPr id="4" name="Content Placeholder 3">
-            <a:extLst>
-              <a:ext uri="{FF2B5EF4-FFF2-40B4-BE49-F238E27FC236}">
-                <a16:creationId xmlns:a16="http://schemas.microsoft.com/office/drawing/2014/main" id="{D143CA49-DAB1-49DB-AE9B-9D31ADACC43B}"/>
-              </a:ext>
-            </a:extLst>
-          </p:cNvPr>
-          <p:cNvSpPr>
-            <a:spLocks noGrp="1"/>
-          </p:cNvSpPr>
-          <p:nvPr>
-            <p:ph idx="1"/>
-          </p:nvPr>
-        </p:nvSpPr>
-        <p:spPr/>
-        <p:txBody>
-          <a:bodyPr/>
-          <a:lstStyle/>
-          <a:p>
-            <a:endParaRPr lang="nl-BE"/>
-          </a:p>
-        </p:txBody>
-      </p:sp>
-    </p:spTree>
-    <p:extLst>
-      <p:ext uri="{BB962C8B-B14F-4D97-AF65-F5344CB8AC3E}">
-        <p14:creationId xmlns:p14="http://schemas.microsoft.com/office/powerpoint/2010/main" val="1656064058"/>
-      </p:ext>
-    </p:extLst>
-  </p:cSld>
-  <p:clrMapOvr>
-    <a:masterClrMapping/>
-  </p:clrMapOvr>
-</p:sld>
-</file>
-
-<file path=ppt/slides/slide4.xml><?xml version="1.0" encoding="utf-8"?>
-<p:sld xmlns:a="http://schemas.openxmlformats.org/drawingml/2006/main" xmlns:r="http://schemas.openxmlformats.org/officeDocument/2006/relationships" xmlns:p="http://schemas.openxmlformats.org/presentationml/2006/main">
-  <p:cSld>
-    <p:spTree>
-      <p:nvGrpSpPr>
-        <p:cNvPr id="1" name=""/>
-        <p:cNvGrpSpPr/>
-        <p:nvPr/>
-      </p:nvGrpSpPr>
-      <p:grpSpPr>
-        <a:xfrm>
-          <a:off x="0" y="0"/>
-          <a:ext cx="0" cy="0"/>
-          <a:chOff x="0" y="0"/>
-          <a:chExt cx="0" cy="0"/>
-        </a:xfrm>
-      </p:grpSpPr>
-      <p:sp>
-        <p:nvSpPr>
-          <p:cNvPr id="2" name="Title 1">
-            <a:extLst>
-              <a:ext uri="{FF2B5EF4-FFF2-40B4-BE49-F238E27FC236}">
-                <a16:creationId xmlns:a16="http://schemas.microsoft.com/office/drawing/2014/main" id="{FC2B34A9-8C48-A345-DA3D-E7E03450BFEB}"/>
-              </a:ext>
-            </a:extLst>
-          </p:cNvPr>
-          <p:cNvSpPr>
-            <a:spLocks noGrp="1"/>
-          </p:cNvSpPr>
-          <p:nvPr>
-            <p:ph type="title"/>
-          </p:nvPr>
-        </p:nvSpPr>
-        <p:spPr/>
-        <p:txBody>
-          <a:bodyPr/>
-          <a:lstStyle/>
-          <a:p>
-            <a:r>
-              <a:rPr lang="nl-BE" dirty="0" err="1"/>
-              <a:t>Ant</a:t>
-            </a:r>
-            <a:r>
-              <a:rPr lang="nl-BE" dirty="0"/>
-              <a:t> </a:t>
-            </a:r>
-            <a:r>
-              <a:rPr lang="nl-BE" dirty="0" err="1"/>
               <a:t>sorting</a:t>
             </a:r>
             <a:endParaRPr lang="en-GB" dirty="0"/>
@@ -7435,7 +6719,7 @@
 </p:sld>
 </file>
 
-<file path=ppt/slides/slide5.xml><?xml version="1.0" encoding="utf-8"?>
+<file path=ppt/slides/slide4.xml><?xml version="1.0" encoding="utf-8"?>
 <p:sld xmlns:a="http://schemas.openxmlformats.org/drawingml/2006/main" xmlns:r="http://schemas.openxmlformats.org/officeDocument/2006/relationships" xmlns:p="http://schemas.openxmlformats.org/presentationml/2006/main">
   <p:cSld>
     <p:spTree>
@@ -7702,6 +6986,172 @@
 </p:sld>
 </file>
 
+<file path=ppt/slides/slide5.xml><?xml version="1.0" encoding="utf-8"?>
+<p:sld xmlns:a="http://schemas.openxmlformats.org/drawingml/2006/main" xmlns:r="http://schemas.openxmlformats.org/officeDocument/2006/relationships" xmlns:p="http://schemas.openxmlformats.org/presentationml/2006/main">
+  <p:cSld>
+    <p:spTree>
+      <p:nvGrpSpPr>
+        <p:cNvPr id="1" name=""/>
+        <p:cNvGrpSpPr/>
+        <p:nvPr/>
+      </p:nvGrpSpPr>
+      <p:grpSpPr>
+        <a:xfrm>
+          <a:off x="0" y="0"/>
+          <a:ext cx="0" cy="0"/>
+          <a:chOff x="0" y="0"/>
+          <a:chExt cx="0" cy="0"/>
+        </a:xfrm>
+      </p:grpSpPr>
+      <p:sp>
+        <p:nvSpPr>
+          <p:cNvPr id="2" name="Title 1">
+            <a:extLst>
+              <a:ext uri="{FF2B5EF4-FFF2-40B4-BE49-F238E27FC236}">
+                <a16:creationId xmlns:a16="http://schemas.microsoft.com/office/drawing/2014/main" id="{FC2B34A9-8C48-A345-DA3D-E7E03450BFEB}"/>
+              </a:ext>
+            </a:extLst>
+          </p:cNvPr>
+          <p:cNvSpPr>
+            <a:spLocks noGrp="1"/>
+          </p:cNvSpPr>
+          <p:nvPr>
+            <p:ph type="title"/>
+          </p:nvPr>
+        </p:nvSpPr>
+        <p:spPr/>
+        <p:txBody>
+          <a:bodyPr/>
+          <a:lstStyle/>
+          <a:p>
+            <a:r>
+              <a:rPr lang="nl-BE"/>
+              <a:t>Lumer-faieta</a:t>
+            </a:r>
+            <a:endParaRPr lang="en-GB"/>
+          </a:p>
+        </p:txBody>
+      </p:sp>
+      <p:pic>
+        <p:nvPicPr>
+          <p:cNvPr id="6" name="Content Placeholder 5">
+            <a:extLst>
+              <a:ext uri="{FF2B5EF4-FFF2-40B4-BE49-F238E27FC236}">
+                <a16:creationId xmlns:a16="http://schemas.microsoft.com/office/drawing/2014/main" id="{F73787FE-33F8-48E9-B7BB-BC0AE5D50869}"/>
+              </a:ext>
+            </a:extLst>
+          </p:cNvPr>
+          <p:cNvPicPr>
+            <a:picLocks noGrp="1" noChangeAspect="1"/>
+          </p:cNvPicPr>
+          <p:nvPr>
+            <p:ph idx="1"/>
+          </p:nvPr>
+        </p:nvPicPr>
+        <p:blipFill>
+          <a:blip r:embed="rId2">
+            <a:extLst>
+              <a:ext uri="{28A0092B-C50C-407E-A947-70E740481C1C}">
+                <a14:useLocalDpi xmlns:a14="http://schemas.microsoft.com/office/drawing/2010/main" val="0"/>
+              </a:ext>
+            </a:extLst>
+          </a:blip>
+          <a:stretch>
+            <a:fillRect/>
+          </a:stretch>
+        </p:blipFill>
+        <p:spPr>
+          <a:xfrm>
+            <a:off x="3604688" y="4638436"/>
+            <a:ext cx="5001500" cy="1080000"/>
+          </a:xfrm>
+        </p:spPr>
+      </p:pic>
+      <p:pic>
+        <p:nvPicPr>
+          <p:cNvPr id="9" name="Picture 8">
+            <a:extLst>
+              <a:ext uri="{FF2B5EF4-FFF2-40B4-BE49-F238E27FC236}">
+                <a16:creationId xmlns:a16="http://schemas.microsoft.com/office/drawing/2014/main" id="{4BDF42B0-D2A8-4F13-A771-07CC0A651403}"/>
+              </a:ext>
+            </a:extLst>
+          </p:cNvPr>
+          <p:cNvPicPr>
+            <a:picLocks noChangeAspect="1"/>
+          </p:cNvPicPr>
+          <p:nvPr/>
+        </p:nvPicPr>
+        <p:blipFill>
+          <a:blip r:embed="rId3">
+            <a:extLst>
+              <a:ext uri="{28A0092B-C50C-407E-A947-70E740481C1C}">
+                <a14:useLocalDpi xmlns:a14="http://schemas.microsoft.com/office/drawing/2010/main" val="0"/>
+              </a:ext>
+            </a:extLst>
+          </a:blip>
+          <a:stretch>
+            <a:fillRect/>
+          </a:stretch>
+        </p:blipFill>
+        <p:spPr>
+          <a:xfrm>
+            <a:off x="2626364" y="1139564"/>
+            <a:ext cx="6958147" cy="1115974"/>
+          </a:xfrm>
+          <a:prstGeom prst="rect">
+            <a:avLst/>
+          </a:prstGeom>
+        </p:spPr>
+      </p:pic>
+      <p:pic>
+        <p:nvPicPr>
+          <p:cNvPr id="11" name="Picture 10">
+            <a:extLst>
+              <a:ext uri="{FF2B5EF4-FFF2-40B4-BE49-F238E27FC236}">
+                <a16:creationId xmlns:a16="http://schemas.microsoft.com/office/drawing/2014/main" id="{B17258F8-E245-4135-8A67-3197DDFEC166}"/>
+              </a:ext>
+            </a:extLst>
+          </p:cNvPr>
+          <p:cNvPicPr>
+            <a:picLocks noChangeAspect="1"/>
+          </p:cNvPicPr>
+          <p:nvPr/>
+        </p:nvPicPr>
+        <p:blipFill>
+          <a:blip r:embed="rId4">
+            <a:extLst>
+              <a:ext uri="{28A0092B-C50C-407E-A947-70E740481C1C}">
+                <a14:useLocalDpi xmlns:a14="http://schemas.microsoft.com/office/drawing/2010/main" val="0"/>
+              </a:ext>
+            </a:extLst>
+          </a:blip>
+          <a:stretch>
+            <a:fillRect/>
+          </a:stretch>
+        </p:blipFill>
+        <p:spPr>
+          <a:xfrm>
+            <a:off x="4048905" y="2961000"/>
+            <a:ext cx="4094182" cy="936000"/>
+          </a:xfrm>
+          <a:prstGeom prst="rect">
+            <a:avLst/>
+          </a:prstGeom>
+        </p:spPr>
+      </p:pic>
+    </p:spTree>
+    <p:extLst>
+      <p:ext uri="{BB962C8B-B14F-4D97-AF65-F5344CB8AC3E}">
+        <p14:creationId xmlns:p14="http://schemas.microsoft.com/office/powerpoint/2010/main" val="2269281683"/>
+      </p:ext>
+    </p:extLst>
+  </p:cSld>
+  <p:clrMapOvr>
+    <a:masterClrMapping/>
+  </p:clrMapOvr>
+</p:sld>
+</file>
+
 <file path=ppt/slides/slide6.xml><?xml version="1.0" encoding="utf-8"?>
 <p:sld xmlns:a="http://schemas.openxmlformats.org/drawingml/2006/main" xmlns:r="http://schemas.openxmlformats.org/officeDocument/2006/relationships" xmlns:p="http://schemas.openxmlformats.org/presentationml/2006/main">
   <p:cSld>
@@ -7748,117 +7198,35 @@
           </a:p>
         </p:txBody>
       </p:sp>
-      <p:pic>
-        <p:nvPicPr>
-          <p:cNvPr id="6" name="Content Placeholder 5">
+      <p:sp>
+        <p:nvSpPr>
+          <p:cNvPr id="4" name="Content Placeholder 3">
             <a:extLst>
               <a:ext uri="{FF2B5EF4-FFF2-40B4-BE49-F238E27FC236}">
-                <a16:creationId xmlns:a16="http://schemas.microsoft.com/office/drawing/2014/main" id="{F73787FE-33F8-48E9-B7BB-BC0AE5D50869}"/>
+                <a16:creationId xmlns:a16="http://schemas.microsoft.com/office/drawing/2014/main" id="{9608AB0A-4173-4C12-BA2E-9DEC19602B4B}"/>
               </a:ext>
             </a:extLst>
           </p:cNvPr>
-          <p:cNvPicPr>
-            <a:picLocks noGrp="1" noChangeAspect="1"/>
-          </p:cNvPicPr>
+          <p:cNvSpPr>
+            <a:spLocks noGrp="1"/>
+          </p:cNvSpPr>
           <p:nvPr>
             <p:ph idx="1"/>
           </p:nvPr>
-        </p:nvPicPr>
-        <p:blipFill>
-          <a:blip r:embed="rId2">
-            <a:extLst>
-              <a:ext uri="{28A0092B-C50C-407E-A947-70E740481C1C}">
-                <a14:useLocalDpi xmlns:a14="http://schemas.microsoft.com/office/drawing/2010/main" val="0"/>
-              </a:ext>
-            </a:extLst>
-          </a:blip>
-          <a:stretch>
-            <a:fillRect/>
-          </a:stretch>
-        </p:blipFill>
-        <p:spPr>
-          <a:xfrm>
-            <a:off x="3604688" y="4638436"/>
-            <a:ext cx="5001500" cy="1080000"/>
-          </a:xfrm>
-        </p:spPr>
-      </p:pic>
-      <p:pic>
-        <p:nvPicPr>
-          <p:cNvPr id="9" name="Picture 8">
-            <a:extLst>
-              <a:ext uri="{FF2B5EF4-FFF2-40B4-BE49-F238E27FC236}">
-                <a16:creationId xmlns:a16="http://schemas.microsoft.com/office/drawing/2014/main" id="{4BDF42B0-D2A8-4F13-A771-07CC0A651403}"/>
-              </a:ext>
-            </a:extLst>
-          </p:cNvPr>
-          <p:cNvPicPr>
-            <a:picLocks noChangeAspect="1"/>
-          </p:cNvPicPr>
-          <p:nvPr/>
-        </p:nvPicPr>
-        <p:blipFill>
-          <a:blip r:embed="rId3">
-            <a:extLst>
-              <a:ext uri="{28A0092B-C50C-407E-A947-70E740481C1C}">
-                <a14:useLocalDpi xmlns:a14="http://schemas.microsoft.com/office/drawing/2010/main" val="0"/>
-              </a:ext>
-            </a:extLst>
-          </a:blip>
-          <a:stretch>
-            <a:fillRect/>
-          </a:stretch>
-        </p:blipFill>
-        <p:spPr>
-          <a:xfrm>
-            <a:off x="2626364" y="1139564"/>
-            <a:ext cx="6958147" cy="1115974"/>
-          </a:xfrm>
-          <a:prstGeom prst="rect">
-            <a:avLst/>
-          </a:prstGeom>
-        </p:spPr>
-      </p:pic>
-      <p:pic>
-        <p:nvPicPr>
-          <p:cNvPr id="11" name="Picture 10">
-            <a:extLst>
-              <a:ext uri="{FF2B5EF4-FFF2-40B4-BE49-F238E27FC236}">
-                <a16:creationId xmlns:a16="http://schemas.microsoft.com/office/drawing/2014/main" id="{B17258F8-E245-4135-8A67-3197DDFEC166}"/>
-              </a:ext>
-            </a:extLst>
-          </p:cNvPr>
-          <p:cNvPicPr>
-            <a:picLocks noChangeAspect="1"/>
-          </p:cNvPicPr>
-          <p:nvPr/>
-        </p:nvPicPr>
-        <p:blipFill>
-          <a:blip r:embed="rId4">
-            <a:extLst>
-              <a:ext uri="{28A0092B-C50C-407E-A947-70E740481C1C}">
-                <a14:useLocalDpi xmlns:a14="http://schemas.microsoft.com/office/drawing/2010/main" val="0"/>
-              </a:ext>
-            </a:extLst>
-          </a:blip>
-          <a:stretch>
-            <a:fillRect/>
-          </a:stretch>
-        </p:blipFill>
-        <p:spPr>
-          <a:xfrm>
-            <a:off x="4048905" y="2961000"/>
-            <a:ext cx="4094182" cy="936000"/>
-          </a:xfrm>
-          <a:prstGeom prst="rect">
-            <a:avLst/>
-          </a:prstGeom>
-        </p:spPr>
-      </p:pic>
+        </p:nvSpPr>
+        <p:spPr/>
+        <p:txBody>
+          <a:bodyPr/>
+          <a:lstStyle/>
+          <a:p>
+            <a:endParaRPr lang="nl-BE"/>
+          </a:p>
+        </p:txBody>
+      </p:sp>
     </p:spTree>
     <p:extLst>
       <p:ext uri="{BB962C8B-B14F-4D97-AF65-F5344CB8AC3E}">
-        <p14:creationId xmlns:p14="http://schemas.microsoft.com/office/powerpoint/2010/main" val="2269281683"/>
+        <p14:creationId xmlns:p14="http://schemas.microsoft.com/office/powerpoint/2010/main" val="391687119"/>
       </p:ext>
     </p:extLst>
   </p:cSld>
@@ -7890,7 +7258,7 @@
           <p:cNvPr id="2" name="Title 1">
             <a:extLst>
               <a:ext uri="{FF2B5EF4-FFF2-40B4-BE49-F238E27FC236}">
-                <a16:creationId xmlns:a16="http://schemas.microsoft.com/office/drawing/2014/main" id="{FC2B34A9-8C48-A345-DA3D-E7E03450BFEB}"/>
+                <a16:creationId xmlns:a16="http://schemas.microsoft.com/office/drawing/2014/main" id="{0541C543-D361-7AC4-6768-08DC28C93612}"/>
               </a:ext>
             </a:extLst>
           </p:cNvPr>
@@ -7908,7 +7276,7 @@
           <a:p>
             <a:r>
               <a:rPr lang="nl-BE"/>
-              <a:t>Lumer-faieta</a:t>
+              <a:t>Results Lumer-Faieta</a:t>
             </a:r>
             <a:endParaRPr lang="en-GB"/>
           </a:p>
@@ -7916,45 +7284,40 @@
       </p:sp>
       <p:pic>
         <p:nvPicPr>
-          <p:cNvPr id="6" name="Content Placeholder 5">
+          <p:cNvPr id="5" name="Picture 4">
             <a:extLst>
               <a:ext uri="{FF2B5EF4-FFF2-40B4-BE49-F238E27FC236}">
-                <a16:creationId xmlns:a16="http://schemas.microsoft.com/office/drawing/2014/main" id="{F73787FE-33F8-48E9-B7BB-BC0AE5D50869}"/>
+                <a16:creationId xmlns:a16="http://schemas.microsoft.com/office/drawing/2014/main" id="{0DF49F02-8FE1-1095-FC38-5DE5E69BD75C}"/>
               </a:ext>
             </a:extLst>
           </p:cNvPr>
           <p:cNvPicPr>
-            <a:picLocks noGrp="1" noChangeAspect="1"/>
+            <a:picLocks/>
           </p:cNvPicPr>
-          <p:nvPr>
-            <p:ph idx="1"/>
-          </p:nvPr>
+          <p:nvPr/>
         </p:nvPicPr>
         <p:blipFill>
-          <a:blip r:embed="rId2">
-            <a:extLst>
-              <a:ext uri="{28A0092B-C50C-407E-A947-70E740481C1C}">
-                <a14:useLocalDpi xmlns:a14="http://schemas.microsoft.com/office/drawing/2010/main" val="0"/>
-              </a:ext>
-            </a:extLst>
-          </a:blip>
+          <a:blip r:embed="rId2"/>
           <a:stretch>
             <a:fillRect/>
           </a:stretch>
         </p:blipFill>
         <p:spPr>
           <a:xfrm>
-            <a:off x="3604688" y="4638436"/>
-            <a:ext cx="5001500" cy="1080000"/>
-          </a:xfrm>
+            <a:off x="2586509" y="1053868"/>
+            <a:ext cx="7074000" cy="2394000"/>
+          </a:xfrm>
+          <a:prstGeom prst="rect">
+            <a:avLst/>
+          </a:prstGeom>
         </p:spPr>
       </p:pic>
       <p:pic>
         <p:nvPicPr>
-          <p:cNvPr id="9" name="Picture 8">
+          <p:cNvPr id="7" name="Picture 6">
             <a:extLst>
               <a:ext uri="{FF2B5EF4-FFF2-40B4-BE49-F238E27FC236}">
-                <a16:creationId xmlns:a16="http://schemas.microsoft.com/office/drawing/2014/main" id="{4BDF42B0-D2A8-4F13-A771-07CC0A651403}"/>
+                <a16:creationId xmlns:a16="http://schemas.microsoft.com/office/drawing/2014/main" id="{0BA543A1-5BFF-3E20-869C-95FC40552782}"/>
               </a:ext>
             </a:extLst>
           </p:cNvPr>
@@ -7964,67 +7327,148 @@
           <p:nvPr/>
         </p:nvPicPr>
         <p:blipFill>
-          <a:blip r:embed="rId3">
-            <a:extLst>
-              <a:ext uri="{28A0092B-C50C-407E-A947-70E740481C1C}">
-                <a14:useLocalDpi xmlns:a14="http://schemas.microsoft.com/office/drawing/2010/main" val="0"/>
-              </a:ext>
-            </a:extLst>
-          </a:blip>
+          <a:blip r:embed="rId3"/>
           <a:stretch>
             <a:fillRect/>
           </a:stretch>
         </p:blipFill>
         <p:spPr>
           <a:xfrm>
-            <a:off x="2626364" y="1139564"/>
-            <a:ext cx="6958147" cy="1115974"/>
+            <a:off x="2586509" y="3447868"/>
+            <a:ext cx="7094718" cy="2394000"/>
           </a:xfrm>
           <a:prstGeom prst="rect">
             <a:avLst/>
           </a:prstGeom>
         </p:spPr>
       </p:pic>
-      <p:pic>
-        <p:nvPicPr>
-          <p:cNvPr id="11" name="Picture 10">
+      <p:sp>
+        <p:nvSpPr>
+          <p:cNvPr id="6" name="TextBox 5">
             <a:extLst>
               <a:ext uri="{FF2B5EF4-FFF2-40B4-BE49-F238E27FC236}">
-                <a16:creationId xmlns:a16="http://schemas.microsoft.com/office/drawing/2014/main" id="{B17258F8-E245-4135-8A67-3197DDFEC166}"/>
+                <a16:creationId xmlns:a16="http://schemas.microsoft.com/office/drawing/2014/main" id="{2DF9E4F7-D9A5-4693-9D41-8A3BFA16F769}"/>
               </a:ext>
             </a:extLst>
           </p:cNvPr>
-          <p:cNvPicPr>
-            <a:picLocks noChangeAspect="1"/>
-          </p:cNvPicPr>
+          <p:cNvSpPr txBox="1"/>
           <p:nvPr/>
-        </p:nvPicPr>
-        <p:blipFill>
-          <a:blip r:embed="rId4">
-            <a:extLst>
-              <a:ext uri="{28A0092B-C50C-407E-A947-70E740481C1C}">
-                <a14:useLocalDpi xmlns:a14="http://schemas.microsoft.com/office/drawing/2010/main" val="0"/>
-              </a:ext>
-            </a:extLst>
-          </a:blip>
-          <a:stretch>
-            <a:fillRect/>
-          </a:stretch>
-        </p:blipFill>
+        </p:nvSpPr>
         <p:spPr>
           <a:xfrm>
-            <a:off x="4048905" y="2961000"/>
-            <a:ext cx="4094182" cy="936000"/>
+            <a:off x="3686991" y="5804132"/>
+            <a:ext cx="266824" cy="293607"/>
           </a:xfrm>
           <a:prstGeom prst="rect">
             <a:avLst/>
           </a:prstGeom>
-        </p:spPr>
-      </p:pic>
+          <a:noFill/>
+        </p:spPr>
+        <p:txBody>
+          <a:bodyPr wrap="square" rtlCol="0">
+            <a:spAutoFit/>
+          </a:bodyPr>
+          <a:lstStyle/>
+          <a:p>
+            <a:pPr algn="l">
+              <a:lnSpc>
+                <a:spcPct val="120000"/>
+              </a:lnSpc>
+            </a:pPr>
+            <a:r>
+              <a:rPr lang="nl-BE" sz="1200" dirty="0"/>
+              <a:t>0</a:t>
+            </a:r>
+            <a:endParaRPr lang="en-GB" sz="1200" dirty="0"/>
+          </a:p>
+        </p:txBody>
+      </p:sp>
+      <p:sp>
+        <p:nvSpPr>
+          <p:cNvPr id="8" name="TextBox 7">
+            <a:extLst>
+              <a:ext uri="{FF2B5EF4-FFF2-40B4-BE49-F238E27FC236}">
+                <a16:creationId xmlns:a16="http://schemas.microsoft.com/office/drawing/2014/main" id="{C56DF7BB-FECC-4226-BBD2-7C7B40414064}"/>
+              </a:ext>
+            </a:extLst>
+          </p:cNvPr>
+          <p:cNvSpPr txBox="1"/>
+          <p:nvPr/>
+        </p:nvSpPr>
+        <p:spPr>
+          <a:xfrm>
+            <a:off x="5875076" y="5804131"/>
+            <a:ext cx="708669" cy="293607"/>
+          </a:xfrm>
+          <a:prstGeom prst="rect">
+            <a:avLst/>
+          </a:prstGeom>
+          <a:noFill/>
+        </p:spPr>
+        <p:txBody>
+          <a:bodyPr wrap="square" rtlCol="0">
+            <a:spAutoFit/>
+          </a:bodyPr>
+          <a:lstStyle/>
+          <a:p>
+            <a:pPr algn="l">
+              <a:lnSpc>
+                <a:spcPct val="120000"/>
+              </a:lnSpc>
+            </a:pPr>
+            <a:r>
+              <a:rPr lang="nl-BE" sz="1200" dirty="0"/>
+              <a:t>10 000</a:t>
+            </a:r>
+            <a:endParaRPr lang="en-GB" sz="1200" dirty="0"/>
+          </a:p>
+        </p:txBody>
+      </p:sp>
+      <p:sp>
+        <p:nvSpPr>
+          <p:cNvPr id="9" name="TextBox 8">
+            <a:extLst>
+              <a:ext uri="{FF2B5EF4-FFF2-40B4-BE49-F238E27FC236}">
+                <a16:creationId xmlns:a16="http://schemas.microsoft.com/office/drawing/2014/main" id="{BA8FFE77-ED75-40DD-ADF7-CFDC4CB0F60D}"/>
+              </a:ext>
+            </a:extLst>
+          </p:cNvPr>
+          <p:cNvSpPr txBox="1"/>
+          <p:nvPr/>
+        </p:nvSpPr>
+        <p:spPr>
+          <a:xfrm>
+            <a:off x="8092054" y="5804130"/>
+            <a:ext cx="825904" cy="293607"/>
+          </a:xfrm>
+          <a:prstGeom prst="rect">
+            <a:avLst/>
+          </a:prstGeom>
+          <a:noFill/>
+        </p:spPr>
+        <p:txBody>
+          <a:bodyPr wrap="square" rtlCol="0">
+            <a:spAutoFit/>
+          </a:bodyPr>
+          <a:lstStyle/>
+          <a:p>
+            <a:pPr algn="l">
+              <a:lnSpc>
+                <a:spcPct val="120000"/>
+              </a:lnSpc>
+            </a:pPr>
+            <a:r>
+              <a:rPr lang="nl-BE" sz="1200" dirty="0"/>
+              <a:t>100 000</a:t>
+            </a:r>
+            <a:endParaRPr lang="en-GB" sz="1200" dirty="0"/>
+          </a:p>
+        </p:txBody>
+      </p:sp>
     </p:spTree>
     <p:extLst>
       <p:ext uri="{BB962C8B-B14F-4D97-AF65-F5344CB8AC3E}">
-        <p14:creationId xmlns:p14="http://schemas.microsoft.com/office/powerpoint/2010/main" val="391687119"/>
+        <p14:creationId xmlns:p14="http://schemas.microsoft.com/office/powerpoint/2010/main" val="3221247948"/>
       </p:ext>
     </p:extLst>
   </p:cSld>
@@ -8056,7 +7500,7 @@
           <p:cNvPr id="2" name="Title 1">
             <a:extLst>
               <a:ext uri="{FF2B5EF4-FFF2-40B4-BE49-F238E27FC236}">
-                <a16:creationId xmlns:a16="http://schemas.microsoft.com/office/drawing/2014/main" id="{0541C543-D361-7AC4-6768-08DC28C93612}"/>
+                <a16:creationId xmlns:a16="http://schemas.microsoft.com/office/drawing/2014/main" id="{750D7A5D-97F0-DFE5-9F87-2D8F35F216FB}"/>
               </a:ext>
             </a:extLst>
           </p:cNvPr>
@@ -8074,7 +7518,7 @@
           <a:p>
             <a:r>
               <a:rPr lang="nl-BE"/>
-              <a:t>Results Lumer-Faieta</a:t>
+              <a:t>Results with clustering</a:t>
             </a:r>
             <a:endParaRPr lang="en-GB"/>
           </a:p>
@@ -8082,17 +7526,19 @@
       </p:sp>
       <p:pic>
         <p:nvPicPr>
-          <p:cNvPr id="5" name="Picture 4">
+          <p:cNvPr id="7" name="Content Placeholder 6">
             <a:extLst>
               <a:ext uri="{FF2B5EF4-FFF2-40B4-BE49-F238E27FC236}">
-                <a16:creationId xmlns:a16="http://schemas.microsoft.com/office/drawing/2014/main" id="{0DF49F02-8FE1-1095-FC38-5DE5E69BD75C}"/>
+                <a16:creationId xmlns:a16="http://schemas.microsoft.com/office/drawing/2014/main" id="{40CFDE47-5612-8654-D89B-326E619593C5}"/>
               </a:ext>
             </a:extLst>
           </p:cNvPr>
           <p:cNvPicPr>
-            <a:picLocks/>
+            <a:picLocks noGrp="1"/>
           </p:cNvPicPr>
-          <p:nvPr/>
+          <p:nvPr>
+            <p:ph idx="1"/>
+          </p:nvPr>
         </p:nvPicPr>
         <p:blipFill>
           <a:blip r:embed="rId2"/>
@@ -8102,20 +7548,17 @@
         </p:blipFill>
         <p:spPr>
           <a:xfrm>
-            <a:off x="2586509" y="1053868"/>
-            <a:ext cx="7074000" cy="2394000"/>
-          </a:xfrm>
-          <a:prstGeom prst="rect">
-            <a:avLst/>
-          </a:prstGeom>
+            <a:off x="2613000" y="3489893"/>
+            <a:ext cx="7020000" cy="2253342"/>
+          </a:xfrm>
         </p:spPr>
       </p:pic>
       <p:pic>
         <p:nvPicPr>
-          <p:cNvPr id="7" name="Picture 6">
+          <p:cNvPr id="5" name="Picture 4">
             <a:extLst>
               <a:ext uri="{FF2B5EF4-FFF2-40B4-BE49-F238E27FC236}">
-                <a16:creationId xmlns:a16="http://schemas.microsoft.com/office/drawing/2014/main" id="{0BA543A1-5BFF-3E20-869C-95FC40552782}"/>
+                <a16:creationId xmlns:a16="http://schemas.microsoft.com/office/drawing/2014/main" id="{C23136FD-7349-3A2B-8DA7-804E8B26C7FA}"/>
               </a:ext>
             </a:extLst>
           </p:cNvPr>
@@ -8132,8 +7575,8 @@
         </p:blipFill>
         <p:spPr>
           <a:xfrm>
-            <a:off x="2586509" y="3447868"/>
-            <a:ext cx="7094718" cy="2394000"/>
+            <a:off x="2559000" y="1034842"/>
+            <a:ext cx="7074000" cy="2394158"/>
           </a:xfrm>
           <a:prstGeom prst="rect">
             <a:avLst/>
@@ -8145,7 +7588,7 @@
           <p:cNvPr id="6" name="TextBox 5">
             <a:extLst>
               <a:ext uri="{FF2B5EF4-FFF2-40B4-BE49-F238E27FC236}">
-                <a16:creationId xmlns:a16="http://schemas.microsoft.com/office/drawing/2014/main" id="{2DF9E4F7-D9A5-4693-9D41-8A3BFA16F769}"/>
+                <a16:creationId xmlns:a16="http://schemas.microsoft.com/office/drawing/2014/main" id="{27ACAC6D-7EF7-4A94-845D-4F865BE9C5F8}"/>
               </a:ext>
             </a:extLst>
           </p:cNvPr>
@@ -8154,7 +7597,7 @@
         </p:nvSpPr>
         <p:spPr>
           <a:xfrm>
-            <a:off x="3686991" y="5804132"/>
+            <a:off x="3686991" y="5743235"/>
             <a:ext cx="266824" cy="293607"/>
           </a:xfrm>
           <a:prstGeom prst="rect">
@@ -8186,7 +7629,7 @@
           <p:cNvPr id="8" name="TextBox 7">
             <a:extLst>
               <a:ext uri="{FF2B5EF4-FFF2-40B4-BE49-F238E27FC236}">
-                <a16:creationId xmlns:a16="http://schemas.microsoft.com/office/drawing/2014/main" id="{C56DF7BB-FECC-4226-BBD2-7C7B40414064}"/>
+                <a16:creationId xmlns:a16="http://schemas.microsoft.com/office/drawing/2014/main" id="{AF9FC61F-15E6-458F-B0C8-A75E9407C84A}"/>
               </a:ext>
             </a:extLst>
           </p:cNvPr>
@@ -8195,7 +7638,7 @@
         </p:nvSpPr>
         <p:spPr>
           <a:xfrm>
-            <a:off x="5875076" y="5804131"/>
+            <a:off x="5875076" y="5743234"/>
             <a:ext cx="708669" cy="293607"/>
           </a:xfrm>
           <a:prstGeom prst="rect">
@@ -8227,7 +7670,7 @@
           <p:cNvPr id="9" name="TextBox 8">
             <a:extLst>
               <a:ext uri="{FF2B5EF4-FFF2-40B4-BE49-F238E27FC236}">
-                <a16:creationId xmlns:a16="http://schemas.microsoft.com/office/drawing/2014/main" id="{BA8FFE77-ED75-40DD-ADF7-CFDC4CB0F60D}"/>
+                <a16:creationId xmlns:a16="http://schemas.microsoft.com/office/drawing/2014/main" id="{135A59A5-9D18-4070-8452-731D2E92D4CF}"/>
               </a:ext>
             </a:extLst>
           </p:cNvPr>
@@ -8236,7 +7679,7 @@
         </p:nvSpPr>
         <p:spPr>
           <a:xfrm>
-            <a:off x="8092054" y="5804130"/>
+            <a:off x="8092054" y="5743233"/>
             <a:ext cx="825904" cy="293607"/>
           </a:xfrm>
           <a:prstGeom prst="rect">
@@ -8266,7 +7709,7 @@
     </p:spTree>
     <p:extLst>
       <p:ext uri="{BB962C8B-B14F-4D97-AF65-F5344CB8AC3E}">
-        <p14:creationId xmlns:p14="http://schemas.microsoft.com/office/powerpoint/2010/main" val="3221247948"/>
+        <p14:creationId xmlns:p14="http://schemas.microsoft.com/office/powerpoint/2010/main" val="1387879469"/>
       </p:ext>
     </p:extLst>
   </p:cSld>
@@ -8298,7 +7741,7 @@
           <p:cNvPr id="2" name="Title 1">
             <a:extLst>
               <a:ext uri="{FF2B5EF4-FFF2-40B4-BE49-F238E27FC236}">
-                <a16:creationId xmlns:a16="http://schemas.microsoft.com/office/drawing/2014/main" id="{750D7A5D-97F0-DFE5-9F87-2D8F35F216FB}"/>
+                <a16:creationId xmlns:a16="http://schemas.microsoft.com/office/drawing/2014/main" id="{C3A32A2E-A08E-6975-F451-A28563A9D6F1}"/>
               </a:ext>
             </a:extLst>
           </p:cNvPr>
@@ -8316,27 +7759,50 @@
           <a:p>
             <a:r>
               <a:rPr lang="nl-BE"/>
-              <a:t>Results with clustering</a:t>
-            </a:r>
+              <a:t>comparison</a:t>
+            </a:r>
+            <a:endParaRPr lang="en-GB"/>
+          </a:p>
+        </p:txBody>
+      </p:sp>
+      <p:sp>
+        <p:nvSpPr>
+          <p:cNvPr id="3" name="Content Placeholder 2">
+            <a:extLst>
+              <a:ext uri="{FF2B5EF4-FFF2-40B4-BE49-F238E27FC236}">
+                <a16:creationId xmlns:a16="http://schemas.microsoft.com/office/drawing/2014/main" id="{73EF3FBB-A0CA-F3F2-6201-46130C854252}"/>
+              </a:ext>
+            </a:extLst>
+          </p:cNvPr>
+          <p:cNvSpPr>
+            <a:spLocks noGrp="1"/>
+          </p:cNvSpPr>
+          <p:nvPr>
+            <p:ph idx="1"/>
+          </p:nvPr>
+        </p:nvSpPr>
+        <p:spPr/>
+        <p:txBody>
+          <a:bodyPr/>
+          <a:lstStyle/>
+          <a:p>
             <a:endParaRPr lang="en-GB"/>
           </a:p>
         </p:txBody>
       </p:sp>
       <p:pic>
         <p:nvPicPr>
-          <p:cNvPr id="7" name="Content Placeholder 6">
+          <p:cNvPr id="5" name="Picture 4">
             <a:extLst>
               <a:ext uri="{FF2B5EF4-FFF2-40B4-BE49-F238E27FC236}">
-                <a16:creationId xmlns:a16="http://schemas.microsoft.com/office/drawing/2014/main" id="{40CFDE47-5612-8654-D89B-326E619593C5}"/>
+                <a16:creationId xmlns:a16="http://schemas.microsoft.com/office/drawing/2014/main" id="{AFB6C69B-245F-7E1D-3B56-A559D2AEE53B}"/>
               </a:ext>
             </a:extLst>
           </p:cNvPr>
           <p:cNvPicPr>
-            <a:picLocks noGrp="1"/>
+            <a:picLocks noChangeAspect="1"/>
           </p:cNvPicPr>
-          <p:nvPr>
-            <p:ph idx="1"/>
-          </p:nvPr>
+          <p:nvPr/>
         </p:nvPicPr>
         <p:blipFill>
           <a:blip r:embed="rId2"/>
@@ -8346,17 +7812,20 @@
         </p:blipFill>
         <p:spPr>
           <a:xfrm>
-            <a:off x="2613000" y="3489893"/>
-            <a:ext cx="7020000" cy="2253342"/>
-          </a:xfrm>
+            <a:off x="1050557" y="1879629"/>
+            <a:ext cx="5045443" cy="3216893"/>
+          </a:xfrm>
+          <a:prstGeom prst="rect">
+            <a:avLst/>
+          </a:prstGeom>
         </p:spPr>
       </p:pic>
       <p:pic>
         <p:nvPicPr>
-          <p:cNvPr id="5" name="Picture 4">
+          <p:cNvPr id="7" name="Picture 6">
             <a:extLst>
               <a:ext uri="{FF2B5EF4-FFF2-40B4-BE49-F238E27FC236}">
-                <a16:creationId xmlns:a16="http://schemas.microsoft.com/office/drawing/2014/main" id="{C23136FD-7349-3A2B-8DA7-804E8B26C7FA}"/>
+                <a16:creationId xmlns:a16="http://schemas.microsoft.com/office/drawing/2014/main" id="{7C3AC2F8-02A0-7F2F-DD15-4B0EF74B0C92}"/>
               </a:ext>
             </a:extLst>
           </p:cNvPr>
@@ -8373,141 +7842,18 @@
         </p:blipFill>
         <p:spPr>
           <a:xfrm>
-            <a:off x="2559000" y="1034842"/>
-            <a:ext cx="7074000" cy="2394158"/>
+            <a:off x="6468359" y="1879629"/>
+            <a:ext cx="4534293" cy="3551228"/>
           </a:xfrm>
           <a:prstGeom prst="rect">
             <a:avLst/>
           </a:prstGeom>
         </p:spPr>
       </p:pic>
-      <p:sp>
-        <p:nvSpPr>
-          <p:cNvPr id="6" name="TextBox 5">
-            <a:extLst>
-              <a:ext uri="{FF2B5EF4-FFF2-40B4-BE49-F238E27FC236}">
-                <a16:creationId xmlns:a16="http://schemas.microsoft.com/office/drawing/2014/main" id="{27ACAC6D-7EF7-4A94-845D-4F865BE9C5F8}"/>
-              </a:ext>
-            </a:extLst>
-          </p:cNvPr>
-          <p:cNvSpPr txBox="1"/>
-          <p:nvPr/>
-        </p:nvSpPr>
-        <p:spPr>
-          <a:xfrm>
-            <a:off x="3686991" y="5743235"/>
-            <a:ext cx="266824" cy="293607"/>
-          </a:xfrm>
-          <a:prstGeom prst="rect">
-            <a:avLst/>
-          </a:prstGeom>
-          <a:noFill/>
-        </p:spPr>
-        <p:txBody>
-          <a:bodyPr wrap="square" rtlCol="0">
-            <a:spAutoFit/>
-          </a:bodyPr>
-          <a:lstStyle/>
-          <a:p>
-            <a:pPr algn="l">
-              <a:lnSpc>
-                <a:spcPct val="120000"/>
-              </a:lnSpc>
-            </a:pPr>
-            <a:r>
-              <a:rPr lang="nl-BE" sz="1200" dirty="0"/>
-              <a:t>0</a:t>
-            </a:r>
-            <a:endParaRPr lang="en-GB" sz="1200" dirty="0"/>
-          </a:p>
-        </p:txBody>
-      </p:sp>
-      <p:sp>
-        <p:nvSpPr>
-          <p:cNvPr id="8" name="TextBox 7">
-            <a:extLst>
-              <a:ext uri="{FF2B5EF4-FFF2-40B4-BE49-F238E27FC236}">
-                <a16:creationId xmlns:a16="http://schemas.microsoft.com/office/drawing/2014/main" id="{AF9FC61F-15E6-458F-B0C8-A75E9407C84A}"/>
-              </a:ext>
-            </a:extLst>
-          </p:cNvPr>
-          <p:cNvSpPr txBox="1"/>
-          <p:nvPr/>
-        </p:nvSpPr>
-        <p:spPr>
-          <a:xfrm>
-            <a:off x="5875076" y="5743234"/>
-            <a:ext cx="708669" cy="293607"/>
-          </a:xfrm>
-          <a:prstGeom prst="rect">
-            <a:avLst/>
-          </a:prstGeom>
-          <a:noFill/>
-        </p:spPr>
-        <p:txBody>
-          <a:bodyPr wrap="square" rtlCol="0">
-            <a:spAutoFit/>
-          </a:bodyPr>
-          <a:lstStyle/>
-          <a:p>
-            <a:pPr algn="l">
-              <a:lnSpc>
-                <a:spcPct val="120000"/>
-              </a:lnSpc>
-            </a:pPr>
-            <a:r>
-              <a:rPr lang="nl-BE" sz="1200" dirty="0"/>
-              <a:t>10 000</a:t>
-            </a:r>
-            <a:endParaRPr lang="en-GB" sz="1200" dirty="0"/>
-          </a:p>
-        </p:txBody>
-      </p:sp>
-      <p:sp>
-        <p:nvSpPr>
-          <p:cNvPr id="9" name="TextBox 8">
-            <a:extLst>
-              <a:ext uri="{FF2B5EF4-FFF2-40B4-BE49-F238E27FC236}">
-                <a16:creationId xmlns:a16="http://schemas.microsoft.com/office/drawing/2014/main" id="{135A59A5-9D18-4070-8452-731D2E92D4CF}"/>
-              </a:ext>
-            </a:extLst>
-          </p:cNvPr>
-          <p:cNvSpPr txBox="1"/>
-          <p:nvPr/>
-        </p:nvSpPr>
-        <p:spPr>
-          <a:xfrm>
-            <a:off x="8092054" y="5743233"/>
-            <a:ext cx="825904" cy="293607"/>
-          </a:xfrm>
-          <a:prstGeom prst="rect">
-            <a:avLst/>
-          </a:prstGeom>
-          <a:noFill/>
-        </p:spPr>
-        <p:txBody>
-          <a:bodyPr wrap="square" rtlCol="0">
-            <a:spAutoFit/>
-          </a:bodyPr>
-          <a:lstStyle/>
-          <a:p>
-            <a:pPr algn="l">
-              <a:lnSpc>
-                <a:spcPct val="120000"/>
-              </a:lnSpc>
-            </a:pPr>
-            <a:r>
-              <a:rPr lang="nl-BE" sz="1200" dirty="0"/>
-              <a:t>100 000</a:t>
-            </a:r>
-            <a:endParaRPr lang="en-GB" sz="1200" dirty="0"/>
-          </a:p>
-        </p:txBody>
-      </p:sp>
     </p:spTree>
     <p:extLst>
       <p:ext uri="{BB962C8B-B14F-4D97-AF65-F5344CB8AC3E}">
-        <p14:creationId xmlns:p14="http://schemas.microsoft.com/office/powerpoint/2010/main" val="1387879469"/>
+        <p14:creationId xmlns:p14="http://schemas.microsoft.com/office/powerpoint/2010/main" val="2517917068"/>
       </p:ext>
     </p:extLst>
   </p:cSld>
